--- a/src/diagrams.pptx
+++ b/src/diagrams.pptx
@@ -11,9 +11,10 @@
     <p:sldId id="263" r:id="rId5"/>
     <p:sldId id="262" r:id="rId6"/>
     <p:sldId id="266" r:id="rId7"/>
-    <p:sldId id="259" r:id="rId8"/>
-    <p:sldId id="260" r:id="rId9"/>
-    <p:sldId id="264" r:id="rId10"/>
+    <p:sldId id="267" r:id="rId8"/>
+    <p:sldId id="259" r:id="rId9"/>
+    <p:sldId id="260" r:id="rId10"/>
+    <p:sldId id="264" r:id="rId11"/>
   </p:sldIdLst>
   <p:sldSz cx="12192000" cy="6858000"/>
   <p:notesSz cx="6858000" cy="9144000"/>
@@ -4406,6 +4407,2439 @@
     <p:extLst>
       <p:ext uri="{BB962C8B-B14F-4D97-AF65-F5344CB8AC3E}">
         <p14:creationId xmlns:p14="http://schemas.microsoft.com/office/powerpoint/2010/main" val="1264222282"/>
+      </p:ext>
+    </p:extLst>
+  </p:cSld>
+  <p:clrMapOvr>
+    <a:masterClrMapping/>
+  </p:clrMapOvr>
+</p:sld>
+</file>
+
+<file path=ppt/slides/slide10.xml><?xml version="1.0" encoding="utf-8"?>
+<p:sld xmlns:a="http://schemas.openxmlformats.org/drawingml/2006/main" xmlns:r="http://schemas.openxmlformats.org/officeDocument/2006/relationships" xmlns:p="http://schemas.openxmlformats.org/presentationml/2006/main">
+  <p:cSld>
+    <p:spTree>
+      <p:nvGrpSpPr>
+        <p:cNvPr id="1" name=""/>
+        <p:cNvGrpSpPr/>
+        <p:nvPr/>
+      </p:nvGrpSpPr>
+      <p:grpSpPr>
+        <a:xfrm>
+          <a:off x="0" y="0"/>
+          <a:ext cx="0" cy="0"/>
+          <a:chOff x="0" y="0"/>
+          <a:chExt cx="0" cy="0"/>
+        </a:xfrm>
+      </p:grpSpPr>
+      <p:grpSp>
+        <p:nvGrpSpPr>
+          <p:cNvPr id="4" name="Group 3">
+            <a:extLst>
+              <a:ext uri="{FF2B5EF4-FFF2-40B4-BE49-F238E27FC236}">
+                <a16:creationId xmlns:a16="http://schemas.microsoft.com/office/drawing/2014/main" id="{38E7590A-974C-47AD-808D-9F9537D084A3}"/>
+              </a:ext>
+            </a:extLst>
+          </p:cNvPr>
+          <p:cNvGrpSpPr/>
+          <p:nvPr/>
+        </p:nvGrpSpPr>
+        <p:grpSpPr>
+          <a:xfrm>
+            <a:off x="1573493" y="616233"/>
+            <a:ext cx="974026" cy="711124"/>
+            <a:chOff x="9903152" y="2937225"/>
+            <a:chExt cx="1546958" cy="1129413"/>
+          </a:xfrm>
+        </p:grpSpPr>
+        <p:grpSp>
+          <p:nvGrpSpPr>
+            <p:cNvPr id="5" name="Group 4">
+              <a:extLst>
+                <a:ext uri="{FF2B5EF4-FFF2-40B4-BE49-F238E27FC236}">
+                  <a16:creationId xmlns:a16="http://schemas.microsoft.com/office/drawing/2014/main" id="{285C50F3-DB42-4145-BB7F-848DC44C5353}"/>
+                </a:ext>
+              </a:extLst>
+            </p:cNvPr>
+            <p:cNvGrpSpPr/>
+            <p:nvPr/>
+          </p:nvGrpSpPr>
+          <p:grpSpPr>
+            <a:xfrm>
+              <a:off x="10568631" y="2937225"/>
+              <a:ext cx="216000" cy="617838"/>
+              <a:chOff x="4421903" y="238897"/>
+              <a:chExt cx="216000" cy="617838"/>
+            </a:xfrm>
+          </p:grpSpPr>
+          <p:sp>
+            <p:nvSpPr>
+              <p:cNvPr id="7" name="Oval 6">
+                <a:extLst>
+                  <a:ext uri="{FF2B5EF4-FFF2-40B4-BE49-F238E27FC236}">
+                    <a16:creationId xmlns:a16="http://schemas.microsoft.com/office/drawing/2014/main" id="{A4E5AA05-EC87-42EF-81A3-BE23602BC5F2}"/>
+                  </a:ext>
+                </a:extLst>
+              </p:cNvPr>
+              <p:cNvSpPr/>
+              <p:nvPr/>
+            </p:nvSpPr>
+            <p:spPr>
+              <a:xfrm>
+                <a:off x="4431049" y="238897"/>
+                <a:ext cx="197708" cy="197708"/>
+              </a:xfrm>
+              <a:prstGeom prst="ellipse">
+                <a:avLst/>
+              </a:prstGeom>
+              <a:solidFill>
+                <a:schemeClr val="bg1">
+                  <a:lumMod val="95000"/>
+                </a:schemeClr>
+              </a:solidFill>
+              <a:ln>
+                <a:solidFill>
+                  <a:schemeClr val="tx1"/>
+                </a:solidFill>
+              </a:ln>
+            </p:spPr>
+            <p:style>
+              <a:lnRef idx="2">
+                <a:schemeClr val="accent1">
+                  <a:shade val="50000"/>
+                </a:schemeClr>
+              </a:lnRef>
+              <a:fillRef idx="1">
+                <a:schemeClr val="accent1"/>
+              </a:fillRef>
+              <a:effectRef idx="0">
+                <a:schemeClr val="accent1"/>
+              </a:effectRef>
+              <a:fontRef idx="minor">
+                <a:schemeClr val="lt1"/>
+              </a:fontRef>
+            </p:style>
+            <p:txBody>
+              <a:bodyPr rtlCol="0" anchor="ctr"/>
+              <a:lstStyle/>
+              <a:p>
+                <a:pPr algn="ctr"/>
+                <a:endParaRPr lang="en-US" dirty="0"/>
+              </a:p>
+            </p:txBody>
+          </p:sp>
+          <p:cxnSp>
+            <p:nvCxnSpPr>
+              <p:cNvPr id="8" name="Straight Connector 7">
+                <a:extLst>
+                  <a:ext uri="{FF2B5EF4-FFF2-40B4-BE49-F238E27FC236}">
+                    <a16:creationId xmlns:a16="http://schemas.microsoft.com/office/drawing/2014/main" id="{603EE74F-685C-4790-8C9C-2A3E172EDFB4}"/>
+                  </a:ext>
+                </a:extLst>
+              </p:cNvPr>
+              <p:cNvCxnSpPr>
+                <a:cxnSpLocks/>
+                <a:stCxn id="7" idx="4"/>
+              </p:cNvCxnSpPr>
+              <p:nvPr/>
+            </p:nvCxnSpPr>
+            <p:spPr>
+              <a:xfrm>
+                <a:off x="4529903" y="436605"/>
+                <a:ext cx="9146" cy="222422"/>
+              </a:xfrm>
+              <a:prstGeom prst="line">
+                <a:avLst/>
+              </a:prstGeom>
+              <a:ln>
+                <a:solidFill>
+                  <a:schemeClr val="tx1"/>
+                </a:solidFill>
+              </a:ln>
+            </p:spPr>
+            <p:style>
+              <a:lnRef idx="2">
+                <a:schemeClr val="accent1">
+                  <a:shade val="50000"/>
+                </a:schemeClr>
+              </a:lnRef>
+              <a:fillRef idx="1">
+                <a:schemeClr val="accent1"/>
+              </a:fillRef>
+              <a:effectRef idx="0">
+                <a:schemeClr val="accent1"/>
+              </a:effectRef>
+              <a:fontRef idx="minor">
+                <a:schemeClr val="lt1"/>
+              </a:fontRef>
+            </p:style>
+          </p:cxnSp>
+          <p:cxnSp>
+            <p:nvCxnSpPr>
+              <p:cNvPr id="9" name="Straight Connector 8">
+                <a:extLst>
+                  <a:ext uri="{FF2B5EF4-FFF2-40B4-BE49-F238E27FC236}">
+                    <a16:creationId xmlns:a16="http://schemas.microsoft.com/office/drawing/2014/main" id="{34A278CF-B7E6-466A-8D5E-2288369F3B8D}"/>
+                  </a:ext>
+                </a:extLst>
+              </p:cNvPr>
+              <p:cNvCxnSpPr>
+                <a:cxnSpLocks/>
+              </p:cNvCxnSpPr>
+              <p:nvPr/>
+            </p:nvCxnSpPr>
+            <p:spPr>
+              <a:xfrm flipH="1" flipV="1">
+                <a:off x="4539049" y="659027"/>
+                <a:ext cx="98854" cy="197708"/>
+              </a:xfrm>
+              <a:prstGeom prst="line">
+                <a:avLst/>
+              </a:prstGeom>
+              <a:ln>
+                <a:solidFill>
+                  <a:schemeClr val="tx1"/>
+                </a:solidFill>
+              </a:ln>
+            </p:spPr>
+            <p:style>
+              <a:lnRef idx="2">
+                <a:schemeClr val="accent1">
+                  <a:shade val="50000"/>
+                </a:schemeClr>
+              </a:lnRef>
+              <a:fillRef idx="1">
+                <a:schemeClr val="accent1"/>
+              </a:fillRef>
+              <a:effectRef idx="0">
+                <a:schemeClr val="accent1"/>
+              </a:effectRef>
+              <a:fontRef idx="minor">
+                <a:schemeClr val="lt1"/>
+              </a:fontRef>
+            </p:style>
+          </p:cxnSp>
+          <p:cxnSp>
+            <p:nvCxnSpPr>
+              <p:cNvPr id="10" name="Straight Connector 9">
+                <a:extLst>
+                  <a:ext uri="{FF2B5EF4-FFF2-40B4-BE49-F238E27FC236}">
+                    <a16:creationId xmlns:a16="http://schemas.microsoft.com/office/drawing/2014/main" id="{F9BDDE9D-E3C2-4E5C-875E-CBBC02543ECF}"/>
+                  </a:ext>
+                </a:extLst>
+              </p:cNvPr>
+              <p:cNvCxnSpPr>
+                <a:cxnSpLocks/>
+              </p:cNvCxnSpPr>
+              <p:nvPr/>
+            </p:nvCxnSpPr>
+            <p:spPr>
+              <a:xfrm flipV="1">
+                <a:off x="4440194" y="650789"/>
+                <a:ext cx="98854" cy="197708"/>
+              </a:xfrm>
+              <a:prstGeom prst="line">
+                <a:avLst/>
+              </a:prstGeom>
+              <a:ln>
+                <a:solidFill>
+                  <a:schemeClr val="tx1"/>
+                </a:solidFill>
+              </a:ln>
+            </p:spPr>
+            <p:style>
+              <a:lnRef idx="2">
+                <a:schemeClr val="accent1">
+                  <a:shade val="50000"/>
+                </a:schemeClr>
+              </a:lnRef>
+              <a:fillRef idx="1">
+                <a:schemeClr val="accent1"/>
+              </a:fillRef>
+              <a:effectRef idx="0">
+                <a:schemeClr val="accent1"/>
+              </a:effectRef>
+              <a:fontRef idx="minor">
+                <a:schemeClr val="lt1"/>
+              </a:fontRef>
+            </p:style>
+          </p:cxnSp>
+          <p:cxnSp>
+            <p:nvCxnSpPr>
+              <p:cNvPr id="11" name="Straight Connector 10">
+                <a:extLst>
+                  <a:ext uri="{FF2B5EF4-FFF2-40B4-BE49-F238E27FC236}">
+                    <a16:creationId xmlns:a16="http://schemas.microsoft.com/office/drawing/2014/main" id="{49897C65-E2B7-4890-B148-E92FCB430BC7}"/>
+                  </a:ext>
+                </a:extLst>
+              </p:cNvPr>
+              <p:cNvCxnSpPr>
+                <a:cxnSpLocks/>
+              </p:cNvCxnSpPr>
+              <p:nvPr/>
+            </p:nvCxnSpPr>
+            <p:spPr>
+              <a:xfrm flipH="1">
+                <a:off x="4421903" y="506627"/>
+                <a:ext cx="216000" cy="0"/>
+              </a:xfrm>
+              <a:prstGeom prst="line">
+                <a:avLst/>
+              </a:prstGeom>
+              <a:ln>
+                <a:solidFill>
+                  <a:schemeClr val="tx1"/>
+                </a:solidFill>
+              </a:ln>
+            </p:spPr>
+            <p:style>
+              <a:lnRef idx="2">
+                <a:schemeClr val="accent1">
+                  <a:shade val="50000"/>
+                </a:schemeClr>
+              </a:lnRef>
+              <a:fillRef idx="1">
+                <a:schemeClr val="accent1"/>
+              </a:fillRef>
+              <a:effectRef idx="0">
+                <a:schemeClr val="accent1"/>
+              </a:effectRef>
+              <a:fontRef idx="minor">
+                <a:schemeClr val="lt1"/>
+              </a:fontRef>
+            </p:style>
+          </p:cxnSp>
+        </p:grpSp>
+        <p:sp>
+          <p:nvSpPr>
+            <p:cNvPr id="6" name="TextBox 5">
+              <a:extLst>
+                <a:ext uri="{FF2B5EF4-FFF2-40B4-BE49-F238E27FC236}">
+                  <a16:creationId xmlns:a16="http://schemas.microsoft.com/office/drawing/2014/main" id="{F1D27A5A-189F-43CC-8E69-986772C5C402}"/>
+                </a:ext>
+              </a:extLst>
+            </p:cNvPr>
+            <p:cNvSpPr txBox="1"/>
+            <p:nvPr/>
+          </p:nvSpPr>
+          <p:spPr>
+            <a:xfrm>
+              <a:off x="9903152" y="3626706"/>
+              <a:ext cx="1546958" cy="439932"/>
+            </a:xfrm>
+            <a:prstGeom prst="rect">
+              <a:avLst/>
+            </a:prstGeom>
+            <a:noFill/>
+            <a:ln>
+              <a:noFill/>
+            </a:ln>
+          </p:spPr>
+          <p:txBody>
+            <a:bodyPr wrap="square" rtlCol="0">
+              <a:spAutoFit/>
+            </a:bodyPr>
+            <a:lstStyle/>
+            <a:p>
+              <a:pPr algn="ctr"/>
+              <a:r>
+                <a:rPr lang="en-US" sz="1200" dirty="0"/>
+                <a:t>User</a:t>
+              </a:r>
+            </a:p>
+          </p:txBody>
+        </p:sp>
+      </p:grpSp>
+      <p:sp>
+        <p:nvSpPr>
+          <p:cNvPr id="12" name="TextBox 11">
+            <a:extLst>
+              <a:ext uri="{FF2B5EF4-FFF2-40B4-BE49-F238E27FC236}">
+                <a16:creationId xmlns:a16="http://schemas.microsoft.com/office/drawing/2014/main" id="{299C2F3B-C3ED-4E38-8674-14B63E45058A}"/>
+              </a:ext>
+            </a:extLst>
+          </p:cNvPr>
+          <p:cNvSpPr txBox="1"/>
+          <p:nvPr/>
+        </p:nvSpPr>
+        <p:spPr>
+          <a:xfrm>
+            <a:off x="297143" y="688408"/>
+            <a:ext cx="974026" cy="400110"/>
+          </a:xfrm>
+          <a:prstGeom prst="rect">
+            <a:avLst/>
+          </a:prstGeom>
+          <a:noFill/>
+        </p:spPr>
+        <p:txBody>
+          <a:bodyPr wrap="square" rtlCol="0">
+            <a:spAutoFit/>
+          </a:bodyPr>
+          <a:lstStyle/>
+          <a:p>
+            <a:pPr algn="ctr"/>
+            <a:r>
+              <a:rPr lang="en-US" sz="2000" b="1" dirty="0"/>
+              <a:t>Shapes</a:t>
+            </a:r>
+          </a:p>
+        </p:txBody>
+      </p:sp>
+      <p:grpSp>
+        <p:nvGrpSpPr>
+          <p:cNvPr id="13" name="Group 12">
+            <a:extLst>
+              <a:ext uri="{FF2B5EF4-FFF2-40B4-BE49-F238E27FC236}">
+                <a16:creationId xmlns:a16="http://schemas.microsoft.com/office/drawing/2014/main" id="{0CBA3305-31D2-4823-BEFC-AB602DC8CEA9}"/>
+              </a:ext>
+            </a:extLst>
+          </p:cNvPr>
+          <p:cNvGrpSpPr/>
+          <p:nvPr/>
+        </p:nvGrpSpPr>
+        <p:grpSpPr>
+          <a:xfrm>
+            <a:off x="2615520" y="641190"/>
+            <a:ext cx="1141449" cy="685931"/>
+            <a:chOff x="3253438" y="2058137"/>
+            <a:chExt cx="1141449" cy="685931"/>
+          </a:xfrm>
+        </p:grpSpPr>
+        <p:pic>
+          <p:nvPicPr>
+            <p:cNvPr id="14" name="Picture 13">
+              <a:extLst>
+                <a:ext uri="{FF2B5EF4-FFF2-40B4-BE49-F238E27FC236}">
+                  <a16:creationId xmlns:a16="http://schemas.microsoft.com/office/drawing/2014/main" id="{297188B4-A663-47E5-BF57-9C9AEBCEFD90}"/>
+                </a:ext>
+              </a:extLst>
+            </p:cNvPr>
+            <p:cNvPicPr>
+              <a:picLocks noChangeAspect="1"/>
+            </p:cNvPicPr>
+            <p:nvPr/>
+          </p:nvPicPr>
+          <p:blipFill>
+            <a:blip r:embed="rId2"/>
+            <a:stretch>
+              <a:fillRect/>
+            </a:stretch>
+          </p:blipFill>
+          <p:spPr>
+            <a:xfrm>
+              <a:off x="3253438" y="2058137"/>
+              <a:ext cx="1141449" cy="443222"/>
+            </a:xfrm>
+            <a:prstGeom prst="rect">
+              <a:avLst/>
+            </a:prstGeom>
+          </p:spPr>
+        </p:pic>
+        <p:sp>
+          <p:nvSpPr>
+            <p:cNvPr id="15" name="TextBox 14">
+              <a:extLst>
+                <a:ext uri="{FF2B5EF4-FFF2-40B4-BE49-F238E27FC236}">
+                  <a16:creationId xmlns:a16="http://schemas.microsoft.com/office/drawing/2014/main" id="{F6AF69E5-5AF5-4134-BC6A-A1D39FDE12B3}"/>
+                </a:ext>
+              </a:extLst>
+            </p:cNvPr>
+            <p:cNvSpPr txBox="1"/>
+            <p:nvPr/>
+          </p:nvSpPr>
+          <p:spPr>
+            <a:xfrm>
+              <a:off x="3532255" y="2467069"/>
+              <a:ext cx="482824" cy="276999"/>
+            </a:xfrm>
+            <a:prstGeom prst="rect">
+              <a:avLst/>
+            </a:prstGeom>
+            <a:noFill/>
+          </p:spPr>
+          <p:txBody>
+            <a:bodyPr wrap="none" rtlCol="0">
+              <a:spAutoFit/>
+            </a:bodyPr>
+            <a:lstStyle/>
+            <a:p>
+              <a:r>
+                <a:rPr lang="en-US" sz="1200" dirty="0"/>
+                <a:t>HSM</a:t>
+              </a:r>
+            </a:p>
+          </p:txBody>
+        </p:sp>
+      </p:grpSp>
+      <p:grpSp>
+        <p:nvGrpSpPr>
+          <p:cNvPr id="28" name="Group 27">
+            <a:extLst>
+              <a:ext uri="{FF2B5EF4-FFF2-40B4-BE49-F238E27FC236}">
+                <a16:creationId xmlns:a16="http://schemas.microsoft.com/office/drawing/2014/main" id="{D84418DB-1328-458C-9494-97B872293346}"/>
+              </a:ext>
+            </a:extLst>
+          </p:cNvPr>
+          <p:cNvGrpSpPr/>
+          <p:nvPr/>
+        </p:nvGrpSpPr>
+        <p:grpSpPr>
+          <a:xfrm>
+            <a:off x="1468882" y="3003456"/>
+            <a:ext cx="827919" cy="654153"/>
+            <a:chOff x="3318767" y="3682225"/>
+            <a:chExt cx="827919" cy="654153"/>
+          </a:xfrm>
+        </p:grpSpPr>
+        <p:pic>
+          <p:nvPicPr>
+            <p:cNvPr id="18" name="Picture 17">
+              <a:extLst>
+                <a:ext uri="{FF2B5EF4-FFF2-40B4-BE49-F238E27FC236}">
+                  <a16:creationId xmlns:a16="http://schemas.microsoft.com/office/drawing/2014/main" id="{884F4DD4-DE43-410B-85C1-C6EAE6A6440F}"/>
+                </a:ext>
+              </a:extLst>
+            </p:cNvPr>
+            <p:cNvPicPr>
+              <a:picLocks noChangeAspect="1"/>
+            </p:cNvPicPr>
+            <p:nvPr/>
+          </p:nvPicPr>
+          <p:blipFill>
+            <a:blip r:embed="rId3"/>
+            <a:stretch>
+              <a:fillRect/>
+            </a:stretch>
+          </p:blipFill>
+          <p:spPr>
+            <a:xfrm>
+              <a:off x="3546964" y="3682225"/>
+              <a:ext cx="371527" cy="371527"/>
+            </a:xfrm>
+            <a:prstGeom prst="rect">
+              <a:avLst/>
+            </a:prstGeom>
+          </p:spPr>
+        </p:pic>
+        <p:sp>
+          <p:nvSpPr>
+            <p:cNvPr id="22" name="TextBox 21">
+              <a:extLst>
+                <a:ext uri="{FF2B5EF4-FFF2-40B4-BE49-F238E27FC236}">
+                  <a16:creationId xmlns:a16="http://schemas.microsoft.com/office/drawing/2014/main" id="{4D7BF751-106E-4314-AE1D-30218932D039}"/>
+                </a:ext>
+              </a:extLst>
+            </p:cNvPr>
+            <p:cNvSpPr txBox="1"/>
+            <p:nvPr/>
+          </p:nvSpPr>
+          <p:spPr>
+            <a:xfrm>
+              <a:off x="3318767" y="4059379"/>
+              <a:ext cx="827919" cy="276999"/>
+            </a:xfrm>
+            <a:prstGeom prst="rect">
+              <a:avLst/>
+            </a:prstGeom>
+            <a:noFill/>
+          </p:spPr>
+          <p:txBody>
+            <a:bodyPr wrap="none" rtlCol="0">
+              <a:spAutoFit/>
+            </a:bodyPr>
+            <a:lstStyle/>
+            <a:p>
+              <a:pPr algn="ctr"/>
+              <a:r>
+                <a:rPr lang="en-US" sz="1200" dirty="0"/>
+                <a:t>Certificate</a:t>
+              </a:r>
+            </a:p>
+          </p:txBody>
+        </p:sp>
+      </p:grpSp>
+      <p:grpSp>
+        <p:nvGrpSpPr>
+          <p:cNvPr id="29" name="Group 28">
+            <a:extLst>
+              <a:ext uri="{FF2B5EF4-FFF2-40B4-BE49-F238E27FC236}">
+                <a16:creationId xmlns:a16="http://schemas.microsoft.com/office/drawing/2014/main" id="{F797A200-6979-40EA-8FC8-42E76108173E}"/>
+              </a:ext>
+            </a:extLst>
+          </p:cNvPr>
+          <p:cNvGrpSpPr/>
+          <p:nvPr/>
+        </p:nvGrpSpPr>
+        <p:grpSpPr>
+          <a:xfrm>
+            <a:off x="3440497" y="3025017"/>
+            <a:ext cx="1012520" cy="814629"/>
+            <a:chOff x="4483306" y="3333652"/>
+            <a:chExt cx="1012520" cy="814629"/>
+          </a:xfrm>
+        </p:grpSpPr>
+        <p:pic>
+          <p:nvPicPr>
+            <p:cNvPr id="16" name="Picture 15">
+              <a:extLst>
+                <a:ext uri="{FF2B5EF4-FFF2-40B4-BE49-F238E27FC236}">
+                  <a16:creationId xmlns:a16="http://schemas.microsoft.com/office/drawing/2014/main" id="{DF6866F6-9B17-4BB1-A2E0-BBCAF5738F65}"/>
+                </a:ext>
+              </a:extLst>
+            </p:cNvPr>
+            <p:cNvPicPr>
+              <a:picLocks noChangeAspect="1"/>
+            </p:cNvPicPr>
+            <p:nvPr/>
+          </p:nvPicPr>
+          <p:blipFill>
+            <a:blip r:embed="rId4"/>
+            <a:stretch>
+              <a:fillRect/>
+            </a:stretch>
+          </p:blipFill>
+          <p:spPr>
+            <a:xfrm>
+              <a:off x="4793811" y="3333652"/>
+              <a:ext cx="391508" cy="391508"/>
+            </a:xfrm>
+            <a:prstGeom prst="rect">
+              <a:avLst/>
+            </a:prstGeom>
+          </p:spPr>
+        </p:pic>
+        <p:sp>
+          <p:nvSpPr>
+            <p:cNvPr id="23" name="TextBox 22">
+              <a:extLst>
+                <a:ext uri="{FF2B5EF4-FFF2-40B4-BE49-F238E27FC236}">
+                  <a16:creationId xmlns:a16="http://schemas.microsoft.com/office/drawing/2014/main" id="{DB287542-2988-4FFF-92E8-B975C777ECA5}"/>
+                </a:ext>
+              </a:extLst>
+            </p:cNvPr>
+            <p:cNvSpPr txBox="1"/>
+            <p:nvPr/>
+          </p:nvSpPr>
+          <p:spPr>
+            <a:xfrm>
+              <a:off x="4483306" y="3686616"/>
+              <a:ext cx="1012520" cy="461665"/>
+            </a:xfrm>
+            <a:prstGeom prst="rect">
+              <a:avLst/>
+            </a:prstGeom>
+            <a:noFill/>
+          </p:spPr>
+          <p:txBody>
+            <a:bodyPr wrap="none" rtlCol="0">
+              <a:spAutoFit/>
+            </a:bodyPr>
+            <a:lstStyle/>
+            <a:p>
+              <a:pPr algn="ctr"/>
+              <a:r>
+                <a:rPr lang="en-US" sz="1200" dirty="0"/>
+                <a:t>Identification</a:t>
+              </a:r>
+              <a:br>
+                <a:rPr lang="en-US" sz="1200" dirty="0"/>
+              </a:br>
+              <a:r>
+                <a:rPr lang="en-US" sz="1200" dirty="0"/>
+                <a:t>Document</a:t>
+              </a:r>
+            </a:p>
+          </p:txBody>
+        </p:sp>
+      </p:grpSp>
+      <p:grpSp>
+        <p:nvGrpSpPr>
+          <p:cNvPr id="30" name="Group 29">
+            <a:extLst>
+              <a:ext uri="{FF2B5EF4-FFF2-40B4-BE49-F238E27FC236}">
+                <a16:creationId xmlns:a16="http://schemas.microsoft.com/office/drawing/2014/main" id="{010A3D61-A0B3-417A-AE4A-7A646F1D617B}"/>
+              </a:ext>
+            </a:extLst>
+          </p:cNvPr>
+          <p:cNvGrpSpPr/>
+          <p:nvPr/>
+        </p:nvGrpSpPr>
+        <p:grpSpPr>
+          <a:xfrm>
+            <a:off x="4566699" y="4169729"/>
+            <a:ext cx="686022" cy="697828"/>
+            <a:chOff x="6220584" y="3581978"/>
+            <a:chExt cx="686022" cy="697828"/>
+          </a:xfrm>
+        </p:grpSpPr>
+        <p:pic>
+          <p:nvPicPr>
+            <p:cNvPr id="17" name="Picture 10" descr="Image result for software icon">
+              <a:extLst>
+                <a:ext uri="{FF2B5EF4-FFF2-40B4-BE49-F238E27FC236}">
+                  <a16:creationId xmlns:a16="http://schemas.microsoft.com/office/drawing/2014/main" id="{2C6BD49F-EA6B-4EFE-AADC-4122AF1577CC}"/>
+                </a:ext>
+              </a:extLst>
+            </p:cNvPr>
+            <p:cNvPicPr>
+              <a:picLocks noChangeAspect="1" noChangeArrowheads="1"/>
+            </p:cNvPicPr>
+            <p:nvPr/>
+          </p:nvPicPr>
+          <p:blipFill>
+            <a:blip r:embed="rId5" cstate="print">
+              <a:extLst>
+                <a:ext uri="{28A0092B-C50C-407E-A947-70E740481C1C}">
+                  <a14:useLocalDpi xmlns:a14="http://schemas.microsoft.com/office/drawing/2010/main" val="0"/>
+                </a:ext>
+              </a:extLst>
+            </a:blip>
+            <a:srcRect/>
+            <a:stretch>
+              <a:fillRect/>
+            </a:stretch>
+          </p:blipFill>
+          <p:spPr bwMode="auto">
+            <a:xfrm>
+              <a:off x="6349032" y="3581978"/>
+              <a:ext cx="429127" cy="429127"/>
+            </a:xfrm>
+            <a:prstGeom prst="rect">
+              <a:avLst/>
+            </a:prstGeom>
+            <a:noFill/>
+            <a:extLst>
+              <a:ext uri="{909E8E84-426E-40DD-AFC4-6F175D3DCCD1}">
+                <a14:hiddenFill xmlns:a14="http://schemas.microsoft.com/office/drawing/2010/main">
+                  <a:solidFill>
+                    <a:srgbClr val="FFFFFF"/>
+                  </a:solidFill>
+                </a14:hiddenFill>
+              </a:ext>
+            </a:extLst>
+          </p:spPr>
+        </p:pic>
+        <p:sp>
+          <p:nvSpPr>
+            <p:cNvPr id="24" name="TextBox 23">
+              <a:extLst>
+                <a:ext uri="{FF2B5EF4-FFF2-40B4-BE49-F238E27FC236}">
+                  <a16:creationId xmlns:a16="http://schemas.microsoft.com/office/drawing/2014/main" id="{D7C549B9-F087-4F66-AE01-AB5BB7CE1A23}"/>
+                </a:ext>
+              </a:extLst>
+            </p:cNvPr>
+            <p:cNvSpPr txBox="1"/>
+            <p:nvPr/>
+          </p:nvSpPr>
+          <p:spPr>
+            <a:xfrm>
+              <a:off x="6220584" y="4002807"/>
+              <a:ext cx="686022" cy="276999"/>
+            </a:xfrm>
+            <a:prstGeom prst="rect">
+              <a:avLst/>
+            </a:prstGeom>
+            <a:noFill/>
+          </p:spPr>
+          <p:txBody>
+            <a:bodyPr wrap="none" rtlCol="0">
+              <a:spAutoFit/>
+            </a:bodyPr>
+            <a:lstStyle/>
+            <a:p>
+              <a:pPr algn="ctr"/>
+              <a:r>
+                <a:rPr lang="en-US" sz="1200" dirty="0"/>
+                <a:t>Installer</a:t>
+              </a:r>
+            </a:p>
+          </p:txBody>
+        </p:sp>
+      </p:grpSp>
+      <p:grpSp>
+        <p:nvGrpSpPr>
+          <p:cNvPr id="25" name="Group 24">
+            <a:extLst>
+              <a:ext uri="{FF2B5EF4-FFF2-40B4-BE49-F238E27FC236}">
+                <a16:creationId xmlns:a16="http://schemas.microsoft.com/office/drawing/2014/main" id="{6437E248-1C37-40BB-B95D-F1D3B253C5AC}"/>
+              </a:ext>
+            </a:extLst>
+          </p:cNvPr>
+          <p:cNvGrpSpPr/>
+          <p:nvPr/>
+        </p:nvGrpSpPr>
+        <p:grpSpPr>
+          <a:xfrm>
+            <a:off x="3500776" y="1851295"/>
+            <a:ext cx="328438" cy="725641"/>
+            <a:chOff x="4110212" y="4444304"/>
+            <a:chExt cx="328438" cy="725641"/>
+          </a:xfrm>
+        </p:grpSpPr>
+        <p:sp>
+          <p:nvSpPr>
+            <p:cNvPr id="26" name="TextBox 25">
+              <a:extLst>
+                <a:ext uri="{FF2B5EF4-FFF2-40B4-BE49-F238E27FC236}">
+                  <a16:creationId xmlns:a16="http://schemas.microsoft.com/office/drawing/2014/main" id="{03F1A023-F3CC-45BA-96BB-8C94D2F3C049}"/>
+                </a:ext>
+              </a:extLst>
+            </p:cNvPr>
+            <p:cNvSpPr txBox="1"/>
+            <p:nvPr/>
+          </p:nvSpPr>
+          <p:spPr>
+            <a:xfrm>
+              <a:off x="4121984" y="4892946"/>
+              <a:ext cx="304892" cy="276999"/>
+            </a:xfrm>
+            <a:prstGeom prst="rect">
+              <a:avLst/>
+            </a:prstGeom>
+            <a:noFill/>
+          </p:spPr>
+          <p:txBody>
+            <a:bodyPr wrap="none" rtlCol="0">
+              <a:spAutoFit/>
+            </a:bodyPr>
+            <a:lstStyle/>
+            <a:p>
+              <a:pPr algn="ctr"/>
+              <a:r>
+                <a:rPr lang="en-US" sz="1200" dirty="0"/>
+                <a:t>CI</a:t>
+              </a:r>
+            </a:p>
+          </p:txBody>
+        </p:sp>
+        <p:pic>
+          <p:nvPicPr>
+            <p:cNvPr id="27" name="Picture 6" descr="Jenkins Logo PNG Transparent &amp; SVG Vector - Freebie Supply">
+              <a:extLst>
+                <a:ext uri="{FF2B5EF4-FFF2-40B4-BE49-F238E27FC236}">
+                  <a16:creationId xmlns:a16="http://schemas.microsoft.com/office/drawing/2014/main" id="{9993A508-CE5C-4018-A43F-1B9594144098}"/>
+                </a:ext>
+              </a:extLst>
+            </p:cNvPr>
+            <p:cNvPicPr>
+              <a:picLocks noChangeAspect="1" noChangeArrowheads="1"/>
+            </p:cNvPicPr>
+            <p:nvPr/>
+          </p:nvPicPr>
+          <p:blipFill rotWithShape="1">
+            <a:blip r:embed="rId6" cstate="print">
+              <a:extLst>
+                <a:ext uri="{28A0092B-C50C-407E-A947-70E740481C1C}">
+                  <a14:useLocalDpi xmlns:a14="http://schemas.microsoft.com/office/drawing/2010/main" val="0"/>
+                </a:ext>
+              </a:extLst>
+            </a:blip>
+            <a:srcRect b="13598"/>
+            <a:stretch/>
+          </p:blipFill>
+          <p:spPr bwMode="auto">
+            <a:xfrm>
+              <a:off x="4110212" y="4444304"/>
+              <a:ext cx="328438" cy="462256"/>
+            </a:xfrm>
+            <a:prstGeom prst="rect">
+              <a:avLst/>
+            </a:prstGeom>
+            <a:noFill/>
+            <a:extLst>
+              <a:ext uri="{909E8E84-426E-40DD-AFC4-6F175D3DCCD1}">
+                <a14:hiddenFill xmlns:a14="http://schemas.microsoft.com/office/drawing/2010/main">
+                  <a:solidFill>
+                    <a:srgbClr val="FFFFFF"/>
+                  </a:solidFill>
+                </a14:hiddenFill>
+              </a:ext>
+            </a:extLst>
+          </p:spPr>
+        </p:pic>
+      </p:grpSp>
+      <p:grpSp>
+        <p:nvGrpSpPr>
+          <p:cNvPr id="31" name="Group 30">
+            <a:extLst>
+              <a:ext uri="{FF2B5EF4-FFF2-40B4-BE49-F238E27FC236}">
+                <a16:creationId xmlns:a16="http://schemas.microsoft.com/office/drawing/2014/main" id="{0DB1C588-8ED2-40CA-9C9D-B71B38A9D415}"/>
+              </a:ext>
+            </a:extLst>
+          </p:cNvPr>
+          <p:cNvGrpSpPr/>
+          <p:nvPr/>
+        </p:nvGrpSpPr>
+        <p:grpSpPr>
+          <a:xfrm>
+            <a:off x="4128086" y="1902216"/>
+            <a:ext cx="919966" cy="666646"/>
+            <a:chOff x="1832333" y="1493134"/>
+            <a:chExt cx="919966" cy="666646"/>
+          </a:xfrm>
+        </p:grpSpPr>
+        <p:sp>
+          <p:nvSpPr>
+            <p:cNvPr id="32" name="TextBox 31">
+              <a:extLst>
+                <a:ext uri="{FF2B5EF4-FFF2-40B4-BE49-F238E27FC236}">
+                  <a16:creationId xmlns:a16="http://schemas.microsoft.com/office/drawing/2014/main" id="{D5B3E666-2B9E-4E72-AAE9-4F0445CFE720}"/>
+                </a:ext>
+              </a:extLst>
+            </p:cNvPr>
+            <p:cNvSpPr txBox="1"/>
+            <p:nvPr/>
+          </p:nvSpPr>
+          <p:spPr>
+            <a:xfrm>
+              <a:off x="1832333" y="1882781"/>
+              <a:ext cx="919966" cy="276999"/>
+            </a:xfrm>
+            <a:prstGeom prst="rect">
+              <a:avLst/>
+            </a:prstGeom>
+            <a:noFill/>
+          </p:spPr>
+          <p:txBody>
+            <a:bodyPr wrap="square" rtlCol="0">
+              <a:spAutoFit/>
+            </a:bodyPr>
+            <a:lstStyle/>
+            <a:p>
+              <a:pPr algn="ctr"/>
+              <a:r>
+                <a:rPr lang="en-US" sz="1200" noProof="1"/>
+                <a:t>AppVeyor</a:t>
+              </a:r>
+            </a:p>
+          </p:txBody>
+        </p:sp>
+        <p:pic>
+          <p:nvPicPr>
+            <p:cNvPr id="33" name="Graphic 32">
+              <a:extLst>
+                <a:ext uri="{FF2B5EF4-FFF2-40B4-BE49-F238E27FC236}">
+                  <a16:creationId xmlns:a16="http://schemas.microsoft.com/office/drawing/2014/main" id="{383FCE63-AF5B-4B89-895F-DE12C63DA956}"/>
+                </a:ext>
+              </a:extLst>
+            </p:cNvPr>
+            <p:cNvPicPr>
+              <a:picLocks noChangeAspect="1"/>
+            </p:cNvPicPr>
+            <p:nvPr/>
+          </p:nvPicPr>
+          <p:blipFill>
+            <a:blip r:embed="rId7" cstate="print">
+              <a:extLst>
+                <a:ext uri="{28A0092B-C50C-407E-A947-70E740481C1C}">
+                  <a14:useLocalDpi xmlns:a14="http://schemas.microsoft.com/office/drawing/2010/main" val="0"/>
+                </a:ext>
+                <a:ext uri="{96DAC541-7B7A-43D3-8B79-37D633B846F1}">
+                  <asvg:svgBlip xmlns:asvg="http://schemas.microsoft.com/office/drawing/2016/SVG/main" r:embed="rId8"/>
+                </a:ext>
+              </a:extLst>
+            </a:blip>
+            <a:stretch>
+              <a:fillRect/>
+            </a:stretch>
+          </p:blipFill>
+          <p:spPr>
+            <a:xfrm flipH="1">
+              <a:off x="2107650" y="1493134"/>
+              <a:ext cx="369332" cy="369332"/>
+            </a:xfrm>
+            <a:prstGeom prst="rect">
+              <a:avLst/>
+            </a:prstGeom>
+          </p:spPr>
+        </p:pic>
+      </p:grpSp>
+      <p:grpSp>
+        <p:nvGrpSpPr>
+          <p:cNvPr id="34" name="Group 33">
+            <a:extLst>
+              <a:ext uri="{FF2B5EF4-FFF2-40B4-BE49-F238E27FC236}">
+                <a16:creationId xmlns:a16="http://schemas.microsoft.com/office/drawing/2014/main" id="{C7AC708F-9887-47C0-80EB-A79B4D80246B}"/>
+              </a:ext>
+            </a:extLst>
+          </p:cNvPr>
+          <p:cNvGrpSpPr/>
+          <p:nvPr/>
+        </p:nvGrpSpPr>
+        <p:grpSpPr>
+          <a:xfrm>
+            <a:off x="1715669" y="1919216"/>
+            <a:ext cx="814160" cy="646331"/>
+            <a:chOff x="6253762" y="1502242"/>
+            <a:chExt cx="814160" cy="646331"/>
+          </a:xfrm>
+        </p:grpSpPr>
+        <p:pic>
+          <p:nvPicPr>
+            <p:cNvPr id="35" name="Picture 34">
+              <a:extLst>
+                <a:ext uri="{FF2B5EF4-FFF2-40B4-BE49-F238E27FC236}">
+                  <a16:creationId xmlns:a16="http://schemas.microsoft.com/office/drawing/2014/main" id="{607F3EDD-203B-469C-B380-BAFF1AEEC0FE}"/>
+                </a:ext>
+              </a:extLst>
+            </p:cNvPr>
+            <p:cNvPicPr>
+              <a:picLocks noChangeAspect="1"/>
+            </p:cNvPicPr>
+            <p:nvPr/>
+          </p:nvPicPr>
+          <p:blipFill>
+            <a:blip r:embed="rId9">
+              <a:extLst>
+                <a:ext uri="{28A0092B-C50C-407E-A947-70E740481C1C}">
+                  <a14:useLocalDpi xmlns:a14="http://schemas.microsoft.com/office/drawing/2010/main" val="0"/>
+                </a:ext>
+              </a:extLst>
+            </a:blip>
+            <a:stretch>
+              <a:fillRect/>
+            </a:stretch>
+          </p:blipFill>
+          <p:spPr>
+            <a:xfrm>
+              <a:off x="6476176" y="1502242"/>
+              <a:ext cx="369332" cy="369332"/>
+            </a:xfrm>
+            <a:prstGeom prst="rect">
+              <a:avLst/>
+            </a:prstGeom>
+          </p:spPr>
+        </p:pic>
+        <p:sp>
+          <p:nvSpPr>
+            <p:cNvPr id="36" name="TextBox 35">
+              <a:extLst>
+                <a:ext uri="{FF2B5EF4-FFF2-40B4-BE49-F238E27FC236}">
+                  <a16:creationId xmlns:a16="http://schemas.microsoft.com/office/drawing/2014/main" id="{1CEE3A9C-4633-4C25-A2BA-8EC2B93E3ABD}"/>
+                </a:ext>
+              </a:extLst>
+            </p:cNvPr>
+            <p:cNvSpPr txBox="1"/>
+            <p:nvPr/>
+          </p:nvSpPr>
+          <p:spPr>
+            <a:xfrm>
+              <a:off x="6253762" y="1871574"/>
+              <a:ext cx="814160" cy="276999"/>
+            </a:xfrm>
+            <a:prstGeom prst="rect">
+              <a:avLst/>
+            </a:prstGeom>
+            <a:noFill/>
+          </p:spPr>
+          <p:txBody>
+            <a:bodyPr wrap="square" rtlCol="0">
+              <a:spAutoFit/>
+            </a:bodyPr>
+            <a:lstStyle/>
+            <a:p>
+              <a:pPr algn="ctr"/>
+              <a:r>
+                <a:rPr lang="en-US" sz="1200" noProof="1"/>
+                <a:t>SignPath</a:t>
+              </a:r>
+            </a:p>
+          </p:txBody>
+        </p:sp>
+      </p:grpSp>
+      <p:grpSp>
+        <p:nvGrpSpPr>
+          <p:cNvPr id="39" name="Group 38">
+            <a:extLst>
+              <a:ext uri="{FF2B5EF4-FFF2-40B4-BE49-F238E27FC236}">
+                <a16:creationId xmlns:a16="http://schemas.microsoft.com/office/drawing/2014/main" id="{77745F87-14CA-498F-A041-08B2ADEFE07C}"/>
+              </a:ext>
+            </a:extLst>
+          </p:cNvPr>
+          <p:cNvGrpSpPr/>
+          <p:nvPr/>
+        </p:nvGrpSpPr>
+        <p:grpSpPr>
+          <a:xfrm>
+            <a:off x="2717116" y="1908578"/>
+            <a:ext cx="369012" cy="664686"/>
+            <a:chOff x="2557328" y="3637490"/>
+            <a:chExt cx="369012" cy="664686"/>
+          </a:xfrm>
+        </p:grpSpPr>
+        <p:pic>
+          <p:nvPicPr>
+            <p:cNvPr id="37" name="Picture 2" descr="Git - Logo Downloads">
+              <a:extLst>
+                <a:ext uri="{FF2B5EF4-FFF2-40B4-BE49-F238E27FC236}">
+                  <a16:creationId xmlns:a16="http://schemas.microsoft.com/office/drawing/2014/main" id="{45FBEEBE-1825-409B-A29E-8E9B920C98CF}"/>
+                </a:ext>
+              </a:extLst>
+            </p:cNvPr>
+            <p:cNvPicPr>
+              <a:picLocks noChangeAspect="1" noChangeArrowheads="1"/>
+            </p:cNvPicPr>
+            <p:nvPr/>
+          </p:nvPicPr>
+          <p:blipFill>
+            <a:blip r:embed="rId10" cstate="print">
+              <a:extLst>
+                <a:ext uri="{28A0092B-C50C-407E-A947-70E740481C1C}">
+                  <a14:useLocalDpi xmlns:a14="http://schemas.microsoft.com/office/drawing/2010/main" val="0"/>
+                </a:ext>
+              </a:extLst>
+            </a:blip>
+            <a:srcRect/>
+            <a:stretch>
+              <a:fillRect/>
+            </a:stretch>
+          </p:blipFill>
+          <p:spPr bwMode="auto">
+            <a:xfrm>
+              <a:off x="2560269" y="3637490"/>
+              <a:ext cx="363133" cy="363133"/>
+            </a:xfrm>
+            <a:prstGeom prst="rect">
+              <a:avLst/>
+            </a:prstGeom>
+            <a:noFill/>
+            <a:extLst>
+              <a:ext uri="{909E8E84-426E-40DD-AFC4-6F175D3DCCD1}">
+                <a14:hiddenFill xmlns:a14="http://schemas.microsoft.com/office/drawing/2010/main">
+                  <a:solidFill>
+                    <a:srgbClr val="FFFFFF"/>
+                  </a:solidFill>
+                </a14:hiddenFill>
+              </a:ext>
+            </a:extLst>
+          </p:spPr>
+        </p:pic>
+        <p:sp>
+          <p:nvSpPr>
+            <p:cNvPr id="38" name="TextBox 37">
+              <a:extLst>
+                <a:ext uri="{FF2B5EF4-FFF2-40B4-BE49-F238E27FC236}">
+                  <a16:creationId xmlns:a16="http://schemas.microsoft.com/office/drawing/2014/main" id="{82B9BBCC-D8A1-4515-B580-76EDA6533E6F}"/>
+                </a:ext>
+              </a:extLst>
+            </p:cNvPr>
+            <p:cNvSpPr txBox="1"/>
+            <p:nvPr/>
+          </p:nvSpPr>
+          <p:spPr>
+            <a:xfrm>
+              <a:off x="2557328" y="4025177"/>
+              <a:ext cx="369012" cy="276999"/>
+            </a:xfrm>
+            <a:prstGeom prst="rect">
+              <a:avLst/>
+            </a:prstGeom>
+            <a:noFill/>
+          </p:spPr>
+          <p:txBody>
+            <a:bodyPr wrap="none" rtlCol="0">
+              <a:spAutoFit/>
+            </a:bodyPr>
+            <a:lstStyle/>
+            <a:p>
+              <a:pPr algn="ctr"/>
+              <a:r>
+                <a:rPr lang="en-US" sz="1200" dirty="0"/>
+                <a:t>Git</a:t>
+              </a:r>
+            </a:p>
+          </p:txBody>
+        </p:sp>
+      </p:grpSp>
+      <p:grpSp>
+        <p:nvGrpSpPr>
+          <p:cNvPr id="42" name="Group 41">
+            <a:extLst>
+              <a:ext uri="{FF2B5EF4-FFF2-40B4-BE49-F238E27FC236}">
+                <a16:creationId xmlns:a16="http://schemas.microsoft.com/office/drawing/2014/main" id="{6C4311EE-CB10-425C-BC43-A218E7396849}"/>
+              </a:ext>
+            </a:extLst>
+          </p:cNvPr>
+          <p:cNvGrpSpPr/>
+          <p:nvPr/>
+        </p:nvGrpSpPr>
+        <p:grpSpPr>
+          <a:xfrm>
+            <a:off x="4125303" y="421316"/>
+            <a:ext cx="655427" cy="908521"/>
+            <a:chOff x="3477604" y="1829400"/>
+            <a:chExt cx="655427" cy="908521"/>
+          </a:xfrm>
+        </p:grpSpPr>
+        <p:pic>
+          <p:nvPicPr>
+            <p:cNvPr id="40" name="Picture 39">
+              <a:extLst>
+                <a:ext uri="{FF2B5EF4-FFF2-40B4-BE49-F238E27FC236}">
+                  <a16:creationId xmlns:a16="http://schemas.microsoft.com/office/drawing/2014/main" id="{D007747B-0720-4E56-8E7D-83B27DE44D6D}"/>
+                </a:ext>
+              </a:extLst>
+            </p:cNvPr>
+            <p:cNvPicPr>
+              <a:picLocks noChangeAspect="1"/>
+            </p:cNvPicPr>
+            <p:nvPr/>
+          </p:nvPicPr>
+          <p:blipFill>
+            <a:blip r:embed="rId11"/>
+            <a:stretch>
+              <a:fillRect/>
+            </a:stretch>
+          </p:blipFill>
+          <p:spPr>
+            <a:xfrm>
+              <a:off x="3477604" y="1829400"/>
+              <a:ext cx="655427" cy="655427"/>
+            </a:xfrm>
+            <a:prstGeom prst="rect">
+              <a:avLst/>
+            </a:prstGeom>
+          </p:spPr>
+        </p:pic>
+        <p:sp>
+          <p:nvSpPr>
+            <p:cNvPr id="41" name="TextBox 40">
+              <a:extLst>
+                <a:ext uri="{FF2B5EF4-FFF2-40B4-BE49-F238E27FC236}">
+                  <a16:creationId xmlns:a16="http://schemas.microsoft.com/office/drawing/2014/main" id="{EC6EC191-D619-4EB8-A320-EC8E690F9FAD}"/>
+                </a:ext>
+              </a:extLst>
+            </p:cNvPr>
+            <p:cNvSpPr txBox="1"/>
+            <p:nvPr/>
+          </p:nvSpPr>
+          <p:spPr>
+            <a:xfrm>
+              <a:off x="3513442" y="2460922"/>
+              <a:ext cx="583750" cy="276999"/>
+            </a:xfrm>
+            <a:prstGeom prst="rect">
+              <a:avLst/>
+            </a:prstGeom>
+            <a:noFill/>
+          </p:spPr>
+          <p:txBody>
+            <a:bodyPr wrap="none" rtlCol="0">
+              <a:spAutoFit/>
+            </a:bodyPr>
+            <a:lstStyle/>
+            <a:p>
+              <a:pPr algn="ctr"/>
+              <a:r>
+                <a:rPr lang="en-US" sz="1200" dirty="0"/>
+                <a:t>Server</a:t>
+              </a:r>
+            </a:p>
+          </p:txBody>
+        </p:sp>
+      </p:grpSp>
+      <p:grpSp>
+        <p:nvGrpSpPr>
+          <p:cNvPr id="48" name="Group 47">
+            <a:extLst>
+              <a:ext uri="{FF2B5EF4-FFF2-40B4-BE49-F238E27FC236}">
+                <a16:creationId xmlns:a16="http://schemas.microsoft.com/office/drawing/2014/main" id="{56B611E0-F261-4FA8-939E-75CFE49AC8C7}"/>
+              </a:ext>
+            </a:extLst>
+          </p:cNvPr>
+          <p:cNvGrpSpPr/>
+          <p:nvPr/>
+        </p:nvGrpSpPr>
+        <p:grpSpPr>
+          <a:xfrm>
+            <a:off x="2479580" y="3034757"/>
+            <a:ext cx="814160" cy="617741"/>
+            <a:chOff x="3831954" y="1290065"/>
+            <a:chExt cx="814160" cy="617741"/>
+          </a:xfrm>
+        </p:grpSpPr>
+        <p:grpSp>
+          <p:nvGrpSpPr>
+            <p:cNvPr id="46" name="Group 45">
+              <a:extLst>
+                <a:ext uri="{FF2B5EF4-FFF2-40B4-BE49-F238E27FC236}">
+                  <a16:creationId xmlns:a16="http://schemas.microsoft.com/office/drawing/2014/main" id="{F4AB18C8-BBAA-418F-8C0E-B522539977C4}"/>
+                </a:ext>
+              </a:extLst>
+            </p:cNvPr>
+            <p:cNvGrpSpPr/>
+            <p:nvPr/>
+          </p:nvGrpSpPr>
+          <p:grpSpPr>
+            <a:xfrm>
+              <a:off x="4139216" y="1290065"/>
+              <a:ext cx="199637" cy="302682"/>
+              <a:chOff x="4139216" y="1290065"/>
+              <a:chExt cx="199637" cy="302682"/>
+            </a:xfrm>
+          </p:grpSpPr>
+          <p:sp>
+            <p:nvSpPr>
+              <p:cNvPr id="43" name="Rectangle 27">
+                <a:extLst>
+                  <a:ext uri="{FF2B5EF4-FFF2-40B4-BE49-F238E27FC236}">
+                    <a16:creationId xmlns:a16="http://schemas.microsoft.com/office/drawing/2014/main" id="{47A57C8F-1AE9-4204-9BCC-108920DB998D}"/>
+                  </a:ext>
+                </a:extLst>
+              </p:cNvPr>
+              <p:cNvSpPr/>
+              <p:nvPr/>
+            </p:nvSpPr>
+            <p:spPr>
+              <a:xfrm rot="900000">
+                <a:off x="4187486" y="1375134"/>
+                <a:ext cx="59889" cy="216954"/>
+              </a:xfrm>
+              <a:custGeom>
+                <a:avLst/>
+                <a:gdLst>
+                  <a:gd name="connsiteX0" fmla="*/ 0 w 115500"/>
+                  <a:gd name="connsiteY0" fmla="*/ 0 h 563354"/>
+                  <a:gd name="connsiteX1" fmla="*/ 115500 w 115500"/>
+                  <a:gd name="connsiteY1" fmla="*/ 0 h 563354"/>
+                  <a:gd name="connsiteX2" fmla="*/ 115500 w 115500"/>
+                  <a:gd name="connsiteY2" fmla="*/ 563354 h 563354"/>
+                  <a:gd name="connsiteX3" fmla="*/ 0 w 115500"/>
+                  <a:gd name="connsiteY3" fmla="*/ 563354 h 563354"/>
+                  <a:gd name="connsiteX4" fmla="*/ 0 w 115500"/>
+                  <a:gd name="connsiteY4" fmla="*/ 0 h 563354"/>
+                  <a:gd name="connsiteX0" fmla="*/ 0 w 115500"/>
+                  <a:gd name="connsiteY0" fmla="*/ 0 h 566008"/>
+                  <a:gd name="connsiteX1" fmla="*/ 115500 w 115500"/>
+                  <a:gd name="connsiteY1" fmla="*/ 0 h 566008"/>
+                  <a:gd name="connsiteX2" fmla="*/ 115500 w 115500"/>
+                  <a:gd name="connsiteY2" fmla="*/ 563354 h 566008"/>
+                  <a:gd name="connsiteX3" fmla="*/ 51445 w 115500"/>
+                  <a:gd name="connsiteY3" fmla="*/ 566008 h 566008"/>
+                  <a:gd name="connsiteX4" fmla="*/ 0 w 115500"/>
+                  <a:gd name="connsiteY4" fmla="*/ 563354 h 566008"/>
+                  <a:gd name="connsiteX5" fmla="*/ 0 w 115500"/>
+                  <a:gd name="connsiteY5" fmla="*/ 0 h 566008"/>
+                  <a:gd name="connsiteX0" fmla="*/ 0 w 115500"/>
+                  <a:gd name="connsiteY0" fmla="*/ 0 h 563354"/>
+                  <a:gd name="connsiteX1" fmla="*/ 115500 w 115500"/>
+                  <a:gd name="connsiteY1" fmla="*/ 0 h 563354"/>
+                  <a:gd name="connsiteX2" fmla="*/ 115500 w 115500"/>
+                  <a:gd name="connsiteY2" fmla="*/ 563354 h 563354"/>
+                  <a:gd name="connsiteX3" fmla="*/ 62152 w 115500"/>
+                  <a:gd name="connsiteY3" fmla="*/ 412759 h 563354"/>
+                  <a:gd name="connsiteX4" fmla="*/ 0 w 115500"/>
+                  <a:gd name="connsiteY4" fmla="*/ 563354 h 563354"/>
+                  <a:gd name="connsiteX5" fmla="*/ 0 w 115500"/>
+                  <a:gd name="connsiteY5" fmla="*/ 0 h 563354"/>
+                </a:gdLst>
+                <a:ahLst/>
+                <a:cxnLst>
+                  <a:cxn ang="0">
+                    <a:pos x="connsiteX0" y="connsiteY0"/>
+                  </a:cxn>
+                  <a:cxn ang="0">
+                    <a:pos x="connsiteX1" y="connsiteY1"/>
+                  </a:cxn>
+                  <a:cxn ang="0">
+                    <a:pos x="connsiteX2" y="connsiteY2"/>
+                  </a:cxn>
+                  <a:cxn ang="0">
+                    <a:pos x="connsiteX3" y="connsiteY3"/>
+                  </a:cxn>
+                  <a:cxn ang="0">
+                    <a:pos x="connsiteX4" y="connsiteY4"/>
+                  </a:cxn>
+                  <a:cxn ang="0">
+                    <a:pos x="connsiteX5" y="connsiteY5"/>
+                  </a:cxn>
+                </a:cxnLst>
+                <a:rect l="l" t="t" r="r" b="b"/>
+                <a:pathLst>
+                  <a:path w="115500" h="563354">
+                    <a:moveTo>
+                      <a:pt x="0" y="0"/>
+                    </a:moveTo>
+                    <a:lnTo>
+                      <a:pt x="115500" y="0"/>
+                    </a:lnTo>
+                    <a:lnTo>
+                      <a:pt x="115500" y="563354"/>
+                    </a:lnTo>
+                    <a:lnTo>
+                      <a:pt x="62152" y="412759"/>
+                    </a:lnTo>
+                    <a:lnTo>
+                      <a:pt x="0" y="563354"/>
+                    </a:lnTo>
+                    <a:lnTo>
+                      <a:pt x="0" y="0"/>
+                    </a:lnTo>
+                    <a:close/>
+                  </a:path>
+                </a:pathLst>
+              </a:custGeom>
+              <a:solidFill>
+                <a:srgbClr val="FCC010"/>
+              </a:solidFill>
+              <a:ln>
+                <a:solidFill>
+                  <a:schemeClr val="tx1"/>
+                </a:solidFill>
+              </a:ln>
+            </p:spPr>
+            <p:style>
+              <a:lnRef idx="2">
+                <a:schemeClr val="accent1">
+                  <a:shade val="50000"/>
+                </a:schemeClr>
+              </a:lnRef>
+              <a:fillRef idx="1">
+                <a:schemeClr val="accent1"/>
+              </a:fillRef>
+              <a:effectRef idx="0">
+                <a:schemeClr val="accent1"/>
+              </a:effectRef>
+              <a:fontRef idx="minor">
+                <a:schemeClr val="lt1"/>
+              </a:fontRef>
+            </p:style>
+            <p:txBody>
+              <a:bodyPr wrap="none" rtlCol="0">
+                <a:noAutofit/>
+              </a:bodyPr>
+              <a:lstStyle/>
+              <a:p>
+                <a:endParaRPr lang="en-US" dirty="0"/>
+              </a:p>
+            </p:txBody>
+          </p:sp>
+          <p:sp>
+            <p:nvSpPr>
+              <p:cNvPr id="44" name="Rectangle 27">
+                <a:extLst>
+                  <a:ext uri="{FF2B5EF4-FFF2-40B4-BE49-F238E27FC236}">
+                    <a16:creationId xmlns:a16="http://schemas.microsoft.com/office/drawing/2014/main" id="{744DBFB1-3320-4E76-8F9D-1D462752758A}"/>
+                  </a:ext>
+                </a:extLst>
+              </p:cNvPr>
+              <p:cNvSpPr/>
+              <p:nvPr/>
+            </p:nvSpPr>
+            <p:spPr>
+              <a:xfrm rot="20665071">
+                <a:off x="4234179" y="1339811"/>
+                <a:ext cx="59889" cy="252936"/>
+              </a:xfrm>
+              <a:custGeom>
+                <a:avLst/>
+                <a:gdLst>
+                  <a:gd name="connsiteX0" fmla="*/ 0 w 115500"/>
+                  <a:gd name="connsiteY0" fmla="*/ 0 h 563354"/>
+                  <a:gd name="connsiteX1" fmla="*/ 115500 w 115500"/>
+                  <a:gd name="connsiteY1" fmla="*/ 0 h 563354"/>
+                  <a:gd name="connsiteX2" fmla="*/ 115500 w 115500"/>
+                  <a:gd name="connsiteY2" fmla="*/ 563354 h 563354"/>
+                  <a:gd name="connsiteX3" fmla="*/ 0 w 115500"/>
+                  <a:gd name="connsiteY3" fmla="*/ 563354 h 563354"/>
+                  <a:gd name="connsiteX4" fmla="*/ 0 w 115500"/>
+                  <a:gd name="connsiteY4" fmla="*/ 0 h 563354"/>
+                  <a:gd name="connsiteX0" fmla="*/ 0 w 115500"/>
+                  <a:gd name="connsiteY0" fmla="*/ 0 h 566008"/>
+                  <a:gd name="connsiteX1" fmla="*/ 115500 w 115500"/>
+                  <a:gd name="connsiteY1" fmla="*/ 0 h 566008"/>
+                  <a:gd name="connsiteX2" fmla="*/ 115500 w 115500"/>
+                  <a:gd name="connsiteY2" fmla="*/ 563354 h 566008"/>
+                  <a:gd name="connsiteX3" fmla="*/ 51445 w 115500"/>
+                  <a:gd name="connsiteY3" fmla="*/ 566008 h 566008"/>
+                  <a:gd name="connsiteX4" fmla="*/ 0 w 115500"/>
+                  <a:gd name="connsiteY4" fmla="*/ 563354 h 566008"/>
+                  <a:gd name="connsiteX5" fmla="*/ 0 w 115500"/>
+                  <a:gd name="connsiteY5" fmla="*/ 0 h 566008"/>
+                  <a:gd name="connsiteX0" fmla="*/ 0 w 115500"/>
+                  <a:gd name="connsiteY0" fmla="*/ 0 h 563354"/>
+                  <a:gd name="connsiteX1" fmla="*/ 115500 w 115500"/>
+                  <a:gd name="connsiteY1" fmla="*/ 0 h 563354"/>
+                  <a:gd name="connsiteX2" fmla="*/ 115500 w 115500"/>
+                  <a:gd name="connsiteY2" fmla="*/ 563354 h 563354"/>
+                  <a:gd name="connsiteX3" fmla="*/ 62152 w 115500"/>
+                  <a:gd name="connsiteY3" fmla="*/ 412759 h 563354"/>
+                  <a:gd name="connsiteX4" fmla="*/ 0 w 115500"/>
+                  <a:gd name="connsiteY4" fmla="*/ 563354 h 563354"/>
+                  <a:gd name="connsiteX5" fmla="*/ 0 w 115500"/>
+                  <a:gd name="connsiteY5" fmla="*/ 0 h 563354"/>
+                </a:gdLst>
+                <a:ahLst/>
+                <a:cxnLst>
+                  <a:cxn ang="0">
+                    <a:pos x="connsiteX0" y="connsiteY0"/>
+                  </a:cxn>
+                  <a:cxn ang="0">
+                    <a:pos x="connsiteX1" y="connsiteY1"/>
+                  </a:cxn>
+                  <a:cxn ang="0">
+                    <a:pos x="connsiteX2" y="connsiteY2"/>
+                  </a:cxn>
+                  <a:cxn ang="0">
+                    <a:pos x="connsiteX3" y="connsiteY3"/>
+                  </a:cxn>
+                  <a:cxn ang="0">
+                    <a:pos x="connsiteX4" y="connsiteY4"/>
+                  </a:cxn>
+                  <a:cxn ang="0">
+                    <a:pos x="connsiteX5" y="connsiteY5"/>
+                  </a:cxn>
+                </a:cxnLst>
+                <a:rect l="l" t="t" r="r" b="b"/>
+                <a:pathLst>
+                  <a:path w="115500" h="563354">
+                    <a:moveTo>
+                      <a:pt x="0" y="0"/>
+                    </a:moveTo>
+                    <a:lnTo>
+                      <a:pt x="115500" y="0"/>
+                    </a:lnTo>
+                    <a:lnTo>
+                      <a:pt x="115500" y="563354"/>
+                    </a:lnTo>
+                    <a:lnTo>
+                      <a:pt x="62152" y="412759"/>
+                    </a:lnTo>
+                    <a:lnTo>
+                      <a:pt x="0" y="563354"/>
+                    </a:lnTo>
+                    <a:lnTo>
+                      <a:pt x="0" y="0"/>
+                    </a:lnTo>
+                    <a:close/>
+                  </a:path>
+                </a:pathLst>
+              </a:custGeom>
+              <a:solidFill>
+                <a:srgbClr val="FCC010"/>
+              </a:solidFill>
+              <a:ln>
+                <a:solidFill>
+                  <a:schemeClr val="tx1"/>
+                </a:solidFill>
+              </a:ln>
+            </p:spPr>
+            <p:style>
+              <a:lnRef idx="2">
+                <a:schemeClr val="accent1">
+                  <a:shade val="50000"/>
+                </a:schemeClr>
+              </a:lnRef>
+              <a:fillRef idx="1">
+                <a:schemeClr val="accent1"/>
+              </a:fillRef>
+              <a:effectRef idx="0">
+                <a:schemeClr val="accent1"/>
+              </a:effectRef>
+              <a:fontRef idx="minor">
+                <a:schemeClr val="lt1"/>
+              </a:fontRef>
+            </p:style>
+            <p:txBody>
+              <a:bodyPr wrap="none" rtlCol="0">
+                <a:noAutofit/>
+              </a:bodyPr>
+              <a:lstStyle/>
+              <a:p>
+                <a:endParaRPr lang="en-US" dirty="0"/>
+              </a:p>
+            </p:txBody>
+          </p:sp>
+          <p:sp>
+            <p:nvSpPr>
+              <p:cNvPr id="45" name="7-Point Star 213">
+                <a:extLst>
+                  <a:ext uri="{FF2B5EF4-FFF2-40B4-BE49-F238E27FC236}">
+                    <a16:creationId xmlns:a16="http://schemas.microsoft.com/office/drawing/2014/main" id="{34908F8D-8BFD-4997-884D-EFC90A9890DB}"/>
+                  </a:ext>
+                </a:extLst>
+              </p:cNvPr>
+              <p:cNvSpPr/>
+              <p:nvPr/>
+            </p:nvSpPr>
+            <p:spPr>
+              <a:xfrm>
+                <a:off x="4139216" y="1290065"/>
+                <a:ext cx="199637" cy="199637"/>
+              </a:xfrm>
+              <a:prstGeom prst="star7">
+                <a:avLst/>
+              </a:prstGeom>
+              <a:solidFill>
+                <a:srgbClr val="FCC010"/>
+              </a:solidFill>
+              <a:ln>
+                <a:solidFill>
+                  <a:schemeClr val="tx1"/>
+                </a:solidFill>
+              </a:ln>
+            </p:spPr>
+            <p:style>
+              <a:lnRef idx="2">
+                <a:schemeClr val="accent1">
+                  <a:shade val="50000"/>
+                </a:schemeClr>
+              </a:lnRef>
+              <a:fillRef idx="1">
+                <a:schemeClr val="accent1"/>
+              </a:fillRef>
+              <a:effectRef idx="0">
+                <a:schemeClr val="accent1"/>
+              </a:effectRef>
+              <a:fontRef idx="minor">
+                <a:schemeClr val="lt1"/>
+              </a:fontRef>
+            </p:style>
+            <p:txBody>
+              <a:bodyPr wrap="none" lIns="0" tIns="18000" rIns="0" bIns="0" rtlCol="0" anchor="ctr" anchorCtr="0">
+                <a:noAutofit/>
+              </a:bodyPr>
+              <a:lstStyle/>
+              <a:p>
+                <a:pPr algn="ctr"/>
+                <a:endParaRPr lang="en-US" sz="600" dirty="0">
+                  <a:solidFill>
+                    <a:schemeClr val="tx1"/>
+                  </a:solidFill>
+                </a:endParaRPr>
+              </a:p>
+            </p:txBody>
+          </p:sp>
+        </p:grpSp>
+        <p:sp>
+          <p:nvSpPr>
+            <p:cNvPr id="47" name="TextBox 46">
+              <a:extLst>
+                <a:ext uri="{FF2B5EF4-FFF2-40B4-BE49-F238E27FC236}">
+                  <a16:creationId xmlns:a16="http://schemas.microsoft.com/office/drawing/2014/main" id="{4CC1EF99-C966-4F29-B59C-04B810822F57}"/>
+                </a:ext>
+              </a:extLst>
+            </p:cNvPr>
+            <p:cNvSpPr txBox="1"/>
+            <p:nvPr/>
+          </p:nvSpPr>
+          <p:spPr>
+            <a:xfrm>
+              <a:off x="3831954" y="1630807"/>
+              <a:ext cx="814160" cy="276999"/>
+            </a:xfrm>
+            <a:prstGeom prst="rect">
+              <a:avLst/>
+            </a:prstGeom>
+            <a:noFill/>
+          </p:spPr>
+          <p:txBody>
+            <a:bodyPr wrap="square" rtlCol="0">
+              <a:spAutoFit/>
+            </a:bodyPr>
+            <a:lstStyle/>
+            <a:p>
+              <a:pPr algn="ctr"/>
+              <a:r>
+                <a:rPr lang="en-US" sz="1200" noProof="1"/>
+                <a:t>Signature</a:t>
+              </a:r>
+            </a:p>
+          </p:txBody>
+        </p:sp>
+      </p:grpSp>
+      <p:grpSp>
+        <p:nvGrpSpPr>
+          <p:cNvPr id="58" name="Group 57">
+            <a:extLst>
+              <a:ext uri="{FF2B5EF4-FFF2-40B4-BE49-F238E27FC236}">
+                <a16:creationId xmlns:a16="http://schemas.microsoft.com/office/drawing/2014/main" id="{FBB1211A-F367-4986-9199-EB7F91687EA9}"/>
+              </a:ext>
+            </a:extLst>
+          </p:cNvPr>
+          <p:cNvGrpSpPr/>
+          <p:nvPr/>
+        </p:nvGrpSpPr>
+        <p:grpSpPr>
+          <a:xfrm>
+            <a:off x="3455557" y="4311833"/>
+            <a:ext cx="827471" cy="557449"/>
+            <a:chOff x="1803574" y="5377827"/>
+            <a:chExt cx="827471" cy="557449"/>
+          </a:xfrm>
+        </p:grpSpPr>
+        <p:pic>
+          <p:nvPicPr>
+            <p:cNvPr id="49" name="Picture 48">
+              <a:extLst>
+                <a:ext uri="{FF2B5EF4-FFF2-40B4-BE49-F238E27FC236}">
+                  <a16:creationId xmlns:a16="http://schemas.microsoft.com/office/drawing/2014/main" id="{F89FF4EF-D6D6-48ED-B4F1-179CAFE13EEB}"/>
+                </a:ext>
+              </a:extLst>
+            </p:cNvPr>
+            <p:cNvPicPr>
+              <a:picLocks noChangeAspect="1"/>
+            </p:cNvPicPr>
+            <p:nvPr/>
+          </p:nvPicPr>
+          <p:blipFill>
+            <a:blip r:embed="rId12"/>
+            <a:stretch>
+              <a:fillRect/>
+            </a:stretch>
+          </p:blipFill>
+          <p:spPr>
+            <a:xfrm>
+              <a:off x="2038155" y="5377827"/>
+              <a:ext cx="396083" cy="245361"/>
+            </a:xfrm>
+            <a:prstGeom prst="rect">
+              <a:avLst/>
+            </a:prstGeom>
+          </p:spPr>
+        </p:pic>
+        <p:sp>
+          <p:nvSpPr>
+            <p:cNvPr id="56" name="TextBox 55">
+              <a:extLst>
+                <a:ext uri="{FF2B5EF4-FFF2-40B4-BE49-F238E27FC236}">
+                  <a16:creationId xmlns:a16="http://schemas.microsoft.com/office/drawing/2014/main" id="{025F8237-9DFA-4C56-93E2-2D3F267DC23F}"/>
+                </a:ext>
+              </a:extLst>
+            </p:cNvPr>
+            <p:cNvSpPr txBox="1"/>
+            <p:nvPr/>
+          </p:nvSpPr>
+          <p:spPr>
+            <a:xfrm>
+              <a:off x="1803574" y="5658277"/>
+              <a:ext cx="827471" cy="276999"/>
+            </a:xfrm>
+            <a:prstGeom prst="rect">
+              <a:avLst/>
+            </a:prstGeom>
+            <a:noFill/>
+          </p:spPr>
+          <p:txBody>
+            <a:bodyPr wrap="none" rtlCol="0">
+              <a:spAutoFit/>
+            </a:bodyPr>
+            <a:lstStyle/>
+            <a:p>
+              <a:pPr algn="ctr"/>
+              <a:r>
+                <a:rPr lang="en-US" sz="1200" dirty="0"/>
+                <a:t>USB token</a:t>
+              </a:r>
+            </a:p>
+          </p:txBody>
+        </p:sp>
+      </p:grpSp>
+      <p:grpSp>
+        <p:nvGrpSpPr>
+          <p:cNvPr id="71" name="Group 70">
+            <a:extLst>
+              <a:ext uri="{FF2B5EF4-FFF2-40B4-BE49-F238E27FC236}">
+                <a16:creationId xmlns:a16="http://schemas.microsoft.com/office/drawing/2014/main" id="{EF5AB33B-F136-4A52-B8F2-F0637A935436}"/>
+              </a:ext>
+            </a:extLst>
+          </p:cNvPr>
+          <p:cNvGrpSpPr/>
+          <p:nvPr/>
+        </p:nvGrpSpPr>
+        <p:grpSpPr>
+          <a:xfrm>
+            <a:off x="1479652" y="4190046"/>
+            <a:ext cx="723680" cy="682748"/>
+            <a:chOff x="1479652" y="4190046"/>
+            <a:chExt cx="723680" cy="682748"/>
+          </a:xfrm>
+        </p:grpSpPr>
+        <p:sp>
+          <p:nvSpPr>
+            <p:cNvPr id="57" name="TextBox 56">
+              <a:extLst>
+                <a:ext uri="{FF2B5EF4-FFF2-40B4-BE49-F238E27FC236}">
+                  <a16:creationId xmlns:a16="http://schemas.microsoft.com/office/drawing/2014/main" id="{5C49F05F-5FED-48A2-9EC7-F1EDD2289381}"/>
+                </a:ext>
+              </a:extLst>
+            </p:cNvPr>
+            <p:cNvSpPr txBox="1"/>
+            <p:nvPr/>
+          </p:nvSpPr>
+          <p:spPr>
+            <a:xfrm>
+              <a:off x="1519962" y="4595795"/>
+              <a:ext cx="643061" cy="276999"/>
+            </a:xfrm>
+            <a:prstGeom prst="rect">
+              <a:avLst/>
+            </a:prstGeom>
+            <a:noFill/>
+          </p:spPr>
+          <p:txBody>
+            <a:bodyPr wrap="none" rtlCol="0">
+              <a:spAutoFit/>
+            </a:bodyPr>
+            <a:lstStyle/>
+            <a:p>
+              <a:pPr algn="ctr"/>
+              <a:r>
+                <a:rPr lang="en-US" sz="1200" dirty="0"/>
+                <a:t>PFX file</a:t>
+              </a:r>
+            </a:p>
+          </p:txBody>
+        </p:sp>
+        <p:grpSp>
+          <p:nvGrpSpPr>
+            <p:cNvPr id="65" name="Group 64">
+              <a:extLst>
+                <a:ext uri="{FF2B5EF4-FFF2-40B4-BE49-F238E27FC236}">
+                  <a16:creationId xmlns:a16="http://schemas.microsoft.com/office/drawing/2014/main" id="{A7AE9FE9-0B4E-4AD6-A9A9-5A0F12A95C28}"/>
+                </a:ext>
+              </a:extLst>
+            </p:cNvPr>
+            <p:cNvGrpSpPr/>
+            <p:nvPr/>
+          </p:nvGrpSpPr>
+          <p:grpSpPr>
+            <a:xfrm>
+              <a:off x="1479652" y="4190046"/>
+              <a:ext cx="723680" cy="461122"/>
+              <a:chOff x="11280808" y="2162099"/>
+              <a:chExt cx="723680" cy="461122"/>
+            </a:xfrm>
+          </p:grpSpPr>
+          <p:grpSp>
+            <p:nvGrpSpPr>
+              <p:cNvPr id="66" name="Group 65">
+                <a:extLst>
+                  <a:ext uri="{FF2B5EF4-FFF2-40B4-BE49-F238E27FC236}">
+                    <a16:creationId xmlns:a16="http://schemas.microsoft.com/office/drawing/2014/main" id="{29B9231F-1BFF-4949-9C99-E11F25E00C23}"/>
+                  </a:ext>
+                </a:extLst>
+              </p:cNvPr>
+              <p:cNvGrpSpPr/>
+              <p:nvPr/>
+            </p:nvGrpSpPr>
+            <p:grpSpPr>
+              <a:xfrm>
+                <a:off x="11531064" y="2162099"/>
+                <a:ext cx="223169" cy="293470"/>
+                <a:chOff x="5291348" y="763805"/>
+                <a:chExt cx="804652" cy="932325"/>
+              </a:xfrm>
+            </p:grpSpPr>
+            <p:sp>
+              <p:nvSpPr>
+                <p:cNvPr id="68" name="Rectangle: Single Corner Snipped 67">
+                  <a:extLst>
+                    <a:ext uri="{FF2B5EF4-FFF2-40B4-BE49-F238E27FC236}">
+                      <a16:creationId xmlns:a16="http://schemas.microsoft.com/office/drawing/2014/main" id="{C43F0617-37E2-449C-9CA2-7DFEF25BB849}"/>
+                    </a:ext>
+                  </a:extLst>
+                </p:cNvPr>
+                <p:cNvSpPr/>
+                <p:nvPr/>
+              </p:nvSpPr>
+              <p:spPr>
+                <a:xfrm>
+                  <a:off x="5291348" y="763805"/>
+                  <a:ext cx="804652" cy="932325"/>
+                </a:xfrm>
+                <a:prstGeom prst="snip1Rect">
+                  <a:avLst>
+                    <a:gd name="adj" fmla="val 20762"/>
+                  </a:avLst>
+                </a:prstGeom>
+                <a:solidFill>
+                  <a:schemeClr val="bg1"/>
+                </a:solidFill>
+                <a:ln>
+                  <a:solidFill>
+                    <a:schemeClr val="tx1"/>
+                  </a:solidFill>
+                </a:ln>
+              </p:spPr>
+              <p:style>
+                <a:lnRef idx="2">
+                  <a:schemeClr val="accent1">
+                    <a:shade val="50000"/>
+                  </a:schemeClr>
+                </a:lnRef>
+                <a:fillRef idx="1">
+                  <a:schemeClr val="accent1"/>
+                </a:fillRef>
+                <a:effectRef idx="0">
+                  <a:schemeClr val="accent1"/>
+                </a:effectRef>
+                <a:fontRef idx="minor">
+                  <a:schemeClr val="lt1"/>
+                </a:fontRef>
+              </p:style>
+              <p:txBody>
+                <a:bodyPr lIns="36000" tIns="0" rIns="0" bIns="0" rtlCol="0" anchor="ctr"/>
+                <a:lstStyle/>
+                <a:p>
+                  <a:pPr algn="ctr"/>
+                  <a:r>
+                    <a:rPr lang="en-US" sz="800" dirty="0">
+                      <a:solidFill>
+                        <a:schemeClr val="tx1"/>
+                      </a:solidFill>
+                    </a:rPr>
+                    <a:t>PFX</a:t>
+                  </a:r>
+                  <a:endParaRPr lang="en-US" sz="4000" dirty="0">
+                    <a:solidFill>
+                      <a:schemeClr val="tx1"/>
+                    </a:solidFill>
+                  </a:endParaRPr>
+                </a:p>
+              </p:txBody>
+            </p:sp>
+            <p:cxnSp>
+              <p:nvCxnSpPr>
+                <p:cNvPr id="69" name="Straight Connector 68">
+                  <a:extLst>
+                    <a:ext uri="{FF2B5EF4-FFF2-40B4-BE49-F238E27FC236}">
+                      <a16:creationId xmlns:a16="http://schemas.microsoft.com/office/drawing/2014/main" id="{961F24F3-DC31-442E-B290-1FF1E763C78E}"/>
+                    </a:ext>
+                  </a:extLst>
+                </p:cNvPr>
+                <p:cNvCxnSpPr/>
+                <p:nvPr/>
+              </p:nvCxnSpPr>
+              <p:spPr>
+                <a:xfrm flipV="1">
+                  <a:off x="5931976" y="763805"/>
+                  <a:ext cx="0" cy="183546"/>
+                </a:xfrm>
+                <a:prstGeom prst="line">
+                  <a:avLst/>
+                </a:prstGeom>
+                <a:solidFill>
+                  <a:schemeClr val="bg1"/>
+                </a:solidFill>
+                <a:ln>
+                  <a:solidFill>
+                    <a:schemeClr val="tx1"/>
+                  </a:solidFill>
+                </a:ln>
+              </p:spPr>
+              <p:style>
+                <a:lnRef idx="2">
+                  <a:schemeClr val="accent1">
+                    <a:shade val="50000"/>
+                  </a:schemeClr>
+                </a:lnRef>
+                <a:fillRef idx="1">
+                  <a:schemeClr val="accent1"/>
+                </a:fillRef>
+                <a:effectRef idx="0">
+                  <a:schemeClr val="accent1"/>
+                </a:effectRef>
+                <a:fontRef idx="minor">
+                  <a:schemeClr val="lt1"/>
+                </a:fontRef>
+              </p:style>
+            </p:cxnSp>
+            <p:cxnSp>
+              <p:nvCxnSpPr>
+                <p:cNvPr id="70" name="Straight Connector 69">
+                  <a:extLst>
+                    <a:ext uri="{FF2B5EF4-FFF2-40B4-BE49-F238E27FC236}">
+                      <a16:creationId xmlns:a16="http://schemas.microsoft.com/office/drawing/2014/main" id="{36595CBA-144C-4C2F-97F4-30AA1A94254F}"/>
+                    </a:ext>
+                  </a:extLst>
+                </p:cNvPr>
+                <p:cNvCxnSpPr>
+                  <a:cxnSpLocks/>
+                </p:cNvCxnSpPr>
+                <p:nvPr/>
+              </p:nvCxnSpPr>
+              <p:spPr>
+                <a:xfrm flipH="1">
+                  <a:off x="5931976" y="947351"/>
+                  <a:ext cx="164024" cy="0"/>
+                </a:xfrm>
+                <a:prstGeom prst="line">
+                  <a:avLst/>
+                </a:prstGeom>
+                <a:solidFill>
+                  <a:schemeClr val="bg1"/>
+                </a:solidFill>
+                <a:ln>
+                  <a:solidFill>
+                    <a:schemeClr val="tx1"/>
+                  </a:solidFill>
+                </a:ln>
+              </p:spPr>
+              <p:style>
+                <a:lnRef idx="2">
+                  <a:schemeClr val="accent1">
+                    <a:shade val="50000"/>
+                  </a:schemeClr>
+                </a:lnRef>
+                <a:fillRef idx="1">
+                  <a:schemeClr val="accent1"/>
+                </a:fillRef>
+                <a:effectRef idx="0">
+                  <a:schemeClr val="accent1"/>
+                </a:effectRef>
+                <a:fontRef idx="minor">
+                  <a:schemeClr val="lt1"/>
+                </a:fontRef>
+              </p:style>
+            </p:cxnSp>
+          </p:grpSp>
+          <p:sp>
+            <p:nvSpPr>
+              <p:cNvPr id="67" name="TextBox 66">
+                <a:extLst>
+                  <a:ext uri="{FF2B5EF4-FFF2-40B4-BE49-F238E27FC236}">
+                    <a16:creationId xmlns:a16="http://schemas.microsoft.com/office/drawing/2014/main" id="{A63014D4-E3AF-475B-A1CB-34AC7813594A}"/>
+                  </a:ext>
+                </a:extLst>
+              </p:cNvPr>
+              <p:cNvSpPr txBox="1"/>
+              <p:nvPr/>
+            </p:nvSpPr>
+            <p:spPr>
+              <a:xfrm>
+                <a:off x="11280808" y="2407777"/>
+                <a:ext cx="723680" cy="215444"/>
+              </a:xfrm>
+              <a:prstGeom prst="rect">
+                <a:avLst/>
+              </a:prstGeom>
+              <a:noFill/>
+            </p:spPr>
+            <p:txBody>
+              <a:bodyPr wrap="square" rtlCol="0">
+                <a:spAutoFit/>
+              </a:bodyPr>
+              <a:lstStyle/>
+              <a:p>
+                <a:pPr algn="ctr"/>
+                <a:r>
+                  <a:rPr lang="en-US" sz="800"/>
+                  <a:t>+ password</a:t>
+                </a:r>
+              </a:p>
+            </p:txBody>
+          </p:sp>
+        </p:grpSp>
+      </p:grpSp>
+      <p:grpSp>
+        <p:nvGrpSpPr>
+          <p:cNvPr id="81" name="Group 80">
+            <a:extLst>
+              <a:ext uri="{FF2B5EF4-FFF2-40B4-BE49-F238E27FC236}">
+                <a16:creationId xmlns:a16="http://schemas.microsoft.com/office/drawing/2014/main" id="{2AC4E6AE-EDEB-4BE0-BE3F-AE3B45A68AA9}"/>
+              </a:ext>
+            </a:extLst>
+          </p:cNvPr>
+          <p:cNvGrpSpPr/>
+          <p:nvPr/>
+        </p:nvGrpSpPr>
+        <p:grpSpPr>
+          <a:xfrm>
+            <a:off x="2645294" y="4284131"/>
+            <a:ext cx="402675" cy="588663"/>
+            <a:chOff x="2645294" y="4284131"/>
+            <a:chExt cx="402675" cy="588663"/>
+          </a:xfrm>
+        </p:grpSpPr>
+        <p:sp>
+          <p:nvSpPr>
+            <p:cNvPr id="73" name="TextBox 72">
+              <a:extLst>
+                <a:ext uri="{FF2B5EF4-FFF2-40B4-BE49-F238E27FC236}">
+                  <a16:creationId xmlns:a16="http://schemas.microsoft.com/office/drawing/2014/main" id="{5862110A-8AC8-417C-8CD2-CF0C8853F85B}"/>
+                </a:ext>
+              </a:extLst>
+            </p:cNvPr>
+            <p:cNvSpPr txBox="1"/>
+            <p:nvPr/>
+          </p:nvSpPr>
+          <p:spPr>
+            <a:xfrm>
+              <a:off x="2645294" y="4595795"/>
+              <a:ext cx="402675" cy="276999"/>
+            </a:xfrm>
+            <a:prstGeom prst="rect">
+              <a:avLst/>
+            </a:prstGeom>
+            <a:noFill/>
+          </p:spPr>
+          <p:txBody>
+            <a:bodyPr wrap="none" rtlCol="0">
+              <a:spAutoFit/>
+            </a:bodyPr>
+            <a:lstStyle/>
+            <a:p>
+              <a:pPr algn="ctr"/>
+              <a:r>
+                <a:rPr lang="en-AT" sz="1200" dirty="0"/>
+                <a:t>F</a:t>
+              </a:r>
+              <a:r>
+                <a:rPr lang="en-US" sz="1200" dirty="0" err="1"/>
+                <a:t>ile</a:t>
+              </a:r>
+              <a:endParaRPr lang="en-US" sz="1200" dirty="0"/>
+            </a:p>
+          </p:txBody>
+        </p:sp>
+        <p:grpSp>
+          <p:nvGrpSpPr>
+            <p:cNvPr id="75" name="Group 74">
+              <a:extLst>
+                <a:ext uri="{FF2B5EF4-FFF2-40B4-BE49-F238E27FC236}">
+                  <a16:creationId xmlns:a16="http://schemas.microsoft.com/office/drawing/2014/main" id="{21D23CFD-E7D5-475E-8576-D0C2C8C7512E}"/>
+                </a:ext>
+              </a:extLst>
+            </p:cNvPr>
+            <p:cNvGrpSpPr/>
+            <p:nvPr/>
+          </p:nvGrpSpPr>
+          <p:grpSpPr>
+            <a:xfrm>
+              <a:off x="2735047" y="4284131"/>
+              <a:ext cx="223169" cy="293470"/>
+              <a:chOff x="5291348" y="763805"/>
+              <a:chExt cx="804652" cy="932325"/>
+            </a:xfrm>
+          </p:grpSpPr>
+          <p:sp>
+            <p:nvSpPr>
+              <p:cNvPr id="77" name="Rectangle: Single Corner Snipped 76">
+                <a:extLst>
+                  <a:ext uri="{FF2B5EF4-FFF2-40B4-BE49-F238E27FC236}">
+                    <a16:creationId xmlns:a16="http://schemas.microsoft.com/office/drawing/2014/main" id="{B09ED41A-5B86-401B-A6AC-369F57E0F605}"/>
+                  </a:ext>
+                </a:extLst>
+              </p:cNvPr>
+              <p:cNvSpPr/>
+              <p:nvPr/>
+            </p:nvSpPr>
+            <p:spPr>
+              <a:xfrm>
+                <a:off x="5291348" y="763805"/>
+                <a:ext cx="804652" cy="932325"/>
+              </a:xfrm>
+              <a:prstGeom prst="snip1Rect">
+                <a:avLst>
+                  <a:gd name="adj" fmla="val 20762"/>
+                </a:avLst>
+              </a:prstGeom>
+              <a:solidFill>
+                <a:schemeClr val="bg1"/>
+              </a:solidFill>
+              <a:ln>
+                <a:solidFill>
+                  <a:schemeClr val="tx1"/>
+                </a:solidFill>
+              </a:ln>
+            </p:spPr>
+            <p:style>
+              <a:lnRef idx="2">
+                <a:schemeClr val="accent1">
+                  <a:shade val="50000"/>
+                </a:schemeClr>
+              </a:lnRef>
+              <a:fillRef idx="1">
+                <a:schemeClr val="accent1"/>
+              </a:fillRef>
+              <a:effectRef idx="0">
+                <a:schemeClr val="accent1"/>
+              </a:effectRef>
+              <a:fontRef idx="minor">
+                <a:schemeClr val="lt1"/>
+              </a:fontRef>
+            </p:style>
+            <p:txBody>
+              <a:bodyPr lIns="36000" tIns="0" rIns="0" bIns="0" rtlCol="0" anchor="ctr"/>
+              <a:lstStyle/>
+              <a:p>
+                <a:pPr algn="ctr"/>
+                <a:endParaRPr lang="en-US" sz="4000" dirty="0">
+                  <a:solidFill>
+                    <a:schemeClr val="tx1"/>
+                  </a:solidFill>
+                </a:endParaRPr>
+              </a:p>
+            </p:txBody>
+          </p:sp>
+          <p:cxnSp>
+            <p:nvCxnSpPr>
+              <p:cNvPr id="78" name="Straight Connector 77">
+                <a:extLst>
+                  <a:ext uri="{FF2B5EF4-FFF2-40B4-BE49-F238E27FC236}">
+                    <a16:creationId xmlns:a16="http://schemas.microsoft.com/office/drawing/2014/main" id="{32D9744A-54E1-467B-A62F-78CB8F9EA3C7}"/>
+                  </a:ext>
+                </a:extLst>
+              </p:cNvPr>
+              <p:cNvCxnSpPr/>
+              <p:nvPr/>
+            </p:nvCxnSpPr>
+            <p:spPr>
+              <a:xfrm flipV="1">
+                <a:off x="5931976" y="763805"/>
+                <a:ext cx="0" cy="183546"/>
+              </a:xfrm>
+              <a:prstGeom prst="line">
+                <a:avLst/>
+              </a:prstGeom>
+              <a:solidFill>
+                <a:schemeClr val="bg1"/>
+              </a:solidFill>
+              <a:ln>
+                <a:solidFill>
+                  <a:schemeClr val="tx1"/>
+                </a:solidFill>
+              </a:ln>
+            </p:spPr>
+            <p:style>
+              <a:lnRef idx="2">
+                <a:schemeClr val="accent1">
+                  <a:shade val="50000"/>
+                </a:schemeClr>
+              </a:lnRef>
+              <a:fillRef idx="1">
+                <a:schemeClr val="accent1"/>
+              </a:fillRef>
+              <a:effectRef idx="0">
+                <a:schemeClr val="accent1"/>
+              </a:effectRef>
+              <a:fontRef idx="minor">
+                <a:schemeClr val="lt1"/>
+              </a:fontRef>
+            </p:style>
+          </p:cxnSp>
+          <p:cxnSp>
+            <p:nvCxnSpPr>
+              <p:cNvPr id="79" name="Straight Connector 78">
+                <a:extLst>
+                  <a:ext uri="{FF2B5EF4-FFF2-40B4-BE49-F238E27FC236}">
+                    <a16:creationId xmlns:a16="http://schemas.microsoft.com/office/drawing/2014/main" id="{DDD3111C-5F00-4B5C-B4C4-9D4187B211F5}"/>
+                  </a:ext>
+                </a:extLst>
+              </p:cNvPr>
+              <p:cNvCxnSpPr>
+                <a:cxnSpLocks/>
+              </p:cNvCxnSpPr>
+              <p:nvPr/>
+            </p:nvCxnSpPr>
+            <p:spPr>
+              <a:xfrm flipH="1">
+                <a:off x="5931976" y="947351"/>
+                <a:ext cx="164024" cy="0"/>
+              </a:xfrm>
+              <a:prstGeom prst="line">
+                <a:avLst/>
+              </a:prstGeom>
+              <a:solidFill>
+                <a:schemeClr val="bg1"/>
+              </a:solidFill>
+              <a:ln>
+                <a:solidFill>
+                  <a:schemeClr val="tx1"/>
+                </a:solidFill>
+              </a:ln>
+            </p:spPr>
+            <p:style>
+              <a:lnRef idx="2">
+                <a:schemeClr val="accent1">
+                  <a:shade val="50000"/>
+                </a:schemeClr>
+              </a:lnRef>
+              <a:fillRef idx="1">
+                <a:schemeClr val="accent1"/>
+              </a:fillRef>
+              <a:effectRef idx="0">
+                <a:schemeClr val="accent1"/>
+              </a:effectRef>
+              <a:fontRef idx="minor">
+                <a:schemeClr val="lt1"/>
+              </a:fontRef>
+            </p:style>
+          </p:cxnSp>
+        </p:grpSp>
+      </p:grpSp>
+      <p:sp>
+        <p:nvSpPr>
+          <p:cNvPr id="82" name="Freeform: Shape 81">
+            <a:extLst>
+              <a:ext uri="{FF2B5EF4-FFF2-40B4-BE49-F238E27FC236}">
+                <a16:creationId xmlns:a16="http://schemas.microsoft.com/office/drawing/2014/main" id="{1EF5F05C-FAF3-45B9-807B-715E3D02D4CF}"/>
+              </a:ext>
+            </a:extLst>
+          </p:cNvPr>
+          <p:cNvSpPr/>
+          <p:nvPr/>
+        </p:nvSpPr>
+        <p:spPr>
+          <a:xfrm>
+            <a:off x="10330772" y="421316"/>
+            <a:ext cx="78349" cy="68130"/>
+          </a:xfrm>
+          <a:custGeom>
+            <a:avLst/>
+            <a:gdLst>
+              <a:gd name="connsiteX0" fmla="*/ 0 w 548640"/>
+              <a:gd name="connsiteY0" fmla="*/ 0 h 457200"/>
+              <a:gd name="connsiteX1" fmla="*/ 548640 w 548640"/>
+              <a:gd name="connsiteY1" fmla="*/ 0 h 457200"/>
+              <a:gd name="connsiteX2" fmla="*/ 548640 w 548640"/>
+              <a:gd name="connsiteY2" fmla="*/ 457200 h 457200"/>
+              <a:gd name="connsiteX3" fmla="*/ 22860 w 548640"/>
+              <a:gd name="connsiteY3" fmla="*/ 457200 h 457200"/>
+              <a:gd name="connsiteX0" fmla="*/ 7620 w 525780"/>
+              <a:gd name="connsiteY0" fmla="*/ 0 h 457200"/>
+              <a:gd name="connsiteX1" fmla="*/ 525780 w 525780"/>
+              <a:gd name="connsiteY1" fmla="*/ 0 h 457200"/>
+              <a:gd name="connsiteX2" fmla="*/ 525780 w 525780"/>
+              <a:gd name="connsiteY2" fmla="*/ 457200 h 457200"/>
+              <a:gd name="connsiteX3" fmla="*/ 0 w 525780"/>
+              <a:gd name="connsiteY3" fmla="*/ 457200 h 457200"/>
+              <a:gd name="connsiteX0" fmla="*/ 30480 w 525780"/>
+              <a:gd name="connsiteY0" fmla="*/ 0 h 457200"/>
+              <a:gd name="connsiteX1" fmla="*/ 525780 w 525780"/>
+              <a:gd name="connsiteY1" fmla="*/ 0 h 457200"/>
+              <a:gd name="connsiteX2" fmla="*/ 525780 w 525780"/>
+              <a:gd name="connsiteY2" fmla="*/ 457200 h 457200"/>
+              <a:gd name="connsiteX3" fmla="*/ 0 w 525780"/>
+              <a:gd name="connsiteY3" fmla="*/ 457200 h 457200"/>
+            </a:gdLst>
+            <a:ahLst/>
+            <a:cxnLst>
+              <a:cxn ang="0">
+                <a:pos x="connsiteX0" y="connsiteY0"/>
+              </a:cxn>
+              <a:cxn ang="0">
+                <a:pos x="connsiteX1" y="connsiteY1"/>
+              </a:cxn>
+              <a:cxn ang="0">
+                <a:pos x="connsiteX2" y="connsiteY2"/>
+              </a:cxn>
+              <a:cxn ang="0">
+                <a:pos x="connsiteX3" y="connsiteY3"/>
+              </a:cxn>
+            </a:cxnLst>
+            <a:rect l="l" t="t" r="r" b="b"/>
+            <a:pathLst>
+              <a:path w="525780" h="457200">
+                <a:moveTo>
+                  <a:pt x="30480" y="0"/>
+                </a:moveTo>
+                <a:lnTo>
+                  <a:pt x="525780" y="0"/>
+                </a:lnTo>
+                <a:lnTo>
+                  <a:pt x="525780" y="457200"/>
+                </a:lnTo>
+                <a:lnTo>
+                  <a:pt x="0" y="457200"/>
+                </a:lnTo>
+              </a:path>
+            </a:pathLst>
+          </a:custGeom>
+          <a:noFill/>
+          <a:ln w="6350">
+            <a:tailEnd type="triangle" w="sm" len="sm"/>
+          </a:ln>
+        </p:spPr>
+        <p:style>
+          <a:lnRef idx="2">
+            <a:schemeClr val="accent1">
+              <a:shade val="50000"/>
+            </a:schemeClr>
+          </a:lnRef>
+          <a:fillRef idx="1">
+            <a:schemeClr val="accent1"/>
+          </a:fillRef>
+          <a:effectRef idx="0">
+            <a:schemeClr val="accent1"/>
+          </a:effectRef>
+          <a:fontRef idx="minor">
+            <a:schemeClr val="lt1"/>
+          </a:fontRef>
+        </p:style>
+        <p:txBody>
+          <a:bodyPr rtlCol="0" anchor="ctr"/>
+          <a:lstStyle/>
+          <a:p>
+            <a:pPr algn="ctr"/>
+            <a:endParaRPr lang="en-AT"/>
+          </a:p>
+        </p:txBody>
+      </p:sp>
+      <p:sp>
+        <p:nvSpPr>
+          <p:cNvPr id="83" name="TextBox 82">
+            <a:extLst>
+              <a:ext uri="{FF2B5EF4-FFF2-40B4-BE49-F238E27FC236}">
+                <a16:creationId xmlns:a16="http://schemas.microsoft.com/office/drawing/2014/main" id="{441D1738-F392-429A-BC79-BB0A70B303FC}"/>
+              </a:ext>
+            </a:extLst>
+          </p:cNvPr>
+          <p:cNvSpPr txBox="1"/>
+          <p:nvPr/>
+        </p:nvSpPr>
+        <p:spPr>
+          <a:xfrm>
+            <a:off x="9857757" y="585802"/>
+            <a:ext cx="1024383" cy="369332"/>
+          </a:xfrm>
+          <a:prstGeom prst="rect">
+            <a:avLst/>
+          </a:prstGeom>
+          <a:noFill/>
+        </p:spPr>
+        <p:txBody>
+          <a:bodyPr wrap="none" rtlCol="0">
+            <a:spAutoFit/>
+          </a:bodyPr>
+          <a:lstStyle/>
+          <a:p>
+            <a:pPr algn="ctr"/>
+            <a:r>
+              <a:rPr lang="en-AT" sz="1200" dirty="0"/>
+              <a:t>word </a:t>
+            </a:r>
+            <a:r>
+              <a:rPr lang="en-AT" dirty="0"/>
+              <a:t>¬ </a:t>
+            </a:r>
+            <a:r>
+              <a:rPr lang="en-AT" sz="1200" dirty="0"/>
+              <a:t>w</a:t>
+            </a:r>
+            <a:r>
+              <a:rPr lang="de-AT" sz="1200" dirty="0"/>
+              <a:t>r</a:t>
+            </a:r>
+            <a:r>
+              <a:rPr lang="en-AT" sz="1200" dirty="0"/>
+              <a:t>a</a:t>
+            </a:r>
+            <a:r>
+              <a:rPr lang="de-AT" sz="1200" dirty="0"/>
+              <a:t>p</a:t>
+            </a:r>
+            <a:endParaRPr lang="en-US" sz="1200" dirty="0"/>
+          </a:p>
+        </p:txBody>
+      </p:sp>
+    </p:spTree>
+    <p:extLst>
+      <p:ext uri="{BB962C8B-B14F-4D97-AF65-F5344CB8AC3E}">
+        <p14:creationId xmlns:p14="http://schemas.microsoft.com/office/powerpoint/2010/main" val="1263397556"/>
       </p:ext>
     </p:extLst>
   </p:cSld>
@@ -19480,6 +21914,1002 @@
           <a:chExt cx="0" cy="0"/>
         </a:xfrm>
       </p:grpSpPr>
+      <p:sp>
+        <p:nvSpPr>
+          <p:cNvPr id="5" name="TextBox 4">
+            <a:extLst>
+              <a:ext uri="{FF2B5EF4-FFF2-40B4-BE49-F238E27FC236}">
+                <a16:creationId xmlns:a16="http://schemas.microsoft.com/office/drawing/2014/main" id="{3D26BF43-C212-00C3-64FB-53BF3EBF365C}"/>
+              </a:ext>
+            </a:extLst>
+          </p:cNvPr>
+          <p:cNvSpPr txBox="1"/>
+          <p:nvPr/>
+        </p:nvSpPr>
+        <p:spPr>
+          <a:xfrm flipH="1">
+            <a:off x="1838526" y="3586246"/>
+            <a:ext cx="3041482" cy="690189"/>
+          </a:xfrm>
+          <a:prstGeom prst="roundRect">
+            <a:avLst/>
+          </a:prstGeom>
+          <a:solidFill>
+            <a:srgbClr val="8AE2FE"/>
+          </a:solidFill>
+          <a:ln w="3175">
+            <a:solidFill>
+              <a:schemeClr val="tx1"/>
+            </a:solidFill>
+          </a:ln>
+        </p:spPr>
+        <p:style>
+          <a:lnRef idx="2">
+            <a:schemeClr val="accent1"/>
+          </a:lnRef>
+          <a:fillRef idx="1">
+            <a:schemeClr val="lt1"/>
+          </a:fillRef>
+          <a:effectRef idx="0">
+            <a:schemeClr val="accent1"/>
+          </a:effectRef>
+          <a:fontRef idx="minor">
+            <a:schemeClr val="dk1"/>
+          </a:fontRef>
+        </p:style>
+        <p:txBody>
+          <a:bodyPr wrap="square" rtlCol="0" anchor="ctr" anchorCtr="0">
+            <a:noAutofit/>
+          </a:bodyPr>
+          <a:lstStyle>
+            <a:defPPr>
+              <a:defRPr lang="de-DE"/>
+            </a:defPPr>
+            <a:lvl1pPr algn="ctr">
+              <a:defRPr sz="1400"/>
+            </a:lvl1pPr>
+          </a:lstStyle>
+          <a:p>
+            <a:r>
+              <a:rPr lang="en-US" dirty="0"/>
+              <a:t>Double Authentication Proxy</a:t>
+            </a:r>
+            <a:br>
+              <a:rPr lang="en-US" dirty="0"/>
+            </a:br>
+            <a:r>
+              <a:rPr lang="en-US" dirty="0"/>
+              <a:t>(self-hosted)</a:t>
+            </a:r>
+          </a:p>
+        </p:txBody>
+      </p:sp>
+      <p:sp>
+        <p:nvSpPr>
+          <p:cNvPr id="19" name="TextBox 18">
+            <a:extLst>
+              <a:ext uri="{FF2B5EF4-FFF2-40B4-BE49-F238E27FC236}">
+                <a16:creationId xmlns:a16="http://schemas.microsoft.com/office/drawing/2014/main" id="{99A90E5F-A853-00F8-E3A6-552ED079CC58}"/>
+              </a:ext>
+            </a:extLst>
+          </p:cNvPr>
+          <p:cNvSpPr txBox="1"/>
+          <p:nvPr/>
+        </p:nvSpPr>
+        <p:spPr>
+          <a:xfrm flipH="1">
+            <a:off x="3599172" y="2084135"/>
+            <a:ext cx="1908000" cy="723934"/>
+          </a:xfrm>
+          <a:prstGeom prst="roundRect">
+            <a:avLst/>
+          </a:prstGeom>
+          <a:solidFill>
+            <a:srgbClr val="FFC000"/>
+          </a:solidFill>
+          <a:ln w="3175">
+            <a:solidFill>
+              <a:schemeClr val="tx1"/>
+            </a:solidFill>
+          </a:ln>
+        </p:spPr>
+        <p:style>
+          <a:lnRef idx="2">
+            <a:schemeClr val="accent1"/>
+          </a:lnRef>
+          <a:fillRef idx="1">
+            <a:schemeClr val="lt1"/>
+          </a:fillRef>
+          <a:effectRef idx="0">
+            <a:schemeClr val="accent1"/>
+          </a:effectRef>
+          <a:fontRef idx="minor">
+            <a:schemeClr val="dk1"/>
+          </a:fontRef>
+        </p:style>
+        <p:txBody>
+          <a:bodyPr wrap="square" rtlCol="0" anchor="ctr" anchorCtr="0">
+            <a:noAutofit/>
+          </a:bodyPr>
+          <a:lstStyle>
+            <a:defPPr>
+              <a:defRPr lang="de-DE"/>
+            </a:defPPr>
+            <a:lvl1pPr algn="ctr"/>
+          </a:lstStyle>
+          <a:p>
+            <a:r>
+              <a:rPr lang="en-US" sz="1400" dirty="0"/>
+              <a:t>Trusted Build Agent</a:t>
+            </a:r>
+          </a:p>
+        </p:txBody>
+      </p:sp>
+      <p:cxnSp>
+        <p:nvCxnSpPr>
+          <p:cNvPr id="21" name="Straight Arrow Connector 20">
+            <a:extLst>
+              <a:ext uri="{FF2B5EF4-FFF2-40B4-BE49-F238E27FC236}">
+                <a16:creationId xmlns:a16="http://schemas.microsoft.com/office/drawing/2014/main" id="{F6A58BDF-3D0C-D56C-039F-4545767D824D}"/>
+              </a:ext>
+            </a:extLst>
+          </p:cNvPr>
+          <p:cNvCxnSpPr>
+            <a:cxnSpLocks/>
+            <a:stCxn id="19" idx="2"/>
+          </p:cNvCxnSpPr>
+          <p:nvPr/>
+        </p:nvCxnSpPr>
+        <p:spPr>
+          <a:xfrm>
+            <a:off x="4553172" y="2808069"/>
+            <a:ext cx="0" cy="792000"/>
+          </a:xfrm>
+          <a:prstGeom prst="straightConnector1">
+            <a:avLst/>
+          </a:prstGeom>
+          <a:ln w="15875">
+            <a:solidFill>
+              <a:schemeClr val="tx1"/>
+            </a:solidFill>
+            <a:tailEnd type="triangle" w="lg" len="lg"/>
+          </a:ln>
+        </p:spPr>
+        <p:style>
+          <a:lnRef idx="1">
+            <a:schemeClr val="accent1"/>
+          </a:lnRef>
+          <a:fillRef idx="0">
+            <a:schemeClr val="accent1"/>
+          </a:fillRef>
+          <a:effectRef idx="0">
+            <a:schemeClr val="accent1"/>
+          </a:effectRef>
+          <a:fontRef idx="minor">
+            <a:schemeClr val="tx1"/>
+          </a:fontRef>
+        </p:style>
+      </p:cxnSp>
+      <p:sp>
+        <p:nvSpPr>
+          <p:cNvPr id="25" name="TextBox 24">
+            <a:extLst>
+              <a:ext uri="{FF2B5EF4-FFF2-40B4-BE49-F238E27FC236}">
+                <a16:creationId xmlns:a16="http://schemas.microsoft.com/office/drawing/2014/main" id="{D4C0E088-C36B-6DDF-EE89-A53D9670D626}"/>
+              </a:ext>
+            </a:extLst>
+          </p:cNvPr>
+          <p:cNvSpPr txBox="1"/>
+          <p:nvPr/>
+        </p:nvSpPr>
+        <p:spPr>
+          <a:xfrm flipH="1">
+            <a:off x="4631698" y="767472"/>
+            <a:ext cx="1180052" cy="549863"/>
+          </a:xfrm>
+          <a:prstGeom prst="roundRect">
+            <a:avLst/>
+          </a:prstGeom>
+          <a:solidFill>
+            <a:schemeClr val="bg1">
+              <a:lumMod val="75000"/>
+            </a:schemeClr>
+          </a:solidFill>
+          <a:ln w="3175">
+            <a:solidFill>
+              <a:schemeClr val="tx1"/>
+            </a:solidFill>
+          </a:ln>
+        </p:spPr>
+        <p:style>
+          <a:lnRef idx="2">
+            <a:schemeClr val="accent1"/>
+          </a:lnRef>
+          <a:fillRef idx="1">
+            <a:schemeClr val="lt1"/>
+          </a:fillRef>
+          <a:effectRef idx="0">
+            <a:schemeClr val="accent1"/>
+          </a:effectRef>
+          <a:fontRef idx="minor">
+            <a:schemeClr val="dk1"/>
+          </a:fontRef>
+        </p:style>
+        <p:txBody>
+          <a:bodyPr wrap="square" rtlCol="0" anchor="ctr" anchorCtr="0">
+            <a:noAutofit/>
+          </a:bodyPr>
+          <a:lstStyle>
+            <a:defPPr>
+              <a:defRPr lang="de-DE"/>
+            </a:defPPr>
+            <a:lvl1pPr algn="ctr"/>
+          </a:lstStyle>
+          <a:p>
+            <a:r>
+              <a:rPr lang="en-US" sz="1400" dirty="0"/>
+              <a:t>Certificate Enrollment</a:t>
+            </a:r>
+          </a:p>
+        </p:txBody>
+      </p:sp>
+      <p:cxnSp>
+        <p:nvCxnSpPr>
+          <p:cNvPr id="26" name="Straight Arrow Connector 25">
+            <a:extLst>
+              <a:ext uri="{FF2B5EF4-FFF2-40B4-BE49-F238E27FC236}">
+                <a16:creationId xmlns:a16="http://schemas.microsoft.com/office/drawing/2014/main" id="{A8AD0AA2-915C-0763-589B-85E32DF98F1E}"/>
+              </a:ext>
+            </a:extLst>
+          </p:cNvPr>
+          <p:cNvCxnSpPr>
+            <a:cxnSpLocks/>
+          </p:cNvCxnSpPr>
+          <p:nvPr/>
+        </p:nvCxnSpPr>
+        <p:spPr>
+          <a:xfrm>
+            <a:off x="5191524" y="1314048"/>
+            <a:ext cx="0" cy="770087"/>
+          </a:xfrm>
+          <a:prstGeom prst="straightConnector1">
+            <a:avLst/>
+          </a:prstGeom>
+          <a:ln w="15875">
+            <a:solidFill>
+              <a:schemeClr val="tx1"/>
+            </a:solidFill>
+            <a:tailEnd type="triangle" w="lg" len="lg"/>
+          </a:ln>
+        </p:spPr>
+        <p:style>
+          <a:lnRef idx="1">
+            <a:schemeClr val="accent1"/>
+          </a:lnRef>
+          <a:fillRef idx="0">
+            <a:schemeClr val="accent1"/>
+          </a:fillRef>
+          <a:effectRef idx="0">
+            <a:schemeClr val="accent1"/>
+          </a:effectRef>
+          <a:fontRef idx="minor">
+            <a:schemeClr val="tx1"/>
+          </a:fontRef>
+        </p:style>
+      </p:cxnSp>
+      <p:sp>
+        <p:nvSpPr>
+          <p:cNvPr id="30" name="TextBox 29">
+            <a:extLst>
+              <a:ext uri="{FF2B5EF4-FFF2-40B4-BE49-F238E27FC236}">
+                <a16:creationId xmlns:a16="http://schemas.microsoft.com/office/drawing/2014/main" id="{C5665614-3C46-DEBD-21CA-F533BDF5BC94}"/>
+              </a:ext>
+            </a:extLst>
+          </p:cNvPr>
+          <p:cNvSpPr txBox="1"/>
+          <p:nvPr/>
+        </p:nvSpPr>
+        <p:spPr>
+          <a:xfrm>
+            <a:off x="5186892" y="1384407"/>
+            <a:ext cx="897313" cy="461665"/>
+          </a:xfrm>
+          <a:prstGeom prst="rect">
+            <a:avLst/>
+          </a:prstGeom>
+          <a:noFill/>
+        </p:spPr>
+        <p:txBody>
+          <a:bodyPr wrap="square">
+            <a:spAutoFit/>
+          </a:bodyPr>
+          <a:lstStyle/>
+          <a:p>
+            <a:r>
+              <a:rPr lang="en-US" sz="1200" dirty="0"/>
+              <a:t>Computer certificate</a:t>
+            </a:r>
+          </a:p>
+        </p:txBody>
+      </p:sp>
+      <p:cxnSp>
+        <p:nvCxnSpPr>
+          <p:cNvPr id="32" name="Straight Arrow Connector 31">
+            <a:extLst>
+              <a:ext uri="{FF2B5EF4-FFF2-40B4-BE49-F238E27FC236}">
+                <a16:creationId xmlns:a16="http://schemas.microsoft.com/office/drawing/2014/main" id="{0D3E4B9B-AEB6-4BA2-8863-ED0F6A1B6B7B}"/>
+              </a:ext>
+            </a:extLst>
+          </p:cNvPr>
+          <p:cNvCxnSpPr>
+            <a:cxnSpLocks/>
+            <a:endCxn id="45" idx="0"/>
+          </p:cNvCxnSpPr>
+          <p:nvPr/>
+        </p:nvCxnSpPr>
+        <p:spPr>
+          <a:xfrm flipH="1">
+            <a:off x="2189128" y="1302075"/>
+            <a:ext cx="1032526" cy="782060"/>
+          </a:xfrm>
+          <a:prstGeom prst="straightConnector1">
+            <a:avLst/>
+          </a:prstGeom>
+          <a:ln w="15875">
+            <a:solidFill>
+              <a:schemeClr val="tx1"/>
+            </a:solidFill>
+            <a:tailEnd type="triangle" w="lg" len="lg"/>
+          </a:ln>
+        </p:spPr>
+        <p:style>
+          <a:lnRef idx="1">
+            <a:schemeClr val="accent1"/>
+          </a:lnRef>
+          <a:fillRef idx="0">
+            <a:schemeClr val="accent1"/>
+          </a:fillRef>
+          <a:effectRef idx="0">
+            <a:schemeClr val="accent1"/>
+          </a:effectRef>
+          <a:fontRef idx="minor">
+            <a:schemeClr val="tx1"/>
+          </a:fontRef>
+        </p:style>
+      </p:cxnSp>
+      <p:sp>
+        <p:nvSpPr>
+          <p:cNvPr id="33" name="TextBox 32">
+            <a:extLst>
+              <a:ext uri="{FF2B5EF4-FFF2-40B4-BE49-F238E27FC236}">
+                <a16:creationId xmlns:a16="http://schemas.microsoft.com/office/drawing/2014/main" id="{FB7BF579-B83A-6653-0ACF-C466DCBE3305}"/>
+              </a:ext>
+            </a:extLst>
+          </p:cNvPr>
+          <p:cNvSpPr txBox="1"/>
+          <p:nvPr/>
+        </p:nvSpPr>
+        <p:spPr>
+          <a:xfrm>
+            <a:off x="2813414" y="1374028"/>
+            <a:ext cx="1048237" cy="461665"/>
+          </a:xfrm>
+          <a:prstGeom prst="rect">
+            <a:avLst/>
+          </a:prstGeom>
+          <a:noFill/>
+        </p:spPr>
+        <p:txBody>
+          <a:bodyPr wrap="square">
+            <a:spAutoFit/>
+          </a:bodyPr>
+          <a:lstStyle/>
+          <a:p>
+            <a:pPr algn="ctr"/>
+            <a:r>
+              <a:rPr lang="en-US" sz="1200" dirty="0"/>
+              <a:t>CI user credentials</a:t>
+            </a:r>
+          </a:p>
+        </p:txBody>
+      </p:sp>
+      <p:sp>
+        <p:nvSpPr>
+          <p:cNvPr id="45" name="TextBox 44">
+            <a:extLst>
+              <a:ext uri="{FF2B5EF4-FFF2-40B4-BE49-F238E27FC236}">
+                <a16:creationId xmlns:a16="http://schemas.microsoft.com/office/drawing/2014/main" id="{42663C40-4D3A-1BB4-1D58-DCC1BD93F8C8}"/>
+              </a:ext>
+            </a:extLst>
+          </p:cNvPr>
+          <p:cNvSpPr txBox="1"/>
+          <p:nvPr/>
+        </p:nvSpPr>
+        <p:spPr>
+          <a:xfrm flipH="1">
+            <a:off x="1235128" y="2084135"/>
+            <a:ext cx="1908000" cy="723934"/>
+          </a:xfrm>
+          <a:prstGeom prst="roundRect">
+            <a:avLst/>
+          </a:prstGeom>
+          <a:solidFill>
+            <a:srgbClr val="FFC000"/>
+          </a:solidFill>
+          <a:ln w="3175">
+            <a:solidFill>
+              <a:schemeClr val="tx1"/>
+            </a:solidFill>
+          </a:ln>
+        </p:spPr>
+        <p:style>
+          <a:lnRef idx="2">
+            <a:schemeClr val="accent1"/>
+          </a:lnRef>
+          <a:fillRef idx="1">
+            <a:schemeClr val="lt1"/>
+          </a:fillRef>
+          <a:effectRef idx="0">
+            <a:schemeClr val="accent1"/>
+          </a:effectRef>
+          <a:fontRef idx="minor">
+            <a:schemeClr val="dk1"/>
+          </a:fontRef>
+        </p:style>
+        <p:txBody>
+          <a:bodyPr wrap="square" rtlCol="0" anchor="ctr" anchorCtr="0">
+            <a:noAutofit/>
+          </a:bodyPr>
+          <a:lstStyle>
+            <a:defPPr>
+              <a:defRPr lang="de-DE"/>
+            </a:defPPr>
+            <a:lvl1pPr algn="ctr"/>
+          </a:lstStyle>
+          <a:p>
+            <a:r>
+              <a:rPr lang="en-US" sz="1400" dirty="0"/>
+              <a:t>Untrusted Build Agent</a:t>
+            </a:r>
+          </a:p>
+        </p:txBody>
+      </p:sp>
+      <p:cxnSp>
+        <p:nvCxnSpPr>
+          <p:cNvPr id="46" name="Straight Arrow Connector 45">
+            <a:extLst>
+              <a:ext uri="{FF2B5EF4-FFF2-40B4-BE49-F238E27FC236}">
+                <a16:creationId xmlns:a16="http://schemas.microsoft.com/office/drawing/2014/main" id="{3EC49386-0FD8-921C-7A5B-FB8C53DB87AA}"/>
+              </a:ext>
+            </a:extLst>
+          </p:cNvPr>
+          <p:cNvCxnSpPr>
+            <a:cxnSpLocks/>
+          </p:cNvCxnSpPr>
+          <p:nvPr/>
+        </p:nvCxnSpPr>
+        <p:spPr>
+          <a:xfrm>
+            <a:off x="2113061" y="2808069"/>
+            <a:ext cx="0" cy="792000"/>
+          </a:xfrm>
+          <a:prstGeom prst="straightConnector1">
+            <a:avLst/>
+          </a:prstGeom>
+          <a:ln w="15875">
+            <a:solidFill>
+              <a:schemeClr val="tx1"/>
+            </a:solidFill>
+            <a:tailEnd type="triangle" w="lg" len="lg"/>
+          </a:ln>
+        </p:spPr>
+        <p:style>
+          <a:lnRef idx="1">
+            <a:schemeClr val="accent1"/>
+          </a:lnRef>
+          <a:fillRef idx="0">
+            <a:schemeClr val="accent1"/>
+          </a:fillRef>
+          <a:effectRef idx="0">
+            <a:schemeClr val="accent1"/>
+          </a:effectRef>
+          <a:fontRef idx="minor">
+            <a:schemeClr val="tx1"/>
+          </a:fontRef>
+        </p:style>
+      </p:cxnSp>
+      <p:cxnSp>
+        <p:nvCxnSpPr>
+          <p:cNvPr id="54" name="Straight Arrow Connector 53">
+            <a:extLst>
+              <a:ext uri="{FF2B5EF4-FFF2-40B4-BE49-F238E27FC236}">
+                <a16:creationId xmlns:a16="http://schemas.microsoft.com/office/drawing/2014/main" id="{8DE67AF1-07FB-9D2C-348A-BE593125EAA7}"/>
+              </a:ext>
+            </a:extLst>
+          </p:cNvPr>
+          <p:cNvCxnSpPr>
+            <a:cxnSpLocks/>
+            <a:endCxn id="19" idx="0"/>
+          </p:cNvCxnSpPr>
+          <p:nvPr/>
+        </p:nvCxnSpPr>
+        <p:spPr>
+          <a:xfrm>
+            <a:off x="3480306" y="1302075"/>
+            <a:ext cx="1072866" cy="782060"/>
+          </a:xfrm>
+          <a:prstGeom prst="straightConnector1">
+            <a:avLst/>
+          </a:prstGeom>
+          <a:ln w="15875">
+            <a:solidFill>
+              <a:schemeClr val="tx1"/>
+            </a:solidFill>
+            <a:tailEnd type="triangle" w="lg" len="lg"/>
+          </a:ln>
+        </p:spPr>
+        <p:style>
+          <a:lnRef idx="1">
+            <a:schemeClr val="accent1"/>
+          </a:lnRef>
+          <a:fillRef idx="0">
+            <a:schemeClr val="accent1"/>
+          </a:fillRef>
+          <a:effectRef idx="0">
+            <a:schemeClr val="accent1"/>
+          </a:effectRef>
+          <a:fontRef idx="minor">
+            <a:schemeClr val="tx1"/>
+          </a:fontRef>
+        </p:style>
+      </p:cxnSp>
+      <p:sp>
+        <p:nvSpPr>
+          <p:cNvPr id="77" name="TextBox 76">
+            <a:extLst>
+              <a:ext uri="{FF2B5EF4-FFF2-40B4-BE49-F238E27FC236}">
+                <a16:creationId xmlns:a16="http://schemas.microsoft.com/office/drawing/2014/main" id="{A472368A-0868-A7A1-9AEF-3F6E81A95975}"/>
+              </a:ext>
+            </a:extLst>
+          </p:cNvPr>
+          <p:cNvSpPr txBox="1"/>
+          <p:nvPr/>
+        </p:nvSpPr>
+        <p:spPr>
+          <a:xfrm>
+            <a:off x="2119076" y="3004127"/>
+            <a:ext cx="1579363" cy="276999"/>
+          </a:xfrm>
+          <a:prstGeom prst="rect">
+            <a:avLst/>
+          </a:prstGeom>
+          <a:noFill/>
+        </p:spPr>
+        <p:txBody>
+          <a:bodyPr wrap="square">
+            <a:spAutoFit/>
+          </a:bodyPr>
+          <a:lstStyle/>
+          <a:p>
+            <a:r>
+              <a:rPr lang="en-US" sz="1200" dirty="0"/>
+              <a:t>CI user credentials </a:t>
+            </a:r>
+          </a:p>
+        </p:txBody>
+      </p:sp>
+      <p:sp>
+        <p:nvSpPr>
+          <p:cNvPr id="78" name="TextBox 77">
+            <a:extLst>
+              <a:ext uri="{FF2B5EF4-FFF2-40B4-BE49-F238E27FC236}">
+                <a16:creationId xmlns:a16="http://schemas.microsoft.com/office/drawing/2014/main" id="{28774563-159B-B23E-9345-198DDA3C227B}"/>
+              </a:ext>
+            </a:extLst>
+          </p:cNvPr>
+          <p:cNvSpPr txBox="1"/>
+          <p:nvPr/>
+        </p:nvSpPr>
+        <p:spPr>
+          <a:xfrm>
+            <a:off x="4552606" y="2885153"/>
+            <a:ext cx="1761566" cy="461665"/>
+          </a:xfrm>
+          <a:prstGeom prst="rect">
+            <a:avLst/>
+          </a:prstGeom>
+          <a:noFill/>
+        </p:spPr>
+        <p:txBody>
+          <a:bodyPr wrap="square">
+            <a:spAutoFit/>
+          </a:bodyPr>
+          <a:lstStyle/>
+          <a:p>
+            <a:r>
+              <a:rPr lang="en-US" sz="1200" dirty="0"/>
+              <a:t>CI user credentials </a:t>
+            </a:r>
+            <a:br>
+              <a:rPr lang="en-US" sz="1200" dirty="0"/>
+            </a:br>
+            <a:r>
+              <a:rPr lang="en-US" sz="1200" dirty="0"/>
+              <a:t>+ computer cert (</a:t>
+            </a:r>
+            <a:r>
+              <a:rPr lang="en-US" sz="1200" dirty="0" err="1"/>
+              <a:t>mTLS</a:t>
+            </a:r>
+            <a:r>
+              <a:rPr lang="en-US" sz="1200" dirty="0"/>
+              <a:t>)</a:t>
+            </a:r>
+          </a:p>
+        </p:txBody>
+      </p:sp>
+      <p:grpSp>
+        <p:nvGrpSpPr>
+          <p:cNvPr id="85" name="Group 84">
+            <a:extLst>
+              <a:ext uri="{FF2B5EF4-FFF2-40B4-BE49-F238E27FC236}">
+                <a16:creationId xmlns:a16="http://schemas.microsoft.com/office/drawing/2014/main" id="{5679833D-B4D5-D6EB-0681-E24FCF64755A}"/>
+              </a:ext>
+            </a:extLst>
+          </p:cNvPr>
+          <p:cNvGrpSpPr/>
+          <p:nvPr/>
+        </p:nvGrpSpPr>
+        <p:grpSpPr>
+          <a:xfrm>
+            <a:off x="1838526" y="4768503"/>
+            <a:ext cx="3041482" cy="921382"/>
+            <a:chOff x="7484027" y="4661271"/>
+            <a:chExt cx="2374674" cy="921382"/>
+          </a:xfrm>
+        </p:grpSpPr>
+        <p:sp>
+          <p:nvSpPr>
+            <p:cNvPr id="14" name="Rounded Rectangle 72">
+              <a:extLst>
+                <a:ext uri="{FF2B5EF4-FFF2-40B4-BE49-F238E27FC236}">
+                  <a16:creationId xmlns:a16="http://schemas.microsoft.com/office/drawing/2014/main" id="{2F07F509-EA33-F14A-DB18-CF05833E701B}"/>
+                </a:ext>
+              </a:extLst>
+            </p:cNvPr>
+            <p:cNvSpPr/>
+            <p:nvPr/>
+          </p:nvSpPr>
+          <p:spPr>
+            <a:xfrm flipH="1">
+              <a:off x="7484027" y="4661271"/>
+              <a:ext cx="2374674" cy="921382"/>
+            </a:xfrm>
+            <a:prstGeom prst="roundRect">
+              <a:avLst/>
+            </a:prstGeom>
+            <a:solidFill>
+              <a:srgbClr val="8AE2FE"/>
+            </a:solidFill>
+            <a:ln w="3175">
+              <a:solidFill>
+                <a:schemeClr val="tx1"/>
+              </a:solidFill>
+            </a:ln>
+          </p:spPr>
+          <p:style>
+            <a:lnRef idx="2">
+              <a:schemeClr val="accent1"/>
+            </a:lnRef>
+            <a:fillRef idx="1">
+              <a:schemeClr val="lt1"/>
+            </a:fillRef>
+            <a:effectRef idx="0">
+              <a:schemeClr val="accent1"/>
+            </a:effectRef>
+            <a:fontRef idx="minor">
+              <a:schemeClr val="dk1"/>
+            </a:fontRef>
+          </p:style>
+          <p:txBody>
+            <a:bodyPr wrap="square" rtlCol="0" anchor="ctr" anchorCtr="0">
+              <a:noAutofit/>
+            </a:bodyPr>
+            <a:lstStyle/>
+            <a:p>
+              <a:pPr algn="ctr"/>
+              <a:endParaRPr lang="en-US" sz="1000" dirty="0"/>
+            </a:p>
+            <a:p>
+              <a:pPr algn="ctr"/>
+              <a:endParaRPr lang="en-US" sz="1000" dirty="0"/>
+            </a:p>
+            <a:p>
+              <a:pPr algn="ctr"/>
+              <a:endParaRPr lang="en-US" sz="1000" dirty="0"/>
+            </a:p>
+            <a:p>
+              <a:pPr algn="ctr"/>
+              <a:r>
+                <a:rPr lang="en-US" sz="1400" dirty="0"/>
+                <a:t>(SaaS or self-hosted)</a:t>
+              </a:r>
+            </a:p>
+          </p:txBody>
+        </p:sp>
+        <p:grpSp>
+          <p:nvGrpSpPr>
+            <p:cNvPr id="6" name="Group 5">
+              <a:extLst>
+                <a:ext uri="{FF2B5EF4-FFF2-40B4-BE49-F238E27FC236}">
+                  <a16:creationId xmlns:a16="http://schemas.microsoft.com/office/drawing/2014/main" id="{2CE33EF5-E856-F37B-8C22-677FAB8C6C27}"/>
+                </a:ext>
+              </a:extLst>
+            </p:cNvPr>
+            <p:cNvGrpSpPr/>
+            <p:nvPr/>
+          </p:nvGrpSpPr>
+          <p:grpSpPr>
+            <a:xfrm>
+              <a:off x="8000788" y="4736333"/>
+              <a:ext cx="1664043" cy="369332"/>
+              <a:chOff x="7017839" y="4722541"/>
+              <a:chExt cx="1664043" cy="369332"/>
+            </a:xfrm>
+          </p:grpSpPr>
+          <p:pic>
+            <p:nvPicPr>
+              <p:cNvPr id="7" name="Picture 6">
+                <a:extLst>
+                  <a:ext uri="{FF2B5EF4-FFF2-40B4-BE49-F238E27FC236}">
+                    <a16:creationId xmlns:a16="http://schemas.microsoft.com/office/drawing/2014/main" id="{2FF30E4C-2899-20A6-FA5A-DC602B4A1E34}"/>
+                  </a:ext>
+                </a:extLst>
+              </p:cNvPr>
+              <p:cNvPicPr>
+                <a:picLocks noChangeAspect="1"/>
+              </p:cNvPicPr>
+              <p:nvPr/>
+            </p:nvPicPr>
+            <p:blipFill>
+              <a:blip r:embed="rId2">
+                <a:extLst>
+                  <a:ext uri="{28A0092B-C50C-407E-A947-70E740481C1C}">
+                    <a14:useLocalDpi xmlns:a14="http://schemas.microsoft.com/office/drawing/2010/main" val="0"/>
+                  </a:ext>
+                </a:extLst>
+              </a:blip>
+              <a:stretch>
+                <a:fillRect/>
+              </a:stretch>
+            </p:blipFill>
+            <p:spPr>
+              <a:xfrm>
+                <a:off x="7017839" y="4722541"/>
+                <a:ext cx="369332" cy="369332"/>
+              </a:xfrm>
+              <a:prstGeom prst="rect">
+                <a:avLst/>
+              </a:prstGeom>
+            </p:spPr>
+          </p:pic>
+          <p:sp>
+            <p:nvSpPr>
+              <p:cNvPr id="8" name="TextBox 7">
+                <a:extLst>
+                  <a:ext uri="{FF2B5EF4-FFF2-40B4-BE49-F238E27FC236}">
+                    <a16:creationId xmlns:a16="http://schemas.microsoft.com/office/drawing/2014/main" id="{A2304FD3-2D64-63C0-545E-057009CA05A9}"/>
+                  </a:ext>
+                </a:extLst>
+              </p:cNvPr>
+              <p:cNvSpPr txBox="1"/>
+              <p:nvPr/>
+            </p:nvSpPr>
+            <p:spPr>
+              <a:xfrm>
+                <a:off x="7387172" y="4722541"/>
+                <a:ext cx="1294710" cy="369332"/>
+              </a:xfrm>
+              <a:prstGeom prst="rect">
+                <a:avLst/>
+              </a:prstGeom>
+              <a:noFill/>
+            </p:spPr>
+            <p:txBody>
+              <a:bodyPr wrap="square" rtlCol="0">
+                <a:spAutoFit/>
+              </a:bodyPr>
+              <a:lstStyle/>
+              <a:p>
+                <a:r>
+                  <a:rPr lang="en-US" b="1" noProof="1"/>
+                  <a:t>SignPath</a:t>
+                </a:r>
+              </a:p>
+            </p:txBody>
+          </p:sp>
+        </p:grpSp>
+      </p:grpSp>
+      <p:cxnSp>
+        <p:nvCxnSpPr>
+          <p:cNvPr id="86" name="Straight Arrow Connector 85">
+            <a:extLst>
+              <a:ext uri="{FF2B5EF4-FFF2-40B4-BE49-F238E27FC236}">
+                <a16:creationId xmlns:a16="http://schemas.microsoft.com/office/drawing/2014/main" id="{BA259829-4BB1-DEB3-2B6E-DC0504DED45D}"/>
+              </a:ext>
+            </a:extLst>
+          </p:cNvPr>
+          <p:cNvCxnSpPr>
+            <a:cxnSpLocks/>
+          </p:cNvCxnSpPr>
+          <p:nvPr/>
+        </p:nvCxnSpPr>
+        <p:spPr>
+          <a:xfrm>
+            <a:off x="4542780" y="4276435"/>
+            <a:ext cx="0" cy="492068"/>
+          </a:xfrm>
+          <a:prstGeom prst="straightConnector1">
+            <a:avLst/>
+          </a:prstGeom>
+          <a:ln w="15875">
+            <a:solidFill>
+              <a:schemeClr val="tx1"/>
+            </a:solidFill>
+            <a:tailEnd type="triangle" w="lg" len="lg"/>
+          </a:ln>
+        </p:spPr>
+        <p:style>
+          <a:lnRef idx="1">
+            <a:schemeClr val="accent1"/>
+          </a:lnRef>
+          <a:fillRef idx="0">
+            <a:schemeClr val="accent1"/>
+          </a:fillRef>
+          <a:effectRef idx="0">
+            <a:schemeClr val="accent1"/>
+          </a:effectRef>
+          <a:fontRef idx="minor">
+            <a:schemeClr val="tx1"/>
+          </a:fontRef>
+        </p:style>
+      </p:cxnSp>
+      <p:sp>
+        <p:nvSpPr>
+          <p:cNvPr id="90" name="TextBox 89">
+            <a:extLst>
+              <a:ext uri="{FF2B5EF4-FFF2-40B4-BE49-F238E27FC236}">
+                <a16:creationId xmlns:a16="http://schemas.microsoft.com/office/drawing/2014/main" id="{8957816A-9E79-A1DB-F601-06E432578184}"/>
+              </a:ext>
+            </a:extLst>
+          </p:cNvPr>
+          <p:cNvSpPr txBox="1"/>
+          <p:nvPr/>
+        </p:nvSpPr>
+        <p:spPr>
+          <a:xfrm>
+            <a:off x="1840390" y="4038949"/>
+            <a:ext cx="545342" cy="1015663"/>
+          </a:xfrm>
+          <a:prstGeom prst="rect">
+            <a:avLst/>
+          </a:prstGeom>
+          <a:noFill/>
+        </p:spPr>
+        <p:txBody>
+          <a:bodyPr wrap="none" rtlCol="0">
+            <a:spAutoFit/>
+          </a:bodyPr>
+          <a:lstStyle/>
+          <a:p>
+            <a:r>
+              <a:rPr lang="en-US" sz="6000" b="1" dirty="0">
+                <a:solidFill>
+                  <a:srgbClr val="FF0000"/>
+                </a:solidFill>
+                <a:latin typeface="Onyx" panose="04050602080702020203" pitchFamily="82" charset="0"/>
+              </a:rPr>
+              <a:t>×</a:t>
+            </a:r>
+            <a:endParaRPr lang="en-US" sz="6000" b="1" dirty="0">
+              <a:solidFill>
+                <a:srgbClr val="FF0000"/>
+              </a:solidFill>
+            </a:endParaRPr>
+          </a:p>
+        </p:txBody>
+      </p:sp>
+      <p:sp>
+        <p:nvSpPr>
+          <p:cNvPr id="23" name="TextBox 22">
+            <a:extLst>
+              <a:ext uri="{FF2B5EF4-FFF2-40B4-BE49-F238E27FC236}">
+                <a16:creationId xmlns:a16="http://schemas.microsoft.com/office/drawing/2014/main" id="{D48F4EBF-E1DD-ED1A-3352-14D5D384F1B4}"/>
+              </a:ext>
+            </a:extLst>
+          </p:cNvPr>
+          <p:cNvSpPr txBox="1"/>
+          <p:nvPr/>
+        </p:nvSpPr>
+        <p:spPr>
+          <a:xfrm flipH="1">
+            <a:off x="2288966" y="748447"/>
+            <a:ext cx="2084080" cy="553628"/>
+          </a:xfrm>
+          <a:prstGeom prst="roundRect">
+            <a:avLst/>
+          </a:prstGeom>
+          <a:solidFill>
+            <a:srgbClr val="FFC000"/>
+          </a:solidFill>
+          <a:ln w="3175">
+            <a:solidFill>
+              <a:schemeClr val="tx1"/>
+            </a:solidFill>
+          </a:ln>
+        </p:spPr>
+        <p:style>
+          <a:lnRef idx="2">
+            <a:schemeClr val="accent1"/>
+          </a:lnRef>
+          <a:fillRef idx="1">
+            <a:schemeClr val="lt1"/>
+          </a:fillRef>
+          <a:effectRef idx="0">
+            <a:schemeClr val="accent1"/>
+          </a:effectRef>
+          <a:fontRef idx="minor">
+            <a:schemeClr val="dk1"/>
+          </a:fontRef>
+        </p:style>
+        <p:txBody>
+          <a:bodyPr wrap="square" rtlCol="0" anchor="ctr" anchorCtr="0">
+            <a:noAutofit/>
+          </a:bodyPr>
+          <a:lstStyle>
+            <a:defPPr>
+              <a:defRPr lang="de-DE"/>
+            </a:defPPr>
+            <a:lvl1pPr algn="ctr"/>
+          </a:lstStyle>
+          <a:p>
+            <a:r>
+              <a:rPr lang="en-US" sz="1400" dirty="0"/>
+              <a:t>CI configuration for build/pipeline/project</a:t>
+            </a:r>
+          </a:p>
+        </p:txBody>
+      </p:sp>
+    </p:spTree>
+    <p:extLst>
+      <p:ext uri="{BB962C8B-B14F-4D97-AF65-F5344CB8AC3E}">
+        <p14:creationId xmlns:p14="http://schemas.microsoft.com/office/powerpoint/2010/main" val="3336633774"/>
+      </p:ext>
+    </p:extLst>
+  </p:cSld>
+  <p:clrMapOvr>
+    <a:masterClrMapping/>
+  </p:clrMapOvr>
+</p:sld>
+</file>
+
+<file path=ppt/slides/slide8.xml><?xml version="1.0" encoding="utf-8"?>
+<p:sld xmlns:a="http://schemas.openxmlformats.org/drawingml/2006/main" xmlns:r="http://schemas.openxmlformats.org/officeDocument/2006/relationships" xmlns:p="http://schemas.openxmlformats.org/presentationml/2006/main">
+  <p:cSld>
+    <p:spTree>
+      <p:nvGrpSpPr>
+        <p:cNvPr id="1" name=""/>
+        <p:cNvGrpSpPr/>
+        <p:nvPr/>
+      </p:nvGrpSpPr>
+      <p:grpSpPr>
+        <a:xfrm>
+          <a:off x="0" y="0"/>
+          <a:ext cx="0" cy="0"/>
+          <a:chOff x="0" y="0"/>
+          <a:chExt cx="0" cy="0"/>
+        </a:xfrm>
+      </p:grpSpPr>
       <p:grpSp>
         <p:nvGrpSpPr>
           <p:cNvPr id="19" name="Group 18"/>
@@ -20023,7 +23453,7 @@
 </p:sld>
 </file>
 
-<file path=ppt/slides/slide8.xml><?xml version="1.0" encoding="utf-8"?>
+<file path=ppt/slides/slide9.xml><?xml version="1.0" encoding="utf-8"?>
 <p:sld xmlns:a="http://schemas.openxmlformats.org/drawingml/2006/main" xmlns:r="http://schemas.openxmlformats.org/officeDocument/2006/relationships" xmlns:p="http://schemas.openxmlformats.org/presentationml/2006/main">
   <p:cSld>
     <p:spTree>
@@ -20888,2439 +24318,6 @@
     <p:extLst>
       <p:ext uri="{BB962C8B-B14F-4D97-AF65-F5344CB8AC3E}">
         <p14:creationId xmlns:p14="http://schemas.microsoft.com/office/powerpoint/2010/main" val="3475253488"/>
-      </p:ext>
-    </p:extLst>
-  </p:cSld>
-  <p:clrMapOvr>
-    <a:masterClrMapping/>
-  </p:clrMapOvr>
-</p:sld>
-</file>
-
-<file path=ppt/slides/slide9.xml><?xml version="1.0" encoding="utf-8"?>
-<p:sld xmlns:a="http://schemas.openxmlformats.org/drawingml/2006/main" xmlns:r="http://schemas.openxmlformats.org/officeDocument/2006/relationships" xmlns:p="http://schemas.openxmlformats.org/presentationml/2006/main">
-  <p:cSld>
-    <p:spTree>
-      <p:nvGrpSpPr>
-        <p:cNvPr id="1" name=""/>
-        <p:cNvGrpSpPr/>
-        <p:nvPr/>
-      </p:nvGrpSpPr>
-      <p:grpSpPr>
-        <a:xfrm>
-          <a:off x="0" y="0"/>
-          <a:ext cx="0" cy="0"/>
-          <a:chOff x="0" y="0"/>
-          <a:chExt cx="0" cy="0"/>
-        </a:xfrm>
-      </p:grpSpPr>
-      <p:grpSp>
-        <p:nvGrpSpPr>
-          <p:cNvPr id="4" name="Group 3">
-            <a:extLst>
-              <a:ext uri="{FF2B5EF4-FFF2-40B4-BE49-F238E27FC236}">
-                <a16:creationId xmlns:a16="http://schemas.microsoft.com/office/drawing/2014/main" id="{38E7590A-974C-47AD-808D-9F9537D084A3}"/>
-              </a:ext>
-            </a:extLst>
-          </p:cNvPr>
-          <p:cNvGrpSpPr/>
-          <p:nvPr/>
-        </p:nvGrpSpPr>
-        <p:grpSpPr>
-          <a:xfrm>
-            <a:off x="1573493" y="616233"/>
-            <a:ext cx="974026" cy="711124"/>
-            <a:chOff x="9903152" y="2937225"/>
-            <a:chExt cx="1546958" cy="1129413"/>
-          </a:xfrm>
-        </p:grpSpPr>
-        <p:grpSp>
-          <p:nvGrpSpPr>
-            <p:cNvPr id="5" name="Group 4">
-              <a:extLst>
-                <a:ext uri="{FF2B5EF4-FFF2-40B4-BE49-F238E27FC236}">
-                  <a16:creationId xmlns:a16="http://schemas.microsoft.com/office/drawing/2014/main" id="{285C50F3-DB42-4145-BB7F-848DC44C5353}"/>
-                </a:ext>
-              </a:extLst>
-            </p:cNvPr>
-            <p:cNvGrpSpPr/>
-            <p:nvPr/>
-          </p:nvGrpSpPr>
-          <p:grpSpPr>
-            <a:xfrm>
-              <a:off x="10568631" y="2937225"/>
-              <a:ext cx="216000" cy="617838"/>
-              <a:chOff x="4421903" y="238897"/>
-              <a:chExt cx="216000" cy="617838"/>
-            </a:xfrm>
-          </p:grpSpPr>
-          <p:sp>
-            <p:nvSpPr>
-              <p:cNvPr id="7" name="Oval 6">
-                <a:extLst>
-                  <a:ext uri="{FF2B5EF4-FFF2-40B4-BE49-F238E27FC236}">
-                    <a16:creationId xmlns:a16="http://schemas.microsoft.com/office/drawing/2014/main" id="{A4E5AA05-EC87-42EF-81A3-BE23602BC5F2}"/>
-                  </a:ext>
-                </a:extLst>
-              </p:cNvPr>
-              <p:cNvSpPr/>
-              <p:nvPr/>
-            </p:nvSpPr>
-            <p:spPr>
-              <a:xfrm>
-                <a:off x="4431049" y="238897"/>
-                <a:ext cx="197708" cy="197708"/>
-              </a:xfrm>
-              <a:prstGeom prst="ellipse">
-                <a:avLst/>
-              </a:prstGeom>
-              <a:solidFill>
-                <a:schemeClr val="bg1">
-                  <a:lumMod val="95000"/>
-                </a:schemeClr>
-              </a:solidFill>
-              <a:ln>
-                <a:solidFill>
-                  <a:schemeClr val="tx1"/>
-                </a:solidFill>
-              </a:ln>
-            </p:spPr>
-            <p:style>
-              <a:lnRef idx="2">
-                <a:schemeClr val="accent1">
-                  <a:shade val="50000"/>
-                </a:schemeClr>
-              </a:lnRef>
-              <a:fillRef idx="1">
-                <a:schemeClr val="accent1"/>
-              </a:fillRef>
-              <a:effectRef idx="0">
-                <a:schemeClr val="accent1"/>
-              </a:effectRef>
-              <a:fontRef idx="minor">
-                <a:schemeClr val="lt1"/>
-              </a:fontRef>
-            </p:style>
-            <p:txBody>
-              <a:bodyPr rtlCol="0" anchor="ctr"/>
-              <a:lstStyle/>
-              <a:p>
-                <a:pPr algn="ctr"/>
-                <a:endParaRPr lang="en-US" dirty="0"/>
-              </a:p>
-            </p:txBody>
-          </p:sp>
-          <p:cxnSp>
-            <p:nvCxnSpPr>
-              <p:cNvPr id="8" name="Straight Connector 7">
-                <a:extLst>
-                  <a:ext uri="{FF2B5EF4-FFF2-40B4-BE49-F238E27FC236}">
-                    <a16:creationId xmlns:a16="http://schemas.microsoft.com/office/drawing/2014/main" id="{603EE74F-685C-4790-8C9C-2A3E172EDFB4}"/>
-                  </a:ext>
-                </a:extLst>
-              </p:cNvPr>
-              <p:cNvCxnSpPr>
-                <a:cxnSpLocks/>
-                <a:stCxn id="7" idx="4"/>
-              </p:cNvCxnSpPr>
-              <p:nvPr/>
-            </p:nvCxnSpPr>
-            <p:spPr>
-              <a:xfrm>
-                <a:off x="4529903" y="436605"/>
-                <a:ext cx="9146" cy="222422"/>
-              </a:xfrm>
-              <a:prstGeom prst="line">
-                <a:avLst/>
-              </a:prstGeom>
-              <a:ln>
-                <a:solidFill>
-                  <a:schemeClr val="tx1"/>
-                </a:solidFill>
-              </a:ln>
-            </p:spPr>
-            <p:style>
-              <a:lnRef idx="2">
-                <a:schemeClr val="accent1">
-                  <a:shade val="50000"/>
-                </a:schemeClr>
-              </a:lnRef>
-              <a:fillRef idx="1">
-                <a:schemeClr val="accent1"/>
-              </a:fillRef>
-              <a:effectRef idx="0">
-                <a:schemeClr val="accent1"/>
-              </a:effectRef>
-              <a:fontRef idx="minor">
-                <a:schemeClr val="lt1"/>
-              </a:fontRef>
-            </p:style>
-          </p:cxnSp>
-          <p:cxnSp>
-            <p:nvCxnSpPr>
-              <p:cNvPr id="9" name="Straight Connector 8">
-                <a:extLst>
-                  <a:ext uri="{FF2B5EF4-FFF2-40B4-BE49-F238E27FC236}">
-                    <a16:creationId xmlns:a16="http://schemas.microsoft.com/office/drawing/2014/main" id="{34A278CF-B7E6-466A-8D5E-2288369F3B8D}"/>
-                  </a:ext>
-                </a:extLst>
-              </p:cNvPr>
-              <p:cNvCxnSpPr>
-                <a:cxnSpLocks/>
-              </p:cNvCxnSpPr>
-              <p:nvPr/>
-            </p:nvCxnSpPr>
-            <p:spPr>
-              <a:xfrm flipH="1" flipV="1">
-                <a:off x="4539049" y="659027"/>
-                <a:ext cx="98854" cy="197708"/>
-              </a:xfrm>
-              <a:prstGeom prst="line">
-                <a:avLst/>
-              </a:prstGeom>
-              <a:ln>
-                <a:solidFill>
-                  <a:schemeClr val="tx1"/>
-                </a:solidFill>
-              </a:ln>
-            </p:spPr>
-            <p:style>
-              <a:lnRef idx="2">
-                <a:schemeClr val="accent1">
-                  <a:shade val="50000"/>
-                </a:schemeClr>
-              </a:lnRef>
-              <a:fillRef idx="1">
-                <a:schemeClr val="accent1"/>
-              </a:fillRef>
-              <a:effectRef idx="0">
-                <a:schemeClr val="accent1"/>
-              </a:effectRef>
-              <a:fontRef idx="minor">
-                <a:schemeClr val="lt1"/>
-              </a:fontRef>
-            </p:style>
-          </p:cxnSp>
-          <p:cxnSp>
-            <p:nvCxnSpPr>
-              <p:cNvPr id="10" name="Straight Connector 9">
-                <a:extLst>
-                  <a:ext uri="{FF2B5EF4-FFF2-40B4-BE49-F238E27FC236}">
-                    <a16:creationId xmlns:a16="http://schemas.microsoft.com/office/drawing/2014/main" id="{F9BDDE9D-E3C2-4E5C-875E-CBBC02543ECF}"/>
-                  </a:ext>
-                </a:extLst>
-              </p:cNvPr>
-              <p:cNvCxnSpPr>
-                <a:cxnSpLocks/>
-              </p:cNvCxnSpPr>
-              <p:nvPr/>
-            </p:nvCxnSpPr>
-            <p:spPr>
-              <a:xfrm flipV="1">
-                <a:off x="4440194" y="650789"/>
-                <a:ext cx="98854" cy="197708"/>
-              </a:xfrm>
-              <a:prstGeom prst="line">
-                <a:avLst/>
-              </a:prstGeom>
-              <a:ln>
-                <a:solidFill>
-                  <a:schemeClr val="tx1"/>
-                </a:solidFill>
-              </a:ln>
-            </p:spPr>
-            <p:style>
-              <a:lnRef idx="2">
-                <a:schemeClr val="accent1">
-                  <a:shade val="50000"/>
-                </a:schemeClr>
-              </a:lnRef>
-              <a:fillRef idx="1">
-                <a:schemeClr val="accent1"/>
-              </a:fillRef>
-              <a:effectRef idx="0">
-                <a:schemeClr val="accent1"/>
-              </a:effectRef>
-              <a:fontRef idx="minor">
-                <a:schemeClr val="lt1"/>
-              </a:fontRef>
-            </p:style>
-          </p:cxnSp>
-          <p:cxnSp>
-            <p:nvCxnSpPr>
-              <p:cNvPr id="11" name="Straight Connector 10">
-                <a:extLst>
-                  <a:ext uri="{FF2B5EF4-FFF2-40B4-BE49-F238E27FC236}">
-                    <a16:creationId xmlns:a16="http://schemas.microsoft.com/office/drawing/2014/main" id="{49897C65-E2B7-4890-B148-E92FCB430BC7}"/>
-                  </a:ext>
-                </a:extLst>
-              </p:cNvPr>
-              <p:cNvCxnSpPr>
-                <a:cxnSpLocks/>
-              </p:cNvCxnSpPr>
-              <p:nvPr/>
-            </p:nvCxnSpPr>
-            <p:spPr>
-              <a:xfrm flipH="1">
-                <a:off x="4421903" y="506627"/>
-                <a:ext cx="216000" cy="0"/>
-              </a:xfrm>
-              <a:prstGeom prst="line">
-                <a:avLst/>
-              </a:prstGeom>
-              <a:ln>
-                <a:solidFill>
-                  <a:schemeClr val="tx1"/>
-                </a:solidFill>
-              </a:ln>
-            </p:spPr>
-            <p:style>
-              <a:lnRef idx="2">
-                <a:schemeClr val="accent1">
-                  <a:shade val="50000"/>
-                </a:schemeClr>
-              </a:lnRef>
-              <a:fillRef idx="1">
-                <a:schemeClr val="accent1"/>
-              </a:fillRef>
-              <a:effectRef idx="0">
-                <a:schemeClr val="accent1"/>
-              </a:effectRef>
-              <a:fontRef idx="minor">
-                <a:schemeClr val="lt1"/>
-              </a:fontRef>
-            </p:style>
-          </p:cxnSp>
-        </p:grpSp>
-        <p:sp>
-          <p:nvSpPr>
-            <p:cNvPr id="6" name="TextBox 5">
-              <a:extLst>
-                <a:ext uri="{FF2B5EF4-FFF2-40B4-BE49-F238E27FC236}">
-                  <a16:creationId xmlns:a16="http://schemas.microsoft.com/office/drawing/2014/main" id="{F1D27A5A-189F-43CC-8E69-986772C5C402}"/>
-                </a:ext>
-              </a:extLst>
-            </p:cNvPr>
-            <p:cNvSpPr txBox="1"/>
-            <p:nvPr/>
-          </p:nvSpPr>
-          <p:spPr>
-            <a:xfrm>
-              <a:off x="9903152" y="3626706"/>
-              <a:ext cx="1546958" cy="439932"/>
-            </a:xfrm>
-            <a:prstGeom prst="rect">
-              <a:avLst/>
-            </a:prstGeom>
-            <a:noFill/>
-            <a:ln>
-              <a:noFill/>
-            </a:ln>
-          </p:spPr>
-          <p:txBody>
-            <a:bodyPr wrap="square" rtlCol="0">
-              <a:spAutoFit/>
-            </a:bodyPr>
-            <a:lstStyle/>
-            <a:p>
-              <a:pPr algn="ctr"/>
-              <a:r>
-                <a:rPr lang="en-US" sz="1200" dirty="0"/>
-                <a:t>User</a:t>
-              </a:r>
-            </a:p>
-          </p:txBody>
-        </p:sp>
-      </p:grpSp>
-      <p:sp>
-        <p:nvSpPr>
-          <p:cNvPr id="12" name="TextBox 11">
-            <a:extLst>
-              <a:ext uri="{FF2B5EF4-FFF2-40B4-BE49-F238E27FC236}">
-                <a16:creationId xmlns:a16="http://schemas.microsoft.com/office/drawing/2014/main" id="{299C2F3B-C3ED-4E38-8674-14B63E45058A}"/>
-              </a:ext>
-            </a:extLst>
-          </p:cNvPr>
-          <p:cNvSpPr txBox="1"/>
-          <p:nvPr/>
-        </p:nvSpPr>
-        <p:spPr>
-          <a:xfrm>
-            <a:off x="297143" y="688408"/>
-            <a:ext cx="974026" cy="400110"/>
-          </a:xfrm>
-          <a:prstGeom prst="rect">
-            <a:avLst/>
-          </a:prstGeom>
-          <a:noFill/>
-        </p:spPr>
-        <p:txBody>
-          <a:bodyPr wrap="square" rtlCol="0">
-            <a:spAutoFit/>
-          </a:bodyPr>
-          <a:lstStyle/>
-          <a:p>
-            <a:pPr algn="ctr"/>
-            <a:r>
-              <a:rPr lang="en-US" sz="2000" b="1" dirty="0"/>
-              <a:t>Shapes</a:t>
-            </a:r>
-          </a:p>
-        </p:txBody>
-      </p:sp>
-      <p:grpSp>
-        <p:nvGrpSpPr>
-          <p:cNvPr id="13" name="Group 12">
-            <a:extLst>
-              <a:ext uri="{FF2B5EF4-FFF2-40B4-BE49-F238E27FC236}">
-                <a16:creationId xmlns:a16="http://schemas.microsoft.com/office/drawing/2014/main" id="{0CBA3305-31D2-4823-BEFC-AB602DC8CEA9}"/>
-              </a:ext>
-            </a:extLst>
-          </p:cNvPr>
-          <p:cNvGrpSpPr/>
-          <p:nvPr/>
-        </p:nvGrpSpPr>
-        <p:grpSpPr>
-          <a:xfrm>
-            <a:off x="2615520" y="641190"/>
-            <a:ext cx="1141449" cy="685931"/>
-            <a:chOff x="3253438" y="2058137"/>
-            <a:chExt cx="1141449" cy="685931"/>
-          </a:xfrm>
-        </p:grpSpPr>
-        <p:pic>
-          <p:nvPicPr>
-            <p:cNvPr id="14" name="Picture 13">
-              <a:extLst>
-                <a:ext uri="{FF2B5EF4-FFF2-40B4-BE49-F238E27FC236}">
-                  <a16:creationId xmlns:a16="http://schemas.microsoft.com/office/drawing/2014/main" id="{297188B4-A663-47E5-BF57-9C9AEBCEFD90}"/>
-                </a:ext>
-              </a:extLst>
-            </p:cNvPr>
-            <p:cNvPicPr>
-              <a:picLocks noChangeAspect="1"/>
-            </p:cNvPicPr>
-            <p:nvPr/>
-          </p:nvPicPr>
-          <p:blipFill>
-            <a:blip r:embed="rId2"/>
-            <a:stretch>
-              <a:fillRect/>
-            </a:stretch>
-          </p:blipFill>
-          <p:spPr>
-            <a:xfrm>
-              <a:off x="3253438" y="2058137"/>
-              <a:ext cx="1141449" cy="443222"/>
-            </a:xfrm>
-            <a:prstGeom prst="rect">
-              <a:avLst/>
-            </a:prstGeom>
-          </p:spPr>
-        </p:pic>
-        <p:sp>
-          <p:nvSpPr>
-            <p:cNvPr id="15" name="TextBox 14">
-              <a:extLst>
-                <a:ext uri="{FF2B5EF4-FFF2-40B4-BE49-F238E27FC236}">
-                  <a16:creationId xmlns:a16="http://schemas.microsoft.com/office/drawing/2014/main" id="{F6AF69E5-5AF5-4134-BC6A-A1D39FDE12B3}"/>
-                </a:ext>
-              </a:extLst>
-            </p:cNvPr>
-            <p:cNvSpPr txBox="1"/>
-            <p:nvPr/>
-          </p:nvSpPr>
-          <p:spPr>
-            <a:xfrm>
-              <a:off x="3532255" y="2467069"/>
-              <a:ext cx="482824" cy="276999"/>
-            </a:xfrm>
-            <a:prstGeom prst="rect">
-              <a:avLst/>
-            </a:prstGeom>
-            <a:noFill/>
-          </p:spPr>
-          <p:txBody>
-            <a:bodyPr wrap="none" rtlCol="0">
-              <a:spAutoFit/>
-            </a:bodyPr>
-            <a:lstStyle/>
-            <a:p>
-              <a:r>
-                <a:rPr lang="en-US" sz="1200" dirty="0"/>
-                <a:t>HSM</a:t>
-              </a:r>
-            </a:p>
-          </p:txBody>
-        </p:sp>
-      </p:grpSp>
-      <p:grpSp>
-        <p:nvGrpSpPr>
-          <p:cNvPr id="28" name="Group 27">
-            <a:extLst>
-              <a:ext uri="{FF2B5EF4-FFF2-40B4-BE49-F238E27FC236}">
-                <a16:creationId xmlns:a16="http://schemas.microsoft.com/office/drawing/2014/main" id="{D84418DB-1328-458C-9494-97B872293346}"/>
-              </a:ext>
-            </a:extLst>
-          </p:cNvPr>
-          <p:cNvGrpSpPr/>
-          <p:nvPr/>
-        </p:nvGrpSpPr>
-        <p:grpSpPr>
-          <a:xfrm>
-            <a:off x="1468882" y="3003456"/>
-            <a:ext cx="827919" cy="654153"/>
-            <a:chOff x="3318767" y="3682225"/>
-            <a:chExt cx="827919" cy="654153"/>
-          </a:xfrm>
-        </p:grpSpPr>
-        <p:pic>
-          <p:nvPicPr>
-            <p:cNvPr id="18" name="Picture 17">
-              <a:extLst>
-                <a:ext uri="{FF2B5EF4-FFF2-40B4-BE49-F238E27FC236}">
-                  <a16:creationId xmlns:a16="http://schemas.microsoft.com/office/drawing/2014/main" id="{884F4DD4-DE43-410B-85C1-C6EAE6A6440F}"/>
-                </a:ext>
-              </a:extLst>
-            </p:cNvPr>
-            <p:cNvPicPr>
-              <a:picLocks noChangeAspect="1"/>
-            </p:cNvPicPr>
-            <p:nvPr/>
-          </p:nvPicPr>
-          <p:blipFill>
-            <a:blip r:embed="rId3"/>
-            <a:stretch>
-              <a:fillRect/>
-            </a:stretch>
-          </p:blipFill>
-          <p:spPr>
-            <a:xfrm>
-              <a:off x="3546964" y="3682225"/>
-              <a:ext cx="371527" cy="371527"/>
-            </a:xfrm>
-            <a:prstGeom prst="rect">
-              <a:avLst/>
-            </a:prstGeom>
-          </p:spPr>
-        </p:pic>
-        <p:sp>
-          <p:nvSpPr>
-            <p:cNvPr id="22" name="TextBox 21">
-              <a:extLst>
-                <a:ext uri="{FF2B5EF4-FFF2-40B4-BE49-F238E27FC236}">
-                  <a16:creationId xmlns:a16="http://schemas.microsoft.com/office/drawing/2014/main" id="{4D7BF751-106E-4314-AE1D-30218932D039}"/>
-                </a:ext>
-              </a:extLst>
-            </p:cNvPr>
-            <p:cNvSpPr txBox="1"/>
-            <p:nvPr/>
-          </p:nvSpPr>
-          <p:spPr>
-            <a:xfrm>
-              <a:off x="3318767" y="4059379"/>
-              <a:ext cx="827919" cy="276999"/>
-            </a:xfrm>
-            <a:prstGeom prst="rect">
-              <a:avLst/>
-            </a:prstGeom>
-            <a:noFill/>
-          </p:spPr>
-          <p:txBody>
-            <a:bodyPr wrap="none" rtlCol="0">
-              <a:spAutoFit/>
-            </a:bodyPr>
-            <a:lstStyle/>
-            <a:p>
-              <a:pPr algn="ctr"/>
-              <a:r>
-                <a:rPr lang="en-US" sz="1200" dirty="0"/>
-                <a:t>Certificate</a:t>
-              </a:r>
-            </a:p>
-          </p:txBody>
-        </p:sp>
-      </p:grpSp>
-      <p:grpSp>
-        <p:nvGrpSpPr>
-          <p:cNvPr id="29" name="Group 28">
-            <a:extLst>
-              <a:ext uri="{FF2B5EF4-FFF2-40B4-BE49-F238E27FC236}">
-                <a16:creationId xmlns:a16="http://schemas.microsoft.com/office/drawing/2014/main" id="{F797A200-6979-40EA-8FC8-42E76108173E}"/>
-              </a:ext>
-            </a:extLst>
-          </p:cNvPr>
-          <p:cNvGrpSpPr/>
-          <p:nvPr/>
-        </p:nvGrpSpPr>
-        <p:grpSpPr>
-          <a:xfrm>
-            <a:off x="3440497" y="3025017"/>
-            <a:ext cx="1012520" cy="814629"/>
-            <a:chOff x="4483306" y="3333652"/>
-            <a:chExt cx="1012520" cy="814629"/>
-          </a:xfrm>
-        </p:grpSpPr>
-        <p:pic>
-          <p:nvPicPr>
-            <p:cNvPr id="16" name="Picture 15">
-              <a:extLst>
-                <a:ext uri="{FF2B5EF4-FFF2-40B4-BE49-F238E27FC236}">
-                  <a16:creationId xmlns:a16="http://schemas.microsoft.com/office/drawing/2014/main" id="{DF6866F6-9B17-4BB1-A2E0-BBCAF5738F65}"/>
-                </a:ext>
-              </a:extLst>
-            </p:cNvPr>
-            <p:cNvPicPr>
-              <a:picLocks noChangeAspect="1"/>
-            </p:cNvPicPr>
-            <p:nvPr/>
-          </p:nvPicPr>
-          <p:blipFill>
-            <a:blip r:embed="rId4"/>
-            <a:stretch>
-              <a:fillRect/>
-            </a:stretch>
-          </p:blipFill>
-          <p:spPr>
-            <a:xfrm>
-              <a:off x="4793811" y="3333652"/>
-              <a:ext cx="391508" cy="391508"/>
-            </a:xfrm>
-            <a:prstGeom prst="rect">
-              <a:avLst/>
-            </a:prstGeom>
-          </p:spPr>
-        </p:pic>
-        <p:sp>
-          <p:nvSpPr>
-            <p:cNvPr id="23" name="TextBox 22">
-              <a:extLst>
-                <a:ext uri="{FF2B5EF4-FFF2-40B4-BE49-F238E27FC236}">
-                  <a16:creationId xmlns:a16="http://schemas.microsoft.com/office/drawing/2014/main" id="{DB287542-2988-4FFF-92E8-B975C777ECA5}"/>
-                </a:ext>
-              </a:extLst>
-            </p:cNvPr>
-            <p:cNvSpPr txBox="1"/>
-            <p:nvPr/>
-          </p:nvSpPr>
-          <p:spPr>
-            <a:xfrm>
-              <a:off x="4483306" y="3686616"/>
-              <a:ext cx="1012520" cy="461665"/>
-            </a:xfrm>
-            <a:prstGeom prst="rect">
-              <a:avLst/>
-            </a:prstGeom>
-            <a:noFill/>
-          </p:spPr>
-          <p:txBody>
-            <a:bodyPr wrap="none" rtlCol="0">
-              <a:spAutoFit/>
-            </a:bodyPr>
-            <a:lstStyle/>
-            <a:p>
-              <a:pPr algn="ctr"/>
-              <a:r>
-                <a:rPr lang="en-US" sz="1200" dirty="0"/>
-                <a:t>Identification</a:t>
-              </a:r>
-              <a:br>
-                <a:rPr lang="en-US" sz="1200" dirty="0"/>
-              </a:br>
-              <a:r>
-                <a:rPr lang="en-US" sz="1200" dirty="0"/>
-                <a:t>Document</a:t>
-              </a:r>
-            </a:p>
-          </p:txBody>
-        </p:sp>
-      </p:grpSp>
-      <p:grpSp>
-        <p:nvGrpSpPr>
-          <p:cNvPr id="30" name="Group 29">
-            <a:extLst>
-              <a:ext uri="{FF2B5EF4-FFF2-40B4-BE49-F238E27FC236}">
-                <a16:creationId xmlns:a16="http://schemas.microsoft.com/office/drawing/2014/main" id="{010A3D61-A0B3-417A-AE4A-7A646F1D617B}"/>
-              </a:ext>
-            </a:extLst>
-          </p:cNvPr>
-          <p:cNvGrpSpPr/>
-          <p:nvPr/>
-        </p:nvGrpSpPr>
-        <p:grpSpPr>
-          <a:xfrm>
-            <a:off x="4566699" y="4169729"/>
-            <a:ext cx="686022" cy="697828"/>
-            <a:chOff x="6220584" y="3581978"/>
-            <a:chExt cx="686022" cy="697828"/>
-          </a:xfrm>
-        </p:grpSpPr>
-        <p:pic>
-          <p:nvPicPr>
-            <p:cNvPr id="17" name="Picture 10" descr="Image result for software icon">
-              <a:extLst>
-                <a:ext uri="{FF2B5EF4-FFF2-40B4-BE49-F238E27FC236}">
-                  <a16:creationId xmlns:a16="http://schemas.microsoft.com/office/drawing/2014/main" id="{2C6BD49F-EA6B-4EFE-AADC-4122AF1577CC}"/>
-                </a:ext>
-              </a:extLst>
-            </p:cNvPr>
-            <p:cNvPicPr>
-              <a:picLocks noChangeAspect="1" noChangeArrowheads="1"/>
-            </p:cNvPicPr>
-            <p:nvPr/>
-          </p:nvPicPr>
-          <p:blipFill>
-            <a:blip r:embed="rId5" cstate="print">
-              <a:extLst>
-                <a:ext uri="{28A0092B-C50C-407E-A947-70E740481C1C}">
-                  <a14:useLocalDpi xmlns:a14="http://schemas.microsoft.com/office/drawing/2010/main" val="0"/>
-                </a:ext>
-              </a:extLst>
-            </a:blip>
-            <a:srcRect/>
-            <a:stretch>
-              <a:fillRect/>
-            </a:stretch>
-          </p:blipFill>
-          <p:spPr bwMode="auto">
-            <a:xfrm>
-              <a:off x="6349032" y="3581978"/>
-              <a:ext cx="429127" cy="429127"/>
-            </a:xfrm>
-            <a:prstGeom prst="rect">
-              <a:avLst/>
-            </a:prstGeom>
-            <a:noFill/>
-            <a:extLst>
-              <a:ext uri="{909E8E84-426E-40DD-AFC4-6F175D3DCCD1}">
-                <a14:hiddenFill xmlns:a14="http://schemas.microsoft.com/office/drawing/2010/main">
-                  <a:solidFill>
-                    <a:srgbClr val="FFFFFF"/>
-                  </a:solidFill>
-                </a14:hiddenFill>
-              </a:ext>
-            </a:extLst>
-          </p:spPr>
-        </p:pic>
-        <p:sp>
-          <p:nvSpPr>
-            <p:cNvPr id="24" name="TextBox 23">
-              <a:extLst>
-                <a:ext uri="{FF2B5EF4-FFF2-40B4-BE49-F238E27FC236}">
-                  <a16:creationId xmlns:a16="http://schemas.microsoft.com/office/drawing/2014/main" id="{D7C549B9-F087-4F66-AE01-AB5BB7CE1A23}"/>
-                </a:ext>
-              </a:extLst>
-            </p:cNvPr>
-            <p:cNvSpPr txBox="1"/>
-            <p:nvPr/>
-          </p:nvSpPr>
-          <p:spPr>
-            <a:xfrm>
-              <a:off x="6220584" y="4002807"/>
-              <a:ext cx="686022" cy="276999"/>
-            </a:xfrm>
-            <a:prstGeom prst="rect">
-              <a:avLst/>
-            </a:prstGeom>
-            <a:noFill/>
-          </p:spPr>
-          <p:txBody>
-            <a:bodyPr wrap="none" rtlCol="0">
-              <a:spAutoFit/>
-            </a:bodyPr>
-            <a:lstStyle/>
-            <a:p>
-              <a:pPr algn="ctr"/>
-              <a:r>
-                <a:rPr lang="en-US" sz="1200" dirty="0"/>
-                <a:t>Installer</a:t>
-              </a:r>
-            </a:p>
-          </p:txBody>
-        </p:sp>
-      </p:grpSp>
-      <p:grpSp>
-        <p:nvGrpSpPr>
-          <p:cNvPr id="25" name="Group 24">
-            <a:extLst>
-              <a:ext uri="{FF2B5EF4-FFF2-40B4-BE49-F238E27FC236}">
-                <a16:creationId xmlns:a16="http://schemas.microsoft.com/office/drawing/2014/main" id="{6437E248-1C37-40BB-B95D-F1D3B253C5AC}"/>
-              </a:ext>
-            </a:extLst>
-          </p:cNvPr>
-          <p:cNvGrpSpPr/>
-          <p:nvPr/>
-        </p:nvGrpSpPr>
-        <p:grpSpPr>
-          <a:xfrm>
-            <a:off x="3500776" y="1851295"/>
-            <a:ext cx="328438" cy="725641"/>
-            <a:chOff x="4110212" y="4444304"/>
-            <a:chExt cx="328438" cy="725641"/>
-          </a:xfrm>
-        </p:grpSpPr>
-        <p:sp>
-          <p:nvSpPr>
-            <p:cNvPr id="26" name="TextBox 25">
-              <a:extLst>
-                <a:ext uri="{FF2B5EF4-FFF2-40B4-BE49-F238E27FC236}">
-                  <a16:creationId xmlns:a16="http://schemas.microsoft.com/office/drawing/2014/main" id="{03F1A023-F3CC-45BA-96BB-8C94D2F3C049}"/>
-                </a:ext>
-              </a:extLst>
-            </p:cNvPr>
-            <p:cNvSpPr txBox="1"/>
-            <p:nvPr/>
-          </p:nvSpPr>
-          <p:spPr>
-            <a:xfrm>
-              <a:off x="4121984" y="4892946"/>
-              <a:ext cx="304892" cy="276999"/>
-            </a:xfrm>
-            <a:prstGeom prst="rect">
-              <a:avLst/>
-            </a:prstGeom>
-            <a:noFill/>
-          </p:spPr>
-          <p:txBody>
-            <a:bodyPr wrap="none" rtlCol="0">
-              <a:spAutoFit/>
-            </a:bodyPr>
-            <a:lstStyle/>
-            <a:p>
-              <a:pPr algn="ctr"/>
-              <a:r>
-                <a:rPr lang="en-US" sz="1200" dirty="0"/>
-                <a:t>CI</a:t>
-              </a:r>
-            </a:p>
-          </p:txBody>
-        </p:sp>
-        <p:pic>
-          <p:nvPicPr>
-            <p:cNvPr id="27" name="Picture 6" descr="Jenkins Logo PNG Transparent &amp; SVG Vector - Freebie Supply">
-              <a:extLst>
-                <a:ext uri="{FF2B5EF4-FFF2-40B4-BE49-F238E27FC236}">
-                  <a16:creationId xmlns:a16="http://schemas.microsoft.com/office/drawing/2014/main" id="{9993A508-CE5C-4018-A43F-1B9594144098}"/>
-                </a:ext>
-              </a:extLst>
-            </p:cNvPr>
-            <p:cNvPicPr>
-              <a:picLocks noChangeAspect="1" noChangeArrowheads="1"/>
-            </p:cNvPicPr>
-            <p:nvPr/>
-          </p:nvPicPr>
-          <p:blipFill rotWithShape="1">
-            <a:blip r:embed="rId6" cstate="print">
-              <a:extLst>
-                <a:ext uri="{28A0092B-C50C-407E-A947-70E740481C1C}">
-                  <a14:useLocalDpi xmlns:a14="http://schemas.microsoft.com/office/drawing/2010/main" val="0"/>
-                </a:ext>
-              </a:extLst>
-            </a:blip>
-            <a:srcRect b="13598"/>
-            <a:stretch/>
-          </p:blipFill>
-          <p:spPr bwMode="auto">
-            <a:xfrm>
-              <a:off x="4110212" y="4444304"/>
-              <a:ext cx="328438" cy="462256"/>
-            </a:xfrm>
-            <a:prstGeom prst="rect">
-              <a:avLst/>
-            </a:prstGeom>
-            <a:noFill/>
-            <a:extLst>
-              <a:ext uri="{909E8E84-426E-40DD-AFC4-6F175D3DCCD1}">
-                <a14:hiddenFill xmlns:a14="http://schemas.microsoft.com/office/drawing/2010/main">
-                  <a:solidFill>
-                    <a:srgbClr val="FFFFFF"/>
-                  </a:solidFill>
-                </a14:hiddenFill>
-              </a:ext>
-            </a:extLst>
-          </p:spPr>
-        </p:pic>
-      </p:grpSp>
-      <p:grpSp>
-        <p:nvGrpSpPr>
-          <p:cNvPr id="31" name="Group 30">
-            <a:extLst>
-              <a:ext uri="{FF2B5EF4-FFF2-40B4-BE49-F238E27FC236}">
-                <a16:creationId xmlns:a16="http://schemas.microsoft.com/office/drawing/2014/main" id="{0DB1C588-8ED2-40CA-9C9D-B71B38A9D415}"/>
-              </a:ext>
-            </a:extLst>
-          </p:cNvPr>
-          <p:cNvGrpSpPr/>
-          <p:nvPr/>
-        </p:nvGrpSpPr>
-        <p:grpSpPr>
-          <a:xfrm>
-            <a:off x="4128086" y="1902216"/>
-            <a:ext cx="919966" cy="666646"/>
-            <a:chOff x="1832333" y="1493134"/>
-            <a:chExt cx="919966" cy="666646"/>
-          </a:xfrm>
-        </p:grpSpPr>
-        <p:sp>
-          <p:nvSpPr>
-            <p:cNvPr id="32" name="TextBox 31">
-              <a:extLst>
-                <a:ext uri="{FF2B5EF4-FFF2-40B4-BE49-F238E27FC236}">
-                  <a16:creationId xmlns:a16="http://schemas.microsoft.com/office/drawing/2014/main" id="{D5B3E666-2B9E-4E72-AAE9-4F0445CFE720}"/>
-                </a:ext>
-              </a:extLst>
-            </p:cNvPr>
-            <p:cNvSpPr txBox="1"/>
-            <p:nvPr/>
-          </p:nvSpPr>
-          <p:spPr>
-            <a:xfrm>
-              <a:off x="1832333" y="1882781"/>
-              <a:ext cx="919966" cy="276999"/>
-            </a:xfrm>
-            <a:prstGeom prst="rect">
-              <a:avLst/>
-            </a:prstGeom>
-            <a:noFill/>
-          </p:spPr>
-          <p:txBody>
-            <a:bodyPr wrap="square" rtlCol="0">
-              <a:spAutoFit/>
-            </a:bodyPr>
-            <a:lstStyle/>
-            <a:p>
-              <a:pPr algn="ctr"/>
-              <a:r>
-                <a:rPr lang="en-US" sz="1200" noProof="1"/>
-                <a:t>AppVeyor</a:t>
-              </a:r>
-            </a:p>
-          </p:txBody>
-        </p:sp>
-        <p:pic>
-          <p:nvPicPr>
-            <p:cNvPr id="33" name="Graphic 32">
-              <a:extLst>
-                <a:ext uri="{FF2B5EF4-FFF2-40B4-BE49-F238E27FC236}">
-                  <a16:creationId xmlns:a16="http://schemas.microsoft.com/office/drawing/2014/main" id="{383FCE63-AF5B-4B89-895F-DE12C63DA956}"/>
-                </a:ext>
-              </a:extLst>
-            </p:cNvPr>
-            <p:cNvPicPr>
-              <a:picLocks noChangeAspect="1"/>
-            </p:cNvPicPr>
-            <p:nvPr/>
-          </p:nvPicPr>
-          <p:blipFill>
-            <a:blip r:embed="rId7" cstate="print">
-              <a:extLst>
-                <a:ext uri="{28A0092B-C50C-407E-A947-70E740481C1C}">
-                  <a14:useLocalDpi xmlns:a14="http://schemas.microsoft.com/office/drawing/2010/main" val="0"/>
-                </a:ext>
-                <a:ext uri="{96DAC541-7B7A-43D3-8B79-37D633B846F1}">
-                  <asvg:svgBlip xmlns:asvg="http://schemas.microsoft.com/office/drawing/2016/SVG/main" r:embed="rId8"/>
-                </a:ext>
-              </a:extLst>
-            </a:blip>
-            <a:stretch>
-              <a:fillRect/>
-            </a:stretch>
-          </p:blipFill>
-          <p:spPr>
-            <a:xfrm flipH="1">
-              <a:off x="2107650" y="1493134"/>
-              <a:ext cx="369332" cy="369332"/>
-            </a:xfrm>
-            <a:prstGeom prst="rect">
-              <a:avLst/>
-            </a:prstGeom>
-          </p:spPr>
-        </p:pic>
-      </p:grpSp>
-      <p:grpSp>
-        <p:nvGrpSpPr>
-          <p:cNvPr id="34" name="Group 33">
-            <a:extLst>
-              <a:ext uri="{FF2B5EF4-FFF2-40B4-BE49-F238E27FC236}">
-                <a16:creationId xmlns:a16="http://schemas.microsoft.com/office/drawing/2014/main" id="{C7AC708F-9887-47C0-80EB-A79B4D80246B}"/>
-              </a:ext>
-            </a:extLst>
-          </p:cNvPr>
-          <p:cNvGrpSpPr/>
-          <p:nvPr/>
-        </p:nvGrpSpPr>
-        <p:grpSpPr>
-          <a:xfrm>
-            <a:off x="1715669" y="1919216"/>
-            <a:ext cx="814160" cy="646331"/>
-            <a:chOff x="6253762" y="1502242"/>
-            <a:chExt cx="814160" cy="646331"/>
-          </a:xfrm>
-        </p:grpSpPr>
-        <p:pic>
-          <p:nvPicPr>
-            <p:cNvPr id="35" name="Picture 34">
-              <a:extLst>
-                <a:ext uri="{FF2B5EF4-FFF2-40B4-BE49-F238E27FC236}">
-                  <a16:creationId xmlns:a16="http://schemas.microsoft.com/office/drawing/2014/main" id="{607F3EDD-203B-469C-B380-BAFF1AEEC0FE}"/>
-                </a:ext>
-              </a:extLst>
-            </p:cNvPr>
-            <p:cNvPicPr>
-              <a:picLocks noChangeAspect="1"/>
-            </p:cNvPicPr>
-            <p:nvPr/>
-          </p:nvPicPr>
-          <p:blipFill>
-            <a:blip r:embed="rId9">
-              <a:extLst>
-                <a:ext uri="{28A0092B-C50C-407E-A947-70E740481C1C}">
-                  <a14:useLocalDpi xmlns:a14="http://schemas.microsoft.com/office/drawing/2010/main" val="0"/>
-                </a:ext>
-              </a:extLst>
-            </a:blip>
-            <a:stretch>
-              <a:fillRect/>
-            </a:stretch>
-          </p:blipFill>
-          <p:spPr>
-            <a:xfrm>
-              <a:off x="6476176" y="1502242"/>
-              <a:ext cx="369332" cy="369332"/>
-            </a:xfrm>
-            <a:prstGeom prst="rect">
-              <a:avLst/>
-            </a:prstGeom>
-          </p:spPr>
-        </p:pic>
-        <p:sp>
-          <p:nvSpPr>
-            <p:cNvPr id="36" name="TextBox 35">
-              <a:extLst>
-                <a:ext uri="{FF2B5EF4-FFF2-40B4-BE49-F238E27FC236}">
-                  <a16:creationId xmlns:a16="http://schemas.microsoft.com/office/drawing/2014/main" id="{1CEE3A9C-4633-4C25-A2BA-8EC2B93E3ABD}"/>
-                </a:ext>
-              </a:extLst>
-            </p:cNvPr>
-            <p:cNvSpPr txBox="1"/>
-            <p:nvPr/>
-          </p:nvSpPr>
-          <p:spPr>
-            <a:xfrm>
-              <a:off x="6253762" y="1871574"/>
-              <a:ext cx="814160" cy="276999"/>
-            </a:xfrm>
-            <a:prstGeom prst="rect">
-              <a:avLst/>
-            </a:prstGeom>
-            <a:noFill/>
-          </p:spPr>
-          <p:txBody>
-            <a:bodyPr wrap="square" rtlCol="0">
-              <a:spAutoFit/>
-            </a:bodyPr>
-            <a:lstStyle/>
-            <a:p>
-              <a:pPr algn="ctr"/>
-              <a:r>
-                <a:rPr lang="en-US" sz="1200" noProof="1"/>
-                <a:t>SignPath</a:t>
-              </a:r>
-            </a:p>
-          </p:txBody>
-        </p:sp>
-      </p:grpSp>
-      <p:grpSp>
-        <p:nvGrpSpPr>
-          <p:cNvPr id="39" name="Group 38">
-            <a:extLst>
-              <a:ext uri="{FF2B5EF4-FFF2-40B4-BE49-F238E27FC236}">
-                <a16:creationId xmlns:a16="http://schemas.microsoft.com/office/drawing/2014/main" id="{77745F87-14CA-498F-A041-08B2ADEFE07C}"/>
-              </a:ext>
-            </a:extLst>
-          </p:cNvPr>
-          <p:cNvGrpSpPr/>
-          <p:nvPr/>
-        </p:nvGrpSpPr>
-        <p:grpSpPr>
-          <a:xfrm>
-            <a:off x="2717116" y="1908578"/>
-            <a:ext cx="369012" cy="664686"/>
-            <a:chOff x="2557328" y="3637490"/>
-            <a:chExt cx="369012" cy="664686"/>
-          </a:xfrm>
-        </p:grpSpPr>
-        <p:pic>
-          <p:nvPicPr>
-            <p:cNvPr id="37" name="Picture 2" descr="Git - Logo Downloads">
-              <a:extLst>
-                <a:ext uri="{FF2B5EF4-FFF2-40B4-BE49-F238E27FC236}">
-                  <a16:creationId xmlns:a16="http://schemas.microsoft.com/office/drawing/2014/main" id="{45FBEEBE-1825-409B-A29E-8E9B920C98CF}"/>
-                </a:ext>
-              </a:extLst>
-            </p:cNvPr>
-            <p:cNvPicPr>
-              <a:picLocks noChangeAspect="1" noChangeArrowheads="1"/>
-            </p:cNvPicPr>
-            <p:nvPr/>
-          </p:nvPicPr>
-          <p:blipFill>
-            <a:blip r:embed="rId10" cstate="print">
-              <a:extLst>
-                <a:ext uri="{28A0092B-C50C-407E-A947-70E740481C1C}">
-                  <a14:useLocalDpi xmlns:a14="http://schemas.microsoft.com/office/drawing/2010/main" val="0"/>
-                </a:ext>
-              </a:extLst>
-            </a:blip>
-            <a:srcRect/>
-            <a:stretch>
-              <a:fillRect/>
-            </a:stretch>
-          </p:blipFill>
-          <p:spPr bwMode="auto">
-            <a:xfrm>
-              <a:off x="2560269" y="3637490"/>
-              <a:ext cx="363133" cy="363133"/>
-            </a:xfrm>
-            <a:prstGeom prst="rect">
-              <a:avLst/>
-            </a:prstGeom>
-            <a:noFill/>
-            <a:extLst>
-              <a:ext uri="{909E8E84-426E-40DD-AFC4-6F175D3DCCD1}">
-                <a14:hiddenFill xmlns:a14="http://schemas.microsoft.com/office/drawing/2010/main">
-                  <a:solidFill>
-                    <a:srgbClr val="FFFFFF"/>
-                  </a:solidFill>
-                </a14:hiddenFill>
-              </a:ext>
-            </a:extLst>
-          </p:spPr>
-        </p:pic>
-        <p:sp>
-          <p:nvSpPr>
-            <p:cNvPr id="38" name="TextBox 37">
-              <a:extLst>
-                <a:ext uri="{FF2B5EF4-FFF2-40B4-BE49-F238E27FC236}">
-                  <a16:creationId xmlns:a16="http://schemas.microsoft.com/office/drawing/2014/main" id="{82B9BBCC-D8A1-4515-B580-76EDA6533E6F}"/>
-                </a:ext>
-              </a:extLst>
-            </p:cNvPr>
-            <p:cNvSpPr txBox="1"/>
-            <p:nvPr/>
-          </p:nvSpPr>
-          <p:spPr>
-            <a:xfrm>
-              <a:off x="2557328" y="4025177"/>
-              <a:ext cx="369012" cy="276999"/>
-            </a:xfrm>
-            <a:prstGeom prst="rect">
-              <a:avLst/>
-            </a:prstGeom>
-            <a:noFill/>
-          </p:spPr>
-          <p:txBody>
-            <a:bodyPr wrap="none" rtlCol="0">
-              <a:spAutoFit/>
-            </a:bodyPr>
-            <a:lstStyle/>
-            <a:p>
-              <a:pPr algn="ctr"/>
-              <a:r>
-                <a:rPr lang="en-US" sz="1200" dirty="0"/>
-                <a:t>Git</a:t>
-              </a:r>
-            </a:p>
-          </p:txBody>
-        </p:sp>
-      </p:grpSp>
-      <p:grpSp>
-        <p:nvGrpSpPr>
-          <p:cNvPr id="42" name="Group 41">
-            <a:extLst>
-              <a:ext uri="{FF2B5EF4-FFF2-40B4-BE49-F238E27FC236}">
-                <a16:creationId xmlns:a16="http://schemas.microsoft.com/office/drawing/2014/main" id="{6C4311EE-CB10-425C-BC43-A218E7396849}"/>
-              </a:ext>
-            </a:extLst>
-          </p:cNvPr>
-          <p:cNvGrpSpPr/>
-          <p:nvPr/>
-        </p:nvGrpSpPr>
-        <p:grpSpPr>
-          <a:xfrm>
-            <a:off x="4125303" y="421316"/>
-            <a:ext cx="655427" cy="908521"/>
-            <a:chOff x="3477604" y="1829400"/>
-            <a:chExt cx="655427" cy="908521"/>
-          </a:xfrm>
-        </p:grpSpPr>
-        <p:pic>
-          <p:nvPicPr>
-            <p:cNvPr id="40" name="Picture 39">
-              <a:extLst>
-                <a:ext uri="{FF2B5EF4-FFF2-40B4-BE49-F238E27FC236}">
-                  <a16:creationId xmlns:a16="http://schemas.microsoft.com/office/drawing/2014/main" id="{D007747B-0720-4E56-8E7D-83B27DE44D6D}"/>
-                </a:ext>
-              </a:extLst>
-            </p:cNvPr>
-            <p:cNvPicPr>
-              <a:picLocks noChangeAspect="1"/>
-            </p:cNvPicPr>
-            <p:nvPr/>
-          </p:nvPicPr>
-          <p:blipFill>
-            <a:blip r:embed="rId11"/>
-            <a:stretch>
-              <a:fillRect/>
-            </a:stretch>
-          </p:blipFill>
-          <p:spPr>
-            <a:xfrm>
-              <a:off x="3477604" y="1829400"/>
-              <a:ext cx="655427" cy="655427"/>
-            </a:xfrm>
-            <a:prstGeom prst="rect">
-              <a:avLst/>
-            </a:prstGeom>
-          </p:spPr>
-        </p:pic>
-        <p:sp>
-          <p:nvSpPr>
-            <p:cNvPr id="41" name="TextBox 40">
-              <a:extLst>
-                <a:ext uri="{FF2B5EF4-FFF2-40B4-BE49-F238E27FC236}">
-                  <a16:creationId xmlns:a16="http://schemas.microsoft.com/office/drawing/2014/main" id="{EC6EC191-D619-4EB8-A320-EC8E690F9FAD}"/>
-                </a:ext>
-              </a:extLst>
-            </p:cNvPr>
-            <p:cNvSpPr txBox="1"/>
-            <p:nvPr/>
-          </p:nvSpPr>
-          <p:spPr>
-            <a:xfrm>
-              <a:off x="3513442" y="2460922"/>
-              <a:ext cx="583750" cy="276999"/>
-            </a:xfrm>
-            <a:prstGeom prst="rect">
-              <a:avLst/>
-            </a:prstGeom>
-            <a:noFill/>
-          </p:spPr>
-          <p:txBody>
-            <a:bodyPr wrap="none" rtlCol="0">
-              <a:spAutoFit/>
-            </a:bodyPr>
-            <a:lstStyle/>
-            <a:p>
-              <a:pPr algn="ctr"/>
-              <a:r>
-                <a:rPr lang="en-US" sz="1200" dirty="0"/>
-                <a:t>Server</a:t>
-              </a:r>
-            </a:p>
-          </p:txBody>
-        </p:sp>
-      </p:grpSp>
-      <p:grpSp>
-        <p:nvGrpSpPr>
-          <p:cNvPr id="48" name="Group 47">
-            <a:extLst>
-              <a:ext uri="{FF2B5EF4-FFF2-40B4-BE49-F238E27FC236}">
-                <a16:creationId xmlns:a16="http://schemas.microsoft.com/office/drawing/2014/main" id="{56B611E0-F261-4FA8-939E-75CFE49AC8C7}"/>
-              </a:ext>
-            </a:extLst>
-          </p:cNvPr>
-          <p:cNvGrpSpPr/>
-          <p:nvPr/>
-        </p:nvGrpSpPr>
-        <p:grpSpPr>
-          <a:xfrm>
-            <a:off x="2479580" y="3034757"/>
-            <a:ext cx="814160" cy="617741"/>
-            <a:chOff x="3831954" y="1290065"/>
-            <a:chExt cx="814160" cy="617741"/>
-          </a:xfrm>
-        </p:grpSpPr>
-        <p:grpSp>
-          <p:nvGrpSpPr>
-            <p:cNvPr id="46" name="Group 45">
-              <a:extLst>
-                <a:ext uri="{FF2B5EF4-FFF2-40B4-BE49-F238E27FC236}">
-                  <a16:creationId xmlns:a16="http://schemas.microsoft.com/office/drawing/2014/main" id="{F4AB18C8-BBAA-418F-8C0E-B522539977C4}"/>
-                </a:ext>
-              </a:extLst>
-            </p:cNvPr>
-            <p:cNvGrpSpPr/>
-            <p:nvPr/>
-          </p:nvGrpSpPr>
-          <p:grpSpPr>
-            <a:xfrm>
-              <a:off x="4139216" y="1290065"/>
-              <a:ext cx="199637" cy="302682"/>
-              <a:chOff x="4139216" y="1290065"/>
-              <a:chExt cx="199637" cy="302682"/>
-            </a:xfrm>
-          </p:grpSpPr>
-          <p:sp>
-            <p:nvSpPr>
-              <p:cNvPr id="43" name="Rectangle 27">
-                <a:extLst>
-                  <a:ext uri="{FF2B5EF4-FFF2-40B4-BE49-F238E27FC236}">
-                    <a16:creationId xmlns:a16="http://schemas.microsoft.com/office/drawing/2014/main" id="{47A57C8F-1AE9-4204-9BCC-108920DB998D}"/>
-                  </a:ext>
-                </a:extLst>
-              </p:cNvPr>
-              <p:cNvSpPr/>
-              <p:nvPr/>
-            </p:nvSpPr>
-            <p:spPr>
-              <a:xfrm rot="900000">
-                <a:off x="4187486" y="1375134"/>
-                <a:ext cx="59889" cy="216954"/>
-              </a:xfrm>
-              <a:custGeom>
-                <a:avLst/>
-                <a:gdLst>
-                  <a:gd name="connsiteX0" fmla="*/ 0 w 115500"/>
-                  <a:gd name="connsiteY0" fmla="*/ 0 h 563354"/>
-                  <a:gd name="connsiteX1" fmla="*/ 115500 w 115500"/>
-                  <a:gd name="connsiteY1" fmla="*/ 0 h 563354"/>
-                  <a:gd name="connsiteX2" fmla="*/ 115500 w 115500"/>
-                  <a:gd name="connsiteY2" fmla="*/ 563354 h 563354"/>
-                  <a:gd name="connsiteX3" fmla="*/ 0 w 115500"/>
-                  <a:gd name="connsiteY3" fmla="*/ 563354 h 563354"/>
-                  <a:gd name="connsiteX4" fmla="*/ 0 w 115500"/>
-                  <a:gd name="connsiteY4" fmla="*/ 0 h 563354"/>
-                  <a:gd name="connsiteX0" fmla="*/ 0 w 115500"/>
-                  <a:gd name="connsiteY0" fmla="*/ 0 h 566008"/>
-                  <a:gd name="connsiteX1" fmla="*/ 115500 w 115500"/>
-                  <a:gd name="connsiteY1" fmla="*/ 0 h 566008"/>
-                  <a:gd name="connsiteX2" fmla="*/ 115500 w 115500"/>
-                  <a:gd name="connsiteY2" fmla="*/ 563354 h 566008"/>
-                  <a:gd name="connsiteX3" fmla="*/ 51445 w 115500"/>
-                  <a:gd name="connsiteY3" fmla="*/ 566008 h 566008"/>
-                  <a:gd name="connsiteX4" fmla="*/ 0 w 115500"/>
-                  <a:gd name="connsiteY4" fmla="*/ 563354 h 566008"/>
-                  <a:gd name="connsiteX5" fmla="*/ 0 w 115500"/>
-                  <a:gd name="connsiteY5" fmla="*/ 0 h 566008"/>
-                  <a:gd name="connsiteX0" fmla="*/ 0 w 115500"/>
-                  <a:gd name="connsiteY0" fmla="*/ 0 h 563354"/>
-                  <a:gd name="connsiteX1" fmla="*/ 115500 w 115500"/>
-                  <a:gd name="connsiteY1" fmla="*/ 0 h 563354"/>
-                  <a:gd name="connsiteX2" fmla="*/ 115500 w 115500"/>
-                  <a:gd name="connsiteY2" fmla="*/ 563354 h 563354"/>
-                  <a:gd name="connsiteX3" fmla="*/ 62152 w 115500"/>
-                  <a:gd name="connsiteY3" fmla="*/ 412759 h 563354"/>
-                  <a:gd name="connsiteX4" fmla="*/ 0 w 115500"/>
-                  <a:gd name="connsiteY4" fmla="*/ 563354 h 563354"/>
-                  <a:gd name="connsiteX5" fmla="*/ 0 w 115500"/>
-                  <a:gd name="connsiteY5" fmla="*/ 0 h 563354"/>
-                </a:gdLst>
-                <a:ahLst/>
-                <a:cxnLst>
-                  <a:cxn ang="0">
-                    <a:pos x="connsiteX0" y="connsiteY0"/>
-                  </a:cxn>
-                  <a:cxn ang="0">
-                    <a:pos x="connsiteX1" y="connsiteY1"/>
-                  </a:cxn>
-                  <a:cxn ang="0">
-                    <a:pos x="connsiteX2" y="connsiteY2"/>
-                  </a:cxn>
-                  <a:cxn ang="0">
-                    <a:pos x="connsiteX3" y="connsiteY3"/>
-                  </a:cxn>
-                  <a:cxn ang="0">
-                    <a:pos x="connsiteX4" y="connsiteY4"/>
-                  </a:cxn>
-                  <a:cxn ang="0">
-                    <a:pos x="connsiteX5" y="connsiteY5"/>
-                  </a:cxn>
-                </a:cxnLst>
-                <a:rect l="l" t="t" r="r" b="b"/>
-                <a:pathLst>
-                  <a:path w="115500" h="563354">
-                    <a:moveTo>
-                      <a:pt x="0" y="0"/>
-                    </a:moveTo>
-                    <a:lnTo>
-                      <a:pt x="115500" y="0"/>
-                    </a:lnTo>
-                    <a:lnTo>
-                      <a:pt x="115500" y="563354"/>
-                    </a:lnTo>
-                    <a:lnTo>
-                      <a:pt x="62152" y="412759"/>
-                    </a:lnTo>
-                    <a:lnTo>
-                      <a:pt x="0" y="563354"/>
-                    </a:lnTo>
-                    <a:lnTo>
-                      <a:pt x="0" y="0"/>
-                    </a:lnTo>
-                    <a:close/>
-                  </a:path>
-                </a:pathLst>
-              </a:custGeom>
-              <a:solidFill>
-                <a:srgbClr val="FCC010"/>
-              </a:solidFill>
-              <a:ln>
-                <a:solidFill>
-                  <a:schemeClr val="tx1"/>
-                </a:solidFill>
-              </a:ln>
-            </p:spPr>
-            <p:style>
-              <a:lnRef idx="2">
-                <a:schemeClr val="accent1">
-                  <a:shade val="50000"/>
-                </a:schemeClr>
-              </a:lnRef>
-              <a:fillRef idx="1">
-                <a:schemeClr val="accent1"/>
-              </a:fillRef>
-              <a:effectRef idx="0">
-                <a:schemeClr val="accent1"/>
-              </a:effectRef>
-              <a:fontRef idx="minor">
-                <a:schemeClr val="lt1"/>
-              </a:fontRef>
-            </p:style>
-            <p:txBody>
-              <a:bodyPr wrap="none" rtlCol="0">
-                <a:noAutofit/>
-              </a:bodyPr>
-              <a:lstStyle/>
-              <a:p>
-                <a:endParaRPr lang="en-US" dirty="0"/>
-              </a:p>
-            </p:txBody>
-          </p:sp>
-          <p:sp>
-            <p:nvSpPr>
-              <p:cNvPr id="44" name="Rectangle 27">
-                <a:extLst>
-                  <a:ext uri="{FF2B5EF4-FFF2-40B4-BE49-F238E27FC236}">
-                    <a16:creationId xmlns:a16="http://schemas.microsoft.com/office/drawing/2014/main" id="{744DBFB1-3320-4E76-8F9D-1D462752758A}"/>
-                  </a:ext>
-                </a:extLst>
-              </p:cNvPr>
-              <p:cNvSpPr/>
-              <p:nvPr/>
-            </p:nvSpPr>
-            <p:spPr>
-              <a:xfrm rot="20665071">
-                <a:off x="4234179" y="1339811"/>
-                <a:ext cx="59889" cy="252936"/>
-              </a:xfrm>
-              <a:custGeom>
-                <a:avLst/>
-                <a:gdLst>
-                  <a:gd name="connsiteX0" fmla="*/ 0 w 115500"/>
-                  <a:gd name="connsiteY0" fmla="*/ 0 h 563354"/>
-                  <a:gd name="connsiteX1" fmla="*/ 115500 w 115500"/>
-                  <a:gd name="connsiteY1" fmla="*/ 0 h 563354"/>
-                  <a:gd name="connsiteX2" fmla="*/ 115500 w 115500"/>
-                  <a:gd name="connsiteY2" fmla="*/ 563354 h 563354"/>
-                  <a:gd name="connsiteX3" fmla="*/ 0 w 115500"/>
-                  <a:gd name="connsiteY3" fmla="*/ 563354 h 563354"/>
-                  <a:gd name="connsiteX4" fmla="*/ 0 w 115500"/>
-                  <a:gd name="connsiteY4" fmla="*/ 0 h 563354"/>
-                  <a:gd name="connsiteX0" fmla="*/ 0 w 115500"/>
-                  <a:gd name="connsiteY0" fmla="*/ 0 h 566008"/>
-                  <a:gd name="connsiteX1" fmla="*/ 115500 w 115500"/>
-                  <a:gd name="connsiteY1" fmla="*/ 0 h 566008"/>
-                  <a:gd name="connsiteX2" fmla="*/ 115500 w 115500"/>
-                  <a:gd name="connsiteY2" fmla="*/ 563354 h 566008"/>
-                  <a:gd name="connsiteX3" fmla="*/ 51445 w 115500"/>
-                  <a:gd name="connsiteY3" fmla="*/ 566008 h 566008"/>
-                  <a:gd name="connsiteX4" fmla="*/ 0 w 115500"/>
-                  <a:gd name="connsiteY4" fmla="*/ 563354 h 566008"/>
-                  <a:gd name="connsiteX5" fmla="*/ 0 w 115500"/>
-                  <a:gd name="connsiteY5" fmla="*/ 0 h 566008"/>
-                  <a:gd name="connsiteX0" fmla="*/ 0 w 115500"/>
-                  <a:gd name="connsiteY0" fmla="*/ 0 h 563354"/>
-                  <a:gd name="connsiteX1" fmla="*/ 115500 w 115500"/>
-                  <a:gd name="connsiteY1" fmla="*/ 0 h 563354"/>
-                  <a:gd name="connsiteX2" fmla="*/ 115500 w 115500"/>
-                  <a:gd name="connsiteY2" fmla="*/ 563354 h 563354"/>
-                  <a:gd name="connsiteX3" fmla="*/ 62152 w 115500"/>
-                  <a:gd name="connsiteY3" fmla="*/ 412759 h 563354"/>
-                  <a:gd name="connsiteX4" fmla="*/ 0 w 115500"/>
-                  <a:gd name="connsiteY4" fmla="*/ 563354 h 563354"/>
-                  <a:gd name="connsiteX5" fmla="*/ 0 w 115500"/>
-                  <a:gd name="connsiteY5" fmla="*/ 0 h 563354"/>
-                </a:gdLst>
-                <a:ahLst/>
-                <a:cxnLst>
-                  <a:cxn ang="0">
-                    <a:pos x="connsiteX0" y="connsiteY0"/>
-                  </a:cxn>
-                  <a:cxn ang="0">
-                    <a:pos x="connsiteX1" y="connsiteY1"/>
-                  </a:cxn>
-                  <a:cxn ang="0">
-                    <a:pos x="connsiteX2" y="connsiteY2"/>
-                  </a:cxn>
-                  <a:cxn ang="0">
-                    <a:pos x="connsiteX3" y="connsiteY3"/>
-                  </a:cxn>
-                  <a:cxn ang="0">
-                    <a:pos x="connsiteX4" y="connsiteY4"/>
-                  </a:cxn>
-                  <a:cxn ang="0">
-                    <a:pos x="connsiteX5" y="connsiteY5"/>
-                  </a:cxn>
-                </a:cxnLst>
-                <a:rect l="l" t="t" r="r" b="b"/>
-                <a:pathLst>
-                  <a:path w="115500" h="563354">
-                    <a:moveTo>
-                      <a:pt x="0" y="0"/>
-                    </a:moveTo>
-                    <a:lnTo>
-                      <a:pt x="115500" y="0"/>
-                    </a:lnTo>
-                    <a:lnTo>
-                      <a:pt x="115500" y="563354"/>
-                    </a:lnTo>
-                    <a:lnTo>
-                      <a:pt x="62152" y="412759"/>
-                    </a:lnTo>
-                    <a:lnTo>
-                      <a:pt x="0" y="563354"/>
-                    </a:lnTo>
-                    <a:lnTo>
-                      <a:pt x="0" y="0"/>
-                    </a:lnTo>
-                    <a:close/>
-                  </a:path>
-                </a:pathLst>
-              </a:custGeom>
-              <a:solidFill>
-                <a:srgbClr val="FCC010"/>
-              </a:solidFill>
-              <a:ln>
-                <a:solidFill>
-                  <a:schemeClr val="tx1"/>
-                </a:solidFill>
-              </a:ln>
-            </p:spPr>
-            <p:style>
-              <a:lnRef idx="2">
-                <a:schemeClr val="accent1">
-                  <a:shade val="50000"/>
-                </a:schemeClr>
-              </a:lnRef>
-              <a:fillRef idx="1">
-                <a:schemeClr val="accent1"/>
-              </a:fillRef>
-              <a:effectRef idx="0">
-                <a:schemeClr val="accent1"/>
-              </a:effectRef>
-              <a:fontRef idx="minor">
-                <a:schemeClr val="lt1"/>
-              </a:fontRef>
-            </p:style>
-            <p:txBody>
-              <a:bodyPr wrap="none" rtlCol="0">
-                <a:noAutofit/>
-              </a:bodyPr>
-              <a:lstStyle/>
-              <a:p>
-                <a:endParaRPr lang="en-US" dirty="0"/>
-              </a:p>
-            </p:txBody>
-          </p:sp>
-          <p:sp>
-            <p:nvSpPr>
-              <p:cNvPr id="45" name="7-Point Star 213">
-                <a:extLst>
-                  <a:ext uri="{FF2B5EF4-FFF2-40B4-BE49-F238E27FC236}">
-                    <a16:creationId xmlns:a16="http://schemas.microsoft.com/office/drawing/2014/main" id="{34908F8D-8BFD-4997-884D-EFC90A9890DB}"/>
-                  </a:ext>
-                </a:extLst>
-              </p:cNvPr>
-              <p:cNvSpPr/>
-              <p:nvPr/>
-            </p:nvSpPr>
-            <p:spPr>
-              <a:xfrm>
-                <a:off x="4139216" y="1290065"/>
-                <a:ext cx="199637" cy="199637"/>
-              </a:xfrm>
-              <a:prstGeom prst="star7">
-                <a:avLst/>
-              </a:prstGeom>
-              <a:solidFill>
-                <a:srgbClr val="FCC010"/>
-              </a:solidFill>
-              <a:ln>
-                <a:solidFill>
-                  <a:schemeClr val="tx1"/>
-                </a:solidFill>
-              </a:ln>
-            </p:spPr>
-            <p:style>
-              <a:lnRef idx="2">
-                <a:schemeClr val="accent1">
-                  <a:shade val="50000"/>
-                </a:schemeClr>
-              </a:lnRef>
-              <a:fillRef idx="1">
-                <a:schemeClr val="accent1"/>
-              </a:fillRef>
-              <a:effectRef idx="0">
-                <a:schemeClr val="accent1"/>
-              </a:effectRef>
-              <a:fontRef idx="minor">
-                <a:schemeClr val="lt1"/>
-              </a:fontRef>
-            </p:style>
-            <p:txBody>
-              <a:bodyPr wrap="none" lIns="0" tIns="18000" rIns="0" bIns="0" rtlCol="0" anchor="ctr" anchorCtr="0">
-                <a:noAutofit/>
-              </a:bodyPr>
-              <a:lstStyle/>
-              <a:p>
-                <a:pPr algn="ctr"/>
-                <a:endParaRPr lang="en-US" sz="600" dirty="0">
-                  <a:solidFill>
-                    <a:schemeClr val="tx1"/>
-                  </a:solidFill>
-                </a:endParaRPr>
-              </a:p>
-            </p:txBody>
-          </p:sp>
-        </p:grpSp>
-        <p:sp>
-          <p:nvSpPr>
-            <p:cNvPr id="47" name="TextBox 46">
-              <a:extLst>
-                <a:ext uri="{FF2B5EF4-FFF2-40B4-BE49-F238E27FC236}">
-                  <a16:creationId xmlns:a16="http://schemas.microsoft.com/office/drawing/2014/main" id="{4CC1EF99-C966-4F29-B59C-04B810822F57}"/>
-                </a:ext>
-              </a:extLst>
-            </p:cNvPr>
-            <p:cNvSpPr txBox="1"/>
-            <p:nvPr/>
-          </p:nvSpPr>
-          <p:spPr>
-            <a:xfrm>
-              <a:off x="3831954" y="1630807"/>
-              <a:ext cx="814160" cy="276999"/>
-            </a:xfrm>
-            <a:prstGeom prst="rect">
-              <a:avLst/>
-            </a:prstGeom>
-            <a:noFill/>
-          </p:spPr>
-          <p:txBody>
-            <a:bodyPr wrap="square" rtlCol="0">
-              <a:spAutoFit/>
-            </a:bodyPr>
-            <a:lstStyle/>
-            <a:p>
-              <a:pPr algn="ctr"/>
-              <a:r>
-                <a:rPr lang="en-US" sz="1200" noProof="1"/>
-                <a:t>Signature</a:t>
-              </a:r>
-            </a:p>
-          </p:txBody>
-        </p:sp>
-      </p:grpSp>
-      <p:grpSp>
-        <p:nvGrpSpPr>
-          <p:cNvPr id="58" name="Group 57">
-            <a:extLst>
-              <a:ext uri="{FF2B5EF4-FFF2-40B4-BE49-F238E27FC236}">
-                <a16:creationId xmlns:a16="http://schemas.microsoft.com/office/drawing/2014/main" id="{FBB1211A-F367-4986-9199-EB7F91687EA9}"/>
-              </a:ext>
-            </a:extLst>
-          </p:cNvPr>
-          <p:cNvGrpSpPr/>
-          <p:nvPr/>
-        </p:nvGrpSpPr>
-        <p:grpSpPr>
-          <a:xfrm>
-            <a:off x="3455557" y="4311833"/>
-            <a:ext cx="827471" cy="557449"/>
-            <a:chOff x="1803574" y="5377827"/>
-            <a:chExt cx="827471" cy="557449"/>
-          </a:xfrm>
-        </p:grpSpPr>
-        <p:pic>
-          <p:nvPicPr>
-            <p:cNvPr id="49" name="Picture 48">
-              <a:extLst>
-                <a:ext uri="{FF2B5EF4-FFF2-40B4-BE49-F238E27FC236}">
-                  <a16:creationId xmlns:a16="http://schemas.microsoft.com/office/drawing/2014/main" id="{F89FF4EF-D6D6-48ED-B4F1-179CAFE13EEB}"/>
-                </a:ext>
-              </a:extLst>
-            </p:cNvPr>
-            <p:cNvPicPr>
-              <a:picLocks noChangeAspect="1"/>
-            </p:cNvPicPr>
-            <p:nvPr/>
-          </p:nvPicPr>
-          <p:blipFill>
-            <a:blip r:embed="rId12"/>
-            <a:stretch>
-              <a:fillRect/>
-            </a:stretch>
-          </p:blipFill>
-          <p:spPr>
-            <a:xfrm>
-              <a:off x="2038155" y="5377827"/>
-              <a:ext cx="396083" cy="245361"/>
-            </a:xfrm>
-            <a:prstGeom prst="rect">
-              <a:avLst/>
-            </a:prstGeom>
-          </p:spPr>
-        </p:pic>
-        <p:sp>
-          <p:nvSpPr>
-            <p:cNvPr id="56" name="TextBox 55">
-              <a:extLst>
-                <a:ext uri="{FF2B5EF4-FFF2-40B4-BE49-F238E27FC236}">
-                  <a16:creationId xmlns:a16="http://schemas.microsoft.com/office/drawing/2014/main" id="{025F8237-9DFA-4C56-93E2-2D3F267DC23F}"/>
-                </a:ext>
-              </a:extLst>
-            </p:cNvPr>
-            <p:cNvSpPr txBox="1"/>
-            <p:nvPr/>
-          </p:nvSpPr>
-          <p:spPr>
-            <a:xfrm>
-              <a:off x="1803574" y="5658277"/>
-              <a:ext cx="827471" cy="276999"/>
-            </a:xfrm>
-            <a:prstGeom prst="rect">
-              <a:avLst/>
-            </a:prstGeom>
-            <a:noFill/>
-          </p:spPr>
-          <p:txBody>
-            <a:bodyPr wrap="none" rtlCol="0">
-              <a:spAutoFit/>
-            </a:bodyPr>
-            <a:lstStyle/>
-            <a:p>
-              <a:pPr algn="ctr"/>
-              <a:r>
-                <a:rPr lang="en-US" sz="1200" dirty="0"/>
-                <a:t>USB token</a:t>
-              </a:r>
-            </a:p>
-          </p:txBody>
-        </p:sp>
-      </p:grpSp>
-      <p:grpSp>
-        <p:nvGrpSpPr>
-          <p:cNvPr id="71" name="Group 70">
-            <a:extLst>
-              <a:ext uri="{FF2B5EF4-FFF2-40B4-BE49-F238E27FC236}">
-                <a16:creationId xmlns:a16="http://schemas.microsoft.com/office/drawing/2014/main" id="{EF5AB33B-F136-4A52-B8F2-F0637A935436}"/>
-              </a:ext>
-            </a:extLst>
-          </p:cNvPr>
-          <p:cNvGrpSpPr/>
-          <p:nvPr/>
-        </p:nvGrpSpPr>
-        <p:grpSpPr>
-          <a:xfrm>
-            <a:off x="1479652" y="4190046"/>
-            <a:ext cx="723680" cy="682748"/>
-            <a:chOff x="1479652" y="4190046"/>
-            <a:chExt cx="723680" cy="682748"/>
-          </a:xfrm>
-        </p:grpSpPr>
-        <p:sp>
-          <p:nvSpPr>
-            <p:cNvPr id="57" name="TextBox 56">
-              <a:extLst>
-                <a:ext uri="{FF2B5EF4-FFF2-40B4-BE49-F238E27FC236}">
-                  <a16:creationId xmlns:a16="http://schemas.microsoft.com/office/drawing/2014/main" id="{5C49F05F-5FED-48A2-9EC7-F1EDD2289381}"/>
-                </a:ext>
-              </a:extLst>
-            </p:cNvPr>
-            <p:cNvSpPr txBox="1"/>
-            <p:nvPr/>
-          </p:nvSpPr>
-          <p:spPr>
-            <a:xfrm>
-              <a:off x="1519962" y="4595795"/>
-              <a:ext cx="643061" cy="276999"/>
-            </a:xfrm>
-            <a:prstGeom prst="rect">
-              <a:avLst/>
-            </a:prstGeom>
-            <a:noFill/>
-          </p:spPr>
-          <p:txBody>
-            <a:bodyPr wrap="none" rtlCol="0">
-              <a:spAutoFit/>
-            </a:bodyPr>
-            <a:lstStyle/>
-            <a:p>
-              <a:pPr algn="ctr"/>
-              <a:r>
-                <a:rPr lang="en-US" sz="1200" dirty="0"/>
-                <a:t>PFX file</a:t>
-              </a:r>
-            </a:p>
-          </p:txBody>
-        </p:sp>
-        <p:grpSp>
-          <p:nvGrpSpPr>
-            <p:cNvPr id="65" name="Group 64">
-              <a:extLst>
-                <a:ext uri="{FF2B5EF4-FFF2-40B4-BE49-F238E27FC236}">
-                  <a16:creationId xmlns:a16="http://schemas.microsoft.com/office/drawing/2014/main" id="{A7AE9FE9-0B4E-4AD6-A9A9-5A0F12A95C28}"/>
-                </a:ext>
-              </a:extLst>
-            </p:cNvPr>
-            <p:cNvGrpSpPr/>
-            <p:nvPr/>
-          </p:nvGrpSpPr>
-          <p:grpSpPr>
-            <a:xfrm>
-              <a:off x="1479652" y="4190046"/>
-              <a:ext cx="723680" cy="461122"/>
-              <a:chOff x="11280808" y="2162099"/>
-              <a:chExt cx="723680" cy="461122"/>
-            </a:xfrm>
-          </p:grpSpPr>
-          <p:grpSp>
-            <p:nvGrpSpPr>
-              <p:cNvPr id="66" name="Group 65">
-                <a:extLst>
-                  <a:ext uri="{FF2B5EF4-FFF2-40B4-BE49-F238E27FC236}">
-                    <a16:creationId xmlns:a16="http://schemas.microsoft.com/office/drawing/2014/main" id="{29B9231F-1BFF-4949-9C99-E11F25E00C23}"/>
-                  </a:ext>
-                </a:extLst>
-              </p:cNvPr>
-              <p:cNvGrpSpPr/>
-              <p:nvPr/>
-            </p:nvGrpSpPr>
-            <p:grpSpPr>
-              <a:xfrm>
-                <a:off x="11531064" y="2162099"/>
-                <a:ext cx="223169" cy="293470"/>
-                <a:chOff x="5291348" y="763805"/>
-                <a:chExt cx="804652" cy="932325"/>
-              </a:xfrm>
-            </p:grpSpPr>
-            <p:sp>
-              <p:nvSpPr>
-                <p:cNvPr id="68" name="Rectangle: Single Corner Snipped 67">
-                  <a:extLst>
-                    <a:ext uri="{FF2B5EF4-FFF2-40B4-BE49-F238E27FC236}">
-                      <a16:creationId xmlns:a16="http://schemas.microsoft.com/office/drawing/2014/main" id="{C43F0617-37E2-449C-9CA2-7DFEF25BB849}"/>
-                    </a:ext>
-                  </a:extLst>
-                </p:cNvPr>
-                <p:cNvSpPr/>
-                <p:nvPr/>
-              </p:nvSpPr>
-              <p:spPr>
-                <a:xfrm>
-                  <a:off x="5291348" y="763805"/>
-                  <a:ext cx="804652" cy="932325"/>
-                </a:xfrm>
-                <a:prstGeom prst="snip1Rect">
-                  <a:avLst>
-                    <a:gd name="adj" fmla="val 20762"/>
-                  </a:avLst>
-                </a:prstGeom>
-                <a:solidFill>
-                  <a:schemeClr val="bg1"/>
-                </a:solidFill>
-                <a:ln>
-                  <a:solidFill>
-                    <a:schemeClr val="tx1"/>
-                  </a:solidFill>
-                </a:ln>
-              </p:spPr>
-              <p:style>
-                <a:lnRef idx="2">
-                  <a:schemeClr val="accent1">
-                    <a:shade val="50000"/>
-                  </a:schemeClr>
-                </a:lnRef>
-                <a:fillRef idx="1">
-                  <a:schemeClr val="accent1"/>
-                </a:fillRef>
-                <a:effectRef idx="0">
-                  <a:schemeClr val="accent1"/>
-                </a:effectRef>
-                <a:fontRef idx="minor">
-                  <a:schemeClr val="lt1"/>
-                </a:fontRef>
-              </p:style>
-              <p:txBody>
-                <a:bodyPr lIns="36000" tIns="0" rIns="0" bIns="0" rtlCol="0" anchor="ctr"/>
-                <a:lstStyle/>
-                <a:p>
-                  <a:pPr algn="ctr"/>
-                  <a:r>
-                    <a:rPr lang="en-US" sz="800" dirty="0">
-                      <a:solidFill>
-                        <a:schemeClr val="tx1"/>
-                      </a:solidFill>
-                    </a:rPr>
-                    <a:t>PFX</a:t>
-                  </a:r>
-                  <a:endParaRPr lang="en-US" sz="4000" dirty="0">
-                    <a:solidFill>
-                      <a:schemeClr val="tx1"/>
-                    </a:solidFill>
-                  </a:endParaRPr>
-                </a:p>
-              </p:txBody>
-            </p:sp>
-            <p:cxnSp>
-              <p:nvCxnSpPr>
-                <p:cNvPr id="69" name="Straight Connector 68">
-                  <a:extLst>
-                    <a:ext uri="{FF2B5EF4-FFF2-40B4-BE49-F238E27FC236}">
-                      <a16:creationId xmlns:a16="http://schemas.microsoft.com/office/drawing/2014/main" id="{961F24F3-DC31-442E-B290-1FF1E763C78E}"/>
-                    </a:ext>
-                  </a:extLst>
-                </p:cNvPr>
-                <p:cNvCxnSpPr/>
-                <p:nvPr/>
-              </p:nvCxnSpPr>
-              <p:spPr>
-                <a:xfrm flipV="1">
-                  <a:off x="5931976" y="763805"/>
-                  <a:ext cx="0" cy="183546"/>
-                </a:xfrm>
-                <a:prstGeom prst="line">
-                  <a:avLst/>
-                </a:prstGeom>
-                <a:solidFill>
-                  <a:schemeClr val="bg1"/>
-                </a:solidFill>
-                <a:ln>
-                  <a:solidFill>
-                    <a:schemeClr val="tx1"/>
-                  </a:solidFill>
-                </a:ln>
-              </p:spPr>
-              <p:style>
-                <a:lnRef idx="2">
-                  <a:schemeClr val="accent1">
-                    <a:shade val="50000"/>
-                  </a:schemeClr>
-                </a:lnRef>
-                <a:fillRef idx="1">
-                  <a:schemeClr val="accent1"/>
-                </a:fillRef>
-                <a:effectRef idx="0">
-                  <a:schemeClr val="accent1"/>
-                </a:effectRef>
-                <a:fontRef idx="minor">
-                  <a:schemeClr val="lt1"/>
-                </a:fontRef>
-              </p:style>
-            </p:cxnSp>
-            <p:cxnSp>
-              <p:nvCxnSpPr>
-                <p:cNvPr id="70" name="Straight Connector 69">
-                  <a:extLst>
-                    <a:ext uri="{FF2B5EF4-FFF2-40B4-BE49-F238E27FC236}">
-                      <a16:creationId xmlns:a16="http://schemas.microsoft.com/office/drawing/2014/main" id="{36595CBA-144C-4C2F-97F4-30AA1A94254F}"/>
-                    </a:ext>
-                  </a:extLst>
-                </p:cNvPr>
-                <p:cNvCxnSpPr>
-                  <a:cxnSpLocks/>
-                </p:cNvCxnSpPr>
-                <p:nvPr/>
-              </p:nvCxnSpPr>
-              <p:spPr>
-                <a:xfrm flipH="1">
-                  <a:off x="5931976" y="947351"/>
-                  <a:ext cx="164024" cy="0"/>
-                </a:xfrm>
-                <a:prstGeom prst="line">
-                  <a:avLst/>
-                </a:prstGeom>
-                <a:solidFill>
-                  <a:schemeClr val="bg1"/>
-                </a:solidFill>
-                <a:ln>
-                  <a:solidFill>
-                    <a:schemeClr val="tx1"/>
-                  </a:solidFill>
-                </a:ln>
-              </p:spPr>
-              <p:style>
-                <a:lnRef idx="2">
-                  <a:schemeClr val="accent1">
-                    <a:shade val="50000"/>
-                  </a:schemeClr>
-                </a:lnRef>
-                <a:fillRef idx="1">
-                  <a:schemeClr val="accent1"/>
-                </a:fillRef>
-                <a:effectRef idx="0">
-                  <a:schemeClr val="accent1"/>
-                </a:effectRef>
-                <a:fontRef idx="minor">
-                  <a:schemeClr val="lt1"/>
-                </a:fontRef>
-              </p:style>
-            </p:cxnSp>
-          </p:grpSp>
-          <p:sp>
-            <p:nvSpPr>
-              <p:cNvPr id="67" name="TextBox 66">
-                <a:extLst>
-                  <a:ext uri="{FF2B5EF4-FFF2-40B4-BE49-F238E27FC236}">
-                    <a16:creationId xmlns:a16="http://schemas.microsoft.com/office/drawing/2014/main" id="{A63014D4-E3AF-475B-A1CB-34AC7813594A}"/>
-                  </a:ext>
-                </a:extLst>
-              </p:cNvPr>
-              <p:cNvSpPr txBox="1"/>
-              <p:nvPr/>
-            </p:nvSpPr>
-            <p:spPr>
-              <a:xfrm>
-                <a:off x="11280808" y="2407777"/>
-                <a:ext cx="723680" cy="215444"/>
-              </a:xfrm>
-              <a:prstGeom prst="rect">
-                <a:avLst/>
-              </a:prstGeom>
-              <a:noFill/>
-            </p:spPr>
-            <p:txBody>
-              <a:bodyPr wrap="square" rtlCol="0">
-                <a:spAutoFit/>
-              </a:bodyPr>
-              <a:lstStyle/>
-              <a:p>
-                <a:pPr algn="ctr"/>
-                <a:r>
-                  <a:rPr lang="en-US" sz="800"/>
-                  <a:t>+ password</a:t>
-                </a:r>
-              </a:p>
-            </p:txBody>
-          </p:sp>
-        </p:grpSp>
-      </p:grpSp>
-      <p:grpSp>
-        <p:nvGrpSpPr>
-          <p:cNvPr id="81" name="Group 80">
-            <a:extLst>
-              <a:ext uri="{FF2B5EF4-FFF2-40B4-BE49-F238E27FC236}">
-                <a16:creationId xmlns:a16="http://schemas.microsoft.com/office/drawing/2014/main" id="{2AC4E6AE-EDEB-4BE0-BE3F-AE3B45A68AA9}"/>
-              </a:ext>
-            </a:extLst>
-          </p:cNvPr>
-          <p:cNvGrpSpPr/>
-          <p:nvPr/>
-        </p:nvGrpSpPr>
-        <p:grpSpPr>
-          <a:xfrm>
-            <a:off x="2645294" y="4284131"/>
-            <a:ext cx="402675" cy="588663"/>
-            <a:chOff x="2645294" y="4284131"/>
-            <a:chExt cx="402675" cy="588663"/>
-          </a:xfrm>
-        </p:grpSpPr>
-        <p:sp>
-          <p:nvSpPr>
-            <p:cNvPr id="73" name="TextBox 72">
-              <a:extLst>
-                <a:ext uri="{FF2B5EF4-FFF2-40B4-BE49-F238E27FC236}">
-                  <a16:creationId xmlns:a16="http://schemas.microsoft.com/office/drawing/2014/main" id="{5862110A-8AC8-417C-8CD2-CF0C8853F85B}"/>
-                </a:ext>
-              </a:extLst>
-            </p:cNvPr>
-            <p:cNvSpPr txBox="1"/>
-            <p:nvPr/>
-          </p:nvSpPr>
-          <p:spPr>
-            <a:xfrm>
-              <a:off x="2645294" y="4595795"/>
-              <a:ext cx="402675" cy="276999"/>
-            </a:xfrm>
-            <a:prstGeom prst="rect">
-              <a:avLst/>
-            </a:prstGeom>
-            <a:noFill/>
-          </p:spPr>
-          <p:txBody>
-            <a:bodyPr wrap="none" rtlCol="0">
-              <a:spAutoFit/>
-            </a:bodyPr>
-            <a:lstStyle/>
-            <a:p>
-              <a:pPr algn="ctr"/>
-              <a:r>
-                <a:rPr lang="en-AT" sz="1200" dirty="0"/>
-                <a:t>F</a:t>
-              </a:r>
-              <a:r>
-                <a:rPr lang="en-US" sz="1200" dirty="0" err="1"/>
-                <a:t>ile</a:t>
-              </a:r>
-              <a:endParaRPr lang="en-US" sz="1200" dirty="0"/>
-            </a:p>
-          </p:txBody>
-        </p:sp>
-        <p:grpSp>
-          <p:nvGrpSpPr>
-            <p:cNvPr id="75" name="Group 74">
-              <a:extLst>
-                <a:ext uri="{FF2B5EF4-FFF2-40B4-BE49-F238E27FC236}">
-                  <a16:creationId xmlns:a16="http://schemas.microsoft.com/office/drawing/2014/main" id="{21D23CFD-E7D5-475E-8576-D0C2C8C7512E}"/>
-                </a:ext>
-              </a:extLst>
-            </p:cNvPr>
-            <p:cNvGrpSpPr/>
-            <p:nvPr/>
-          </p:nvGrpSpPr>
-          <p:grpSpPr>
-            <a:xfrm>
-              <a:off x="2735047" y="4284131"/>
-              <a:ext cx="223169" cy="293470"/>
-              <a:chOff x="5291348" y="763805"/>
-              <a:chExt cx="804652" cy="932325"/>
-            </a:xfrm>
-          </p:grpSpPr>
-          <p:sp>
-            <p:nvSpPr>
-              <p:cNvPr id="77" name="Rectangle: Single Corner Snipped 76">
-                <a:extLst>
-                  <a:ext uri="{FF2B5EF4-FFF2-40B4-BE49-F238E27FC236}">
-                    <a16:creationId xmlns:a16="http://schemas.microsoft.com/office/drawing/2014/main" id="{B09ED41A-5B86-401B-A6AC-369F57E0F605}"/>
-                  </a:ext>
-                </a:extLst>
-              </p:cNvPr>
-              <p:cNvSpPr/>
-              <p:nvPr/>
-            </p:nvSpPr>
-            <p:spPr>
-              <a:xfrm>
-                <a:off x="5291348" y="763805"/>
-                <a:ext cx="804652" cy="932325"/>
-              </a:xfrm>
-              <a:prstGeom prst="snip1Rect">
-                <a:avLst>
-                  <a:gd name="adj" fmla="val 20762"/>
-                </a:avLst>
-              </a:prstGeom>
-              <a:solidFill>
-                <a:schemeClr val="bg1"/>
-              </a:solidFill>
-              <a:ln>
-                <a:solidFill>
-                  <a:schemeClr val="tx1"/>
-                </a:solidFill>
-              </a:ln>
-            </p:spPr>
-            <p:style>
-              <a:lnRef idx="2">
-                <a:schemeClr val="accent1">
-                  <a:shade val="50000"/>
-                </a:schemeClr>
-              </a:lnRef>
-              <a:fillRef idx="1">
-                <a:schemeClr val="accent1"/>
-              </a:fillRef>
-              <a:effectRef idx="0">
-                <a:schemeClr val="accent1"/>
-              </a:effectRef>
-              <a:fontRef idx="minor">
-                <a:schemeClr val="lt1"/>
-              </a:fontRef>
-            </p:style>
-            <p:txBody>
-              <a:bodyPr lIns="36000" tIns="0" rIns="0" bIns="0" rtlCol="0" anchor="ctr"/>
-              <a:lstStyle/>
-              <a:p>
-                <a:pPr algn="ctr"/>
-                <a:endParaRPr lang="en-US" sz="4000" dirty="0">
-                  <a:solidFill>
-                    <a:schemeClr val="tx1"/>
-                  </a:solidFill>
-                </a:endParaRPr>
-              </a:p>
-            </p:txBody>
-          </p:sp>
-          <p:cxnSp>
-            <p:nvCxnSpPr>
-              <p:cNvPr id="78" name="Straight Connector 77">
-                <a:extLst>
-                  <a:ext uri="{FF2B5EF4-FFF2-40B4-BE49-F238E27FC236}">
-                    <a16:creationId xmlns:a16="http://schemas.microsoft.com/office/drawing/2014/main" id="{32D9744A-54E1-467B-A62F-78CB8F9EA3C7}"/>
-                  </a:ext>
-                </a:extLst>
-              </p:cNvPr>
-              <p:cNvCxnSpPr/>
-              <p:nvPr/>
-            </p:nvCxnSpPr>
-            <p:spPr>
-              <a:xfrm flipV="1">
-                <a:off x="5931976" y="763805"/>
-                <a:ext cx="0" cy="183546"/>
-              </a:xfrm>
-              <a:prstGeom prst="line">
-                <a:avLst/>
-              </a:prstGeom>
-              <a:solidFill>
-                <a:schemeClr val="bg1"/>
-              </a:solidFill>
-              <a:ln>
-                <a:solidFill>
-                  <a:schemeClr val="tx1"/>
-                </a:solidFill>
-              </a:ln>
-            </p:spPr>
-            <p:style>
-              <a:lnRef idx="2">
-                <a:schemeClr val="accent1">
-                  <a:shade val="50000"/>
-                </a:schemeClr>
-              </a:lnRef>
-              <a:fillRef idx="1">
-                <a:schemeClr val="accent1"/>
-              </a:fillRef>
-              <a:effectRef idx="0">
-                <a:schemeClr val="accent1"/>
-              </a:effectRef>
-              <a:fontRef idx="minor">
-                <a:schemeClr val="lt1"/>
-              </a:fontRef>
-            </p:style>
-          </p:cxnSp>
-          <p:cxnSp>
-            <p:nvCxnSpPr>
-              <p:cNvPr id="79" name="Straight Connector 78">
-                <a:extLst>
-                  <a:ext uri="{FF2B5EF4-FFF2-40B4-BE49-F238E27FC236}">
-                    <a16:creationId xmlns:a16="http://schemas.microsoft.com/office/drawing/2014/main" id="{DDD3111C-5F00-4B5C-B4C4-9D4187B211F5}"/>
-                  </a:ext>
-                </a:extLst>
-              </p:cNvPr>
-              <p:cNvCxnSpPr>
-                <a:cxnSpLocks/>
-              </p:cNvCxnSpPr>
-              <p:nvPr/>
-            </p:nvCxnSpPr>
-            <p:spPr>
-              <a:xfrm flipH="1">
-                <a:off x="5931976" y="947351"/>
-                <a:ext cx="164024" cy="0"/>
-              </a:xfrm>
-              <a:prstGeom prst="line">
-                <a:avLst/>
-              </a:prstGeom>
-              <a:solidFill>
-                <a:schemeClr val="bg1"/>
-              </a:solidFill>
-              <a:ln>
-                <a:solidFill>
-                  <a:schemeClr val="tx1"/>
-                </a:solidFill>
-              </a:ln>
-            </p:spPr>
-            <p:style>
-              <a:lnRef idx="2">
-                <a:schemeClr val="accent1">
-                  <a:shade val="50000"/>
-                </a:schemeClr>
-              </a:lnRef>
-              <a:fillRef idx="1">
-                <a:schemeClr val="accent1"/>
-              </a:fillRef>
-              <a:effectRef idx="0">
-                <a:schemeClr val="accent1"/>
-              </a:effectRef>
-              <a:fontRef idx="minor">
-                <a:schemeClr val="lt1"/>
-              </a:fontRef>
-            </p:style>
-          </p:cxnSp>
-        </p:grpSp>
-      </p:grpSp>
-      <p:sp>
-        <p:nvSpPr>
-          <p:cNvPr id="82" name="Freeform: Shape 81">
-            <a:extLst>
-              <a:ext uri="{FF2B5EF4-FFF2-40B4-BE49-F238E27FC236}">
-                <a16:creationId xmlns:a16="http://schemas.microsoft.com/office/drawing/2014/main" id="{1EF5F05C-FAF3-45B9-807B-715E3D02D4CF}"/>
-              </a:ext>
-            </a:extLst>
-          </p:cNvPr>
-          <p:cNvSpPr/>
-          <p:nvPr/>
-        </p:nvSpPr>
-        <p:spPr>
-          <a:xfrm>
-            <a:off x="10330772" y="421316"/>
-            <a:ext cx="78349" cy="68130"/>
-          </a:xfrm>
-          <a:custGeom>
-            <a:avLst/>
-            <a:gdLst>
-              <a:gd name="connsiteX0" fmla="*/ 0 w 548640"/>
-              <a:gd name="connsiteY0" fmla="*/ 0 h 457200"/>
-              <a:gd name="connsiteX1" fmla="*/ 548640 w 548640"/>
-              <a:gd name="connsiteY1" fmla="*/ 0 h 457200"/>
-              <a:gd name="connsiteX2" fmla="*/ 548640 w 548640"/>
-              <a:gd name="connsiteY2" fmla="*/ 457200 h 457200"/>
-              <a:gd name="connsiteX3" fmla="*/ 22860 w 548640"/>
-              <a:gd name="connsiteY3" fmla="*/ 457200 h 457200"/>
-              <a:gd name="connsiteX0" fmla="*/ 7620 w 525780"/>
-              <a:gd name="connsiteY0" fmla="*/ 0 h 457200"/>
-              <a:gd name="connsiteX1" fmla="*/ 525780 w 525780"/>
-              <a:gd name="connsiteY1" fmla="*/ 0 h 457200"/>
-              <a:gd name="connsiteX2" fmla="*/ 525780 w 525780"/>
-              <a:gd name="connsiteY2" fmla="*/ 457200 h 457200"/>
-              <a:gd name="connsiteX3" fmla="*/ 0 w 525780"/>
-              <a:gd name="connsiteY3" fmla="*/ 457200 h 457200"/>
-              <a:gd name="connsiteX0" fmla="*/ 30480 w 525780"/>
-              <a:gd name="connsiteY0" fmla="*/ 0 h 457200"/>
-              <a:gd name="connsiteX1" fmla="*/ 525780 w 525780"/>
-              <a:gd name="connsiteY1" fmla="*/ 0 h 457200"/>
-              <a:gd name="connsiteX2" fmla="*/ 525780 w 525780"/>
-              <a:gd name="connsiteY2" fmla="*/ 457200 h 457200"/>
-              <a:gd name="connsiteX3" fmla="*/ 0 w 525780"/>
-              <a:gd name="connsiteY3" fmla="*/ 457200 h 457200"/>
-            </a:gdLst>
-            <a:ahLst/>
-            <a:cxnLst>
-              <a:cxn ang="0">
-                <a:pos x="connsiteX0" y="connsiteY0"/>
-              </a:cxn>
-              <a:cxn ang="0">
-                <a:pos x="connsiteX1" y="connsiteY1"/>
-              </a:cxn>
-              <a:cxn ang="0">
-                <a:pos x="connsiteX2" y="connsiteY2"/>
-              </a:cxn>
-              <a:cxn ang="0">
-                <a:pos x="connsiteX3" y="connsiteY3"/>
-              </a:cxn>
-            </a:cxnLst>
-            <a:rect l="l" t="t" r="r" b="b"/>
-            <a:pathLst>
-              <a:path w="525780" h="457200">
-                <a:moveTo>
-                  <a:pt x="30480" y="0"/>
-                </a:moveTo>
-                <a:lnTo>
-                  <a:pt x="525780" y="0"/>
-                </a:lnTo>
-                <a:lnTo>
-                  <a:pt x="525780" y="457200"/>
-                </a:lnTo>
-                <a:lnTo>
-                  <a:pt x="0" y="457200"/>
-                </a:lnTo>
-              </a:path>
-            </a:pathLst>
-          </a:custGeom>
-          <a:noFill/>
-          <a:ln w="6350">
-            <a:tailEnd type="triangle" w="sm" len="sm"/>
-          </a:ln>
-        </p:spPr>
-        <p:style>
-          <a:lnRef idx="2">
-            <a:schemeClr val="accent1">
-              <a:shade val="50000"/>
-            </a:schemeClr>
-          </a:lnRef>
-          <a:fillRef idx="1">
-            <a:schemeClr val="accent1"/>
-          </a:fillRef>
-          <a:effectRef idx="0">
-            <a:schemeClr val="accent1"/>
-          </a:effectRef>
-          <a:fontRef idx="minor">
-            <a:schemeClr val="lt1"/>
-          </a:fontRef>
-        </p:style>
-        <p:txBody>
-          <a:bodyPr rtlCol="0" anchor="ctr"/>
-          <a:lstStyle/>
-          <a:p>
-            <a:pPr algn="ctr"/>
-            <a:endParaRPr lang="en-AT"/>
-          </a:p>
-        </p:txBody>
-      </p:sp>
-      <p:sp>
-        <p:nvSpPr>
-          <p:cNvPr id="83" name="TextBox 82">
-            <a:extLst>
-              <a:ext uri="{FF2B5EF4-FFF2-40B4-BE49-F238E27FC236}">
-                <a16:creationId xmlns:a16="http://schemas.microsoft.com/office/drawing/2014/main" id="{441D1738-F392-429A-BC79-BB0A70B303FC}"/>
-              </a:ext>
-            </a:extLst>
-          </p:cNvPr>
-          <p:cNvSpPr txBox="1"/>
-          <p:nvPr/>
-        </p:nvSpPr>
-        <p:spPr>
-          <a:xfrm>
-            <a:off x="9857757" y="585802"/>
-            <a:ext cx="1024383" cy="369332"/>
-          </a:xfrm>
-          <a:prstGeom prst="rect">
-            <a:avLst/>
-          </a:prstGeom>
-          <a:noFill/>
-        </p:spPr>
-        <p:txBody>
-          <a:bodyPr wrap="none" rtlCol="0">
-            <a:spAutoFit/>
-          </a:bodyPr>
-          <a:lstStyle/>
-          <a:p>
-            <a:pPr algn="ctr"/>
-            <a:r>
-              <a:rPr lang="en-AT" sz="1200" dirty="0"/>
-              <a:t>word </a:t>
-            </a:r>
-            <a:r>
-              <a:rPr lang="en-AT" dirty="0"/>
-              <a:t>¬ </a:t>
-            </a:r>
-            <a:r>
-              <a:rPr lang="en-AT" sz="1200" dirty="0"/>
-              <a:t>w</a:t>
-            </a:r>
-            <a:r>
-              <a:rPr lang="de-AT" sz="1200" dirty="0"/>
-              <a:t>r</a:t>
-            </a:r>
-            <a:r>
-              <a:rPr lang="en-AT" sz="1200" dirty="0"/>
-              <a:t>a</a:t>
-            </a:r>
-            <a:r>
-              <a:rPr lang="de-AT" sz="1200" dirty="0"/>
-              <a:t>p</a:t>
-            </a:r>
-            <a:endParaRPr lang="en-US" sz="1200" dirty="0"/>
-          </a:p>
-        </p:txBody>
-      </p:sp>
-    </p:spTree>
-    <p:extLst>
-      <p:ext uri="{BB962C8B-B14F-4D97-AF65-F5344CB8AC3E}">
-        <p14:creationId xmlns:p14="http://schemas.microsoft.com/office/powerpoint/2010/main" val="1263397556"/>
       </p:ext>
     </p:extLst>
   </p:cSld>

--- a/src/diagrams.pptx
+++ b/src/diagrams.pptx
@@ -14,7 +14,8 @@
     <p:sldId id="267" r:id="rId8"/>
     <p:sldId id="259" r:id="rId9"/>
     <p:sldId id="260" r:id="rId10"/>
-    <p:sldId id="264" r:id="rId11"/>
+    <p:sldId id="268" r:id="rId11"/>
+    <p:sldId id="264" r:id="rId12"/>
   </p:sldIdLst>
   <p:sldSz cx="12192000" cy="6858000"/>
   <p:notesSz cx="6858000" cy="9144000"/>
@@ -252,7 +253,7 @@
           <a:p>
             <a:fld id="{E5B2F287-A29C-4C70-831C-74BFCFEDEFEA}" type="datetimeFigureOut">
               <a:rPr lang="de-AT" smtClean="0"/>
-              <a:t>22.01.2023</a:t>
+              <a:t>01.02.2023</a:t>
             </a:fld>
             <a:endParaRPr lang="de-AT"/>
           </a:p>
@@ -422,7 +423,7 @@
           <a:p>
             <a:fld id="{E5B2F287-A29C-4C70-831C-74BFCFEDEFEA}" type="datetimeFigureOut">
               <a:rPr lang="de-AT" smtClean="0"/>
-              <a:t>22.01.2023</a:t>
+              <a:t>01.02.2023</a:t>
             </a:fld>
             <a:endParaRPr lang="de-AT"/>
           </a:p>
@@ -602,7 +603,7 @@
           <a:p>
             <a:fld id="{E5B2F287-A29C-4C70-831C-74BFCFEDEFEA}" type="datetimeFigureOut">
               <a:rPr lang="de-AT" smtClean="0"/>
-              <a:t>22.01.2023</a:t>
+              <a:t>01.02.2023</a:t>
             </a:fld>
             <a:endParaRPr lang="de-AT"/>
           </a:p>
@@ -772,7 +773,7 @@
           <a:p>
             <a:fld id="{E5B2F287-A29C-4C70-831C-74BFCFEDEFEA}" type="datetimeFigureOut">
               <a:rPr lang="de-AT" smtClean="0"/>
-              <a:t>22.01.2023</a:t>
+              <a:t>01.02.2023</a:t>
             </a:fld>
             <a:endParaRPr lang="de-AT"/>
           </a:p>
@@ -1018,7 +1019,7 @@
           <a:p>
             <a:fld id="{E5B2F287-A29C-4C70-831C-74BFCFEDEFEA}" type="datetimeFigureOut">
               <a:rPr lang="de-AT" smtClean="0"/>
-              <a:t>22.01.2023</a:t>
+              <a:t>01.02.2023</a:t>
             </a:fld>
             <a:endParaRPr lang="de-AT"/>
           </a:p>
@@ -1250,7 +1251,7 @@
           <a:p>
             <a:fld id="{E5B2F287-A29C-4C70-831C-74BFCFEDEFEA}" type="datetimeFigureOut">
               <a:rPr lang="de-AT" smtClean="0"/>
-              <a:t>22.01.2023</a:t>
+              <a:t>01.02.2023</a:t>
             </a:fld>
             <a:endParaRPr lang="de-AT"/>
           </a:p>
@@ -1617,7 +1618,7 @@
           <a:p>
             <a:fld id="{E5B2F287-A29C-4C70-831C-74BFCFEDEFEA}" type="datetimeFigureOut">
               <a:rPr lang="de-AT" smtClean="0"/>
-              <a:t>22.01.2023</a:t>
+              <a:t>01.02.2023</a:t>
             </a:fld>
             <a:endParaRPr lang="de-AT"/>
           </a:p>
@@ -1735,7 +1736,7 @@
           <a:p>
             <a:fld id="{E5B2F287-A29C-4C70-831C-74BFCFEDEFEA}" type="datetimeFigureOut">
               <a:rPr lang="de-AT" smtClean="0"/>
-              <a:t>22.01.2023</a:t>
+              <a:t>01.02.2023</a:t>
             </a:fld>
             <a:endParaRPr lang="de-AT"/>
           </a:p>
@@ -1830,7 +1831,7 @@
           <a:p>
             <a:fld id="{E5B2F287-A29C-4C70-831C-74BFCFEDEFEA}" type="datetimeFigureOut">
               <a:rPr lang="de-AT" smtClean="0"/>
-              <a:t>22.01.2023</a:t>
+              <a:t>01.02.2023</a:t>
             </a:fld>
             <a:endParaRPr lang="de-AT"/>
           </a:p>
@@ -2107,7 +2108,7 @@
           <a:p>
             <a:fld id="{E5B2F287-A29C-4C70-831C-74BFCFEDEFEA}" type="datetimeFigureOut">
               <a:rPr lang="de-AT" smtClean="0"/>
-              <a:t>22.01.2023</a:t>
+              <a:t>01.02.2023</a:t>
             </a:fld>
             <a:endParaRPr lang="de-AT"/>
           </a:p>
@@ -2360,7 +2361,7 @@
           <a:p>
             <a:fld id="{E5B2F287-A29C-4C70-831C-74BFCFEDEFEA}" type="datetimeFigureOut">
               <a:rPr lang="de-AT" smtClean="0"/>
-              <a:t>22.01.2023</a:t>
+              <a:t>01.02.2023</a:t>
             </a:fld>
             <a:endParaRPr lang="de-AT"/>
           </a:p>
@@ -2573,7 +2574,7 @@
           <a:p>
             <a:fld id="{E5B2F287-A29C-4C70-831C-74BFCFEDEFEA}" type="datetimeFigureOut">
               <a:rPr lang="de-AT" smtClean="0"/>
-              <a:t>22.01.2023</a:t>
+              <a:t>01.02.2023</a:t>
             </a:fld>
             <a:endParaRPr lang="de-AT"/>
           </a:p>
@@ -4433,6 +4434,4840 @@
           <a:chExt cx="0" cy="0"/>
         </a:xfrm>
       </p:grpSpPr>
+      <p:sp>
+        <p:nvSpPr>
+          <p:cNvPr id="43" name="TextBox 42">
+            <a:extLst>
+              <a:ext uri="{FF2B5EF4-FFF2-40B4-BE49-F238E27FC236}">
+                <a16:creationId xmlns:a16="http://schemas.microsoft.com/office/drawing/2014/main" id="{82D709B7-4F3F-7683-4472-4AA7CE386AB1}"/>
+              </a:ext>
+            </a:extLst>
+          </p:cNvPr>
+          <p:cNvSpPr txBox="1"/>
+          <p:nvPr/>
+        </p:nvSpPr>
+        <p:spPr>
+          <a:xfrm>
+            <a:off x="6563363" y="1366520"/>
+            <a:ext cx="1006532" cy="1205963"/>
+          </a:xfrm>
+          <a:prstGeom prst="rect">
+            <a:avLst/>
+          </a:prstGeom>
+          <a:solidFill>
+            <a:srgbClr val="E4E4FC"/>
+          </a:solidFill>
+          <a:ln>
+            <a:solidFill>
+              <a:schemeClr val="tx1"/>
+            </a:solidFill>
+          </a:ln>
+        </p:spPr>
+        <p:txBody>
+          <a:bodyPr wrap="square" rtlCol="0">
+            <a:noAutofit/>
+          </a:bodyPr>
+          <a:lstStyle/>
+          <a:p>
+            <a:r>
+              <a:rPr lang="en-US" sz="1400" dirty="0"/>
+              <a:t>Thales</a:t>
+            </a:r>
+          </a:p>
+        </p:txBody>
+      </p:sp>
+      <p:sp>
+        <p:nvSpPr>
+          <p:cNvPr id="19" name="TextBox 18">
+            <a:extLst>
+              <a:ext uri="{FF2B5EF4-FFF2-40B4-BE49-F238E27FC236}">
+                <a16:creationId xmlns:a16="http://schemas.microsoft.com/office/drawing/2014/main" id="{1C3B858F-582D-FE86-8E78-D1100C4747C0}"/>
+              </a:ext>
+            </a:extLst>
+          </p:cNvPr>
+          <p:cNvSpPr txBox="1"/>
+          <p:nvPr/>
+        </p:nvSpPr>
+        <p:spPr>
+          <a:xfrm>
+            <a:off x="4626973" y="-111760"/>
+            <a:ext cx="2938053" cy="1205963"/>
+          </a:xfrm>
+          <a:prstGeom prst="rect">
+            <a:avLst/>
+          </a:prstGeom>
+          <a:solidFill>
+            <a:srgbClr val="E7F9FF"/>
+          </a:solidFill>
+          <a:ln>
+            <a:solidFill>
+              <a:schemeClr val="tx1"/>
+            </a:solidFill>
+          </a:ln>
+        </p:spPr>
+        <p:txBody>
+          <a:bodyPr wrap="square" rtlCol="0">
+            <a:noAutofit/>
+          </a:bodyPr>
+          <a:lstStyle/>
+          <a:p>
+            <a:r>
+              <a:rPr lang="en-US" sz="1400" dirty="0"/>
+              <a:t>SignPath.io</a:t>
+            </a:r>
+          </a:p>
+        </p:txBody>
+      </p:sp>
+      <p:grpSp>
+        <p:nvGrpSpPr>
+          <p:cNvPr id="4" name="Group 3">
+            <a:extLst>
+              <a:ext uri="{FF2B5EF4-FFF2-40B4-BE49-F238E27FC236}">
+                <a16:creationId xmlns:a16="http://schemas.microsoft.com/office/drawing/2014/main" id="{BA1B1BDA-3E24-CE39-D296-277F6227D5BE}"/>
+              </a:ext>
+            </a:extLst>
+          </p:cNvPr>
+          <p:cNvGrpSpPr/>
+          <p:nvPr/>
+        </p:nvGrpSpPr>
+        <p:grpSpPr>
+          <a:xfrm>
+            <a:off x="6534671" y="372843"/>
+            <a:ext cx="950453" cy="635278"/>
+            <a:chOff x="3298441" y="2108790"/>
+            <a:chExt cx="950453" cy="635278"/>
+          </a:xfrm>
+        </p:grpSpPr>
+        <p:pic>
+          <p:nvPicPr>
+            <p:cNvPr id="5" name="Picture 4">
+              <a:extLst>
+                <a:ext uri="{FF2B5EF4-FFF2-40B4-BE49-F238E27FC236}">
+                  <a16:creationId xmlns:a16="http://schemas.microsoft.com/office/drawing/2014/main" id="{1F9A1331-79D4-E96A-5E11-58FBBFFE39D8}"/>
+                </a:ext>
+              </a:extLst>
+            </p:cNvPr>
+            <p:cNvPicPr>
+              <a:picLocks noChangeAspect="1"/>
+            </p:cNvPicPr>
+            <p:nvPr/>
+          </p:nvPicPr>
+          <p:blipFill>
+            <a:blip r:embed="rId2">
+              <a:duotone>
+                <a:schemeClr val="accent3">
+                  <a:shade val="45000"/>
+                  <a:satMod val="135000"/>
+                </a:schemeClr>
+                <a:prstClr val="white"/>
+              </a:duotone>
+            </a:blip>
+            <a:stretch>
+              <a:fillRect/>
+            </a:stretch>
+          </p:blipFill>
+          <p:spPr>
+            <a:xfrm>
+              <a:off x="3416983" y="2108790"/>
+              <a:ext cx="713368" cy="276999"/>
+            </a:xfrm>
+            <a:prstGeom prst="rect">
+              <a:avLst/>
+            </a:prstGeom>
+          </p:spPr>
+        </p:pic>
+        <p:sp>
+          <p:nvSpPr>
+            <p:cNvPr id="6" name="TextBox 5">
+              <a:extLst>
+                <a:ext uri="{FF2B5EF4-FFF2-40B4-BE49-F238E27FC236}">
+                  <a16:creationId xmlns:a16="http://schemas.microsoft.com/office/drawing/2014/main" id="{54FE10DB-A0B2-E18D-099C-A9DA2DD22B94}"/>
+                </a:ext>
+              </a:extLst>
+            </p:cNvPr>
+            <p:cNvSpPr txBox="1"/>
+            <p:nvPr/>
+          </p:nvSpPr>
+          <p:spPr>
+            <a:xfrm>
+              <a:off x="3298441" y="2467069"/>
+              <a:ext cx="950453" cy="276999"/>
+            </a:xfrm>
+            <a:prstGeom prst="rect">
+              <a:avLst/>
+            </a:prstGeom>
+            <a:noFill/>
+          </p:spPr>
+          <p:txBody>
+            <a:bodyPr wrap="none" rtlCol="0">
+              <a:spAutoFit/>
+            </a:bodyPr>
+            <a:lstStyle/>
+            <a:p>
+              <a:pPr algn="ctr"/>
+              <a:r>
+                <a:rPr lang="en-US" sz="1200" dirty="0">
+                  <a:solidFill>
+                    <a:schemeClr val="bg1">
+                      <a:lumMod val="75000"/>
+                    </a:schemeClr>
+                  </a:solidFill>
+                </a:rPr>
+                <a:t>Shared HSM</a:t>
+              </a:r>
+            </a:p>
+          </p:txBody>
+        </p:sp>
+      </p:grpSp>
+      <p:grpSp>
+        <p:nvGrpSpPr>
+          <p:cNvPr id="10" name="Group 9">
+            <a:extLst>
+              <a:ext uri="{FF2B5EF4-FFF2-40B4-BE49-F238E27FC236}">
+                <a16:creationId xmlns:a16="http://schemas.microsoft.com/office/drawing/2014/main" id="{E9074B51-E399-0296-3987-EDA7059C5FC1}"/>
+              </a:ext>
+            </a:extLst>
+          </p:cNvPr>
+          <p:cNvGrpSpPr/>
+          <p:nvPr/>
+        </p:nvGrpSpPr>
+        <p:grpSpPr>
+          <a:xfrm>
+            <a:off x="3086385" y="286152"/>
+            <a:ext cx="322294" cy="725641"/>
+            <a:chOff x="3503847" y="1851295"/>
+            <a:chExt cx="322294" cy="725641"/>
+          </a:xfrm>
+        </p:grpSpPr>
+        <p:sp>
+          <p:nvSpPr>
+            <p:cNvPr id="11" name="TextBox 10">
+              <a:extLst>
+                <a:ext uri="{FF2B5EF4-FFF2-40B4-BE49-F238E27FC236}">
+                  <a16:creationId xmlns:a16="http://schemas.microsoft.com/office/drawing/2014/main" id="{5AEB2FAE-AA4F-F1C5-BC7F-260442A86833}"/>
+                </a:ext>
+              </a:extLst>
+            </p:cNvPr>
+            <p:cNvSpPr txBox="1"/>
+            <p:nvPr/>
+          </p:nvSpPr>
+          <p:spPr>
+            <a:xfrm>
+              <a:off x="3512548" y="2299937"/>
+              <a:ext cx="304892" cy="276999"/>
+            </a:xfrm>
+            <a:prstGeom prst="rect">
+              <a:avLst/>
+            </a:prstGeom>
+            <a:noFill/>
+          </p:spPr>
+          <p:txBody>
+            <a:bodyPr wrap="none" rtlCol="0">
+              <a:spAutoFit/>
+            </a:bodyPr>
+            <a:lstStyle/>
+            <a:p>
+              <a:pPr algn="ctr"/>
+              <a:r>
+                <a:rPr lang="en-US" sz="1200" dirty="0"/>
+                <a:t>CI</a:t>
+              </a:r>
+            </a:p>
+          </p:txBody>
+        </p:sp>
+        <p:pic>
+          <p:nvPicPr>
+            <p:cNvPr id="12" name="Picture 4">
+              <a:extLst>
+                <a:ext uri="{FF2B5EF4-FFF2-40B4-BE49-F238E27FC236}">
+                  <a16:creationId xmlns:a16="http://schemas.microsoft.com/office/drawing/2014/main" id="{91D2776F-F800-EC7F-2AAE-D8589F5D1524}"/>
+                </a:ext>
+              </a:extLst>
+            </p:cNvPr>
+            <p:cNvPicPr>
+              <a:picLocks noChangeAspect="1" noChangeArrowheads="1"/>
+            </p:cNvPicPr>
+            <p:nvPr/>
+          </p:nvPicPr>
+          <p:blipFill>
+            <a:blip r:embed="rId3" cstate="print">
+              <a:extLst>
+                <a:ext uri="{28A0092B-C50C-407E-A947-70E740481C1C}">
+                  <a14:useLocalDpi xmlns:a14="http://schemas.microsoft.com/office/drawing/2010/main" val="0"/>
+                </a:ext>
+              </a:extLst>
+            </a:blip>
+            <a:srcRect/>
+            <a:stretch>
+              <a:fillRect/>
+            </a:stretch>
+          </p:blipFill>
+          <p:spPr bwMode="auto">
+            <a:xfrm>
+              <a:off x="3503847" y="1851295"/>
+              <a:ext cx="322294" cy="444970"/>
+            </a:xfrm>
+            <a:prstGeom prst="rect">
+              <a:avLst/>
+            </a:prstGeom>
+            <a:noFill/>
+            <a:extLst>
+              <a:ext uri="{909E8E84-426E-40DD-AFC4-6F175D3DCCD1}">
+                <a14:hiddenFill xmlns:a14="http://schemas.microsoft.com/office/drawing/2010/main">
+                  <a:solidFill>
+                    <a:srgbClr val="FFFFFF"/>
+                  </a:solidFill>
+                </a14:hiddenFill>
+              </a:ext>
+            </a:extLst>
+          </p:spPr>
+        </p:pic>
+      </p:grpSp>
+      <p:grpSp>
+        <p:nvGrpSpPr>
+          <p:cNvPr id="13" name="Group 12">
+            <a:extLst>
+              <a:ext uri="{FF2B5EF4-FFF2-40B4-BE49-F238E27FC236}">
+                <a16:creationId xmlns:a16="http://schemas.microsoft.com/office/drawing/2014/main" id="{895C399C-FD49-BE8D-609A-36259C2BF1C2}"/>
+              </a:ext>
+            </a:extLst>
+          </p:cNvPr>
+          <p:cNvGrpSpPr/>
+          <p:nvPr/>
+        </p:nvGrpSpPr>
+        <p:grpSpPr>
+          <a:xfrm>
+            <a:off x="4724233" y="310340"/>
+            <a:ext cx="814160" cy="701454"/>
+            <a:chOff x="1715669" y="1864093"/>
+            <a:chExt cx="814160" cy="701454"/>
+          </a:xfrm>
+        </p:grpSpPr>
+        <p:sp>
+          <p:nvSpPr>
+            <p:cNvPr id="14" name="TextBox 13">
+              <a:extLst>
+                <a:ext uri="{FF2B5EF4-FFF2-40B4-BE49-F238E27FC236}">
+                  <a16:creationId xmlns:a16="http://schemas.microsoft.com/office/drawing/2014/main" id="{70575694-3406-4B0A-F280-705FBE027C21}"/>
+                </a:ext>
+              </a:extLst>
+            </p:cNvPr>
+            <p:cNvSpPr txBox="1"/>
+            <p:nvPr/>
+          </p:nvSpPr>
+          <p:spPr>
+            <a:xfrm>
+              <a:off x="1715669" y="2288548"/>
+              <a:ext cx="814160" cy="276999"/>
+            </a:xfrm>
+            <a:prstGeom prst="rect">
+              <a:avLst/>
+            </a:prstGeom>
+            <a:noFill/>
+          </p:spPr>
+          <p:txBody>
+            <a:bodyPr wrap="square" rtlCol="0">
+              <a:spAutoFit/>
+            </a:bodyPr>
+            <a:lstStyle/>
+            <a:p>
+              <a:pPr algn="ctr"/>
+              <a:r>
+                <a:rPr lang="en-US" sz="1200" noProof="1"/>
+                <a:t>SignPath</a:t>
+              </a:r>
+            </a:p>
+          </p:txBody>
+        </p:sp>
+        <p:grpSp>
+          <p:nvGrpSpPr>
+            <p:cNvPr id="15" name="Group 14">
+              <a:extLst>
+                <a:ext uri="{FF2B5EF4-FFF2-40B4-BE49-F238E27FC236}">
+                  <a16:creationId xmlns:a16="http://schemas.microsoft.com/office/drawing/2014/main" id="{C79948DB-8473-B5D0-B686-F97B444B212E}"/>
+                </a:ext>
+              </a:extLst>
+            </p:cNvPr>
+            <p:cNvGrpSpPr/>
+            <p:nvPr/>
+          </p:nvGrpSpPr>
+          <p:grpSpPr>
+            <a:xfrm>
+              <a:off x="1900729" y="1864093"/>
+              <a:ext cx="444039" cy="386433"/>
+              <a:chOff x="1900729" y="1864093"/>
+              <a:chExt cx="444039" cy="386433"/>
+            </a:xfrm>
+          </p:grpSpPr>
+          <p:sp>
+            <p:nvSpPr>
+              <p:cNvPr id="16" name="Rectangle 15">
+                <a:extLst>
+                  <a:ext uri="{FF2B5EF4-FFF2-40B4-BE49-F238E27FC236}">
+                    <a16:creationId xmlns:a16="http://schemas.microsoft.com/office/drawing/2014/main" id="{51254947-522E-C654-2284-5DBB0CD733C2}"/>
+                  </a:ext>
+                </a:extLst>
+              </p:cNvPr>
+              <p:cNvSpPr/>
+              <p:nvPr/>
+            </p:nvSpPr>
+            <p:spPr>
+              <a:xfrm>
+                <a:off x="2011029" y="1889759"/>
+                <a:ext cx="229251" cy="299085"/>
+              </a:xfrm>
+              <a:prstGeom prst="rect">
+                <a:avLst/>
+              </a:prstGeom>
+              <a:solidFill>
+                <a:schemeClr val="bg1"/>
+              </a:solidFill>
+              <a:ln>
+                <a:noFill/>
+              </a:ln>
+            </p:spPr>
+            <p:style>
+              <a:lnRef idx="2">
+                <a:schemeClr val="accent1">
+                  <a:shade val="50000"/>
+                </a:schemeClr>
+              </a:lnRef>
+              <a:fillRef idx="1">
+                <a:schemeClr val="accent1"/>
+              </a:fillRef>
+              <a:effectRef idx="0">
+                <a:schemeClr val="accent1"/>
+              </a:effectRef>
+              <a:fontRef idx="minor">
+                <a:schemeClr val="lt1"/>
+              </a:fontRef>
+            </p:style>
+            <p:txBody>
+              <a:bodyPr rtlCol="0" anchor="ctr"/>
+              <a:lstStyle/>
+              <a:p>
+                <a:pPr algn="ctr"/>
+                <a:endParaRPr lang="en-US"/>
+              </a:p>
+            </p:txBody>
+          </p:sp>
+          <p:pic>
+            <p:nvPicPr>
+              <p:cNvPr id="17" name="Graphic 16">
+                <a:extLst>
+                  <a:ext uri="{FF2B5EF4-FFF2-40B4-BE49-F238E27FC236}">
+                    <a16:creationId xmlns:a16="http://schemas.microsoft.com/office/drawing/2014/main" id="{7235E4E7-ACAB-1F9C-4EDC-D455131DCD6E}"/>
+                  </a:ext>
+                </a:extLst>
+              </p:cNvPr>
+              <p:cNvPicPr>
+                <a:picLocks noChangeAspect="1"/>
+              </p:cNvPicPr>
+              <p:nvPr/>
+            </p:nvPicPr>
+            <p:blipFill rotWithShape="1">
+              <a:blip r:embed="rId4" cstate="print">
+                <a:extLst>
+                  <a:ext uri="{28A0092B-C50C-407E-A947-70E740481C1C}">
+                    <a14:useLocalDpi xmlns:a14="http://schemas.microsoft.com/office/drawing/2010/main" val="0"/>
+                  </a:ext>
+                  <a:ext uri="{96DAC541-7B7A-43D3-8B79-37D633B846F1}">
+                    <asvg:svgBlip xmlns:asvg="http://schemas.microsoft.com/office/drawing/2016/SVG/main" r:embed="rId5"/>
+                  </a:ext>
+                </a:extLst>
+              </a:blip>
+              <a:srcRect r="76833"/>
+              <a:stretch/>
+            </p:blipFill>
+            <p:spPr>
+              <a:xfrm>
+                <a:off x="1900729" y="1864093"/>
+                <a:ext cx="444039" cy="386433"/>
+              </a:xfrm>
+              <a:prstGeom prst="rect">
+                <a:avLst/>
+              </a:prstGeom>
+            </p:spPr>
+          </p:pic>
+        </p:grpSp>
+      </p:grpSp>
+      <p:sp>
+        <p:nvSpPr>
+          <p:cNvPr id="18" name="TextBox 17">
+            <a:extLst>
+              <a:ext uri="{FF2B5EF4-FFF2-40B4-BE49-F238E27FC236}">
+                <a16:creationId xmlns:a16="http://schemas.microsoft.com/office/drawing/2014/main" id="{79A353FA-D233-4942-7392-E7EB07B58ADD}"/>
+              </a:ext>
+            </a:extLst>
+          </p:cNvPr>
+          <p:cNvSpPr txBox="1"/>
+          <p:nvPr/>
+        </p:nvSpPr>
+        <p:spPr>
+          <a:xfrm>
+            <a:off x="812595" y="372843"/>
+            <a:ext cx="1845151" cy="338554"/>
+          </a:xfrm>
+          <a:prstGeom prst="rect">
+            <a:avLst/>
+          </a:prstGeom>
+          <a:noFill/>
+        </p:spPr>
+        <p:txBody>
+          <a:bodyPr wrap="square" rtlCol="0">
+            <a:spAutoFit/>
+          </a:bodyPr>
+          <a:lstStyle/>
+          <a:p>
+            <a:r>
+              <a:rPr lang="en-US" sz="1600" dirty="0"/>
+              <a:t>Full SaaS</a:t>
+            </a:r>
+          </a:p>
+        </p:txBody>
+      </p:sp>
+      <p:cxnSp>
+        <p:nvCxnSpPr>
+          <p:cNvPr id="21" name="Straight Arrow Connector 20">
+            <a:extLst>
+              <a:ext uri="{FF2B5EF4-FFF2-40B4-BE49-F238E27FC236}">
+                <a16:creationId xmlns:a16="http://schemas.microsoft.com/office/drawing/2014/main" id="{698C8143-987F-52B3-D035-17EC2850FBE4}"/>
+              </a:ext>
+            </a:extLst>
+          </p:cNvPr>
+          <p:cNvCxnSpPr>
+            <a:cxnSpLocks/>
+          </p:cNvCxnSpPr>
+          <p:nvPr/>
+        </p:nvCxnSpPr>
+        <p:spPr>
+          <a:xfrm>
+            <a:off x="3659960" y="503556"/>
+            <a:ext cx="651972" cy="0"/>
+          </a:xfrm>
+          <a:prstGeom prst="straightConnector1">
+            <a:avLst/>
+          </a:prstGeom>
+          <a:ln>
+            <a:solidFill>
+              <a:schemeClr val="tx1"/>
+            </a:solidFill>
+            <a:tailEnd type="triangle"/>
+          </a:ln>
+        </p:spPr>
+        <p:style>
+          <a:lnRef idx="1">
+            <a:schemeClr val="accent1"/>
+          </a:lnRef>
+          <a:fillRef idx="0">
+            <a:schemeClr val="accent1"/>
+          </a:fillRef>
+          <a:effectRef idx="0">
+            <a:schemeClr val="accent1"/>
+          </a:effectRef>
+          <a:fontRef idx="minor">
+            <a:schemeClr val="tx1"/>
+          </a:fontRef>
+        </p:style>
+      </p:cxnSp>
+      <p:sp>
+        <p:nvSpPr>
+          <p:cNvPr id="23" name="TextBox 22">
+            <a:extLst>
+              <a:ext uri="{FF2B5EF4-FFF2-40B4-BE49-F238E27FC236}">
+                <a16:creationId xmlns:a16="http://schemas.microsoft.com/office/drawing/2014/main" id="{22BD9809-27A2-19AE-EC6F-86CCA1179B40}"/>
+              </a:ext>
+            </a:extLst>
+          </p:cNvPr>
+          <p:cNvSpPr txBox="1"/>
+          <p:nvPr/>
+        </p:nvSpPr>
+        <p:spPr>
+          <a:xfrm>
+            <a:off x="3544261" y="274934"/>
+            <a:ext cx="814160" cy="461665"/>
+          </a:xfrm>
+          <a:prstGeom prst="rect">
+            <a:avLst/>
+          </a:prstGeom>
+          <a:noFill/>
+        </p:spPr>
+        <p:txBody>
+          <a:bodyPr wrap="square" rtlCol="0">
+            <a:spAutoFit/>
+          </a:bodyPr>
+          <a:lstStyle/>
+          <a:p>
+            <a:pPr algn="ctr"/>
+            <a:r>
+              <a:rPr lang="en-US" sz="1200" noProof="1"/>
+              <a:t>file or hash</a:t>
+            </a:r>
+          </a:p>
+        </p:txBody>
+      </p:sp>
+      <p:cxnSp>
+        <p:nvCxnSpPr>
+          <p:cNvPr id="24" name="Straight Arrow Connector 23">
+            <a:extLst>
+              <a:ext uri="{FF2B5EF4-FFF2-40B4-BE49-F238E27FC236}">
+                <a16:creationId xmlns:a16="http://schemas.microsoft.com/office/drawing/2014/main" id="{2BB29089-3407-D411-CEC7-D880C3FA7493}"/>
+              </a:ext>
+            </a:extLst>
+          </p:cNvPr>
+          <p:cNvCxnSpPr>
+            <a:cxnSpLocks/>
+          </p:cNvCxnSpPr>
+          <p:nvPr/>
+        </p:nvCxnSpPr>
+        <p:spPr>
+          <a:xfrm>
+            <a:off x="5749204" y="529683"/>
+            <a:ext cx="651972" cy="0"/>
+          </a:xfrm>
+          <a:prstGeom prst="straightConnector1">
+            <a:avLst/>
+          </a:prstGeom>
+          <a:ln>
+            <a:solidFill>
+              <a:schemeClr val="tx1"/>
+            </a:solidFill>
+            <a:tailEnd type="triangle"/>
+          </a:ln>
+        </p:spPr>
+        <p:style>
+          <a:lnRef idx="1">
+            <a:schemeClr val="accent1"/>
+          </a:lnRef>
+          <a:fillRef idx="0">
+            <a:schemeClr val="accent1"/>
+          </a:fillRef>
+          <a:effectRef idx="0">
+            <a:schemeClr val="accent1"/>
+          </a:effectRef>
+          <a:fontRef idx="minor">
+            <a:schemeClr val="tx1"/>
+          </a:fontRef>
+        </p:style>
+      </p:cxnSp>
+      <p:sp>
+        <p:nvSpPr>
+          <p:cNvPr id="25" name="TextBox 24">
+            <a:extLst>
+              <a:ext uri="{FF2B5EF4-FFF2-40B4-BE49-F238E27FC236}">
+                <a16:creationId xmlns:a16="http://schemas.microsoft.com/office/drawing/2014/main" id="{AB0AAF14-666B-00AA-541A-EE65803D2DA6}"/>
+              </a:ext>
+            </a:extLst>
+          </p:cNvPr>
+          <p:cNvSpPr txBox="1"/>
+          <p:nvPr/>
+        </p:nvSpPr>
+        <p:spPr>
+          <a:xfrm>
+            <a:off x="5633505" y="301061"/>
+            <a:ext cx="814160" cy="276999"/>
+          </a:xfrm>
+          <a:prstGeom prst="rect">
+            <a:avLst/>
+          </a:prstGeom>
+          <a:noFill/>
+        </p:spPr>
+        <p:txBody>
+          <a:bodyPr wrap="square" rtlCol="0">
+            <a:spAutoFit/>
+          </a:bodyPr>
+          <a:lstStyle/>
+          <a:p>
+            <a:pPr algn="ctr"/>
+            <a:r>
+              <a:rPr lang="en-US" sz="1200" noProof="1"/>
+              <a:t>hash</a:t>
+            </a:r>
+          </a:p>
+        </p:txBody>
+      </p:sp>
+      <p:sp>
+        <p:nvSpPr>
+          <p:cNvPr id="26" name="TextBox 25">
+            <a:extLst>
+              <a:ext uri="{FF2B5EF4-FFF2-40B4-BE49-F238E27FC236}">
+                <a16:creationId xmlns:a16="http://schemas.microsoft.com/office/drawing/2014/main" id="{091B2B99-FAA3-68A3-BC2B-B36E1CFE2BC1}"/>
+              </a:ext>
+            </a:extLst>
+          </p:cNvPr>
+          <p:cNvSpPr txBox="1"/>
+          <p:nvPr/>
+        </p:nvSpPr>
+        <p:spPr>
+          <a:xfrm>
+            <a:off x="4626974" y="1366520"/>
+            <a:ext cx="1006532" cy="1205963"/>
+          </a:xfrm>
+          <a:prstGeom prst="rect">
+            <a:avLst/>
+          </a:prstGeom>
+          <a:solidFill>
+            <a:srgbClr val="E7F9FF"/>
+          </a:solidFill>
+          <a:ln>
+            <a:solidFill>
+              <a:schemeClr val="tx1"/>
+            </a:solidFill>
+          </a:ln>
+        </p:spPr>
+        <p:txBody>
+          <a:bodyPr wrap="square" rtlCol="0">
+            <a:noAutofit/>
+          </a:bodyPr>
+          <a:lstStyle/>
+          <a:p>
+            <a:r>
+              <a:rPr lang="en-US" sz="1400" dirty="0"/>
+              <a:t>SignPath.io</a:t>
+            </a:r>
+          </a:p>
+        </p:txBody>
+      </p:sp>
+      <p:grpSp>
+        <p:nvGrpSpPr>
+          <p:cNvPr id="30" name="Group 29">
+            <a:extLst>
+              <a:ext uri="{FF2B5EF4-FFF2-40B4-BE49-F238E27FC236}">
+                <a16:creationId xmlns:a16="http://schemas.microsoft.com/office/drawing/2014/main" id="{BB1C530D-8CE9-647A-CE7F-6462BFE46E3A}"/>
+              </a:ext>
+            </a:extLst>
+          </p:cNvPr>
+          <p:cNvGrpSpPr/>
+          <p:nvPr/>
+        </p:nvGrpSpPr>
+        <p:grpSpPr>
+          <a:xfrm>
+            <a:off x="3086385" y="1764432"/>
+            <a:ext cx="322294" cy="725641"/>
+            <a:chOff x="3503847" y="1851295"/>
+            <a:chExt cx="322294" cy="725641"/>
+          </a:xfrm>
+        </p:grpSpPr>
+        <p:sp>
+          <p:nvSpPr>
+            <p:cNvPr id="31" name="TextBox 30">
+              <a:extLst>
+                <a:ext uri="{FF2B5EF4-FFF2-40B4-BE49-F238E27FC236}">
+                  <a16:creationId xmlns:a16="http://schemas.microsoft.com/office/drawing/2014/main" id="{DA5591EE-6E31-BCFF-EB35-200CDD4D55A7}"/>
+                </a:ext>
+              </a:extLst>
+            </p:cNvPr>
+            <p:cNvSpPr txBox="1"/>
+            <p:nvPr/>
+          </p:nvSpPr>
+          <p:spPr>
+            <a:xfrm>
+              <a:off x="3512548" y="2299937"/>
+              <a:ext cx="304892" cy="276999"/>
+            </a:xfrm>
+            <a:prstGeom prst="rect">
+              <a:avLst/>
+            </a:prstGeom>
+            <a:noFill/>
+          </p:spPr>
+          <p:txBody>
+            <a:bodyPr wrap="none" rtlCol="0">
+              <a:spAutoFit/>
+            </a:bodyPr>
+            <a:lstStyle/>
+            <a:p>
+              <a:pPr algn="ctr"/>
+              <a:r>
+                <a:rPr lang="en-US" sz="1200" dirty="0"/>
+                <a:t>CI</a:t>
+              </a:r>
+            </a:p>
+          </p:txBody>
+        </p:sp>
+        <p:pic>
+          <p:nvPicPr>
+            <p:cNvPr id="32" name="Picture 4">
+              <a:extLst>
+                <a:ext uri="{FF2B5EF4-FFF2-40B4-BE49-F238E27FC236}">
+                  <a16:creationId xmlns:a16="http://schemas.microsoft.com/office/drawing/2014/main" id="{AEDEBB3C-8306-30A1-A9E0-7EE1DE50DE41}"/>
+                </a:ext>
+              </a:extLst>
+            </p:cNvPr>
+            <p:cNvPicPr>
+              <a:picLocks noChangeAspect="1" noChangeArrowheads="1"/>
+            </p:cNvPicPr>
+            <p:nvPr/>
+          </p:nvPicPr>
+          <p:blipFill>
+            <a:blip r:embed="rId3" cstate="print">
+              <a:extLst>
+                <a:ext uri="{28A0092B-C50C-407E-A947-70E740481C1C}">
+                  <a14:useLocalDpi xmlns:a14="http://schemas.microsoft.com/office/drawing/2010/main" val="0"/>
+                </a:ext>
+              </a:extLst>
+            </a:blip>
+            <a:srcRect/>
+            <a:stretch>
+              <a:fillRect/>
+            </a:stretch>
+          </p:blipFill>
+          <p:spPr bwMode="auto">
+            <a:xfrm>
+              <a:off x="3503847" y="1851295"/>
+              <a:ext cx="322294" cy="444970"/>
+            </a:xfrm>
+            <a:prstGeom prst="rect">
+              <a:avLst/>
+            </a:prstGeom>
+            <a:noFill/>
+            <a:extLst>
+              <a:ext uri="{909E8E84-426E-40DD-AFC4-6F175D3DCCD1}">
+                <a14:hiddenFill xmlns:a14="http://schemas.microsoft.com/office/drawing/2010/main">
+                  <a:solidFill>
+                    <a:srgbClr val="FFFFFF"/>
+                  </a:solidFill>
+                </a14:hiddenFill>
+              </a:ext>
+            </a:extLst>
+          </p:spPr>
+        </p:pic>
+      </p:grpSp>
+      <p:grpSp>
+        <p:nvGrpSpPr>
+          <p:cNvPr id="33" name="Group 32">
+            <a:extLst>
+              <a:ext uri="{FF2B5EF4-FFF2-40B4-BE49-F238E27FC236}">
+                <a16:creationId xmlns:a16="http://schemas.microsoft.com/office/drawing/2014/main" id="{92936B42-9EBD-2D9D-8677-47336D86DE5A}"/>
+              </a:ext>
+            </a:extLst>
+          </p:cNvPr>
+          <p:cNvGrpSpPr/>
+          <p:nvPr/>
+        </p:nvGrpSpPr>
+        <p:grpSpPr>
+          <a:xfrm>
+            <a:off x="4724233" y="1788620"/>
+            <a:ext cx="814160" cy="701454"/>
+            <a:chOff x="1715669" y="1864093"/>
+            <a:chExt cx="814160" cy="701454"/>
+          </a:xfrm>
+        </p:grpSpPr>
+        <p:sp>
+          <p:nvSpPr>
+            <p:cNvPr id="34" name="TextBox 33">
+              <a:extLst>
+                <a:ext uri="{FF2B5EF4-FFF2-40B4-BE49-F238E27FC236}">
+                  <a16:creationId xmlns:a16="http://schemas.microsoft.com/office/drawing/2014/main" id="{133A9F66-2B68-F656-E246-138E67F285CD}"/>
+                </a:ext>
+              </a:extLst>
+            </p:cNvPr>
+            <p:cNvSpPr txBox="1"/>
+            <p:nvPr/>
+          </p:nvSpPr>
+          <p:spPr>
+            <a:xfrm>
+              <a:off x="1715669" y="2288548"/>
+              <a:ext cx="814160" cy="276999"/>
+            </a:xfrm>
+            <a:prstGeom prst="rect">
+              <a:avLst/>
+            </a:prstGeom>
+            <a:noFill/>
+          </p:spPr>
+          <p:txBody>
+            <a:bodyPr wrap="square" rtlCol="0">
+              <a:spAutoFit/>
+            </a:bodyPr>
+            <a:lstStyle/>
+            <a:p>
+              <a:pPr algn="ctr"/>
+              <a:r>
+                <a:rPr lang="en-US" sz="1200" noProof="1"/>
+                <a:t>SignPath</a:t>
+              </a:r>
+            </a:p>
+          </p:txBody>
+        </p:sp>
+        <p:grpSp>
+          <p:nvGrpSpPr>
+            <p:cNvPr id="35" name="Group 34">
+              <a:extLst>
+                <a:ext uri="{FF2B5EF4-FFF2-40B4-BE49-F238E27FC236}">
+                  <a16:creationId xmlns:a16="http://schemas.microsoft.com/office/drawing/2014/main" id="{B03C5CCA-48CE-17CF-CE04-BBA6F7E6A708}"/>
+                </a:ext>
+              </a:extLst>
+            </p:cNvPr>
+            <p:cNvGrpSpPr/>
+            <p:nvPr/>
+          </p:nvGrpSpPr>
+          <p:grpSpPr>
+            <a:xfrm>
+              <a:off x="1900729" y="1864093"/>
+              <a:ext cx="444039" cy="386433"/>
+              <a:chOff x="1900729" y="1864093"/>
+              <a:chExt cx="444039" cy="386433"/>
+            </a:xfrm>
+          </p:grpSpPr>
+          <p:sp>
+            <p:nvSpPr>
+              <p:cNvPr id="36" name="Rectangle 35">
+                <a:extLst>
+                  <a:ext uri="{FF2B5EF4-FFF2-40B4-BE49-F238E27FC236}">
+                    <a16:creationId xmlns:a16="http://schemas.microsoft.com/office/drawing/2014/main" id="{1E5BE768-27D4-5DA3-20F9-371757771D48}"/>
+                  </a:ext>
+                </a:extLst>
+              </p:cNvPr>
+              <p:cNvSpPr/>
+              <p:nvPr/>
+            </p:nvSpPr>
+            <p:spPr>
+              <a:xfrm>
+                <a:off x="2011029" y="1889759"/>
+                <a:ext cx="229251" cy="299085"/>
+              </a:xfrm>
+              <a:prstGeom prst="rect">
+                <a:avLst/>
+              </a:prstGeom>
+              <a:solidFill>
+                <a:schemeClr val="bg1"/>
+              </a:solidFill>
+              <a:ln>
+                <a:noFill/>
+              </a:ln>
+            </p:spPr>
+            <p:style>
+              <a:lnRef idx="2">
+                <a:schemeClr val="accent1">
+                  <a:shade val="50000"/>
+                </a:schemeClr>
+              </a:lnRef>
+              <a:fillRef idx="1">
+                <a:schemeClr val="accent1"/>
+              </a:fillRef>
+              <a:effectRef idx="0">
+                <a:schemeClr val="accent1"/>
+              </a:effectRef>
+              <a:fontRef idx="minor">
+                <a:schemeClr val="lt1"/>
+              </a:fontRef>
+            </p:style>
+            <p:txBody>
+              <a:bodyPr rtlCol="0" anchor="ctr"/>
+              <a:lstStyle/>
+              <a:p>
+                <a:pPr algn="ctr"/>
+                <a:endParaRPr lang="en-US"/>
+              </a:p>
+            </p:txBody>
+          </p:sp>
+          <p:pic>
+            <p:nvPicPr>
+              <p:cNvPr id="37" name="Graphic 36">
+                <a:extLst>
+                  <a:ext uri="{FF2B5EF4-FFF2-40B4-BE49-F238E27FC236}">
+                    <a16:creationId xmlns:a16="http://schemas.microsoft.com/office/drawing/2014/main" id="{DD684D77-09E6-224D-3157-0EF06D883FD1}"/>
+                  </a:ext>
+                </a:extLst>
+              </p:cNvPr>
+              <p:cNvPicPr>
+                <a:picLocks noChangeAspect="1"/>
+              </p:cNvPicPr>
+              <p:nvPr/>
+            </p:nvPicPr>
+            <p:blipFill rotWithShape="1">
+              <a:blip r:embed="rId4" cstate="print">
+                <a:extLst>
+                  <a:ext uri="{28A0092B-C50C-407E-A947-70E740481C1C}">
+                    <a14:useLocalDpi xmlns:a14="http://schemas.microsoft.com/office/drawing/2010/main" val="0"/>
+                  </a:ext>
+                  <a:ext uri="{96DAC541-7B7A-43D3-8B79-37D633B846F1}">
+                    <asvg:svgBlip xmlns:asvg="http://schemas.microsoft.com/office/drawing/2016/SVG/main" r:embed="rId5"/>
+                  </a:ext>
+                </a:extLst>
+              </a:blip>
+              <a:srcRect r="76833"/>
+              <a:stretch/>
+            </p:blipFill>
+            <p:spPr>
+              <a:xfrm>
+                <a:off x="1900729" y="1864093"/>
+                <a:ext cx="444039" cy="386433"/>
+              </a:xfrm>
+              <a:prstGeom prst="rect">
+                <a:avLst/>
+              </a:prstGeom>
+            </p:spPr>
+          </p:pic>
+        </p:grpSp>
+      </p:grpSp>
+      <p:sp>
+        <p:nvSpPr>
+          <p:cNvPr id="38" name="TextBox 37">
+            <a:extLst>
+              <a:ext uri="{FF2B5EF4-FFF2-40B4-BE49-F238E27FC236}">
+                <a16:creationId xmlns:a16="http://schemas.microsoft.com/office/drawing/2014/main" id="{B7C4F1A9-F6FC-9463-6465-CCA9CC6019A6}"/>
+              </a:ext>
+            </a:extLst>
+          </p:cNvPr>
+          <p:cNvSpPr txBox="1"/>
+          <p:nvPr/>
+        </p:nvSpPr>
+        <p:spPr>
+          <a:xfrm>
+            <a:off x="812595" y="1851123"/>
+            <a:ext cx="1845151" cy="338554"/>
+          </a:xfrm>
+          <a:prstGeom prst="rect">
+            <a:avLst/>
+          </a:prstGeom>
+          <a:noFill/>
+        </p:spPr>
+        <p:txBody>
+          <a:bodyPr wrap="square" rtlCol="0">
+            <a:spAutoFit/>
+          </a:bodyPr>
+          <a:lstStyle/>
+          <a:p>
+            <a:r>
+              <a:rPr lang="en-US" sz="1600" dirty="0"/>
+              <a:t>Hybrid SaaS</a:t>
+            </a:r>
+          </a:p>
+        </p:txBody>
+      </p:sp>
+      <p:cxnSp>
+        <p:nvCxnSpPr>
+          <p:cNvPr id="39" name="Straight Arrow Connector 38">
+            <a:extLst>
+              <a:ext uri="{FF2B5EF4-FFF2-40B4-BE49-F238E27FC236}">
+                <a16:creationId xmlns:a16="http://schemas.microsoft.com/office/drawing/2014/main" id="{BE0A814E-396C-0273-A293-9F795D14FF35}"/>
+              </a:ext>
+            </a:extLst>
+          </p:cNvPr>
+          <p:cNvCxnSpPr>
+            <a:cxnSpLocks/>
+          </p:cNvCxnSpPr>
+          <p:nvPr/>
+        </p:nvCxnSpPr>
+        <p:spPr>
+          <a:xfrm>
+            <a:off x="3659960" y="1981836"/>
+            <a:ext cx="651972" cy="0"/>
+          </a:xfrm>
+          <a:prstGeom prst="straightConnector1">
+            <a:avLst/>
+          </a:prstGeom>
+          <a:ln>
+            <a:solidFill>
+              <a:schemeClr val="tx1"/>
+            </a:solidFill>
+            <a:tailEnd type="triangle"/>
+          </a:ln>
+        </p:spPr>
+        <p:style>
+          <a:lnRef idx="1">
+            <a:schemeClr val="accent1"/>
+          </a:lnRef>
+          <a:fillRef idx="0">
+            <a:schemeClr val="accent1"/>
+          </a:fillRef>
+          <a:effectRef idx="0">
+            <a:schemeClr val="accent1"/>
+          </a:effectRef>
+          <a:fontRef idx="minor">
+            <a:schemeClr val="tx1"/>
+          </a:fontRef>
+        </p:style>
+      </p:cxnSp>
+      <p:sp>
+        <p:nvSpPr>
+          <p:cNvPr id="40" name="TextBox 39">
+            <a:extLst>
+              <a:ext uri="{FF2B5EF4-FFF2-40B4-BE49-F238E27FC236}">
+                <a16:creationId xmlns:a16="http://schemas.microsoft.com/office/drawing/2014/main" id="{8DDC8C54-74A0-C588-645E-20E66073B0C5}"/>
+              </a:ext>
+            </a:extLst>
+          </p:cNvPr>
+          <p:cNvSpPr txBox="1"/>
+          <p:nvPr/>
+        </p:nvSpPr>
+        <p:spPr>
+          <a:xfrm>
+            <a:off x="3544261" y="1753214"/>
+            <a:ext cx="814160" cy="461665"/>
+          </a:xfrm>
+          <a:prstGeom prst="rect">
+            <a:avLst/>
+          </a:prstGeom>
+          <a:noFill/>
+        </p:spPr>
+        <p:txBody>
+          <a:bodyPr wrap="square" rtlCol="0">
+            <a:spAutoFit/>
+          </a:bodyPr>
+          <a:lstStyle/>
+          <a:p>
+            <a:pPr algn="ctr"/>
+            <a:r>
+              <a:rPr lang="en-US" sz="1200" noProof="1"/>
+              <a:t>file or hash</a:t>
+            </a:r>
+          </a:p>
+        </p:txBody>
+      </p:sp>
+      <p:cxnSp>
+        <p:nvCxnSpPr>
+          <p:cNvPr id="41" name="Straight Arrow Connector 40">
+            <a:extLst>
+              <a:ext uri="{FF2B5EF4-FFF2-40B4-BE49-F238E27FC236}">
+                <a16:creationId xmlns:a16="http://schemas.microsoft.com/office/drawing/2014/main" id="{90CE5CD2-F690-2B2A-953E-95CBE5E9F28F}"/>
+              </a:ext>
+            </a:extLst>
+          </p:cNvPr>
+          <p:cNvCxnSpPr>
+            <a:cxnSpLocks/>
+          </p:cNvCxnSpPr>
+          <p:nvPr/>
+        </p:nvCxnSpPr>
+        <p:spPr>
+          <a:xfrm>
+            <a:off x="5749204" y="2007963"/>
+            <a:ext cx="651972" cy="0"/>
+          </a:xfrm>
+          <a:prstGeom prst="straightConnector1">
+            <a:avLst/>
+          </a:prstGeom>
+          <a:ln>
+            <a:solidFill>
+              <a:schemeClr val="tx1"/>
+            </a:solidFill>
+            <a:tailEnd type="triangle"/>
+          </a:ln>
+        </p:spPr>
+        <p:style>
+          <a:lnRef idx="1">
+            <a:schemeClr val="accent1"/>
+          </a:lnRef>
+          <a:fillRef idx="0">
+            <a:schemeClr val="accent1"/>
+          </a:fillRef>
+          <a:effectRef idx="0">
+            <a:schemeClr val="accent1"/>
+          </a:effectRef>
+          <a:fontRef idx="minor">
+            <a:schemeClr val="tx1"/>
+          </a:fontRef>
+        </p:style>
+      </p:cxnSp>
+      <p:sp>
+        <p:nvSpPr>
+          <p:cNvPr id="42" name="TextBox 41">
+            <a:extLst>
+              <a:ext uri="{FF2B5EF4-FFF2-40B4-BE49-F238E27FC236}">
+                <a16:creationId xmlns:a16="http://schemas.microsoft.com/office/drawing/2014/main" id="{130A1BC1-A99A-70C8-A146-9BD0EE6EE7C7}"/>
+              </a:ext>
+            </a:extLst>
+          </p:cNvPr>
+          <p:cNvSpPr txBox="1"/>
+          <p:nvPr/>
+        </p:nvSpPr>
+        <p:spPr>
+          <a:xfrm>
+            <a:off x="5633505" y="1779118"/>
+            <a:ext cx="814160" cy="276999"/>
+          </a:xfrm>
+          <a:prstGeom prst="rect">
+            <a:avLst/>
+          </a:prstGeom>
+          <a:noFill/>
+        </p:spPr>
+        <p:txBody>
+          <a:bodyPr wrap="square" rtlCol="0">
+            <a:spAutoFit/>
+          </a:bodyPr>
+          <a:lstStyle/>
+          <a:p>
+            <a:pPr algn="ctr"/>
+            <a:r>
+              <a:rPr lang="en-US" sz="1200" noProof="1"/>
+              <a:t>hash</a:t>
+            </a:r>
+          </a:p>
+        </p:txBody>
+      </p:sp>
+      <p:sp>
+        <p:nvSpPr>
+          <p:cNvPr id="44" name="TextBox 43">
+            <a:extLst>
+              <a:ext uri="{FF2B5EF4-FFF2-40B4-BE49-F238E27FC236}">
+                <a16:creationId xmlns:a16="http://schemas.microsoft.com/office/drawing/2014/main" id="{9BD1F6F0-9DE8-3F1F-DA8B-73B44CE622D8}"/>
+              </a:ext>
+            </a:extLst>
+          </p:cNvPr>
+          <p:cNvSpPr txBox="1"/>
+          <p:nvPr/>
+        </p:nvSpPr>
+        <p:spPr>
+          <a:xfrm>
+            <a:off x="6563363" y="2844800"/>
+            <a:ext cx="1006532" cy="1205963"/>
+          </a:xfrm>
+          <a:prstGeom prst="rect">
+            <a:avLst/>
+          </a:prstGeom>
+          <a:solidFill>
+            <a:srgbClr val="E4E4FC"/>
+          </a:solidFill>
+          <a:ln>
+            <a:solidFill>
+              <a:schemeClr val="tx1"/>
+            </a:solidFill>
+          </a:ln>
+        </p:spPr>
+        <p:txBody>
+          <a:bodyPr wrap="square" rtlCol="0">
+            <a:noAutofit/>
+          </a:bodyPr>
+          <a:lstStyle/>
+          <a:p>
+            <a:r>
+              <a:rPr lang="en-US" sz="1400" dirty="0"/>
+              <a:t>Thales</a:t>
+            </a:r>
+          </a:p>
+        </p:txBody>
+      </p:sp>
+      <p:sp>
+        <p:nvSpPr>
+          <p:cNvPr id="48" name="TextBox 47">
+            <a:extLst>
+              <a:ext uri="{FF2B5EF4-FFF2-40B4-BE49-F238E27FC236}">
+                <a16:creationId xmlns:a16="http://schemas.microsoft.com/office/drawing/2014/main" id="{F71B4210-BBA2-A4CF-44A4-CD05DA7B6374}"/>
+              </a:ext>
+            </a:extLst>
+          </p:cNvPr>
+          <p:cNvSpPr txBox="1"/>
+          <p:nvPr/>
+        </p:nvSpPr>
+        <p:spPr>
+          <a:xfrm>
+            <a:off x="2875520" y="2844800"/>
+            <a:ext cx="2757986" cy="1205963"/>
+          </a:xfrm>
+          <a:prstGeom prst="rect">
+            <a:avLst/>
+          </a:prstGeom>
+          <a:solidFill>
+            <a:schemeClr val="bg1">
+              <a:lumMod val="95000"/>
+            </a:schemeClr>
+          </a:solidFill>
+          <a:ln>
+            <a:solidFill>
+              <a:schemeClr val="tx1"/>
+            </a:solidFill>
+          </a:ln>
+        </p:spPr>
+        <p:txBody>
+          <a:bodyPr wrap="square" rtlCol="0">
+            <a:noAutofit/>
+          </a:bodyPr>
+          <a:lstStyle/>
+          <a:p>
+            <a:r>
+              <a:rPr lang="en-US" sz="1400" dirty="0"/>
+              <a:t>Private Cloud</a:t>
+            </a:r>
+          </a:p>
+        </p:txBody>
+      </p:sp>
+      <p:grpSp>
+        <p:nvGrpSpPr>
+          <p:cNvPr id="49" name="Group 48">
+            <a:extLst>
+              <a:ext uri="{FF2B5EF4-FFF2-40B4-BE49-F238E27FC236}">
+                <a16:creationId xmlns:a16="http://schemas.microsoft.com/office/drawing/2014/main" id="{B87E4AFC-BF04-534D-20A7-47CFF91C3F1A}"/>
+              </a:ext>
+            </a:extLst>
+          </p:cNvPr>
+          <p:cNvGrpSpPr/>
+          <p:nvPr/>
+        </p:nvGrpSpPr>
+        <p:grpSpPr>
+          <a:xfrm>
+            <a:off x="3086385" y="3242712"/>
+            <a:ext cx="322294" cy="725641"/>
+            <a:chOff x="3503847" y="1851295"/>
+            <a:chExt cx="322294" cy="725641"/>
+          </a:xfrm>
+        </p:grpSpPr>
+        <p:sp>
+          <p:nvSpPr>
+            <p:cNvPr id="50" name="TextBox 49">
+              <a:extLst>
+                <a:ext uri="{FF2B5EF4-FFF2-40B4-BE49-F238E27FC236}">
+                  <a16:creationId xmlns:a16="http://schemas.microsoft.com/office/drawing/2014/main" id="{194E0513-8D3B-C8E3-BF82-B015E8A77955}"/>
+                </a:ext>
+              </a:extLst>
+            </p:cNvPr>
+            <p:cNvSpPr txBox="1"/>
+            <p:nvPr/>
+          </p:nvSpPr>
+          <p:spPr>
+            <a:xfrm>
+              <a:off x="3512548" y="2299937"/>
+              <a:ext cx="304892" cy="276999"/>
+            </a:xfrm>
+            <a:prstGeom prst="rect">
+              <a:avLst/>
+            </a:prstGeom>
+            <a:noFill/>
+          </p:spPr>
+          <p:txBody>
+            <a:bodyPr wrap="none" rtlCol="0">
+              <a:spAutoFit/>
+            </a:bodyPr>
+            <a:lstStyle/>
+            <a:p>
+              <a:pPr algn="ctr"/>
+              <a:r>
+                <a:rPr lang="en-US" sz="1200" dirty="0"/>
+                <a:t>CI</a:t>
+              </a:r>
+            </a:p>
+          </p:txBody>
+        </p:sp>
+        <p:pic>
+          <p:nvPicPr>
+            <p:cNvPr id="51" name="Picture 4">
+              <a:extLst>
+                <a:ext uri="{FF2B5EF4-FFF2-40B4-BE49-F238E27FC236}">
+                  <a16:creationId xmlns:a16="http://schemas.microsoft.com/office/drawing/2014/main" id="{6DEEB2E3-1698-8153-01C8-00A6EBAEAFBF}"/>
+                </a:ext>
+              </a:extLst>
+            </p:cNvPr>
+            <p:cNvPicPr>
+              <a:picLocks noChangeAspect="1" noChangeArrowheads="1"/>
+            </p:cNvPicPr>
+            <p:nvPr/>
+          </p:nvPicPr>
+          <p:blipFill>
+            <a:blip r:embed="rId3" cstate="print">
+              <a:extLst>
+                <a:ext uri="{28A0092B-C50C-407E-A947-70E740481C1C}">
+                  <a14:useLocalDpi xmlns:a14="http://schemas.microsoft.com/office/drawing/2010/main" val="0"/>
+                </a:ext>
+              </a:extLst>
+            </a:blip>
+            <a:srcRect/>
+            <a:stretch>
+              <a:fillRect/>
+            </a:stretch>
+          </p:blipFill>
+          <p:spPr bwMode="auto">
+            <a:xfrm>
+              <a:off x="3503847" y="1851295"/>
+              <a:ext cx="322294" cy="444970"/>
+            </a:xfrm>
+            <a:prstGeom prst="rect">
+              <a:avLst/>
+            </a:prstGeom>
+            <a:noFill/>
+            <a:extLst>
+              <a:ext uri="{909E8E84-426E-40DD-AFC4-6F175D3DCCD1}">
+                <a14:hiddenFill xmlns:a14="http://schemas.microsoft.com/office/drawing/2010/main">
+                  <a:solidFill>
+                    <a:srgbClr val="FFFFFF"/>
+                  </a:solidFill>
+                </a14:hiddenFill>
+              </a:ext>
+            </a:extLst>
+          </p:spPr>
+        </p:pic>
+      </p:grpSp>
+      <p:grpSp>
+        <p:nvGrpSpPr>
+          <p:cNvPr id="52" name="Group 51">
+            <a:extLst>
+              <a:ext uri="{FF2B5EF4-FFF2-40B4-BE49-F238E27FC236}">
+                <a16:creationId xmlns:a16="http://schemas.microsoft.com/office/drawing/2014/main" id="{DD0A6DAA-C6A4-0DF4-84C3-3F9399E51DCE}"/>
+              </a:ext>
+            </a:extLst>
+          </p:cNvPr>
+          <p:cNvGrpSpPr/>
+          <p:nvPr/>
+        </p:nvGrpSpPr>
+        <p:grpSpPr>
+          <a:xfrm>
+            <a:off x="4724233" y="3266900"/>
+            <a:ext cx="814160" cy="701454"/>
+            <a:chOff x="1715669" y="1864093"/>
+            <a:chExt cx="814160" cy="701454"/>
+          </a:xfrm>
+        </p:grpSpPr>
+        <p:sp>
+          <p:nvSpPr>
+            <p:cNvPr id="53" name="TextBox 52">
+              <a:extLst>
+                <a:ext uri="{FF2B5EF4-FFF2-40B4-BE49-F238E27FC236}">
+                  <a16:creationId xmlns:a16="http://schemas.microsoft.com/office/drawing/2014/main" id="{15378FBB-0E73-D896-E332-48A502149E48}"/>
+                </a:ext>
+              </a:extLst>
+            </p:cNvPr>
+            <p:cNvSpPr txBox="1"/>
+            <p:nvPr/>
+          </p:nvSpPr>
+          <p:spPr>
+            <a:xfrm>
+              <a:off x="1715669" y="2288548"/>
+              <a:ext cx="814160" cy="276999"/>
+            </a:xfrm>
+            <a:prstGeom prst="rect">
+              <a:avLst/>
+            </a:prstGeom>
+            <a:noFill/>
+          </p:spPr>
+          <p:txBody>
+            <a:bodyPr wrap="square" rtlCol="0">
+              <a:spAutoFit/>
+            </a:bodyPr>
+            <a:lstStyle/>
+            <a:p>
+              <a:pPr algn="ctr"/>
+              <a:r>
+                <a:rPr lang="en-US" sz="1200" noProof="1"/>
+                <a:t>SignPath</a:t>
+              </a:r>
+            </a:p>
+          </p:txBody>
+        </p:sp>
+        <p:grpSp>
+          <p:nvGrpSpPr>
+            <p:cNvPr id="54" name="Group 53">
+              <a:extLst>
+                <a:ext uri="{FF2B5EF4-FFF2-40B4-BE49-F238E27FC236}">
+                  <a16:creationId xmlns:a16="http://schemas.microsoft.com/office/drawing/2014/main" id="{811B2CFD-AA03-13EE-E230-440E957D8C0C}"/>
+                </a:ext>
+              </a:extLst>
+            </p:cNvPr>
+            <p:cNvGrpSpPr/>
+            <p:nvPr/>
+          </p:nvGrpSpPr>
+          <p:grpSpPr>
+            <a:xfrm>
+              <a:off x="1900729" y="1864093"/>
+              <a:ext cx="444039" cy="386433"/>
+              <a:chOff x="1900729" y="1864093"/>
+              <a:chExt cx="444039" cy="386433"/>
+            </a:xfrm>
+          </p:grpSpPr>
+          <p:sp>
+            <p:nvSpPr>
+              <p:cNvPr id="55" name="Rectangle 54">
+                <a:extLst>
+                  <a:ext uri="{FF2B5EF4-FFF2-40B4-BE49-F238E27FC236}">
+                    <a16:creationId xmlns:a16="http://schemas.microsoft.com/office/drawing/2014/main" id="{23B2D41F-B446-C473-375A-61056F19BE0F}"/>
+                  </a:ext>
+                </a:extLst>
+              </p:cNvPr>
+              <p:cNvSpPr/>
+              <p:nvPr/>
+            </p:nvSpPr>
+            <p:spPr>
+              <a:xfrm>
+                <a:off x="2011029" y="1889759"/>
+                <a:ext cx="229251" cy="299085"/>
+              </a:xfrm>
+              <a:prstGeom prst="rect">
+                <a:avLst/>
+              </a:prstGeom>
+              <a:solidFill>
+                <a:schemeClr val="bg1"/>
+              </a:solidFill>
+              <a:ln>
+                <a:noFill/>
+              </a:ln>
+            </p:spPr>
+            <p:style>
+              <a:lnRef idx="2">
+                <a:schemeClr val="accent1">
+                  <a:shade val="50000"/>
+                </a:schemeClr>
+              </a:lnRef>
+              <a:fillRef idx="1">
+                <a:schemeClr val="accent1"/>
+              </a:fillRef>
+              <a:effectRef idx="0">
+                <a:schemeClr val="accent1"/>
+              </a:effectRef>
+              <a:fontRef idx="minor">
+                <a:schemeClr val="lt1"/>
+              </a:fontRef>
+            </p:style>
+            <p:txBody>
+              <a:bodyPr rtlCol="0" anchor="ctr"/>
+              <a:lstStyle/>
+              <a:p>
+                <a:pPr algn="ctr"/>
+                <a:endParaRPr lang="en-US"/>
+              </a:p>
+            </p:txBody>
+          </p:sp>
+          <p:pic>
+            <p:nvPicPr>
+              <p:cNvPr id="56" name="Graphic 55">
+                <a:extLst>
+                  <a:ext uri="{FF2B5EF4-FFF2-40B4-BE49-F238E27FC236}">
+                    <a16:creationId xmlns:a16="http://schemas.microsoft.com/office/drawing/2014/main" id="{DEC828B1-D04D-7C74-3C0D-80B5154C56B3}"/>
+                  </a:ext>
+                </a:extLst>
+              </p:cNvPr>
+              <p:cNvPicPr>
+                <a:picLocks noChangeAspect="1"/>
+              </p:cNvPicPr>
+              <p:nvPr/>
+            </p:nvPicPr>
+            <p:blipFill rotWithShape="1">
+              <a:blip r:embed="rId4" cstate="print">
+                <a:extLst>
+                  <a:ext uri="{28A0092B-C50C-407E-A947-70E740481C1C}">
+                    <a14:useLocalDpi xmlns:a14="http://schemas.microsoft.com/office/drawing/2010/main" val="0"/>
+                  </a:ext>
+                  <a:ext uri="{96DAC541-7B7A-43D3-8B79-37D633B846F1}">
+                    <asvg:svgBlip xmlns:asvg="http://schemas.microsoft.com/office/drawing/2016/SVG/main" r:embed="rId5"/>
+                  </a:ext>
+                </a:extLst>
+              </a:blip>
+              <a:srcRect r="76833"/>
+              <a:stretch/>
+            </p:blipFill>
+            <p:spPr>
+              <a:xfrm>
+                <a:off x="1900729" y="1864093"/>
+                <a:ext cx="444039" cy="386433"/>
+              </a:xfrm>
+              <a:prstGeom prst="rect">
+                <a:avLst/>
+              </a:prstGeom>
+            </p:spPr>
+          </p:pic>
+        </p:grpSp>
+      </p:grpSp>
+      <p:sp>
+        <p:nvSpPr>
+          <p:cNvPr id="57" name="TextBox 56">
+            <a:extLst>
+              <a:ext uri="{FF2B5EF4-FFF2-40B4-BE49-F238E27FC236}">
+                <a16:creationId xmlns:a16="http://schemas.microsoft.com/office/drawing/2014/main" id="{541680CD-8E2F-7B4F-D10A-B7A664F32C63}"/>
+              </a:ext>
+            </a:extLst>
+          </p:cNvPr>
+          <p:cNvSpPr txBox="1"/>
+          <p:nvPr/>
+        </p:nvSpPr>
+        <p:spPr>
+          <a:xfrm>
+            <a:off x="812595" y="3329403"/>
+            <a:ext cx="1845151" cy="338554"/>
+          </a:xfrm>
+          <a:prstGeom prst="rect">
+            <a:avLst/>
+          </a:prstGeom>
+          <a:noFill/>
+        </p:spPr>
+        <p:txBody>
+          <a:bodyPr wrap="square" rtlCol="0">
+            <a:spAutoFit/>
+          </a:bodyPr>
+          <a:lstStyle/>
+          <a:p>
+            <a:r>
+              <a:rPr lang="en-US" sz="1600" dirty="0"/>
+              <a:t>Private Cloud</a:t>
+            </a:r>
+          </a:p>
+        </p:txBody>
+      </p:sp>
+      <p:cxnSp>
+        <p:nvCxnSpPr>
+          <p:cNvPr id="58" name="Straight Arrow Connector 57">
+            <a:extLst>
+              <a:ext uri="{FF2B5EF4-FFF2-40B4-BE49-F238E27FC236}">
+                <a16:creationId xmlns:a16="http://schemas.microsoft.com/office/drawing/2014/main" id="{9D550B87-7892-8C39-7601-8144D5B7DB86}"/>
+              </a:ext>
+            </a:extLst>
+          </p:cNvPr>
+          <p:cNvCxnSpPr>
+            <a:cxnSpLocks/>
+          </p:cNvCxnSpPr>
+          <p:nvPr/>
+        </p:nvCxnSpPr>
+        <p:spPr>
+          <a:xfrm>
+            <a:off x="3659960" y="3460116"/>
+            <a:ext cx="651972" cy="0"/>
+          </a:xfrm>
+          <a:prstGeom prst="straightConnector1">
+            <a:avLst/>
+          </a:prstGeom>
+          <a:ln>
+            <a:solidFill>
+              <a:schemeClr val="tx1"/>
+            </a:solidFill>
+            <a:tailEnd type="triangle"/>
+          </a:ln>
+        </p:spPr>
+        <p:style>
+          <a:lnRef idx="1">
+            <a:schemeClr val="accent1"/>
+          </a:lnRef>
+          <a:fillRef idx="0">
+            <a:schemeClr val="accent1"/>
+          </a:fillRef>
+          <a:effectRef idx="0">
+            <a:schemeClr val="accent1"/>
+          </a:effectRef>
+          <a:fontRef idx="minor">
+            <a:schemeClr val="tx1"/>
+          </a:fontRef>
+        </p:style>
+      </p:cxnSp>
+      <p:sp>
+        <p:nvSpPr>
+          <p:cNvPr id="59" name="TextBox 58">
+            <a:extLst>
+              <a:ext uri="{FF2B5EF4-FFF2-40B4-BE49-F238E27FC236}">
+                <a16:creationId xmlns:a16="http://schemas.microsoft.com/office/drawing/2014/main" id="{2BD0ADA3-F212-E6AA-637B-13FF83DED725}"/>
+              </a:ext>
+            </a:extLst>
+          </p:cNvPr>
+          <p:cNvSpPr txBox="1"/>
+          <p:nvPr/>
+        </p:nvSpPr>
+        <p:spPr>
+          <a:xfrm>
+            <a:off x="3544261" y="3231494"/>
+            <a:ext cx="814160" cy="461665"/>
+          </a:xfrm>
+          <a:prstGeom prst="rect">
+            <a:avLst/>
+          </a:prstGeom>
+          <a:noFill/>
+        </p:spPr>
+        <p:txBody>
+          <a:bodyPr wrap="square" rtlCol="0">
+            <a:spAutoFit/>
+          </a:bodyPr>
+          <a:lstStyle/>
+          <a:p>
+            <a:pPr algn="ctr"/>
+            <a:r>
+              <a:rPr lang="en-US" sz="1200" noProof="1"/>
+              <a:t>file or hash</a:t>
+            </a:r>
+          </a:p>
+        </p:txBody>
+      </p:sp>
+      <p:cxnSp>
+        <p:nvCxnSpPr>
+          <p:cNvPr id="60" name="Straight Arrow Connector 59">
+            <a:extLst>
+              <a:ext uri="{FF2B5EF4-FFF2-40B4-BE49-F238E27FC236}">
+                <a16:creationId xmlns:a16="http://schemas.microsoft.com/office/drawing/2014/main" id="{08C25931-015D-A4DB-B218-ED796246D9CE}"/>
+              </a:ext>
+            </a:extLst>
+          </p:cNvPr>
+          <p:cNvCxnSpPr>
+            <a:cxnSpLocks/>
+          </p:cNvCxnSpPr>
+          <p:nvPr/>
+        </p:nvCxnSpPr>
+        <p:spPr>
+          <a:xfrm>
+            <a:off x="5749204" y="3486243"/>
+            <a:ext cx="651972" cy="0"/>
+          </a:xfrm>
+          <a:prstGeom prst="straightConnector1">
+            <a:avLst/>
+          </a:prstGeom>
+          <a:ln>
+            <a:solidFill>
+              <a:schemeClr val="tx1"/>
+            </a:solidFill>
+            <a:tailEnd type="triangle"/>
+          </a:ln>
+        </p:spPr>
+        <p:style>
+          <a:lnRef idx="1">
+            <a:schemeClr val="accent1"/>
+          </a:lnRef>
+          <a:fillRef idx="0">
+            <a:schemeClr val="accent1"/>
+          </a:fillRef>
+          <a:effectRef idx="0">
+            <a:schemeClr val="accent1"/>
+          </a:effectRef>
+          <a:fontRef idx="minor">
+            <a:schemeClr val="tx1"/>
+          </a:fontRef>
+        </p:style>
+      </p:cxnSp>
+      <p:sp>
+        <p:nvSpPr>
+          <p:cNvPr id="61" name="TextBox 60">
+            <a:extLst>
+              <a:ext uri="{FF2B5EF4-FFF2-40B4-BE49-F238E27FC236}">
+                <a16:creationId xmlns:a16="http://schemas.microsoft.com/office/drawing/2014/main" id="{48F02552-3ED6-9FF4-A172-935BBE423A19}"/>
+              </a:ext>
+            </a:extLst>
+          </p:cNvPr>
+          <p:cNvSpPr txBox="1"/>
+          <p:nvPr/>
+        </p:nvSpPr>
+        <p:spPr>
+          <a:xfrm>
+            <a:off x="5633505" y="3257621"/>
+            <a:ext cx="814160" cy="276999"/>
+          </a:xfrm>
+          <a:prstGeom prst="rect">
+            <a:avLst/>
+          </a:prstGeom>
+          <a:noFill/>
+        </p:spPr>
+        <p:txBody>
+          <a:bodyPr wrap="square" rtlCol="0">
+            <a:spAutoFit/>
+          </a:bodyPr>
+          <a:lstStyle/>
+          <a:p>
+            <a:pPr algn="ctr"/>
+            <a:r>
+              <a:rPr lang="en-US" sz="1200" noProof="1"/>
+              <a:t>hash</a:t>
+            </a:r>
+          </a:p>
+        </p:txBody>
+      </p:sp>
+      <p:grpSp>
+        <p:nvGrpSpPr>
+          <p:cNvPr id="62" name="Group 61">
+            <a:extLst>
+              <a:ext uri="{FF2B5EF4-FFF2-40B4-BE49-F238E27FC236}">
+                <a16:creationId xmlns:a16="http://schemas.microsoft.com/office/drawing/2014/main" id="{79B2035A-4A8B-315B-E391-073F7486C60C}"/>
+              </a:ext>
+            </a:extLst>
+          </p:cNvPr>
+          <p:cNvGrpSpPr/>
+          <p:nvPr/>
+        </p:nvGrpSpPr>
+        <p:grpSpPr>
+          <a:xfrm>
+            <a:off x="6602994" y="1769419"/>
+            <a:ext cx="919966" cy="725332"/>
+            <a:chOff x="5231246" y="1840214"/>
+            <a:chExt cx="919966" cy="725332"/>
+          </a:xfrm>
+        </p:grpSpPr>
+        <p:pic>
+          <p:nvPicPr>
+            <p:cNvPr id="63" name="Picture 2" descr="Data Protection On Demand - 30-Day Free Evaluation">
+              <a:extLst>
+                <a:ext uri="{FF2B5EF4-FFF2-40B4-BE49-F238E27FC236}">
+                  <a16:creationId xmlns:a16="http://schemas.microsoft.com/office/drawing/2014/main" id="{120B857A-954E-ACE4-C1A8-D52001A8369A}"/>
+                </a:ext>
+              </a:extLst>
+            </p:cNvPr>
+            <p:cNvPicPr>
+              <a:picLocks noChangeAspect="1" noChangeArrowheads="1"/>
+            </p:cNvPicPr>
+            <p:nvPr/>
+          </p:nvPicPr>
+          <p:blipFill>
+            <a:blip r:embed="rId6" cstate="print">
+              <a:extLst>
+                <a:ext uri="{28A0092B-C50C-407E-A947-70E740481C1C}">
+                  <a14:useLocalDpi xmlns:a14="http://schemas.microsoft.com/office/drawing/2010/main" val="0"/>
+                </a:ext>
+              </a:extLst>
+            </a:blip>
+            <a:srcRect/>
+            <a:stretch>
+              <a:fillRect/>
+            </a:stretch>
+          </p:blipFill>
+          <p:spPr bwMode="auto">
+            <a:xfrm>
+              <a:off x="5449020" y="1840214"/>
+              <a:ext cx="484420" cy="484418"/>
+            </a:xfrm>
+            <a:prstGeom prst="rect">
+              <a:avLst/>
+            </a:prstGeom>
+            <a:noFill/>
+            <a:extLst>
+              <a:ext uri="{909E8E84-426E-40DD-AFC4-6F175D3DCCD1}">
+                <a14:hiddenFill xmlns:a14="http://schemas.microsoft.com/office/drawing/2010/main">
+                  <a:solidFill>
+                    <a:srgbClr val="FFFFFF"/>
+                  </a:solidFill>
+                </a14:hiddenFill>
+              </a:ext>
+            </a:extLst>
+          </p:spPr>
+        </p:pic>
+        <p:sp>
+          <p:nvSpPr>
+            <p:cNvPr id="64" name="TextBox 63">
+              <a:extLst>
+                <a:ext uri="{FF2B5EF4-FFF2-40B4-BE49-F238E27FC236}">
+                  <a16:creationId xmlns:a16="http://schemas.microsoft.com/office/drawing/2014/main" id="{E6960DD1-9511-19C7-4D64-D3B1E26FF347}"/>
+                </a:ext>
+              </a:extLst>
+            </p:cNvPr>
+            <p:cNvSpPr txBox="1"/>
+            <p:nvPr/>
+          </p:nvSpPr>
+          <p:spPr>
+            <a:xfrm>
+              <a:off x="5231246" y="2288547"/>
+              <a:ext cx="919966" cy="276999"/>
+            </a:xfrm>
+            <a:prstGeom prst="rect">
+              <a:avLst/>
+            </a:prstGeom>
+            <a:noFill/>
+          </p:spPr>
+          <p:txBody>
+            <a:bodyPr wrap="square" rtlCol="0">
+              <a:spAutoFit/>
+            </a:bodyPr>
+            <a:lstStyle/>
+            <a:p>
+              <a:pPr algn="ctr"/>
+              <a:r>
+                <a:rPr lang="en-US" sz="1200" noProof="1"/>
+                <a:t>DPoD</a:t>
+              </a:r>
+            </a:p>
+          </p:txBody>
+        </p:sp>
+      </p:grpSp>
+      <p:grpSp>
+        <p:nvGrpSpPr>
+          <p:cNvPr id="65" name="Group 64">
+            <a:extLst>
+              <a:ext uri="{FF2B5EF4-FFF2-40B4-BE49-F238E27FC236}">
+                <a16:creationId xmlns:a16="http://schemas.microsoft.com/office/drawing/2014/main" id="{3B994F1B-D3C8-87C3-E8DC-88C687A08B5D}"/>
+              </a:ext>
+            </a:extLst>
+          </p:cNvPr>
+          <p:cNvGrpSpPr/>
+          <p:nvPr/>
+        </p:nvGrpSpPr>
+        <p:grpSpPr>
+          <a:xfrm>
+            <a:off x="6602994" y="3248594"/>
+            <a:ext cx="919966" cy="725332"/>
+            <a:chOff x="5231246" y="1840214"/>
+            <a:chExt cx="919966" cy="725332"/>
+          </a:xfrm>
+        </p:grpSpPr>
+        <p:pic>
+          <p:nvPicPr>
+            <p:cNvPr id="66" name="Picture 2" descr="Data Protection On Demand - 30-Day Free Evaluation">
+              <a:extLst>
+                <a:ext uri="{FF2B5EF4-FFF2-40B4-BE49-F238E27FC236}">
+                  <a16:creationId xmlns:a16="http://schemas.microsoft.com/office/drawing/2014/main" id="{462C82E6-60E2-1F8A-D3E6-D5049CCFD37F}"/>
+                </a:ext>
+              </a:extLst>
+            </p:cNvPr>
+            <p:cNvPicPr>
+              <a:picLocks noChangeAspect="1" noChangeArrowheads="1"/>
+            </p:cNvPicPr>
+            <p:nvPr/>
+          </p:nvPicPr>
+          <p:blipFill>
+            <a:blip r:embed="rId6" cstate="print">
+              <a:extLst>
+                <a:ext uri="{28A0092B-C50C-407E-A947-70E740481C1C}">
+                  <a14:useLocalDpi xmlns:a14="http://schemas.microsoft.com/office/drawing/2010/main" val="0"/>
+                </a:ext>
+              </a:extLst>
+            </a:blip>
+            <a:srcRect/>
+            <a:stretch>
+              <a:fillRect/>
+            </a:stretch>
+          </p:blipFill>
+          <p:spPr bwMode="auto">
+            <a:xfrm>
+              <a:off x="5449020" y="1840214"/>
+              <a:ext cx="484420" cy="484418"/>
+            </a:xfrm>
+            <a:prstGeom prst="rect">
+              <a:avLst/>
+            </a:prstGeom>
+            <a:noFill/>
+            <a:extLst>
+              <a:ext uri="{909E8E84-426E-40DD-AFC4-6F175D3DCCD1}">
+                <a14:hiddenFill xmlns:a14="http://schemas.microsoft.com/office/drawing/2010/main">
+                  <a:solidFill>
+                    <a:srgbClr val="FFFFFF"/>
+                  </a:solidFill>
+                </a14:hiddenFill>
+              </a:ext>
+            </a:extLst>
+          </p:spPr>
+        </p:pic>
+        <p:sp>
+          <p:nvSpPr>
+            <p:cNvPr id="67" name="TextBox 66">
+              <a:extLst>
+                <a:ext uri="{FF2B5EF4-FFF2-40B4-BE49-F238E27FC236}">
+                  <a16:creationId xmlns:a16="http://schemas.microsoft.com/office/drawing/2014/main" id="{E537597E-A5BF-1461-C3F0-7E0597CD21B2}"/>
+                </a:ext>
+              </a:extLst>
+            </p:cNvPr>
+            <p:cNvSpPr txBox="1"/>
+            <p:nvPr/>
+          </p:nvSpPr>
+          <p:spPr>
+            <a:xfrm>
+              <a:off x="5231246" y="2288547"/>
+              <a:ext cx="919966" cy="276999"/>
+            </a:xfrm>
+            <a:prstGeom prst="rect">
+              <a:avLst/>
+            </a:prstGeom>
+            <a:noFill/>
+          </p:spPr>
+          <p:txBody>
+            <a:bodyPr wrap="square" rtlCol="0">
+              <a:spAutoFit/>
+            </a:bodyPr>
+            <a:lstStyle/>
+            <a:p>
+              <a:pPr algn="ctr"/>
+              <a:r>
+                <a:rPr lang="en-US" sz="1200" noProof="1"/>
+                <a:t>DPoD</a:t>
+              </a:r>
+            </a:p>
+          </p:txBody>
+        </p:sp>
+      </p:grpSp>
+      <p:sp>
+        <p:nvSpPr>
+          <p:cNvPr id="86" name="TextBox 85">
+            <a:extLst>
+              <a:ext uri="{FF2B5EF4-FFF2-40B4-BE49-F238E27FC236}">
+                <a16:creationId xmlns:a16="http://schemas.microsoft.com/office/drawing/2014/main" id="{3AEF89F6-9033-B0AF-1B2E-98084824CACF}"/>
+              </a:ext>
+            </a:extLst>
+          </p:cNvPr>
+          <p:cNvSpPr txBox="1"/>
+          <p:nvPr/>
+        </p:nvSpPr>
+        <p:spPr>
+          <a:xfrm>
+            <a:off x="6563363" y="4323303"/>
+            <a:ext cx="1006532" cy="1205963"/>
+          </a:xfrm>
+          <a:prstGeom prst="rect">
+            <a:avLst/>
+          </a:prstGeom>
+          <a:solidFill>
+            <a:srgbClr val="E4E4FC"/>
+          </a:solidFill>
+          <a:ln>
+            <a:solidFill>
+              <a:schemeClr val="tx1"/>
+            </a:solidFill>
+          </a:ln>
+        </p:spPr>
+        <p:txBody>
+          <a:bodyPr wrap="square" rtlCol="0">
+            <a:noAutofit/>
+          </a:bodyPr>
+          <a:lstStyle/>
+          <a:p>
+            <a:r>
+              <a:rPr lang="en-US" sz="1400" dirty="0"/>
+              <a:t>Thales</a:t>
+            </a:r>
+          </a:p>
+        </p:txBody>
+      </p:sp>
+      <p:sp>
+        <p:nvSpPr>
+          <p:cNvPr id="87" name="TextBox 86">
+            <a:extLst>
+              <a:ext uri="{FF2B5EF4-FFF2-40B4-BE49-F238E27FC236}">
+                <a16:creationId xmlns:a16="http://schemas.microsoft.com/office/drawing/2014/main" id="{9FA16ED6-4DCC-8736-F8FB-495EBE110BC1}"/>
+              </a:ext>
+            </a:extLst>
+          </p:cNvPr>
+          <p:cNvSpPr txBox="1"/>
+          <p:nvPr/>
+        </p:nvSpPr>
+        <p:spPr>
+          <a:xfrm>
+            <a:off x="2875520" y="4323303"/>
+            <a:ext cx="2757986" cy="1205963"/>
+          </a:xfrm>
+          <a:prstGeom prst="rect">
+            <a:avLst/>
+          </a:prstGeom>
+          <a:solidFill>
+            <a:schemeClr val="bg1">
+              <a:lumMod val="95000"/>
+            </a:schemeClr>
+          </a:solidFill>
+          <a:ln>
+            <a:solidFill>
+              <a:schemeClr val="tx1"/>
+            </a:solidFill>
+          </a:ln>
+        </p:spPr>
+        <p:txBody>
+          <a:bodyPr wrap="square" rtlCol="0">
+            <a:noAutofit/>
+          </a:bodyPr>
+          <a:lstStyle/>
+          <a:p>
+            <a:r>
+              <a:rPr lang="en-US" sz="1400" dirty="0"/>
+              <a:t>On-Premises</a:t>
+            </a:r>
+          </a:p>
+        </p:txBody>
+      </p:sp>
+      <p:grpSp>
+        <p:nvGrpSpPr>
+          <p:cNvPr id="88" name="Group 87">
+            <a:extLst>
+              <a:ext uri="{FF2B5EF4-FFF2-40B4-BE49-F238E27FC236}">
+                <a16:creationId xmlns:a16="http://schemas.microsoft.com/office/drawing/2014/main" id="{F8603EBD-FDD2-BD7B-7923-9903176BAB1C}"/>
+              </a:ext>
+            </a:extLst>
+          </p:cNvPr>
+          <p:cNvGrpSpPr/>
+          <p:nvPr/>
+        </p:nvGrpSpPr>
+        <p:grpSpPr>
+          <a:xfrm>
+            <a:off x="3086385" y="4721215"/>
+            <a:ext cx="322294" cy="725641"/>
+            <a:chOff x="3503847" y="1851295"/>
+            <a:chExt cx="322294" cy="725641"/>
+          </a:xfrm>
+        </p:grpSpPr>
+        <p:sp>
+          <p:nvSpPr>
+            <p:cNvPr id="89" name="TextBox 88">
+              <a:extLst>
+                <a:ext uri="{FF2B5EF4-FFF2-40B4-BE49-F238E27FC236}">
+                  <a16:creationId xmlns:a16="http://schemas.microsoft.com/office/drawing/2014/main" id="{844D70A8-88C7-E403-AE7A-687FEB03FE95}"/>
+                </a:ext>
+              </a:extLst>
+            </p:cNvPr>
+            <p:cNvSpPr txBox="1"/>
+            <p:nvPr/>
+          </p:nvSpPr>
+          <p:spPr>
+            <a:xfrm>
+              <a:off x="3512548" y="2299937"/>
+              <a:ext cx="304892" cy="276999"/>
+            </a:xfrm>
+            <a:prstGeom prst="rect">
+              <a:avLst/>
+            </a:prstGeom>
+            <a:noFill/>
+          </p:spPr>
+          <p:txBody>
+            <a:bodyPr wrap="none" rtlCol="0">
+              <a:spAutoFit/>
+            </a:bodyPr>
+            <a:lstStyle/>
+            <a:p>
+              <a:pPr algn="ctr"/>
+              <a:r>
+                <a:rPr lang="en-US" sz="1200" dirty="0"/>
+                <a:t>CI</a:t>
+              </a:r>
+            </a:p>
+          </p:txBody>
+        </p:sp>
+        <p:pic>
+          <p:nvPicPr>
+            <p:cNvPr id="90" name="Picture 4">
+              <a:extLst>
+                <a:ext uri="{FF2B5EF4-FFF2-40B4-BE49-F238E27FC236}">
+                  <a16:creationId xmlns:a16="http://schemas.microsoft.com/office/drawing/2014/main" id="{2C6ED4A2-27DB-E242-6146-9E535A1B8812}"/>
+                </a:ext>
+              </a:extLst>
+            </p:cNvPr>
+            <p:cNvPicPr>
+              <a:picLocks noChangeAspect="1" noChangeArrowheads="1"/>
+            </p:cNvPicPr>
+            <p:nvPr/>
+          </p:nvPicPr>
+          <p:blipFill>
+            <a:blip r:embed="rId3" cstate="print">
+              <a:extLst>
+                <a:ext uri="{28A0092B-C50C-407E-A947-70E740481C1C}">
+                  <a14:useLocalDpi xmlns:a14="http://schemas.microsoft.com/office/drawing/2010/main" val="0"/>
+                </a:ext>
+              </a:extLst>
+            </a:blip>
+            <a:srcRect/>
+            <a:stretch>
+              <a:fillRect/>
+            </a:stretch>
+          </p:blipFill>
+          <p:spPr bwMode="auto">
+            <a:xfrm>
+              <a:off x="3503847" y="1851295"/>
+              <a:ext cx="322294" cy="444970"/>
+            </a:xfrm>
+            <a:prstGeom prst="rect">
+              <a:avLst/>
+            </a:prstGeom>
+            <a:noFill/>
+            <a:extLst>
+              <a:ext uri="{909E8E84-426E-40DD-AFC4-6F175D3DCCD1}">
+                <a14:hiddenFill xmlns:a14="http://schemas.microsoft.com/office/drawing/2010/main">
+                  <a:solidFill>
+                    <a:srgbClr val="FFFFFF"/>
+                  </a:solidFill>
+                </a14:hiddenFill>
+              </a:ext>
+            </a:extLst>
+          </p:spPr>
+        </p:pic>
+      </p:grpSp>
+      <p:grpSp>
+        <p:nvGrpSpPr>
+          <p:cNvPr id="91" name="Group 90">
+            <a:extLst>
+              <a:ext uri="{FF2B5EF4-FFF2-40B4-BE49-F238E27FC236}">
+                <a16:creationId xmlns:a16="http://schemas.microsoft.com/office/drawing/2014/main" id="{E1618206-764F-14F3-6987-0B56C8C7CBBD}"/>
+              </a:ext>
+            </a:extLst>
+          </p:cNvPr>
+          <p:cNvGrpSpPr/>
+          <p:nvPr/>
+        </p:nvGrpSpPr>
+        <p:grpSpPr>
+          <a:xfrm>
+            <a:off x="4724233" y="4745403"/>
+            <a:ext cx="814160" cy="701454"/>
+            <a:chOff x="1715669" y="1864093"/>
+            <a:chExt cx="814160" cy="701454"/>
+          </a:xfrm>
+        </p:grpSpPr>
+        <p:sp>
+          <p:nvSpPr>
+            <p:cNvPr id="92" name="TextBox 91">
+              <a:extLst>
+                <a:ext uri="{FF2B5EF4-FFF2-40B4-BE49-F238E27FC236}">
+                  <a16:creationId xmlns:a16="http://schemas.microsoft.com/office/drawing/2014/main" id="{4C957D4D-8EE0-D225-7A9F-8F7A14E95D0D}"/>
+                </a:ext>
+              </a:extLst>
+            </p:cNvPr>
+            <p:cNvSpPr txBox="1"/>
+            <p:nvPr/>
+          </p:nvSpPr>
+          <p:spPr>
+            <a:xfrm>
+              <a:off x="1715669" y="2288548"/>
+              <a:ext cx="814160" cy="276999"/>
+            </a:xfrm>
+            <a:prstGeom prst="rect">
+              <a:avLst/>
+            </a:prstGeom>
+            <a:noFill/>
+          </p:spPr>
+          <p:txBody>
+            <a:bodyPr wrap="square" rtlCol="0">
+              <a:spAutoFit/>
+            </a:bodyPr>
+            <a:lstStyle/>
+            <a:p>
+              <a:pPr algn="ctr"/>
+              <a:r>
+                <a:rPr lang="en-US" sz="1200" noProof="1"/>
+                <a:t>SignPath</a:t>
+              </a:r>
+            </a:p>
+          </p:txBody>
+        </p:sp>
+        <p:grpSp>
+          <p:nvGrpSpPr>
+            <p:cNvPr id="93" name="Group 92">
+              <a:extLst>
+                <a:ext uri="{FF2B5EF4-FFF2-40B4-BE49-F238E27FC236}">
+                  <a16:creationId xmlns:a16="http://schemas.microsoft.com/office/drawing/2014/main" id="{7EBD6B1B-B96B-DDD8-3A09-34D4445FCC16}"/>
+                </a:ext>
+              </a:extLst>
+            </p:cNvPr>
+            <p:cNvGrpSpPr/>
+            <p:nvPr/>
+          </p:nvGrpSpPr>
+          <p:grpSpPr>
+            <a:xfrm>
+              <a:off x="1900729" y="1864093"/>
+              <a:ext cx="444039" cy="386433"/>
+              <a:chOff x="1900729" y="1864093"/>
+              <a:chExt cx="444039" cy="386433"/>
+            </a:xfrm>
+          </p:grpSpPr>
+          <p:sp>
+            <p:nvSpPr>
+              <p:cNvPr id="94" name="Rectangle 93">
+                <a:extLst>
+                  <a:ext uri="{FF2B5EF4-FFF2-40B4-BE49-F238E27FC236}">
+                    <a16:creationId xmlns:a16="http://schemas.microsoft.com/office/drawing/2014/main" id="{996681E5-C77B-131E-B915-115D930BD6A4}"/>
+                  </a:ext>
+                </a:extLst>
+              </p:cNvPr>
+              <p:cNvSpPr/>
+              <p:nvPr/>
+            </p:nvSpPr>
+            <p:spPr>
+              <a:xfrm>
+                <a:off x="2011029" y="1889759"/>
+                <a:ext cx="229251" cy="299085"/>
+              </a:xfrm>
+              <a:prstGeom prst="rect">
+                <a:avLst/>
+              </a:prstGeom>
+              <a:solidFill>
+                <a:schemeClr val="bg1"/>
+              </a:solidFill>
+              <a:ln>
+                <a:noFill/>
+              </a:ln>
+            </p:spPr>
+            <p:style>
+              <a:lnRef idx="2">
+                <a:schemeClr val="accent1">
+                  <a:shade val="50000"/>
+                </a:schemeClr>
+              </a:lnRef>
+              <a:fillRef idx="1">
+                <a:schemeClr val="accent1"/>
+              </a:fillRef>
+              <a:effectRef idx="0">
+                <a:schemeClr val="accent1"/>
+              </a:effectRef>
+              <a:fontRef idx="minor">
+                <a:schemeClr val="lt1"/>
+              </a:fontRef>
+            </p:style>
+            <p:txBody>
+              <a:bodyPr rtlCol="0" anchor="ctr"/>
+              <a:lstStyle/>
+              <a:p>
+                <a:pPr algn="ctr"/>
+                <a:endParaRPr lang="en-US"/>
+              </a:p>
+            </p:txBody>
+          </p:sp>
+          <p:pic>
+            <p:nvPicPr>
+              <p:cNvPr id="95" name="Graphic 94">
+                <a:extLst>
+                  <a:ext uri="{FF2B5EF4-FFF2-40B4-BE49-F238E27FC236}">
+                    <a16:creationId xmlns:a16="http://schemas.microsoft.com/office/drawing/2014/main" id="{A0C4FF98-5EBE-BD35-FCAD-A40ED2602C1E}"/>
+                  </a:ext>
+                </a:extLst>
+              </p:cNvPr>
+              <p:cNvPicPr>
+                <a:picLocks noChangeAspect="1"/>
+              </p:cNvPicPr>
+              <p:nvPr/>
+            </p:nvPicPr>
+            <p:blipFill rotWithShape="1">
+              <a:blip r:embed="rId4" cstate="print">
+                <a:extLst>
+                  <a:ext uri="{28A0092B-C50C-407E-A947-70E740481C1C}">
+                    <a14:useLocalDpi xmlns:a14="http://schemas.microsoft.com/office/drawing/2010/main" val="0"/>
+                  </a:ext>
+                  <a:ext uri="{96DAC541-7B7A-43D3-8B79-37D633B846F1}">
+                    <asvg:svgBlip xmlns:asvg="http://schemas.microsoft.com/office/drawing/2016/SVG/main" r:embed="rId5"/>
+                  </a:ext>
+                </a:extLst>
+              </a:blip>
+              <a:srcRect r="76833"/>
+              <a:stretch/>
+            </p:blipFill>
+            <p:spPr>
+              <a:xfrm>
+                <a:off x="1900729" y="1864093"/>
+                <a:ext cx="444039" cy="386433"/>
+              </a:xfrm>
+              <a:prstGeom prst="rect">
+                <a:avLst/>
+              </a:prstGeom>
+            </p:spPr>
+          </p:pic>
+        </p:grpSp>
+      </p:grpSp>
+      <p:sp>
+        <p:nvSpPr>
+          <p:cNvPr id="96" name="TextBox 95">
+            <a:extLst>
+              <a:ext uri="{FF2B5EF4-FFF2-40B4-BE49-F238E27FC236}">
+                <a16:creationId xmlns:a16="http://schemas.microsoft.com/office/drawing/2014/main" id="{5B688B52-10F5-3E48-4B6B-DF75176F8472}"/>
+              </a:ext>
+            </a:extLst>
+          </p:cNvPr>
+          <p:cNvSpPr txBox="1"/>
+          <p:nvPr/>
+        </p:nvSpPr>
+        <p:spPr>
+          <a:xfrm>
+            <a:off x="812595" y="4807906"/>
+            <a:ext cx="1845151" cy="338554"/>
+          </a:xfrm>
+          <a:prstGeom prst="rect">
+            <a:avLst/>
+          </a:prstGeom>
+          <a:noFill/>
+        </p:spPr>
+        <p:txBody>
+          <a:bodyPr wrap="square" rtlCol="0">
+            <a:spAutoFit/>
+          </a:bodyPr>
+          <a:lstStyle/>
+          <a:p>
+            <a:r>
+              <a:rPr lang="en-US" sz="1600" dirty="0"/>
+              <a:t>Hybrid On-Premises</a:t>
+            </a:r>
+          </a:p>
+        </p:txBody>
+      </p:sp>
+      <p:cxnSp>
+        <p:nvCxnSpPr>
+          <p:cNvPr id="97" name="Straight Arrow Connector 96">
+            <a:extLst>
+              <a:ext uri="{FF2B5EF4-FFF2-40B4-BE49-F238E27FC236}">
+                <a16:creationId xmlns:a16="http://schemas.microsoft.com/office/drawing/2014/main" id="{CD63B0B6-4956-A391-2039-8D3B91558F17}"/>
+              </a:ext>
+            </a:extLst>
+          </p:cNvPr>
+          <p:cNvCxnSpPr>
+            <a:cxnSpLocks/>
+          </p:cNvCxnSpPr>
+          <p:nvPr/>
+        </p:nvCxnSpPr>
+        <p:spPr>
+          <a:xfrm>
+            <a:off x="3659960" y="4938619"/>
+            <a:ext cx="651972" cy="0"/>
+          </a:xfrm>
+          <a:prstGeom prst="straightConnector1">
+            <a:avLst/>
+          </a:prstGeom>
+          <a:ln>
+            <a:solidFill>
+              <a:schemeClr val="tx1"/>
+            </a:solidFill>
+            <a:tailEnd type="triangle"/>
+          </a:ln>
+        </p:spPr>
+        <p:style>
+          <a:lnRef idx="1">
+            <a:schemeClr val="accent1"/>
+          </a:lnRef>
+          <a:fillRef idx="0">
+            <a:schemeClr val="accent1"/>
+          </a:fillRef>
+          <a:effectRef idx="0">
+            <a:schemeClr val="accent1"/>
+          </a:effectRef>
+          <a:fontRef idx="minor">
+            <a:schemeClr val="tx1"/>
+          </a:fontRef>
+        </p:style>
+      </p:cxnSp>
+      <p:sp>
+        <p:nvSpPr>
+          <p:cNvPr id="98" name="TextBox 97">
+            <a:extLst>
+              <a:ext uri="{FF2B5EF4-FFF2-40B4-BE49-F238E27FC236}">
+                <a16:creationId xmlns:a16="http://schemas.microsoft.com/office/drawing/2014/main" id="{4F664626-4DAC-FE01-6801-6434D5DD6B86}"/>
+              </a:ext>
+            </a:extLst>
+          </p:cNvPr>
+          <p:cNvSpPr txBox="1"/>
+          <p:nvPr/>
+        </p:nvSpPr>
+        <p:spPr>
+          <a:xfrm>
+            <a:off x="3544261" y="4709997"/>
+            <a:ext cx="814160" cy="461665"/>
+          </a:xfrm>
+          <a:prstGeom prst="rect">
+            <a:avLst/>
+          </a:prstGeom>
+          <a:noFill/>
+        </p:spPr>
+        <p:txBody>
+          <a:bodyPr wrap="square" rtlCol="0">
+            <a:spAutoFit/>
+          </a:bodyPr>
+          <a:lstStyle/>
+          <a:p>
+            <a:pPr algn="ctr"/>
+            <a:r>
+              <a:rPr lang="en-US" sz="1200" noProof="1"/>
+              <a:t>file or hash</a:t>
+            </a:r>
+          </a:p>
+        </p:txBody>
+      </p:sp>
+      <p:cxnSp>
+        <p:nvCxnSpPr>
+          <p:cNvPr id="99" name="Straight Arrow Connector 98">
+            <a:extLst>
+              <a:ext uri="{FF2B5EF4-FFF2-40B4-BE49-F238E27FC236}">
+                <a16:creationId xmlns:a16="http://schemas.microsoft.com/office/drawing/2014/main" id="{FF22A334-C30B-7F6C-9CB4-BA2B244058B3}"/>
+              </a:ext>
+            </a:extLst>
+          </p:cNvPr>
+          <p:cNvCxnSpPr>
+            <a:cxnSpLocks/>
+          </p:cNvCxnSpPr>
+          <p:nvPr/>
+        </p:nvCxnSpPr>
+        <p:spPr>
+          <a:xfrm>
+            <a:off x="5749204" y="4964746"/>
+            <a:ext cx="651972" cy="0"/>
+          </a:xfrm>
+          <a:prstGeom prst="straightConnector1">
+            <a:avLst/>
+          </a:prstGeom>
+          <a:ln>
+            <a:solidFill>
+              <a:schemeClr val="tx1"/>
+            </a:solidFill>
+            <a:tailEnd type="triangle"/>
+          </a:ln>
+        </p:spPr>
+        <p:style>
+          <a:lnRef idx="1">
+            <a:schemeClr val="accent1"/>
+          </a:lnRef>
+          <a:fillRef idx="0">
+            <a:schemeClr val="accent1"/>
+          </a:fillRef>
+          <a:effectRef idx="0">
+            <a:schemeClr val="accent1"/>
+          </a:effectRef>
+          <a:fontRef idx="minor">
+            <a:schemeClr val="tx1"/>
+          </a:fontRef>
+        </p:style>
+      </p:cxnSp>
+      <p:sp>
+        <p:nvSpPr>
+          <p:cNvPr id="100" name="TextBox 99">
+            <a:extLst>
+              <a:ext uri="{FF2B5EF4-FFF2-40B4-BE49-F238E27FC236}">
+                <a16:creationId xmlns:a16="http://schemas.microsoft.com/office/drawing/2014/main" id="{76DD3EFC-CBCD-F816-D7F0-8935DBBC8F67}"/>
+              </a:ext>
+            </a:extLst>
+          </p:cNvPr>
+          <p:cNvSpPr txBox="1"/>
+          <p:nvPr/>
+        </p:nvSpPr>
+        <p:spPr>
+          <a:xfrm>
+            <a:off x="5633505" y="4736124"/>
+            <a:ext cx="814160" cy="276999"/>
+          </a:xfrm>
+          <a:prstGeom prst="rect">
+            <a:avLst/>
+          </a:prstGeom>
+          <a:noFill/>
+        </p:spPr>
+        <p:txBody>
+          <a:bodyPr wrap="square" rtlCol="0">
+            <a:spAutoFit/>
+          </a:bodyPr>
+          <a:lstStyle/>
+          <a:p>
+            <a:pPr algn="ctr"/>
+            <a:r>
+              <a:rPr lang="en-US" sz="1200" noProof="1"/>
+              <a:t>hash</a:t>
+            </a:r>
+          </a:p>
+        </p:txBody>
+      </p:sp>
+      <p:grpSp>
+        <p:nvGrpSpPr>
+          <p:cNvPr id="101" name="Group 100">
+            <a:extLst>
+              <a:ext uri="{FF2B5EF4-FFF2-40B4-BE49-F238E27FC236}">
+                <a16:creationId xmlns:a16="http://schemas.microsoft.com/office/drawing/2014/main" id="{9FBD330F-B7E2-D769-4BEF-279FF97DDA9F}"/>
+              </a:ext>
+            </a:extLst>
+          </p:cNvPr>
+          <p:cNvGrpSpPr/>
+          <p:nvPr/>
+        </p:nvGrpSpPr>
+        <p:grpSpPr>
+          <a:xfrm>
+            <a:off x="6602994" y="4727097"/>
+            <a:ext cx="919966" cy="725332"/>
+            <a:chOff x="5231246" y="1840214"/>
+            <a:chExt cx="919966" cy="725332"/>
+          </a:xfrm>
+        </p:grpSpPr>
+        <p:pic>
+          <p:nvPicPr>
+            <p:cNvPr id="102" name="Picture 2" descr="Data Protection On Demand - 30-Day Free Evaluation">
+              <a:extLst>
+                <a:ext uri="{FF2B5EF4-FFF2-40B4-BE49-F238E27FC236}">
+                  <a16:creationId xmlns:a16="http://schemas.microsoft.com/office/drawing/2014/main" id="{BCDC2F14-4623-4D47-7336-CD072012785F}"/>
+                </a:ext>
+              </a:extLst>
+            </p:cNvPr>
+            <p:cNvPicPr>
+              <a:picLocks noChangeAspect="1" noChangeArrowheads="1"/>
+            </p:cNvPicPr>
+            <p:nvPr/>
+          </p:nvPicPr>
+          <p:blipFill>
+            <a:blip r:embed="rId6" cstate="print">
+              <a:extLst>
+                <a:ext uri="{28A0092B-C50C-407E-A947-70E740481C1C}">
+                  <a14:useLocalDpi xmlns:a14="http://schemas.microsoft.com/office/drawing/2010/main" val="0"/>
+                </a:ext>
+              </a:extLst>
+            </a:blip>
+            <a:srcRect/>
+            <a:stretch>
+              <a:fillRect/>
+            </a:stretch>
+          </p:blipFill>
+          <p:spPr bwMode="auto">
+            <a:xfrm>
+              <a:off x="5449020" y="1840214"/>
+              <a:ext cx="484420" cy="484418"/>
+            </a:xfrm>
+            <a:prstGeom prst="rect">
+              <a:avLst/>
+            </a:prstGeom>
+            <a:noFill/>
+            <a:extLst>
+              <a:ext uri="{909E8E84-426E-40DD-AFC4-6F175D3DCCD1}">
+                <a14:hiddenFill xmlns:a14="http://schemas.microsoft.com/office/drawing/2010/main">
+                  <a:solidFill>
+                    <a:srgbClr val="FFFFFF"/>
+                  </a:solidFill>
+                </a14:hiddenFill>
+              </a:ext>
+            </a:extLst>
+          </p:spPr>
+        </p:pic>
+        <p:sp>
+          <p:nvSpPr>
+            <p:cNvPr id="103" name="TextBox 102">
+              <a:extLst>
+                <a:ext uri="{FF2B5EF4-FFF2-40B4-BE49-F238E27FC236}">
+                  <a16:creationId xmlns:a16="http://schemas.microsoft.com/office/drawing/2014/main" id="{77741602-3DBF-7E2A-1E3C-A43DA379F93D}"/>
+                </a:ext>
+              </a:extLst>
+            </p:cNvPr>
+            <p:cNvSpPr txBox="1"/>
+            <p:nvPr/>
+          </p:nvSpPr>
+          <p:spPr>
+            <a:xfrm>
+              <a:off x="5231246" y="2288547"/>
+              <a:ext cx="919966" cy="276999"/>
+            </a:xfrm>
+            <a:prstGeom prst="rect">
+              <a:avLst/>
+            </a:prstGeom>
+            <a:noFill/>
+          </p:spPr>
+          <p:txBody>
+            <a:bodyPr wrap="square" rtlCol="0">
+              <a:spAutoFit/>
+            </a:bodyPr>
+            <a:lstStyle/>
+            <a:p>
+              <a:pPr algn="ctr"/>
+              <a:r>
+                <a:rPr lang="en-US" sz="1200" noProof="1"/>
+                <a:t>DPoD</a:t>
+              </a:r>
+            </a:p>
+          </p:txBody>
+        </p:sp>
+      </p:grpSp>
+      <p:sp>
+        <p:nvSpPr>
+          <p:cNvPr id="105" name="TextBox 104">
+            <a:extLst>
+              <a:ext uri="{FF2B5EF4-FFF2-40B4-BE49-F238E27FC236}">
+                <a16:creationId xmlns:a16="http://schemas.microsoft.com/office/drawing/2014/main" id="{FC4C8CFE-1374-9DB4-2F2C-07662CA60CA0}"/>
+              </a:ext>
+            </a:extLst>
+          </p:cNvPr>
+          <p:cNvSpPr txBox="1"/>
+          <p:nvPr/>
+        </p:nvSpPr>
+        <p:spPr>
+          <a:xfrm>
+            <a:off x="2875520" y="5801360"/>
+            <a:ext cx="4689506" cy="1205963"/>
+          </a:xfrm>
+          <a:prstGeom prst="rect">
+            <a:avLst/>
+          </a:prstGeom>
+          <a:solidFill>
+            <a:schemeClr val="bg1">
+              <a:lumMod val="95000"/>
+            </a:schemeClr>
+          </a:solidFill>
+          <a:ln>
+            <a:solidFill>
+              <a:schemeClr val="tx1"/>
+            </a:solidFill>
+          </a:ln>
+        </p:spPr>
+        <p:txBody>
+          <a:bodyPr wrap="square" rtlCol="0">
+            <a:noAutofit/>
+          </a:bodyPr>
+          <a:lstStyle/>
+          <a:p>
+            <a:r>
+              <a:rPr lang="en-US" sz="1400" dirty="0"/>
+              <a:t>On-Premises</a:t>
+            </a:r>
+          </a:p>
+        </p:txBody>
+      </p:sp>
+      <p:grpSp>
+        <p:nvGrpSpPr>
+          <p:cNvPr id="106" name="Group 105">
+            <a:extLst>
+              <a:ext uri="{FF2B5EF4-FFF2-40B4-BE49-F238E27FC236}">
+                <a16:creationId xmlns:a16="http://schemas.microsoft.com/office/drawing/2014/main" id="{D3FFC01A-8BF0-0A6E-EDBF-65944F5A4333}"/>
+              </a:ext>
+            </a:extLst>
+          </p:cNvPr>
+          <p:cNvGrpSpPr/>
+          <p:nvPr/>
+        </p:nvGrpSpPr>
+        <p:grpSpPr>
+          <a:xfrm>
+            <a:off x="3086385" y="6199272"/>
+            <a:ext cx="322294" cy="725641"/>
+            <a:chOff x="3503847" y="1851295"/>
+            <a:chExt cx="322294" cy="725641"/>
+          </a:xfrm>
+        </p:grpSpPr>
+        <p:sp>
+          <p:nvSpPr>
+            <p:cNvPr id="107" name="TextBox 106">
+              <a:extLst>
+                <a:ext uri="{FF2B5EF4-FFF2-40B4-BE49-F238E27FC236}">
+                  <a16:creationId xmlns:a16="http://schemas.microsoft.com/office/drawing/2014/main" id="{A1A16112-8E5D-5BBB-453C-5AB6358F4351}"/>
+                </a:ext>
+              </a:extLst>
+            </p:cNvPr>
+            <p:cNvSpPr txBox="1"/>
+            <p:nvPr/>
+          </p:nvSpPr>
+          <p:spPr>
+            <a:xfrm>
+              <a:off x="3512548" y="2299937"/>
+              <a:ext cx="304892" cy="276999"/>
+            </a:xfrm>
+            <a:prstGeom prst="rect">
+              <a:avLst/>
+            </a:prstGeom>
+            <a:noFill/>
+          </p:spPr>
+          <p:txBody>
+            <a:bodyPr wrap="none" rtlCol="0">
+              <a:spAutoFit/>
+            </a:bodyPr>
+            <a:lstStyle/>
+            <a:p>
+              <a:pPr algn="ctr"/>
+              <a:r>
+                <a:rPr lang="en-US" sz="1200" dirty="0"/>
+                <a:t>CI</a:t>
+              </a:r>
+            </a:p>
+          </p:txBody>
+        </p:sp>
+        <p:pic>
+          <p:nvPicPr>
+            <p:cNvPr id="108" name="Picture 4">
+              <a:extLst>
+                <a:ext uri="{FF2B5EF4-FFF2-40B4-BE49-F238E27FC236}">
+                  <a16:creationId xmlns:a16="http://schemas.microsoft.com/office/drawing/2014/main" id="{638659C3-B9CB-E3A5-7293-5E0A23D7001F}"/>
+                </a:ext>
+              </a:extLst>
+            </p:cNvPr>
+            <p:cNvPicPr>
+              <a:picLocks noChangeAspect="1" noChangeArrowheads="1"/>
+            </p:cNvPicPr>
+            <p:nvPr/>
+          </p:nvPicPr>
+          <p:blipFill>
+            <a:blip r:embed="rId3" cstate="print">
+              <a:extLst>
+                <a:ext uri="{28A0092B-C50C-407E-A947-70E740481C1C}">
+                  <a14:useLocalDpi xmlns:a14="http://schemas.microsoft.com/office/drawing/2010/main" val="0"/>
+                </a:ext>
+              </a:extLst>
+            </a:blip>
+            <a:srcRect/>
+            <a:stretch>
+              <a:fillRect/>
+            </a:stretch>
+          </p:blipFill>
+          <p:spPr bwMode="auto">
+            <a:xfrm>
+              <a:off x="3503847" y="1851295"/>
+              <a:ext cx="322294" cy="444970"/>
+            </a:xfrm>
+            <a:prstGeom prst="rect">
+              <a:avLst/>
+            </a:prstGeom>
+            <a:noFill/>
+            <a:extLst>
+              <a:ext uri="{909E8E84-426E-40DD-AFC4-6F175D3DCCD1}">
+                <a14:hiddenFill xmlns:a14="http://schemas.microsoft.com/office/drawing/2010/main">
+                  <a:solidFill>
+                    <a:srgbClr val="FFFFFF"/>
+                  </a:solidFill>
+                </a14:hiddenFill>
+              </a:ext>
+            </a:extLst>
+          </p:spPr>
+        </p:pic>
+      </p:grpSp>
+      <p:grpSp>
+        <p:nvGrpSpPr>
+          <p:cNvPr id="109" name="Group 108">
+            <a:extLst>
+              <a:ext uri="{FF2B5EF4-FFF2-40B4-BE49-F238E27FC236}">
+                <a16:creationId xmlns:a16="http://schemas.microsoft.com/office/drawing/2014/main" id="{6EF0BBE2-07CE-4D01-7140-BFB8C1C8C678}"/>
+              </a:ext>
+            </a:extLst>
+          </p:cNvPr>
+          <p:cNvGrpSpPr/>
+          <p:nvPr/>
+        </p:nvGrpSpPr>
+        <p:grpSpPr>
+          <a:xfrm>
+            <a:off x="4724233" y="6223460"/>
+            <a:ext cx="814160" cy="701454"/>
+            <a:chOff x="1715669" y="1864093"/>
+            <a:chExt cx="814160" cy="701454"/>
+          </a:xfrm>
+        </p:grpSpPr>
+        <p:sp>
+          <p:nvSpPr>
+            <p:cNvPr id="110" name="TextBox 109">
+              <a:extLst>
+                <a:ext uri="{FF2B5EF4-FFF2-40B4-BE49-F238E27FC236}">
+                  <a16:creationId xmlns:a16="http://schemas.microsoft.com/office/drawing/2014/main" id="{D3481A90-E659-ED55-6E1F-FD93F3411118}"/>
+                </a:ext>
+              </a:extLst>
+            </p:cNvPr>
+            <p:cNvSpPr txBox="1"/>
+            <p:nvPr/>
+          </p:nvSpPr>
+          <p:spPr>
+            <a:xfrm>
+              <a:off x="1715669" y="2288548"/>
+              <a:ext cx="814160" cy="276999"/>
+            </a:xfrm>
+            <a:prstGeom prst="rect">
+              <a:avLst/>
+            </a:prstGeom>
+            <a:noFill/>
+          </p:spPr>
+          <p:txBody>
+            <a:bodyPr wrap="square" rtlCol="0">
+              <a:spAutoFit/>
+            </a:bodyPr>
+            <a:lstStyle/>
+            <a:p>
+              <a:pPr algn="ctr"/>
+              <a:r>
+                <a:rPr lang="en-US" sz="1200" noProof="1"/>
+                <a:t>SignPath</a:t>
+              </a:r>
+            </a:p>
+          </p:txBody>
+        </p:sp>
+        <p:grpSp>
+          <p:nvGrpSpPr>
+            <p:cNvPr id="111" name="Group 110">
+              <a:extLst>
+                <a:ext uri="{FF2B5EF4-FFF2-40B4-BE49-F238E27FC236}">
+                  <a16:creationId xmlns:a16="http://schemas.microsoft.com/office/drawing/2014/main" id="{A137764B-592F-7FC4-E2A4-2C1FF62F43BA}"/>
+                </a:ext>
+              </a:extLst>
+            </p:cNvPr>
+            <p:cNvGrpSpPr/>
+            <p:nvPr/>
+          </p:nvGrpSpPr>
+          <p:grpSpPr>
+            <a:xfrm>
+              <a:off x="1900729" y="1864093"/>
+              <a:ext cx="444039" cy="386433"/>
+              <a:chOff x="1900729" y="1864093"/>
+              <a:chExt cx="444039" cy="386433"/>
+            </a:xfrm>
+          </p:grpSpPr>
+          <p:sp>
+            <p:nvSpPr>
+              <p:cNvPr id="112" name="Rectangle 111">
+                <a:extLst>
+                  <a:ext uri="{FF2B5EF4-FFF2-40B4-BE49-F238E27FC236}">
+                    <a16:creationId xmlns:a16="http://schemas.microsoft.com/office/drawing/2014/main" id="{7A0E2790-3762-DE52-F0AD-F26C218C88AB}"/>
+                  </a:ext>
+                </a:extLst>
+              </p:cNvPr>
+              <p:cNvSpPr/>
+              <p:nvPr/>
+            </p:nvSpPr>
+            <p:spPr>
+              <a:xfrm>
+                <a:off x="2011029" y="1889759"/>
+                <a:ext cx="229251" cy="299085"/>
+              </a:xfrm>
+              <a:prstGeom prst="rect">
+                <a:avLst/>
+              </a:prstGeom>
+              <a:solidFill>
+                <a:schemeClr val="bg1"/>
+              </a:solidFill>
+              <a:ln>
+                <a:noFill/>
+              </a:ln>
+            </p:spPr>
+            <p:style>
+              <a:lnRef idx="2">
+                <a:schemeClr val="accent1">
+                  <a:shade val="50000"/>
+                </a:schemeClr>
+              </a:lnRef>
+              <a:fillRef idx="1">
+                <a:schemeClr val="accent1"/>
+              </a:fillRef>
+              <a:effectRef idx="0">
+                <a:schemeClr val="accent1"/>
+              </a:effectRef>
+              <a:fontRef idx="minor">
+                <a:schemeClr val="lt1"/>
+              </a:fontRef>
+            </p:style>
+            <p:txBody>
+              <a:bodyPr rtlCol="0" anchor="ctr"/>
+              <a:lstStyle/>
+              <a:p>
+                <a:pPr algn="ctr"/>
+                <a:endParaRPr lang="en-US"/>
+              </a:p>
+            </p:txBody>
+          </p:sp>
+          <p:pic>
+            <p:nvPicPr>
+              <p:cNvPr id="113" name="Graphic 112">
+                <a:extLst>
+                  <a:ext uri="{FF2B5EF4-FFF2-40B4-BE49-F238E27FC236}">
+                    <a16:creationId xmlns:a16="http://schemas.microsoft.com/office/drawing/2014/main" id="{458D9599-B3D4-28B5-7706-60A71A0B35C8}"/>
+                  </a:ext>
+                </a:extLst>
+              </p:cNvPr>
+              <p:cNvPicPr>
+                <a:picLocks noChangeAspect="1"/>
+              </p:cNvPicPr>
+              <p:nvPr/>
+            </p:nvPicPr>
+            <p:blipFill rotWithShape="1">
+              <a:blip r:embed="rId4" cstate="print">
+                <a:extLst>
+                  <a:ext uri="{28A0092B-C50C-407E-A947-70E740481C1C}">
+                    <a14:useLocalDpi xmlns:a14="http://schemas.microsoft.com/office/drawing/2010/main" val="0"/>
+                  </a:ext>
+                  <a:ext uri="{96DAC541-7B7A-43D3-8B79-37D633B846F1}">
+                    <asvg:svgBlip xmlns:asvg="http://schemas.microsoft.com/office/drawing/2016/SVG/main" r:embed="rId5"/>
+                  </a:ext>
+                </a:extLst>
+              </a:blip>
+              <a:srcRect r="76833"/>
+              <a:stretch/>
+            </p:blipFill>
+            <p:spPr>
+              <a:xfrm>
+                <a:off x="1900729" y="1864093"/>
+                <a:ext cx="444039" cy="386433"/>
+              </a:xfrm>
+              <a:prstGeom prst="rect">
+                <a:avLst/>
+              </a:prstGeom>
+            </p:spPr>
+          </p:pic>
+        </p:grpSp>
+      </p:grpSp>
+      <p:sp>
+        <p:nvSpPr>
+          <p:cNvPr id="114" name="TextBox 113">
+            <a:extLst>
+              <a:ext uri="{FF2B5EF4-FFF2-40B4-BE49-F238E27FC236}">
+                <a16:creationId xmlns:a16="http://schemas.microsoft.com/office/drawing/2014/main" id="{73340C10-9E74-C132-26BF-56DBC7C2CABE}"/>
+              </a:ext>
+            </a:extLst>
+          </p:cNvPr>
+          <p:cNvSpPr txBox="1"/>
+          <p:nvPr/>
+        </p:nvSpPr>
+        <p:spPr>
+          <a:xfrm>
+            <a:off x="812595" y="6285963"/>
+            <a:ext cx="1845151" cy="338554"/>
+          </a:xfrm>
+          <a:prstGeom prst="rect">
+            <a:avLst/>
+          </a:prstGeom>
+          <a:noFill/>
+        </p:spPr>
+        <p:txBody>
+          <a:bodyPr wrap="square" rtlCol="0">
+            <a:spAutoFit/>
+          </a:bodyPr>
+          <a:lstStyle/>
+          <a:p>
+            <a:r>
+              <a:rPr lang="en-US" sz="1600" dirty="0"/>
+              <a:t>Full On-Premises</a:t>
+            </a:r>
+          </a:p>
+        </p:txBody>
+      </p:sp>
+      <p:cxnSp>
+        <p:nvCxnSpPr>
+          <p:cNvPr id="115" name="Straight Arrow Connector 114">
+            <a:extLst>
+              <a:ext uri="{FF2B5EF4-FFF2-40B4-BE49-F238E27FC236}">
+                <a16:creationId xmlns:a16="http://schemas.microsoft.com/office/drawing/2014/main" id="{B9551BB2-51CB-46B8-A74B-B0C473F58587}"/>
+              </a:ext>
+            </a:extLst>
+          </p:cNvPr>
+          <p:cNvCxnSpPr>
+            <a:cxnSpLocks/>
+          </p:cNvCxnSpPr>
+          <p:nvPr/>
+        </p:nvCxnSpPr>
+        <p:spPr>
+          <a:xfrm>
+            <a:off x="3659960" y="6416676"/>
+            <a:ext cx="651972" cy="0"/>
+          </a:xfrm>
+          <a:prstGeom prst="straightConnector1">
+            <a:avLst/>
+          </a:prstGeom>
+          <a:ln>
+            <a:solidFill>
+              <a:schemeClr val="tx1"/>
+            </a:solidFill>
+            <a:tailEnd type="triangle"/>
+          </a:ln>
+        </p:spPr>
+        <p:style>
+          <a:lnRef idx="1">
+            <a:schemeClr val="accent1"/>
+          </a:lnRef>
+          <a:fillRef idx="0">
+            <a:schemeClr val="accent1"/>
+          </a:fillRef>
+          <a:effectRef idx="0">
+            <a:schemeClr val="accent1"/>
+          </a:effectRef>
+          <a:fontRef idx="minor">
+            <a:schemeClr val="tx1"/>
+          </a:fontRef>
+        </p:style>
+      </p:cxnSp>
+      <p:sp>
+        <p:nvSpPr>
+          <p:cNvPr id="116" name="TextBox 115">
+            <a:extLst>
+              <a:ext uri="{FF2B5EF4-FFF2-40B4-BE49-F238E27FC236}">
+                <a16:creationId xmlns:a16="http://schemas.microsoft.com/office/drawing/2014/main" id="{EF0A0450-4580-B214-98FF-C92F7D8451EF}"/>
+              </a:ext>
+            </a:extLst>
+          </p:cNvPr>
+          <p:cNvSpPr txBox="1"/>
+          <p:nvPr/>
+        </p:nvSpPr>
+        <p:spPr>
+          <a:xfrm>
+            <a:off x="3544261" y="6188054"/>
+            <a:ext cx="814160" cy="461665"/>
+          </a:xfrm>
+          <a:prstGeom prst="rect">
+            <a:avLst/>
+          </a:prstGeom>
+          <a:noFill/>
+        </p:spPr>
+        <p:txBody>
+          <a:bodyPr wrap="square" rtlCol="0">
+            <a:spAutoFit/>
+          </a:bodyPr>
+          <a:lstStyle/>
+          <a:p>
+            <a:pPr algn="ctr"/>
+            <a:r>
+              <a:rPr lang="en-US" sz="1200" noProof="1"/>
+              <a:t>file or hash</a:t>
+            </a:r>
+          </a:p>
+        </p:txBody>
+      </p:sp>
+      <p:cxnSp>
+        <p:nvCxnSpPr>
+          <p:cNvPr id="117" name="Straight Arrow Connector 116">
+            <a:extLst>
+              <a:ext uri="{FF2B5EF4-FFF2-40B4-BE49-F238E27FC236}">
+                <a16:creationId xmlns:a16="http://schemas.microsoft.com/office/drawing/2014/main" id="{E35CD820-467E-D05E-3A01-79D14F880DD2}"/>
+              </a:ext>
+            </a:extLst>
+          </p:cNvPr>
+          <p:cNvCxnSpPr>
+            <a:cxnSpLocks/>
+          </p:cNvCxnSpPr>
+          <p:nvPr/>
+        </p:nvCxnSpPr>
+        <p:spPr>
+          <a:xfrm>
+            <a:off x="5749204" y="6442803"/>
+            <a:ext cx="651972" cy="0"/>
+          </a:xfrm>
+          <a:prstGeom prst="straightConnector1">
+            <a:avLst/>
+          </a:prstGeom>
+          <a:ln>
+            <a:solidFill>
+              <a:schemeClr val="tx1"/>
+            </a:solidFill>
+            <a:tailEnd type="triangle"/>
+          </a:ln>
+        </p:spPr>
+        <p:style>
+          <a:lnRef idx="1">
+            <a:schemeClr val="accent1"/>
+          </a:lnRef>
+          <a:fillRef idx="0">
+            <a:schemeClr val="accent1"/>
+          </a:fillRef>
+          <a:effectRef idx="0">
+            <a:schemeClr val="accent1"/>
+          </a:effectRef>
+          <a:fontRef idx="minor">
+            <a:schemeClr val="tx1"/>
+          </a:fontRef>
+        </p:style>
+      </p:cxnSp>
+      <p:sp>
+        <p:nvSpPr>
+          <p:cNvPr id="118" name="TextBox 117">
+            <a:extLst>
+              <a:ext uri="{FF2B5EF4-FFF2-40B4-BE49-F238E27FC236}">
+                <a16:creationId xmlns:a16="http://schemas.microsoft.com/office/drawing/2014/main" id="{A4FF345E-100E-3521-0D4A-F3F0EBB36295}"/>
+              </a:ext>
+            </a:extLst>
+          </p:cNvPr>
+          <p:cNvSpPr txBox="1"/>
+          <p:nvPr/>
+        </p:nvSpPr>
+        <p:spPr>
+          <a:xfrm>
+            <a:off x="5633505" y="6214181"/>
+            <a:ext cx="814160" cy="276999"/>
+          </a:xfrm>
+          <a:prstGeom prst="rect">
+            <a:avLst/>
+          </a:prstGeom>
+          <a:noFill/>
+        </p:spPr>
+        <p:txBody>
+          <a:bodyPr wrap="square" rtlCol="0">
+            <a:spAutoFit/>
+          </a:bodyPr>
+          <a:lstStyle/>
+          <a:p>
+            <a:pPr algn="ctr"/>
+            <a:r>
+              <a:rPr lang="en-US" sz="1200" noProof="1"/>
+              <a:t>hash</a:t>
+            </a:r>
+          </a:p>
+        </p:txBody>
+      </p:sp>
+      <p:grpSp>
+        <p:nvGrpSpPr>
+          <p:cNvPr id="122" name="Group 121">
+            <a:extLst>
+              <a:ext uri="{FF2B5EF4-FFF2-40B4-BE49-F238E27FC236}">
+                <a16:creationId xmlns:a16="http://schemas.microsoft.com/office/drawing/2014/main" id="{66751FF0-D63C-6188-B1D1-3C9FA259939E}"/>
+              </a:ext>
+            </a:extLst>
+          </p:cNvPr>
+          <p:cNvGrpSpPr/>
+          <p:nvPr/>
+        </p:nvGrpSpPr>
+        <p:grpSpPr>
+          <a:xfrm>
+            <a:off x="6653213" y="6285963"/>
+            <a:ext cx="713368" cy="635278"/>
+            <a:chOff x="3416983" y="2108790"/>
+            <a:chExt cx="713368" cy="635278"/>
+          </a:xfrm>
+        </p:grpSpPr>
+        <p:pic>
+          <p:nvPicPr>
+            <p:cNvPr id="123" name="Picture 122">
+              <a:extLst>
+                <a:ext uri="{FF2B5EF4-FFF2-40B4-BE49-F238E27FC236}">
+                  <a16:creationId xmlns:a16="http://schemas.microsoft.com/office/drawing/2014/main" id="{DD400934-3191-4817-05CD-5A5DCCED98A5}"/>
+                </a:ext>
+              </a:extLst>
+            </p:cNvPr>
+            <p:cNvPicPr>
+              <a:picLocks noChangeAspect="1"/>
+            </p:cNvPicPr>
+            <p:nvPr/>
+          </p:nvPicPr>
+          <p:blipFill>
+            <a:blip r:embed="rId2"/>
+            <a:stretch>
+              <a:fillRect/>
+            </a:stretch>
+          </p:blipFill>
+          <p:spPr>
+            <a:xfrm>
+              <a:off x="3416983" y="2108790"/>
+              <a:ext cx="713368" cy="276999"/>
+            </a:xfrm>
+            <a:prstGeom prst="rect">
+              <a:avLst/>
+            </a:prstGeom>
+          </p:spPr>
+        </p:pic>
+        <p:sp>
+          <p:nvSpPr>
+            <p:cNvPr id="124" name="TextBox 123">
+              <a:extLst>
+                <a:ext uri="{FF2B5EF4-FFF2-40B4-BE49-F238E27FC236}">
+                  <a16:creationId xmlns:a16="http://schemas.microsoft.com/office/drawing/2014/main" id="{06B3994B-4573-6F0B-3BF1-CA4D7D095CA3}"/>
+                </a:ext>
+              </a:extLst>
+            </p:cNvPr>
+            <p:cNvSpPr txBox="1"/>
+            <p:nvPr/>
+          </p:nvSpPr>
+          <p:spPr>
+            <a:xfrm>
+              <a:off x="3532255" y="2467069"/>
+              <a:ext cx="482824" cy="276999"/>
+            </a:xfrm>
+            <a:prstGeom prst="rect">
+              <a:avLst/>
+            </a:prstGeom>
+            <a:noFill/>
+          </p:spPr>
+          <p:txBody>
+            <a:bodyPr wrap="none" rtlCol="0">
+              <a:spAutoFit/>
+            </a:bodyPr>
+            <a:lstStyle/>
+            <a:p>
+              <a:r>
+                <a:rPr lang="en-US" sz="1200" dirty="0"/>
+                <a:t>HSM</a:t>
+              </a:r>
+            </a:p>
+          </p:txBody>
+        </p:sp>
+      </p:grpSp>
+      <p:grpSp>
+        <p:nvGrpSpPr>
+          <p:cNvPr id="125" name="Group 124">
+            <a:extLst>
+              <a:ext uri="{FF2B5EF4-FFF2-40B4-BE49-F238E27FC236}">
+                <a16:creationId xmlns:a16="http://schemas.microsoft.com/office/drawing/2014/main" id="{66B457DE-490B-1A30-6399-9E212ED9F064}"/>
+              </a:ext>
+            </a:extLst>
+          </p:cNvPr>
+          <p:cNvGrpSpPr/>
+          <p:nvPr/>
+        </p:nvGrpSpPr>
+        <p:grpSpPr>
+          <a:xfrm>
+            <a:off x="9049059" y="1778949"/>
+            <a:ext cx="974026" cy="711124"/>
+            <a:chOff x="9903152" y="2937225"/>
+            <a:chExt cx="1546958" cy="1129413"/>
+          </a:xfrm>
+        </p:grpSpPr>
+        <p:grpSp>
+          <p:nvGrpSpPr>
+            <p:cNvPr id="126" name="Group 125">
+              <a:extLst>
+                <a:ext uri="{FF2B5EF4-FFF2-40B4-BE49-F238E27FC236}">
+                  <a16:creationId xmlns:a16="http://schemas.microsoft.com/office/drawing/2014/main" id="{BA5CFA42-72F6-CCC3-E64C-34F0F9A09351}"/>
+                </a:ext>
+              </a:extLst>
+            </p:cNvPr>
+            <p:cNvGrpSpPr/>
+            <p:nvPr/>
+          </p:nvGrpSpPr>
+          <p:grpSpPr>
+            <a:xfrm>
+              <a:off x="10568631" y="2937225"/>
+              <a:ext cx="216000" cy="617838"/>
+              <a:chOff x="4421903" y="238897"/>
+              <a:chExt cx="216000" cy="617838"/>
+            </a:xfrm>
+          </p:grpSpPr>
+          <p:sp>
+            <p:nvSpPr>
+              <p:cNvPr id="128" name="Oval 127">
+                <a:extLst>
+                  <a:ext uri="{FF2B5EF4-FFF2-40B4-BE49-F238E27FC236}">
+                    <a16:creationId xmlns:a16="http://schemas.microsoft.com/office/drawing/2014/main" id="{9C28CA6D-D3CB-F7AA-E2FE-EF7D7FB7B78D}"/>
+                  </a:ext>
+                </a:extLst>
+              </p:cNvPr>
+              <p:cNvSpPr/>
+              <p:nvPr/>
+            </p:nvSpPr>
+            <p:spPr>
+              <a:xfrm>
+                <a:off x="4431049" y="238897"/>
+                <a:ext cx="197708" cy="197708"/>
+              </a:xfrm>
+              <a:prstGeom prst="ellipse">
+                <a:avLst/>
+              </a:prstGeom>
+              <a:solidFill>
+                <a:schemeClr val="bg1">
+                  <a:lumMod val="95000"/>
+                </a:schemeClr>
+              </a:solidFill>
+              <a:ln>
+                <a:solidFill>
+                  <a:schemeClr val="tx1"/>
+                </a:solidFill>
+              </a:ln>
+            </p:spPr>
+            <p:style>
+              <a:lnRef idx="2">
+                <a:schemeClr val="accent1">
+                  <a:shade val="50000"/>
+                </a:schemeClr>
+              </a:lnRef>
+              <a:fillRef idx="1">
+                <a:schemeClr val="accent1"/>
+              </a:fillRef>
+              <a:effectRef idx="0">
+                <a:schemeClr val="accent1"/>
+              </a:effectRef>
+              <a:fontRef idx="minor">
+                <a:schemeClr val="lt1"/>
+              </a:fontRef>
+            </p:style>
+            <p:txBody>
+              <a:bodyPr rtlCol="0" anchor="ctr"/>
+              <a:lstStyle/>
+              <a:p>
+                <a:pPr algn="ctr"/>
+                <a:endParaRPr lang="en-US" dirty="0"/>
+              </a:p>
+            </p:txBody>
+          </p:sp>
+          <p:cxnSp>
+            <p:nvCxnSpPr>
+              <p:cNvPr id="129" name="Straight Connector 128">
+                <a:extLst>
+                  <a:ext uri="{FF2B5EF4-FFF2-40B4-BE49-F238E27FC236}">
+                    <a16:creationId xmlns:a16="http://schemas.microsoft.com/office/drawing/2014/main" id="{9B02FF7D-D421-4FEE-31D3-B725D791A968}"/>
+                  </a:ext>
+                </a:extLst>
+              </p:cNvPr>
+              <p:cNvCxnSpPr>
+                <a:cxnSpLocks/>
+                <a:stCxn id="128" idx="4"/>
+              </p:cNvCxnSpPr>
+              <p:nvPr/>
+            </p:nvCxnSpPr>
+            <p:spPr>
+              <a:xfrm>
+                <a:off x="4529903" y="436605"/>
+                <a:ext cx="9146" cy="222422"/>
+              </a:xfrm>
+              <a:prstGeom prst="line">
+                <a:avLst/>
+              </a:prstGeom>
+              <a:ln>
+                <a:solidFill>
+                  <a:schemeClr val="tx1"/>
+                </a:solidFill>
+              </a:ln>
+            </p:spPr>
+            <p:style>
+              <a:lnRef idx="2">
+                <a:schemeClr val="accent1">
+                  <a:shade val="50000"/>
+                </a:schemeClr>
+              </a:lnRef>
+              <a:fillRef idx="1">
+                <a:schemeClr val="accent1"/>
+              </a:fillRef>
+              <a:effectRef idx="0">
+                <a:schemeClr val="accent1"/>
+              </a:effectRef>
+              <a:fontRef idx="minor">
+                <a:schemeClr val="lt1"/>
+              </a:fontRef>
+            </p:style>
+          </p:cxnSp>
+          <p:cxnSp>
+            <p:nvCxnSpPr>
+              <p:cNvPr id="130" name="Straight Connector 129">
+                <a:extLst>
+                  <a:ext uri="{FF2B5EF4-FFF2-40B4-BE49-F238E27FC236}">
+                    <a16:creationId xmlns:a16="http://schemas.microsoft.com/office/drawing/2014/main" id="{E2A343E7-6F5F-59B1-115F-54CAD29D93D0}"/>
+                  </a:ext>
+                </a:extLst>
+              </p:cNvPr>
+              <p:cNvCxnSpPr>
+                <a:cxnSpLocks/>
+              </p:cNvCxnSpPr>
+              <p:nvPr/>
+            </p:nvCxnSpPr>
+            <p:spPr>
+              <a:xfrm flipH="1" flipV="1">
+                <a:off x="4539049" y="659027"/>
+                <a:ext cx="98854" cy="197708"/>
+              </a:xfrm>
+              <a:prstGeom prst="line">
+                <a:avLst/>
+              </a:prstGeom>
+              <a:ln>
+                <a:solidFill>
+                  <a:schemeClr val="tx1"/>
+                </a:solidFill>
+              </a:ln>
+            </p:spPr>
+            <p:style>
+              <a:lnRef idx="2">
+                <a:schemeClr val="accent1">
+                  <a:shade val="50000"/>
+                </a:schemeClr>
+              </a:lnRef>
+              <a:fillRef idx="1">
+                <a:schemeClr val="accent1"/>
+              </a:fillRef>
+              <a:effectRef idx="0">
+                <a:schemeClr val="accent1"/>
+              </a:effectRef>
+              <a:fontRef idx="minor">
+                <a:schemeClr val="lt1"/>
+              </a:fontRef>
+            </p:style>
+          </p:cxnSp>
+          <p:cxnSp>
+            <p:nvCxnSpPr>
+              <p:cNvPr id="131" name="Straight Connector 130">
+                <a:extLst>
+                  <a:ext uri="{FF2B5EF4-FFF2-40B4-BE49-F238E27FC236}">
+                    <a16:creationId xmlns:a16="http://schemas.microsoft.com/office/drawing/2014/main" id="{38FBBE18-762E-C80E-B9D5-5C52248EE881}"/>
+                  </a:ext>
+                </a:extLst>
+              </p:cNvPr>
+              <p:cNvCxnSpPr>
+                <a:cxnSpLocks/>
+              </p:cNvCxnSpPr>
+              <p:nvPr/>
+            </p:nvCxnSpPr>
+            <p:spPr>
+              <a:xfrm flipV="1">
+                <a:off x="4440194" y="650789"/>
+                <a:ext cx="98854" cy="197708"/>
+              </a:xfrm>
+              <a:prstGeom prst="line">
+                <a:avLst/>
+              </a:prstGeom>
+              <a:ln>
+                <a:solidFill>
+                  <a:schemeClr val="tx1"/>
+                </a:solidFill>
+              </a:ln>
+            </p:spPr>
+            <p:style>
+              <a:lnRef idx="2">
+                <a:schemeClr val="accent1">
+                  <a:shade val="50000"/>
+                </a:schemeClr>
+              </a:lnRef>
+              <a:fillRef idx="1">
+                <a:schemeClr val="accent1"/>
+              </a:fillRef>
+              <a:effectRef idx="0">
+                <a:schemeClr val="accent1"/>
+              </a:effectRef>
+              <a:fontRef idx="minor">
+                <a:schemeClr val="lt1"/>
+              </a:fontRef>
+            </p:style>
+          </p:cxnSp>
+          <p:cxnSp>
+            <p:nvCxnSpPr>
+              <p:cNvPr id="132" name="Straight Connector 131">
+                <a:extLst>
+                  <a:ext uri="{FF2B5EF4-FFF2-40B4-BE49-F238E27FC236}">
+                    <a16:creationId xmlns:a16="http://schemas.microsoft.com/office/drawing/2014/main" id="{DD8EA92F-BCE8-DECC-8663-B9F7C4785E91}"/>
+                  </a:ext>
+                </a:extLst>
+              </p:cNvPr>
+              <p:cNvCxnSpPr>
+                <a:cxnSpLocks/>
+              </p:cNvCxnSpPr>
+              <p:nvPr/>
+            </p:nvCxnSpPr>
+            <p:spPr>
+              <a:xfrm flipH="1">
+                <a:off x="4421903" y="506627"/>
+                <a:ext cx="216000" cy="0"/>
+              </a:xfrm>
+              <a:prstGeom prst="line">
+                <a:avLst/>
+              </a:prstGeom>
+              <a:ln>
+                <a:solidFill>
+                  <a:schemeClr val="tx1"/>
+                </a:solidFill>
+              </a:ln>
+            </p:spPr>
+            <p:style>
+              <a:lnRef idx="2">
+                <a:schemeClr val="accent1">
+                  <a:shade val="50000"/>
+                </a:schemeClr>
+              </a:lnRef>
+              <a:fillRef idx="1">
+                <a:schemeClr val="accent1"/>
+              </a:fillRef>
+              <a:effectRef idx="0">
+                <a:schemeClr val="accent1"/>
+              </a:effectRef>
+              <a:fontRef idx="minor">
+                <a:schemeClr val="lt1"/>
+              </a:fontRef>
+            </p:style>
+          </p:cxnSp>
+        </p:grpSp>
+        <p:sp>
+          <p:nvSpPr>
+            <p:cNvPr id="127" name="TextBox 126">
+              <a:extLst>
+                <a:ext uri="{FF2B5EF4-FFF2-40B4-BE49-F238E27FC236}">
+                  <a16:creationId xmlns:a16="http://schemas.microsoft.com/office/drawing/2014/main" id="{B77BD111-8E24-57B8-148E-1B97AEBA0B8C}"/>
+                </a:ext>
+              </a:extLst>
+            </p:cNvPr>
+            <p:cNvSpPr txBox="1"/>
+            <p:nvPr/>
+          </p:nvSpPr>
+          <p:spPr>
+            <a:xfrm>
+              <a:off x="9903152" y="3626706"/>
+              <a:ext cx="1546958" cy="439932"/>
+            </a:xfrm>
+            <a:prstGeom prst="rect">
+              <a:avLst/>
+            </a:prstGeom>
+            <a:noFill/>
+            <a:ln>
+              <a:noFill/>
+            </a:ln>
+          </p:spPr>
+          <p:txBody>
+            <a:bodyPr wrap="square" rtlCol="0">
+              <a:spAutoFit/>
+            </a:bodyPr>
+            <a:lstStyle/>
+            <a:p>
+              <a:pPr algn="ctr"/>
+              <a:r>
+                <a:rPr lang="en-US" sz="1200" dirty="0"/>
+                <a:t>PKI Team</a:t>
+              </a:r>
+            </a:p>
+          </p:txBody>
+        </p:sp>
+      </p:grpSp>
+      <p:cxnSp>
+        <p:nvCxnSpPr>
+          <p:cNvPr id="133" name="Straight Arrow Connector 132">
+            <a:extLst>
+              <a:ext uri="{FF2B5EF4-FFF2-40B4-BE49-F238E27FC236}">
+                <a16:creationId xmlns:a16="http://schemas.microsoft.com/office/drawing/2014/main" id="{3328D790-569B-1455-5252-3BDB326002D5}"/>
+              </a:ext>
+            </a:extLst>
+          </p:cNvPr>
+          <p:cNvCxnSpPr>
+            <a:cxnSpLocks/>
+          </p:cNvCxnSpPr>
+          <p:nvPr/>
+        </p:nvCxnSpPr>
+        <p:spPr>
+          <a:xfrm flipH="1" flipV="1">
+            <a:off x="7832414" y="2007963"/>
+            <a:ext cx="1358689" cy="1988"/>
+          </a:xfrm>
+          <a:prstGeom prst="straightConnector1">
+            <a:avLst/>
+          </a:prstGeom>
+          <a:ln>
+            <a:solidFill>
+              <a:schemeClr val="tx1"/>
+            </a:solidFill>
+            <a:tailEnd type="triangle"/>
+          </a:ln>
+        </p:spPr>
+        <p:style>
+          <a:lnRef idx="1">
+            <a:schemeClr val="accent1"/>
+          </a:lnRef>
+          <a:fillRef idx="0">
+            <a:schemeClr val="accent1"/>
+          </a:fillRef>
+          <a:effectRef idx="0">
+            <a:schemeClr val="accent1"/>
+          </a:effectRef>
+          <a:fontRef idx="minor">
+            <a:schemeClr val="tx1"/>
+          </a:fontRef>
+        </p:style>
+      </p:cxnSp>
+      <p:sp>
+        <p:nvSpPr>
+          <p:cNvPr id="134" name="TextBox 133">
+            <a:extLst>
+              <a:ext uri="{FF2B5EF4-FFF2-40B4-BE49-F238E27FC236}">
+                <a16:creationId xmlns:a16="http://schemas.microsoft.com/office/drawing/2014/main" id="{D14FC465-5EEB-8025-9BBD-CA3232E8AFF8}"/>
+              </a:ext>
+            </a:extLst>
+          </p:cNvPr>
+          <p:cNvSpPr txBox="1"/>
+          <p:nvPr/>
+        </p:nvSpPr>
+        <p:spPr>
+          <a:xfrm>
+            <a:off x="7781010" y="1779118"/>
+            <a:ext cx="1474389" cy="461665"/>
+          </a:xfrm>
+          <a:prstGeom prst="rect">
+            <a:avLst/>
+          </a:prstGeom>
+          <a:noFill/>
+        </p:spPr>
+        <p:txBody>
+          <a:bodyPr wrap="square" rtlCol="0">
+            <a:spAutoFit/>
+          </a:bodyPr>
+          <a:lstStyle/>
+          <a:p>
+            <a:pPr algn="ctr"/>
+            <a:r>
+              <a:rPr lang="en-US" sz="1200" noProof="1"/>
+              <a:t>policy and key management</a:t>
+            </a:r>
+          </a:p>
+        </p:txBody>
+      </p:sp>
+      <p:grpSp>
+        <p:nvGrpSpPr>
+          <p:cNvPr id="137" name="Group 136">
+            <a:extLst>
+              <a:ext uri="{FF2B5EF4-FFF2-40B4-BE49-F238E27FC236}">
+                <a16:creationId xmlns:a16="http://schemas.microsoft.com/office/drawing/2014/main" id="{C0CC2E46-5BB2-345B-475E-D1373857BB09}"/>
+              </a:ext>
+            </a:extLst>
+          </p:cNvPr>
+          <p:cNvGrpSpPr/>
+          <p:nvPr/>
+        </p:nvGrpSpPr>
+        <p:grpSpPr>
+          <a:xfrm>
+            <a:off x="9049059" y="3255920"/>
+            <a:ext cx="974026" cy="711124"/>
+            <a:chOff x="9903152" y="2937225"/>
+            <a:chExt cx="1546958" cy="1129413"/>
+          </a:xfrm>
+        </p:grpSpPr>
+        <p:grpSp>
+          <p:nvGrpSpPr>
+            <p:cNvPr id="138" name="Group 137">
+              <a:extLst>
+                <a:ext uri="{FF2B5EF4-FFF2-40B4-BE49-F238E27FC236}">
+                  <a16:creationId xmlns:a16="http://schemas.microsoft.com/office/drawing/2014/main" id="{80917095-CBD4-4849-5116-3C0D79C9E854}"/>
+                </a:ext>
+              </a:extLst>
+            </p:cNvPr>
+            <p:cNvGrpSpPr/>
+            <p:nvPr/>
+          </p:nvGrpSpPr>
+          <p:grpSpPr>
+            <a:xfrm>
+              <a:off x="10568631" y="2937225"/>
+              <a:ext cx="216000" cy="617838"/>
+              <a:chOff x="4421903" y="238897"/>
+              <a:chExt cx="216000" cy="617838"/>
+            </a:xfrm>
+          </p:grpSpPr>
+          <p:sp>
+            <p:nvSpPr>
+              <p:cNvPr id="140" name="Oval 139">
+                <a:extLst>
+                  <a:ext uri="{FF2B5EF4-FFF2-40B4-BE49-F238E27FC236}">
+                    <a16:creationId xmlns:a16="http://schemas.microsoft.com/office/drawing/2014/main" id="{122FC098-CC32-41D7-4D08-117479BEACCE}"/>
+                  </a:ext>
+                </a:extLst>
+              </p:cNvPr>
+              <p:cNvSpPr/>
+              <p:nvPr/>
+            </p:nvSpPr>
+            <p:spPr>
+              <a:xfrm>
+                <a:off x="4431049" y="238897"/>
+                <a:ext cx="197708" cy="197708"/>
+              </a:xfrm>
+              <a:prstGeom prst="ellipse">
+                <a:avLst/>
+              </a:prstGeom>
+              <a:solidFill>
+                <a:schemeClr val="bg1">
+                  <a:lumMod val="95000"/>
+                </a:schemeClr>
+              </a:solidFill>
+              <a:ln>
+                <a:solidFill>
+                  <a:schemeClr val="tx1"/>
+                </a:solidFill>
+              </a:ln>
+            </p:spPr>
+            <p:style>
+              <a:lnRef idx="2">
+                <a:schemeClr val="accent1">
+                  <a:shade val="50000"/>
+                </a:schemeClr>
+              </a:lnRef>
+              <a:fillRef idx="1">
+                <a:schemeClr val="accent1"/>
+              </a:fillRef>
+              <a:effectRef idx="0">
+                <a:schemeClr val="accent1"/>
+              </a:effectRef>
+              <a:fontRef idx="minor">
+                <a:schemeClr val="lt1"/>
+              </a:fontRef>
+            </p:style>
+            <p:txBody>
+              <a:bodyPr rtlCol="0" anchor="ctr"/>
+              <a:lstStyle/>
+              <a:p>
+                <a:pPr algn="ctr"/>
+                <a:endParaRPr lang="en-US" dirty="0"/>
+              </a:p>
+            </p:txBody>
+          </p:sp>
+          <p:cxnSp>
+            <p:nvCxnSpPr>
+              <p:cNvPr id="141" name="Straight Connector 140">
+                <a:extLst>
+                  <a:ext uri="{FF2B5EF4-FFF2-40B4-BE49-F238E27FC236}">
+                    <a16:creationId xmlns:a16="http://schemas.microsoft.com/office/drawing/2014/main" id="{CA5676D7-B815-F774-CC70-84FD6CA1CE9B}"/>
+                  </a:ext>
+                </a:extLst>
+              </p:cNvPr>
+              <p:cNvCxnSpPr>
+                <a:cxnSpLocks/>
+                <a:stCxn id="140" idx="4"/>
+              </p:cNvCxnSpPr>
+              <p:nvPr/>
+            </p:nvCxnSpPr>
+            <p:spPr>
+              <a:xfrm>
+                <a:off x="4529903" y="436605"/>
+                <a:ext cx="9146" cy="222422"/>
+              </a:xfrm>
+              <a:prstGeom prst="line">
+                <a:avLst/>
+              </a:prstGeom>
+              <a:ln>
+                <a:solidFill>
+                  <a:schemeClr val="tx1"/>
+                </a:solidFill>
+              </a:ln>
+            </p:spPr>
+            <p:style>
+              <a:lnRef idx="2">
+                <a:schemeClr val="accent1">
+                  <a:shade val="50000"/>
+                </a:schemeClr>
+              </a:lnRef>
+              <a:fillRef idx="1">
+                <a:schemeClr val="accent1"/>
+              </a:fillRef>
+              <a:effectRef idx="0">
+                <a:schemeClr val="accent1"/>
+              </a:effectRef>
+              <a:fontRef idx="minor">
+                <a:schemeClr val="lt1"/>
+              </a:fontRef>
+            </p:style>
+          </p:cxnSp>
+          <p:cxnSp>
+            <p:nvCxnSpPr>
+              <p:cNvPr id="142" name="Straight Connector 141">
+                <a:extLst>
+                  <a:ext uri="{FF2B5EF4-FFF2-40B4-BE49-F238E27FC236}">
+                    <a16:creationId xmlns:a16="http://schemas.microsoft.com/office/drawing/2014/main" id="{4CD29B7F-29BA-7048-FE54-371803B1AA45}"/>
+                  </a:ext>
+                </a:extLst>
+              </p:cNvPr>
+              <p:cNvCxnSpPr>
+                <a:cxnSpLocks/>
+              </p:cNvCxnSpPr>
+              <p:nvPr/>
+            </p:nvCxnSpPr>
+            <p:spPr>
+              <a:xfrm flipH="1" flipV="1">
+                <a:off x="4539049" y="659027"/>
+                <a:ext cx="98854" cy="197708"/>
+              </a:xfrm>
+              <a:prstGeom prst="line">
+                <a:avLst/>
+              </a:prstGeom>
+              <a:ln>
+                <a:solidFill>
+                  <a:schemeClr val="tx1"/>
+                </a:solidFill>
+              </a:ln>
+            </p:spPr>
+            <p:style>
+              <a:lnRef idx="2">
+                <a:schemeClr val="accent1">
+                  <a:shade val="50000"/>
+                </a:schemeClr>
+              </a:lnRef>
+              <a:fillRef idx="1">
+                <a:schemeClr val="accent1"/>
+              </a:fillRef>
+              <a:effectRef idx="0">
+                <a:schemeClr val="accent1"/>
+              </a:effectRef>
+              <a:fontRef idx="minor">
+                <a:schemeClr val="lt1"/>
+              </a:fontRef>
+            </p:style>
+          </p:cxnSp>
+          <p:cxnSp>
+            <p:nvCxnSpPr>
+              <p:cNvPr id="143" name="Straight Connector 142">
+                <a:extLst>
+                  <a:ext uri="{FF2B5EF4-FFF2-40B4-BE49-F238E27FC236}">
+                    <a16:creationId xmlns:a16="http://schemas.microsoft.com/office/drawing/2014/main" id="{F9CECD9D-32FF-6DA5-886C-6AB4C973ED9D}"/>
+                  </a:ext>
+                </a:extLst>
+              </p:cNvPr>
+              <p:cNvCxnSpPr>
+                <a:cxnSpLocks/>
+              </p:cNvCxnSpPr>
+              <p:nvPr/>
+            </p:nvCxnSpPr>
+            <p:spPr>
+              <a:xfrm flipV="1">
+                <a:off x="4440194" y="650789"/>
+                <a:ext cx="98854" cy="197708"/>
+              </a:xfrm>
+              <a:prstGeom prst="line">
+                <a:avLst/>
+              </a:prstGeom>
+              <a:ln>
+                <a:solidFill>
+                  <a:schemeClr val="tx1"/>
+                </a:solidFill>
+              </a:ln>
+            </p:spPr>
+            <p:style>
+              <a:lnRef idx="2">
+                <a:schemeClr val="accent1">
+                  <a:shade val="50000"/>
+                </a:schemeClr>
+              </a:lnRef>
+              <a:fillRef idx="1">
+                <a:schemeClr val="accent1"/>
+              </a:fillRef>
+              <a:effectRef idx="0">
+                <a:schemeClr val="accent1"/>
+              </a:effectRef>
+              <a:fontRef idx="minor">
+                <a:schemeClr val="lt1"/>
+              </a:fontRef>
+            </p:style>
+          </p:cxnSp>
+          <p:cxnSp>
+            <p:nvCxnSpPr>
+              <p:cNvPr id="144" name="Straight Connector 143">
+                <a:extLst>
+                  <a:ext uri="{FF2B5EF4-FFF2-40B4-BE49-F238E27FC236}">
+                    <a16:creationId xmlns:a16="http://schemas.microsoft.com/office/drawing/2014/main" id="{FD091976-047E-BD90-7D19-BAAD94291284}"/>
+                  </a:ext>
+                </a:extLst>
+              </p:cNvPr>
+              <p:cNvCxnSpPr>
+                <a:cxnSpLocks/>
+              </p:cNvCxnSpPr>
+              <p:nvPr/>
+            </p:nvCxnSpPr>
+            <p:spPr>
+              <a:xfrm flipH="1">
+                <a:off x="4421903" y="506627"/>
+                <a:ext cx="216000" cy="0"/>
+              </a:xfrm>
+              <a:prstGeom prst="line">
+                <a:avLst/>
+              </a:prstGeom>
+              <a:ln>
+                <a:solidFill>
+                  <a:schemeClr val="tx1"/>
+                </a:solidFill>
+              </a:ln>
+            </p:spPr>
+            <p:style>
+              <a:lnRef idx="2">
+                <a:schemeClr val="accent1">
+                  <a:shade val="50000"/>
+                </a:schemeClr>
+              </a:lnRef>
+              <a:fillRef idx="1">
+                <a:schemeClr val="accent1"/>
+              </a:fillRef>
+              <a:effectRef idx="0">
+                <a:schemeClr val="accent1"/>
+              </a:effectRef>
+              <a:fontRef idx="minor">
+                <a:schemeClr val="lt1"/>
+              </a:fontRef>
+            </p:style>
+          </p:cxnSp>
+        </p:grpSp>
+        <p:sp>
+          <p:nvSpPr>
+            <p:cNvPr id="139" name="TextBox 138">
+              <a:extLst>
+                <a:ext uri="{FF2B5EF4-FFF2-40B4-BE49-F238E27FC236}">
+                  <a16:creationId xmlns:a16="http://schemas.microsoft.com/office/drawing/2014/main" id="{6102019B-BB19-AA06-4AD4-909E997E2C20}"/>
+                </a:ext>
+              </a:extLst>
+            </p:cNvPr>
+            <p:cNvSpPr txBox="1"/>
+            <p:nvPr/>
+          </p:nvSpPr>
+          <p:spPr>
+            <a:xfrm>
+              <a:off x="9903152" y="3626706"/>
+              <a:ext cx="1546958" cy="439932"/>
+            </a:xfrm>
+            <a:prstGeom prst="rect">
+              <a:avLst/>
+            </a:prstGeom>
+            <a:noFill/>
+            <a:ln>
+              <a:noFill/>
+            </a:ln>
+          </p:spPr>
+          <p:txBody>
+            <a:bodyPr wrap="square" rtlCol="0">
+              <a:spAutoFit/>
+            </a:bodyPr>
+            <a:lstStyle/>
+            <a:p>
+              <a:pPr algn="ctr"/>
+              <a:r>
+                <a:rPr lang="en-US" sz="1200" dirty="0"/>
+                <a:t>PKI Team</a:t>
+              </a:r>
+            </a:p>
+          </p:txBody>
+        </p:sp>
+      </p:grpSp>
+      <p:cxnSp>
+        <p:nvCxnSpPr>
+          <p:cNvPr id="145" name="Straight Arrow Connector 144">
+            <a:extLst>
+              <a:ext uri="{FF2B5EF4-FFF2-40B4-BE49-F238E27FC236}">
+                <a16:creationId xmlns:a16="http://schemas.microsoft.com/office/drawing/2014/main" id="{E05E3E66-0858-7BCC-44DC-417BD8B25D44}"/>
+              </a:ext>
+            </a:extLst>
+          </p:cNvPr>
+          <p:cNvCxnSpPr>
+            <a:cxnSpLocks/>
+          </p:cNvCxnSpPr>
+          <p:nvPr/>
+        </p:nvCxnSpPr>
+        <p:spPr>
+          <a:xfrm flipH="1" flipV="1">
+            <a:off x="7832414" y="3484934"/>
+            <a:ext cx="1358689" cy="1988"/>
+          </a:xfrm>
+          <a:prstGeom prst="straightConnector1">
+            <a:avLst/>
+          </a:prstGeom>
+          <a:ln>
+            <a:solidFill>
+              <a:schemeClr val="tx1"/>
+            </a:solidFill>
+            <a:tailEnd type="triangle"/>
+          </a:ln>
+        </p:spPr>
+        <p:style>
+          <a:lnRef idx="1">
+            <a:schemeClr val="accent1"/>
+          </a:lnRef>
+          <a:fillRef idx="0">
+            <a:schemeClr val="accent1"/>
+          </a:fillRef>
+          <a:effectRef idx="0">
+            <a:schemeClr val="accent1"/>
+          </a:effectRef>
+          <a:fontRef idx="minor">
+            <a:schemeClr val="tx1"/>
+          </a:fontRef>
+        </p:style>
+      </p:cxnSp>
+      <p:sp>
+        <p:nvSpPr>
+          <p:cNvPr id="146" name="TextBox 145">
+            <a:extLst>
+              <a:ext uri="{FF2B5EF4-FFF2-40B4-BE49-F238E27FC236}">
+                <a16:creationId xmlns:a16="http://schemas.microsoft.com/office/drawing/2014/main" id="{F264893F-0066-FFEB-DF91-773E144F8973}"/>
+              </a:ext>
+            </a:extLst>
+          </p:cNvPr>
+          <p:cNvSpPr txBox="1"/>
+          <p:nvPr/>
+        </p:nvSpPr>
+        <p:spPr>
+          <a:xfrm>
+            <a:off x="7781010" y="3256089"/>
+            <a:ext cx="1474389" cy="461665"/>
+          </a:xfrm>
+          <a:prstGeom prst="rect">
+            <a:avLst/>
+          </a:prstGeom>
+          <a:noFill/>
+        </p:spPr>
+        <p:txBody>
+          <a:bodyPr wrap="square" rtlCol="0">
+            <a:spAutoFit/>
+          </a:bodyPr>
+          <a:lstStyle/>
+          <a:p>
+            <a:pPr algn="ctr"/>
+            <a:r>
+              <a:rPr lang="en-US" sz="1200" noProof="1"/>
+              <a:t>policy and key management</a:t>
+            </a:r>
+          </a:p>
+        </p:txBody>
+      </p:sp>
+      <p:grpSp>
+        <p:nvGrpSpPr>
+          <p:cNvPr id="147" name="Group 146">
+            <a:extLst>
+              <a:ext uri="{FF2B5EF4-FFF2-40B4-BE49-F238E27FC236}">
+                <a16:creationId xmlns:a16="http://schemas.microsoft.com/office/drawing/2014/main" id="{455BAC13-997B-BAFF-1DBB-23DC6FBE4597}"/>
+              </a:ext>
+            </a:extLst>
+          </p:cNvPr>
+          <p:cNvGrpSpPr/>
+          <p:nvPr/>
+        </p:nvGrpSpPr>
+        <p:grpSpPr>
+          <a:xfrm>
+            <a:off x="9049059" y="4741091"/>
+            <a:ext cx="974026" cy="711124"/>
+            <a:chOff x="9903152" y="2937225"/>
+            <a:chExt cx="1546958" cy="1129413"/>
+          </a:xfrm>
+        </p:grpSpPr>
+        <p:grpSp>
+          <p:nvGrpSpPr>
+            <p:cNvPr id="148" name="Group 147">
+              <a:extLst>
+                <a:ext uri="{FF2B5EF4-FFF2-40B4-BE49-F238E27FC236}">
+                  <a16:creationId xmlns:a16="http://schemas.microsoft.com/office/drawing/2014/main" id="{2CE6C096-CE89-13F9-40F0-3CD7936D55B9}"/>
+                </a:ext>
+              </a:extLst>
+            </p:cNvPr>
+            <p:cNvGrpSpPr/>
+            <p:nvPr/>
+          </p:nvGrpSpPr>
+          <p:grpSpPr>
+            <a:xfrm>
+              <a:off x="10568631" y="2937225"/>
+              <a:ext cx="216000" cy="617838"/>
+              <a:chOff x="4421903" y="238897"/>
+              <a:chExt cx="216000" cy="617838"/>
+            </a:xfrm>
+          </p:grpSpPr>
+          <p:sp>
+            <p:nvSpPr>
+              <p:cNvPr id="150" name="Oval 149">
+                <a:extLst>
+                  <a:ext uri="{FF2B5EF4-FFF2-40B4-BE49-F238E27FC236}">
+                    <a16:creationId xmlns:a16="http://schemas.microsoft.com/office/drawing/2014/main" id="{BD2BFD28-CF68-5092-0374-5494434ABDE8}"/>
+                  </a:ext>
+                </a:extLst>
+              </p:cNvPr>
+              <p:cNvSpPr/>
+              <p:nvPr/>
+            </p:nvSpPr>
+            <p:spPr>
+              <a:xfrm>
+                <a:off x="4431049" y="238897"/>
+                <a:ext cx="197708" cy="197708"/>
+              </a:xfrm>
+              <a:prstGeom prst="ellipse">
+                <a:avLst/>
+              </a:prstGeom>
+              <a:solidFill>
+                <a:schemeClr val="bg1">
+                  <a:lumMod val="95000"/>
+                </a:schemeClr>
+              </a:solidFill>
+              <a:ln>
+                <a:solidFill>
+                  <a:schemeClr val="tx1"/>
+                </a:solidFill>
+              </a:ln>
+            </p:spPr>
+            <p:style>
+              <a:lnRef idx="2">
+                <a:schemeClr val="accent1">
+                  <a:shade val="50000"/>
+                </a:schemeClr>
+              </a:lnRef>
+              <a:fillRef idx="1">
+                <a:schemeClr val="accent1"/>
+              </a:fillRef>
+              <a:effectRef idx="0">
+                <a:schemeClr val="accent1"/>
+              </a:effectRef>
+              <a:fontRef idx="minor">
+                <a:schemeClr val="lt1"/>
+              </a:fontRef>
+            </p:style>
+            <p:txBody>
+              <a:bodyPr rtlCol="0" anchor="ctr"/>
+              <a:lstStyle/>
+              <a:p>
+                <a:pPr algn="ctr"/>
+                <a:endParaRPr lang="en-US" dirty="0"/>
+              </a:p>
+            </p:txBody>
+          </p:sp>
+          <p:cxnSp>
+            <p:nvCxnSpPr>
+              <p:cNvPr id="151" name="Straight Connector 150">
+                <a:extLst>
+                  <a:ext uri="{FF2B5EF4-FFF2-40B4-BE49-F238E27FC236}">
+                    <a16:creationId xmlns:a16="http://schemas.microsoft.com/office/drawing/2014/main" id="{74E22A0D-9EA6-C039-ED51-0F1EB0E60F25}"/>
+                  </a:ext>
+                </a:extLst>
+              </p:cNvPr>
+              <p:cNvCxnSpPr>
+                <a:cxnSpLocks/>
+                <a:stCxn id="150" idx="4"/>
+              </p:cNvCxnSpPr>
+              <p:nvPr/>
+            </p:nvCxnSpPr>
+            <p:spPr>
+              <a:xfrm>
+                <a:off x="4529903" y="436605"/>
+                <a:ext cx="9146" cy="222422"/>
+              </a:xfrm>
+              <a:prstGeom prst="line">
+                <a:avLst/>
+              </a:prstGeom>
+              <a:ln>
+                <a:solidFill>
+                  <a:schemeClr val="tx1"/>
+                </a:solidFill>
+              </a:ln>
+            </p:spPr>
+            <p:style>
+              <a:lnRef idx="2">
+                <a:schemeClr val="accent1">
+                  <a:shade val="50000"/>
+                </a:schemeClr>
+              </a:lnRef>
+              <a:fillRef idx="1">
+                <a:schemeClr val="accent1"/>
+              </a:fillRef>
+              <a:effectRef idx="0">
+                <a:schemeClr val="accent1"/>
+              </a:effectRef>
+              <a:fontRef idx="minor">
+                <a:schemeClr val="lt1"/>
+              </a:fontRef>
+            </p:style>
+          </p:cxnSp>
+          <p:cxnSp>
+            <p:nvCxnSpPr>
+              <p:cNvPr id="152" name="Straight Connector 151">
+                <a:extLst>
+                  <a:ext uri="{FF2B5EF4-FFF2-40B4-BE49-F238E27FC236}">
+                    <a16:creationId xmlns:a16="http://schemas.microsoft.com/office/drawing/2014/main" id="{7184CAB2-9238-964F-AE69-01F2F0555274}"/>
+                  </a:ext>
+                </a:extLst>
+              </p:cNvPr>
+              <p:cNvCxnSpPr>
+                <a:cxnSpLocks/>
+              </p:cNvCxnSpPr>
+              <p:nvPr/>
+            </p:nvCxnSpPr>
+            <p:spPr>
+              <a:xfrm flipH="1" flipV="1">
+                <a:off x="4539049" y="659027"/>
+                <a:ext cx="98854" cy="197708"/>
+              </a:xfrm>
+              <a:prstGeom prst="line">
+                <a:avLst/>
+              </a:prstGeom>
+              <a:ln>
+                <a:solidFill>
+                  <a:schemeClr val="tx1"/>
+                </a:solidFill>
+              </a:ln>
+            </p:spPr>
+            <p:style>
+              <a:lnRef idx="2">
+                <a:schemeClr val="accent1">
+                  <a:shade val="50000"/>
+                </a:schemeClr>
+              </a:lnRef>
+              <a:fillRef idx="1">
+                <a:schemeClr val="accent1"/>
+              </a:fillRef>
+              <a:effectRef idx="0">
+                <a:schemeClr val="accent1"/>
+              </a:effectRef>
+              <a:fontRef idx="minor">
+                <a:schemeClr val="lt1"/>
+              </a:fontRef>
+            </p:style>
+          </p:cxnSp>
+          <p:cxnSp>
+            <p:nvCxnSpPr>
+              <p:cNvPr id="153" name="Straight Connector 152">
+                <a:extLst>
+                  <a:ext uri="{FF2B5EF4-FFF2-40B4-BE49-F238E27FC236}">
+                    <a16:creationId xmlns:a16="http://schemas.microsoft.com/office/drawing/2014/main" id="{5EE29B12-1929-52A5-AFAD-A18D7F3BA827}"/>
+                  </a:ext>
+                </a:extLst>
+              </p:cNvPr>
+              <p:cNvCxnSpPr>
+                <a:cxnSpLocks/>
+              </p:cNvCxnSpPr>
+              <p:nvPr/>
+            </p:nvCxnSpPr>
+            <p:spPr>
+              <a:xfrm flipV="1">
+                <a:off x="4440194" y="650789"/>
+                <a:ext cx="98854" cy="197708"/>
+              </a:xfrm>
+              <a:prstGeom prst="line">
+                <a:avLst/>
+              </a:prstGeom>
+              <a:ln>
+                <a:solidFill>
+                  <a:schemeClr val="tx1"/>
+                </a:solidFill>
+              </a:ln>
+            </p:spPr>
+            <p:style>
+              <a:lnRef idx="2">
+                <a:schemeClr val="accent1">
+                  <a:shade val="50000"/>
+                </a:schemeClr>
+              </a:lnRef>
+              <a:fillRef idx="1">
+                <a:schemeClr val="accent1"/>
+              </a:fillRef>
+              <a:effectRef idx="0">
+                <a:schemeClr val="accent1"/>
+              </a:effectRef>
+              <a:fontRef idx="minor">
+                <a:schemeClr val="lt1"/>
+              </a:fontRef>
+            </p:style>
+          </p:cxnSp>
+          <p:cxnSp>
+            <p:nvCxnSpPr>
+              <p:cNvPr id="154" name="Straight Connector 153">
+                <a:extLst>
+                  <a:ext uri="{FF2B5EF4-FFF2-40B4-BE49-F238E27FC236}">
+                    <a16:creationId xmlns:a16="http://schemas.microsoft.com/office/drawing/2014/main" id="{20A49D94-A4E9-FC79-EA34-4ECA709C1522}"/>
+                  </a:ext>
+                </a:extLst>
+              </p:cNvPr>
+              <p:cNvCxnSpPr>
+                <a:cxnSpLocks/>
+              </p:cNvCxnSpPr>
+              <p:nvPr/>
+            </p:nvCxnSpPr>
+            <p:spPr>
+              <a:xfrm flipH="1">
+                <a:off x="4421903" y="506627"/>
+                <a:ext cx="216000" cy="0"/>
+              </a:xfrm>
+              <a:prstGeom prst="line">
+                <a:avLst/>
+              </a:prstGeom>
+              <a:ln>
+                <a:solidFill>
+                  <a:schemeClr val="tx1"/>
+                </a:solidFill>
+              </a:ln>
+            </p:spPr>
+            <p:style>
+              <a:lnRef idx="2">
+                <a:schemeClr val="accent1">
+                  <a:shade val="50000"/>
+                </a:schemeClr>
+              </a:lnRef>
+              <a:fillRef idx="1">
+                <a:schemeClr val="accent1"/>
+              </a:fillRef>
+              <a:effectRef idx="0">
+                <a:schemeClr val="accent1"/>
+              </a:effectRef>
+              <a:fontRef idx="minor">
+                <a:schemeClr val="lt1"/>
+              </a:fontRef>
+            </p:style>
+          </p:cxnSp>
+        </p:grpSp>
+        <p:sp>
+          <p:nvSpPr>
+            <p:cNvPr id="149" name="TextBox 148">
+              <a:extLst>
+                <a:ext uri="{FF2B5EF4-FFF2-40B4-BE49-F238E27FC236}">
+                  <a16:creationId xmlns:a16="http://schemas.microsoft.com/office/drawing/2014/main" id="{C1821AEC-91E1-EA55-9B01-5D696DB39F56}"/>
+                </a:ext>
+              </a:extLst>
+            </p:cNvPr>
+            <p:cNvSpPr txBox="1"/>
+            <p:nvPr/>
+          </p:nvSpPr>
+          <p:spPr>
+            <a:xfrm>
+              <a:off x="9903152" y="3626706"/>
+              <a:ext cx="1546958" cy="439932"/>
+            </a:xfrm>
+            <a:prstGeom prst="rect">
+              <a:avLst/>
+            </a:prstGeom>
+            <a:noFill/>
+            <a:ln>
+              <a:noFill/>
+            </a:ln>
+          </p:spPr>
+          <p:txBody>
+            <a:bodyPr wrap="square" rtlCol="0">
+              <a:spAutoFit/>
+            </a:bodyPr>
+            <a:lstStyle/>
+            <a:p>
+              <a:pPr algn="ctr"/>
+              <a:r>
+                <a:rPr lang="en-US" sz="1200" dirty="0"/>
+                <a:t>PKI Team</a:t>
+              </a:r>
+            </a:p>
+          </p:txBody>
+        </p:sp>
+      </p:grpSp>
+      <p:cxnSp>
+        <p:nvCxnSpPr>
+          <p:cNvPr id="155" name="Straight Arrow Connector 154">
+            <a:extLst>
+              <a:ext uri="{FF2B5EF4-FFF2-40B4-BE49-F238E27FC236}">
+                <a16:creationId xmlns:a16="http://schemas.microsoft.com/office/drawing/2014/main" id="{770E928C-F643-B8C2-E0BF-2D6086BBB65D}"/>
+              </a:ext>
+            </a:extLst>
+          </p:cNvPr>
+          <p:cNvCxnSpPr>
+            <a:cxnSpLocks/>
+          </p:cNvCxnSpPr>
+          <p:nvPr/>
+        </p:nvCxnSpPr>
+        <p:spPr>
+          <a:xfrm flipH="1" flipV="1">
+            <a:off x="7832414" y="4970105"/>
+            <a:ext cx="1358689" cy="1988"/>
+          </a:xfrm>
+          <a:prstGeom prst="straightConnector1">
+            <a:avLst/>
+          </a:prstGeom>
+          <a:ln>
+            <a:solidFill>
+              <a:schemeClr val="tx1"/>
+            </a:solidFill>
+            <a:tailEnd type="triangle"/>
+          </a:ln>
+        </p:spPr>
+        <p:style>
+          <a:lnRef idx="1">
+            <a:schemeClr val="accent1"/>
+          </a:lnRef>
+          <a:fillRef idx="0">
+            <a:schemeClr val="accent1"/>
+          </a:fillRef>
+          <a:effectRef idx="0">
+            <a:schemeClr val="accent1"/>
+          </a:effectRef>
+          <a:fontRef idx="minor">
+            <a:schemeClr val="tx1"/>
+          </a:fontRef>
+        </p:style>
+      </p:cxnSp>
+      <p:sp>
+        <p:nvSpPr>
+          <p:cNvPr id="156" name="TextBox 155">
+            <a:extLst>
+              <a:ext uri="{FF2B5EF4-FFF2-40B4-BE49-F238E27FC236}">
+                <a16:creationId xmlns:a16="http://schemas.microsoft.com/office/drawing/2014/main" id="{F78889D2-DC44-DAC7-7F8C-783BED254B29}"/>
+              </a:ext>
+            </a:extLst>
+          </p:cNvPr>
+          <p:cNvSpPr txBox="1"/>
+          <p:nvPr/>
+        </p:nvSpPr>
+        <p:spPr>
+          <a:xfrm>
+            <a:off x="7781010" y="4741260"/>
+            <a:ext cx="1474389" cy="461665"/>
+          </a:xfrm>
+          <a:prstGeom prst="rect">
+            <a:avLst/>
+          </a:prstGeom>
+          <a:noFill/>
+        </p:spPr>
+        <p:txBody>
+          <a:bodyPr wrap="square" rtlCol="0">
+            <a:spAutoFit/>
+          </a:bodyPr>
+          <a:lstStyle/>
+          <a:p>
+            <a:pPr algn="ctr"/>
+            <a:r>
+              <a:rPr lang="en-US" sz="1200" noProof="1"/>
+              <a:t>policy and key management</a:t>
+            </a:r>
+          </a:p>
+        </p:txBody>
+      </p:sp>
+      <p:grpSp>
+        <p:nvGrpSpPr>
+          <p:cNvPr id="157" name="Group 156">
+            <a:extLst>
+              <a:ext uri="{FF2B5EF4-FFF2-40B4-BE49-F238E27FC236}">
+                <a16:creationId xmlns:a16="http://schemas.microsoft.com/office/drawing/2014/main" id="{C0363EB3-A37C-7FEE-F9F0-A1DB6B559F85}"/>
+              </a:ext>
+            </a:extLst>
+          </p:cNvPr>
+          <p:cNvGrpSpPr/>
+          <p:nvPr/>
+        </p:nvGrpSpPr>
+        <p:grpSpPr>
+          <a:xfrm>
+            <a:off x="9049059" y="6216447"/>
+            <a:ext cx="974026" cy="711124"/>
+            <a:chOff x="9903152" y="2937225"/>
+            <a:chExt cx="1546958" cy="1129413"/>
+          </a:xfrm>
+        </p:grpSpPr>
+        <p:grpSp>
+          <p:nvGrpSpPr>
+            <p:cNvPr id="158" name="Group 157">
+              <a:extLst>
+                <a:ext uri="{FF2B5EF4-FFF2-40B4-BE49-F238E27FC236}">
+                  <a16:creationId xmlns:a16="http://schemas.microsoft.com/office/drawing/2014/main" id="{4BE58B42-AA6F-AF27-92A7-A9966E780DCE}"/>
+                </a:ext>
+              </a:extLst>
+            </p:cNvPr>
+            <p:cNvGrpSpPr/>
+            <p:nvPr/>
+          </p:nvGrpSpPr>
+          <p:grpSpPr>
+            <a:xfrm>
+              <a:off x="10568631" y="2937225"/>
+              <a:ext cx="216000" cy="617838"/>
+              <a:chOff x="4421903" y="238897"/>
+              <a:chExt cx="216000" cy="617838"/>
+            </a:xfrm>
+          </p:grpSpPr>
+          <p:sp>
+            <p:nvSpPr>
+              <p:cNvPr id="160" name="Oval 159">
+                <a:extLst>
+                  <a:ext uri="{FF2B5EF4-FFF2-40B4-BE49-F238E27FC236}">
+                    <a16:creationId xmlns:a16="http://schemas.microsoft.com/office/drawing/2014/main" id="{5787C176-3367-092B-0807-3B15A8CC21CE}"/>
+                  </a:ext>
+                </a:extLst>
+              </p:cNvPr>
+              <p:cNvSpPr/>
+              <p:nvPr/>
+            </p:nvSpPr>
+            <p:spPr>
+              <a:xfrm>
+                <a:off x="4431049" y="238897"/>
+                <a:ext cx="197708" cy="197708"/>
+              </a:xfrm>
+              <a:prstGeom prst="ellipse">
+                <a:avLst/>
+              </a:prstGeom>
+              <a:solidFill>
+                <a:schemeClr val="bg1">
+                  <a:lumMod val="95000"/>
+                </a:schemeClr>
+              </a:solidFill>
+              <a:ln>
+                <a:solidFill>
+                  <a:schemeClr val="tx1"/>
+                </a:solidFill>
+              </a:ln>
+            </p:spPr>
+            <p:style>
+              <a:lnRef idx="2">
+                <a:schemeClr val="accent1">
+                  <a:shade val="50000"/>
+                </a:schemeClr>
+              </a:lnRef>
+              <a:fillRef idx="1">
+                <a:schemeClr val="accent1"/>
+              </a:fillRef>
+              <a:effectRef idx="0">
+                <a:schemeClr val="accent1"/>
+              </a:effectRef>
+              <a:fontRef idx="minor">
+                <a:schemeClr val="lt1"/>
+              </a:fontRef>
+            </p:style>
+            <p:txBody>
+              <a:bodyPr rtlCol="0" anchor="ctr"/>
+              <a:lstStyle/>
+              <a:p>
+                <a:pPr algn="ctr"/>
+                <a:endParaRPr lang="en-US" dirty="0"/>
+              </a:p>
+            </p:txBody>
+          </p:sp>
+          <p:cxnSp>
+            <p:nvCxnSpPr>
+              <p:cNvPr id="161" name="Straight Connector 160">
+                <a:extLst>
+                  <a:ext uri="{FF2B5EF4-FFF2-40B4-BE49-F238E27FC236}">
+                    <a16:creationId xmlns:a16="http://schemas.microsoft.com/office/drawing/2014/main" id="{6E2066BB-7F7C-1EC3-43C8-952841CFEF96}"/>
+                  </a:ext>
+                </a:extLst>
+              </p:cNvPr>
+              <p:cNvCxnSpPr>
+                <a:cxnSpLocks/>
+                <a:stCxn id="160" idx="4"/>
+              </p:cNvCxnSpPr>
+              <p:nvPr/>
+            </p:nvCxnSpPr>
+            <p:spPr>
+              <a:xfrm>
+                <a:off x="4529903" y="436605"/>
+                <a:ext cx="9146" cy="222422"/>
+              </a:xfrm>
+              <a:prstGeom prst="line">
+                <a:avLst/>
+              </a:prstGeom>
+              <a:ln>
+                <a:solidFill>
+                  <a:schemeClr val="tx1"/>
+                </a:solidFill>
+              </a:ln>
+            </p:spPr>
+            <p:style>
+              <a:lnRef idx="2">
+                <a:schemeClr val="accent1">
+                  <a:shade val="50000"/>
+                </a:schemeClr>
+              </a:lnRef>
+              <a:fillRef idx="1">
+                <a:schemeClr val="accent1"/>
+              </a:fillRef>
+              <a:effectRef idx="0">
+                <a:schemeClr val="accent1"/>
+              </a:effectRef>
+              <a:fontRef idx="minor">
+                <a:schemeClr val="lt1"/>
+              </a:fontRef>
+            </p:style>
+          </p:cxnSp>
+          <p:cxnSp>
+            <p:nvCxnSpPr>
+              <p:cNvPr id="162" name="Straight Connector 161">
+                <a:extLst>
+                  <a:ext uri="{FF2B5EF4-FFF2-40B4-BE49-F238E27FC236}">
+                    <a16:creationId xmlns:a16="http://schemas.microsoft.com/office/drawing/2014/main" id="{8EBE4D50-C576-0053-59CF-6F3F5FA50C62}"/>
+                  </a:ext>
+                </a:extLst>
+              </p:cNvPr>
+              <p:cNvCxnSpPr>
+                <a:cxnSpLocks/>
+              </p:cNvCxnSpPr>
+              <p:nvPr/>
+            </p:nvCxnSpPr>
+            <p:spPr>
+              <a:xfrm flipH="1" flipV="1">
+                <a:off x="4539049" y="659027"/>
+                <a:ext cx="98854" cy="197708"/>
+              </a:xfrm>
+              <a:prstGeom prst="line">
+                <a:avLst/>
+              </a:prstGeom>
+              <a:ln>
+                <a:solidFill>
+                  <a:schemeClr val="tx1"/>
+                </a:solidFill>
+              </a:ln>
+            </p:spPr>
+            <p:style>
+              <a:lnRef idx="2">
+                <a:schemeClr val="accent1">
+                  <a:shade val="50000"/>
+                </a:schemeClr>
+              </a:lnRef>
+              <a:fillRef idx="1">
+                <a:schemeClr val="accent1"/>
+              </a:fillRef>
+              <a:effectRef idx="0">
+                <a:schemeClr val="accent1"/>
+              </a:effectRef>
+              <a:fontRef idx="minor">
+                <a:schemeClr val="lt1"/>
+              </a:fontRef>
+            </p:style>
+          </p:cxnSp>
+          <p:cxnSp>
+            <p:nvCxnSpPr>
+              <p:cNvPr id="163" name="Straight Connector 162">
+                <a:extLst>
+                  <a:ext uri="{FF2B5EF4-FFF2-40B4-BE49-F238E27FC236}">
+                    <a16:creationId xmlns:a16="http://schemas.microsoft.com/office/drawing/2014/main" id="{36D7B4CA-064F-8C42-14A3-65B9E200FC47}"/>
+                  </a:ext>
+                </a:extLst>
+              </p:cNvPr>
+              <p:cNvCxnSpPr>
+                <a:cxnSpLocks/>
+              </p:cNvCxnSpPr>
+              <p:nvPr/>
+            </p:nvCxnSpPr>
+            <p:spPr>
+              <a:xfrm flipV="1">
+                <a:off x="4440194" y="650789"/>
+                <a:ext cx="98854" cy="197708"/>
+              </a:xfrm>
+              <a:prstGeom prst="line">
+                <a:avLst/>
+              </a:prstGeom>
+              <a:ln>
+                <a:solidFill>
+                  <a:schemeClr val="tx1"/>
+                </a:solidFill>
+              </a:ln>
+            </p:spPr>
+            <p:style>
+              <a:lnRef idx="2">
+                <a:schemeClr val="accent1">
+                  <a:shade val="50000"/>
+                </a:schemeClr>
+              </a:lnRef>
+              <a:fillRef idx="1">
+                <a:schemeClr val="accent1"/>
+              </a:fillRef>
+              <a:effectRef idx="0">
+                <a:schemeClr val="accent1"/>
+              </a:effectRef>
+              <a:fontRef idx="minor">
+                <a:schemeClr val="lt1"/>
+              </a:fontRef>
+            </p:style>
+          </p:cxnSp>
+          <p:cxnSp>
+            <p:nvCxnSpPr>
+              <p:cNvPr id="164" name="Straight Connector 163">
+                <a:extLst>
+                  <a:ext uri="{FF2B5EF4-FFF2-40B4-BE49-F238E27FC236}">
+                    <a16:creationId xmlns:a16="http://schemas.microsoft.com/office/drawing/2014/main" id="{1199D8CD-8343-35A6-AAAD-5906A3FAD590}"/>
+                  </a:ext>
+                </a:extLst>
+              </p:cNvPr>
+              <p:cNvCxnSpPr>
+                <a:cxnSpLocks/>
+              </p:cNvCxnSpPr>
+              <p:nvPr/>
+            </p:nvCxnSpPr>
+            <p:spPr>
+              <a:xfrm flipH="1">
+                <a:off x="4421903" y="506627"/>
+                <a:ext cx="216000" cy="0"/>
+              </a:xfrm>
+              <a:prstGeom prst="line">
+                <a:avLst/>
+              </a:prstGeom>
+              <a:ln>
+                <a:solidFill>
+                  <a:schemeClr val="tx1"/>
+                </a:solidFill>
+              </a:ln>
+            </p:spPr>
+            <p:style>
+              <a:lnRef idx="2">
+                <a:schemeClr val="accent1">
+                  <a:shade val="50000"/>
+                </a:schemeClr>
+              </a:lnRef>
+              <a:fillRef idx="1">
+                <a:schemeClr val="accent1"/>
+              </a:fillRef>
+              <a:effectRef idx="0">
+                <a:schemeClr val="accent1"/>
+              </a:effectRef>
+              <a:fontRef idx="minor">
+                <a:schemeClr val="lt1"/>
+              </a:fontRef>
+            </p:style>
+          </p:cxnSp>
+        </p:grpSp>
+        <p:sp>
+          <p:nvSpPr>
+            <p:cNvPr id="159" name="TextBox 158">
+              <a:extLst>
+                <a:ext uri="{FF2B5EF4-FFF2-40B4-BE49-F238E27FC236}">
+                  <a16:creationId xmlns:a16="http://schemas.microsoft.com/office/drawing/2014/main" id="{076A0BD7-ECDF-1ACA-E1A3-A2989EC70299}"/>
+                </a:ext>
+              </a:extLst>
+            </p:cNvPr>
+            <p:cNvSpPr txBox="1"/>
+            <p:nvPr/>
+          </p:nvSpPr>
+          <p:spPr>
+            <a:xfrm>
+              <a:off x="9903152" y="3626706"/>
+              <a:ext cx="1546958" cy="439932"/>
+            </a:xfrm>
+            <a:prstGeom prst="rect">
+              <a:avLst/>
+            </a:prstGeom>
+            <a:noFill/>
+            <a:ln>
+              <a:noFill/>
+            </a:ln>
+          </p:spPr>
+          <p:txBody>
+            <a:bodyPr wrap="square" rtlCol="0">
+              <a:spAutoFit/>
+            </a:bodyPr>
+            <a:lstStyle/>
+            <a:p>
+              <a:pPr algn="ctr"/>
+              <a:r>
+                <a:rPr lang="en-US" sz="1200" dirty="0"/>
+                <a:t>PKI Team</a:t>
+              </a:r>
+            </a:p>
+          </p:txBody>
+        </p:sp>
+      </p:grpSp>
+      <p:cxnSp>
+        <p:nvCxnSpPr>
+          <p:cNvPr id="165" name="Straight Arrow Connector 164">
+            <a:extLst>
+              <a:ext uri="{FF2B5EF4-FFF2-40B4-BE49-F238E27FC236}">
+                <a16:creationId xmlns:a16="http://schemas.microsoft.com/office/drawing/2014/main" id="{7878ACF3-BCC5-E8E1-8DE1-F882889B5F56}"/>
+              </a:ext>
+            </a:extLst>
+          </p:cNvPr>
+          <p:cNvCxnSpPr>
+            <a:cxnSpLocks/>
+          </p:cNvCxnSpPr>
+          <p:nvPr/>
+        </p:nvCxnSpPr>
+        <p:spPr>
+          <a:xfrm flipH="1" flipV="1">
+            <a:off x="7832414" y="6445461"/>
+            <a:ext cx="1358689" cy="1988"/>
+          </a:xfrm>
+          <a:prstGeom prst="straightConnector1">
+            <a:avLst/>
+          </a:prstGeom>
+          <a:ln>
+            <a:solidFill>
+              <a:schemeClr val="tx1"/>
+            </a:solidFill>
+            <a:tailEnd type="triangle"/>
+          </a:ln>
+        </p:spPr>
+        <p:style>
+          <a:lnRef idx="1">
+            <a:schemeClr val="accent1"/>
+          </a:lnRef>
+          <a:fillRef idx="0">
+            <a:schemeClr val="accent1"/>
+          </a:fillRef>
+          <a:effectRef idx="0">
+            <a:schemeClr val="accent1"/>
+          </a:effectRef>
+          <a:fontRef idx="minor">
+            <a:schemeClr val="tx1"/>
+          </a:fontRef>
+        </p:style>
+      </p:cxnSp>
+      <p:sp>
+        <p:nvSpPr>
+          <p:cNvPr id="166" name="TextBox 165">
+            <a:extLst>
+              <a:ext uri="{FF2B5EF4-FFF2-40B4-BE49-F238E27FC236}">
+                <a16:creationId xmlns:a16="http://schemas.microsoft.com/office/drawing/2014/main" id="{0A7FA931-C02D-E140-0D49-141CF70B2C1E}"/>
+              </a:ext>
+            </a:extLst>
+          </p:cNvPr>
+          <p:cNvSpPr txBox="1"/>
+          <p:nvPr/>
+        </p:nvSpPr>
+        <p:spPr>
+          <a:xfrm>
+            <a:off x="7781010" y="6216616"/>
+            <a:ext cx="1474389" cy="646331"/>
+          </a:xfrm>
+          <a:prstGeom prst="rect">
+            <a:avLst/>
+          </a:prstGeom>
+          <a:noFill/>
+        </p:spPr>
+        <p:txBody>
+          <a:bodyPr wrap="square" rtlCol="0">
+            <a:spAutoFit/>
+          </a:bodyPr>
+          <a:lstStyle/>
+          <a:p>
+            <a:pPr algn="ctr"/>
+            <a:r>
+              <a:rPr lang="en-US" sz="1200" noProof="1"/>
+              <a:t>policy and key management, operations</a:t>
+            </a:r>
+          </a:p>
+        </p:txBody>
+      </p:sp>
+      <p:sp>
+        <p:nvSpPr>
+          <p:cNvPr id="167" name="TextBox 166">
+            <a:extLst>
+              <a:ext uri="{FF2B5EF4-FFF2-40B4-BE49-F238E27FC236}">
+                <a16:creationId xmlns:a16="http://schemas.microsoft.com/office/drawing/2014/main" id="{B52CA3AF-B943-EEEE-5732-0C8A78C41DB9}"/>
+              </a:ext>
+            </a:extLst>
+          </p:cNvPr>
+          <p:cNvSpPr txBox="1"/>
+          <p:nvPr/>
+        </p:nvSpPr>
+        <p:spPr>
+          <a:xfrm>
+            <a:off x="7781010" y="310266"/>
+            <a:ext cx="1474389" cy="461665"/>
+          </a:xfrm>
+          <a:prstGeom prst="rect">
+            <a:avLst/>
+          </a:prstGeom>
+          <a:noFill/>
+        </p:spPr>
+        <p:txBody>
+          <a:bodyPr wrap="square" rtlCol="0">
+            <a:spAutoFit/>
+          </a:bodyPr>
+          <a:lstStyle/>
+          <a:p>
+            <a:pPr algn="ctr"/>
+            <a:r>
+              <a:rPr lang="en-US" sz="1200" noProof="1"/>
+              <a:t>(automatic key management)</a:t>
+            </a:r>
+          </a:p>
+        </p:txBody>
+      </p:sp>
+    </p:spTree>
+    <p:extLst>
+      <p:ext uri="{BB962C8B-B14F-4D97-AF65-F5344CB8AC3E}">
+        <p14:creationId xmlns:p14="http://schemas.microsoft.com/office/powerpoint/2010/main" val="2548084218"/>
+      </p:ext>
+    </p:extLst>
+  </p:cSld>
+  <p:clrMapOvr>
+    <a:masterClrMapping/>
+  </p:clrMapOvr>
+</p:sld>
+</file>
+
+<file path=ppt/slides/slide11.xml><?xml version="1.0" encoding="utf-8"?>
+<p:sld xmlns:a="http://schemas.openxmlformats.org/drawingml/2006/main" xmlns:r="http://schemas.openxmlformats.org/officeDocument/2006/relationships" xmlns:p="http://schemas.openxmlformats.org/presentationml/2006/main">
+  <p:cSld>
+    <p:spTree>
+      <p:nvGrpSpPr>
+        <p:cNvPr id="1" name=""/>
+        <p:cNvGrpSpPr/>
+        <p:nvPr/>
+      </p:nvGrpSpPr>
+      <p:grpSpPr>
+        <a:xfrm>
+          <a:off x="0" y="0"/>
+          <a:ext cx="0" cy="0"/>
+          <a:chOff x="0" y="0"/>
+          <a:chExt cx="0" cy="0"/>
+        </a:xfrm>
+      </p:grpSpPr>
       <p:grpSp>
         <p:nvGrpSpPr>
           <p:cNvPr id="4" name="Group 3">
@@ -5160,297 +9995,6 @@
       </p:grpSp>
       <p:grpSp>
         <p:nvGrpSpPr>
-          <p:cNvPr id="25" name="Group 24">
-            <a:extLst>
-              <a:ext uri="{FF2B5EF4-FFF2-40B4-BE49-F238E27FC236}">
-                <a16:creationId xmlns:a16="http://schemas.microsoft.com/office/drawing/2014/main" id="{6437E248-1C37-40BB-B95D-F1D3B253C5AC}"/>
-              </a:ext>
-            </a:extLst>
-          </p:cNvPr>
-          <p:cNvGrpSpPr/>
-          <p:nvPr/>
-        </p:nvGrpSpPr>
-        <p:grpSpPr>
-          <a:xfrm>
-            <a:off x="3500776" y="1851295"/>
-            <a:ext cx="328438" cy="725641"/>
-            <a:chOff x="4110212" y="4444304"/>
-            <a:chExt cx="328438" cy="725641"/>
-          </a:xfrm>
-        </p:grpSpPr>
-        <p:sp>
-          <p:nvSpPr>
-            <p:cNvPr id="26" name="TextBox 25">
-              <a:extLst>
-                <a:ext uri="{FF2B5EF4-FFF2-40B4-BE49-F238E27FC236}">
-                  <a16:creationId xmlns:a16="http://schemas.microsoft.com/office/drawing/2014/main" id="{03F1A023-F3CC-45BA-96BB-8C94D2F3C049}"/>
-                </a:ext>
-              </a:extLst>
-            </p:cNvPr>
-            <p:cNvSpPr txBox="1"/>
-            <p:nvPr/>
-          </p:nvSpPr>
-          <p:spPr>
-            <a:xfrm>
-              <a:off x="4121984" y="4892946"/>
-              <a:ext cx="304892" cy="276999"/>
-            </a:xfrm>
-            <a:prstGeom prst="rect">
-              <a:avLst/>
-            </a:prstGeom>
-            <a:noFill/>
-          </p:spPr>
-          <p:txBody>
-            <a:bodyPr wrap="none" rtlCol="0">
-              <a:spAutoFit/>
-            </a:bodyPr>
-            <a:lstStyle/>
-            <a:p>
-              <a:pPr algn="ctr"/>
-              <a:r>
-                <a:rPr lang="en-US" sz="1200" dirty="0"/>
-                <a:t>CI</a:t>
-              </a:r>
-            </a:p>
-          </p:txBody>
-        </p:sp>
-        <p:pic>
-          <p:nvPicPr>
-            <p:cNvPr id="27" name="Picture 6" descr="Jenkins Logo PNG Transparent &amp; SVG Vector - Freebie Supply">
-              <a:extLst>
-                <a:ext uri="{FF2B5EF4-FFF2-40B4-BE49-F238E27FC236}">
-                  <a16:creationId xmlns:a16="http://schemas.microsoft.com/office/drawing/2014/main" id="{9993A508-CE5C-4018-A43F-1B9594144098}"/>
-                </a:ext>
-              </a:extLst>
-            </p:cNvPr>
-            <p:cNvPicPr>
-              <a:picLocks noChangeAspect="1" noChangeArrowheads="1"/>
-            </p:cNvPicPr>
-            <p:nvPr/>
-          </p:nvPicPr>
-          <p:blipFill rotWithShape="1">
-            <a:blip r:embed="rId6" cstate="print">
-              <a:extLst>
-                <a:ext uri="{28A0092B-C50C-407E-A947-70E740481C1C}">
-                  <a14:useLocalDpi xmlns:a14="http://schemas.microsoft.com/office/drawing/2010/main" val="0"/>
-                </a:ext>
-              </a:extLst>
-            </a:blip>
-            <a:srcRect b="13598"/>
-            <a:stretch/>
-          </p:blipFill>
-          <p:spPr bwMode="auto">
-            <a:xfrm>
-              <a:off x="4110212" y="4444304"/>
-              <a:ext cx="328438" cy="462256"/>
-            </a:xfrm>
-            <a:prstGeom prst="rect">
-              <a:avLst/>
-            </a:prstGeom>
-            <a:noFill/>
-            <a:extLst>
-              <a:ext uri="{909E8E84-426E-40DD-AFC4-6F175D3DCCD1}">
-                <a14:hiddenFill xmlns:a14="http://schemas.microsoft.com/office/drawing/2010/main">
-                  <a:solidFill>
-                    <a:srgbClr val="FFFFFF"/>
-                  </a:solidFill>
-                </a14:hiddenFill>
-              </a:ext>
-            </a:extLst>
-          </p:spPr>
-        </p:pic>
-      </p:grpSp>
-      <p:grpSp>
-        <p:nvGrpSpPr>
-          <p:cNvPr id="31" name="Group 30">
-            <a:extLst>
-              <a:ext uri="{FF2B5EF4-FFF2-40B4-BE49-F238E27FC236}">
-                <a16:creationId xmlns:a16="http://schemas.microsoft.com/office/drawing/2014/main" id="{0DB1C588-8ED2-40CA-9C9D-B71B38A9D415}"/>
-              </a:ext>
-            </a:extLst>
-          </p:cNvPr>
-          <p:cNvGrpSpPr/>
-          <p:nvPr/>
-        </p:nvGrpSpPr>
-        <p:grpSpPr>
-          <a:xfrm>
-            <a:off x="4128086" y="1902216"/>
-            <a:ext cx="919966" cy="666646"/>
-            <a:chOff x="1832333" y="1493134"/>
-            <a:chExt cx="919966" cy="666646"/>
-          </a:xfrm>
-        </p:grpSpPr>
-        <p:sp>
-          <p:nvSpPr>
-            <p:cNvPr id="32" name="TextBox 31">
-              <a:extLst>
-                <a:ext uri="{FF2B5EF4-FFF2-40B4-BE49-F238E27FC236}">
-                  <a16:creationId xmlns:a16="http://schemas.microsoft.com/office/drawing/2014/main" id="{D5B3E666-2B9E-4E72-AAE9-4F0445CFE720}"/>
-                </a:ext>
-              </a:extLst>
-            </p:cNvPr>
-            <p:cNvSpPr txBox="1"/>
-            <p:nvPr/>
-          </p:nvSpPr>
-          <p:spPr>
-            <a:xfrm>
-              <a:off x="1832333" y="1882781"/>
-              <a:ext cx="919966" cy="276999"/>
-            </a:xfrm>
-            <a:prstGeom prst="rect">
-              <a:avLst/>
-            </a:prstGeom>
-            <a:noFill/>
-          </p:spPr>
-          <p:txBody>
-            <a:bodyPr wrap="square" rtlCol="0">
-              <a:spAutoFit/>
-            </a:bodyPr>
-            <a:lstStyle/>
-            <a:p>
-              <a:pPr algn="ctr"/>
-              <a:r>
-                <a:rPr lang="en-US" sz="1200" noProof="1"/>
-                <a:t>AppVeyor</a:t>
-              </a:r>
-            </a:p>
-          </p:txBody>
-        </p:sp>
-        <p:pic>
-          <p:nvPicPr>
-            <p:cNvPr id="33" name="Graphic 32">
-              <a:extLst>
-                <a:ext uri="{FF2B5EF4-FFF2-40B4-BE49-F238E27FC236}">
-                  <a16:creationId xmlns:a16="http://schemas.microsoft.com/office/drawing/2014/main" id="{383FCE63-AF5B-4B89-895F-DE12C63DA956}"/>
-                </a:ext>
-              </a:extLst>
-            </p:cNvPr>
-            <p:cNvPicPr>
-              <a:picLocks noChangeAspect="1"/>
-            </p:cNvPicPr>
-            <p:nvPr/>
-          </p:nvPicPr>
-          <p:blipFill>
-            <a:blip r:embed="rId7" cstate="print">
-              <a:extLst>
-                <a:ext uri="{28A0092B-C50C-407E-A947-70E740481C1C}">
-                  <a14:useLocalDpi xmlns:a14="http://schemas.microsoft.com/office/drawing/2010/main" val="0"/>
-                </a:ext>
-                <a:ext uri="{96DAC541-7B7A-43D3-8B79-37D633B846F1}">
-                  <asvg:svgBlip xmlns:asvg="http://schemas.microsoft.com/office/drawing/2016/SVG/main" r:embed="rId8"/>
-                </a:ext>
-              </a:extLst>
-            </a:blip>
-            <a:stretch>
-              <a:fillRect/>
-            </a:stretch>
-          </p:blipFill>
-          <p:spPr>
-            <a:xfrm flipH="1">
-              <a:off x="2107650" y="1493134"/>
-              <a:ext cx="369332" cy="369332"/>
-            </a:xfrm>
-            <a:prstGeom prst="rect">
-              <a:avLst/>
-            </a:prstGeom>
-          </p:spPr>
-        </p:pic>
-      </p:grpSp>
-      <p:grpSp>
-        <p:nvGrpSpPr>
-          <p:cNvPr id="34" name="Group 33">
-            <a:extLst>
-              <a:ext uri="{FF2B5EF4-FFF2-40B4-BE49-F238E27FC236}">
-                <a16:creationId xmlns:a16="http://schemas.microsoft.com/office/drawing/2014/main" id="{C7AC708F-9887-47C0-80EB-A79B4D80246B}"/>
-              </a:ext>
-            </a:extLst>
-          </p:cNvPr>
-          <p:cNvGrpSpPr/>
-          <p:nvPr/>
-        </p:nvGrpSpPr>
-        <p:grpSpPr>
-          <a:xfrm>
-            <a:off x="1715669" y="1919216"/>
-            <a:ext cx="814160" cy="646331"/>
-            <a:chOff x="6253762" y="1502242"/>
-            <a:chExt cx="814160" cy="646331"/>
-          </a:xfrm>
-        </p:grpSpPr>
-        <p:pic>
-          <p:nvPicPr>
-            <p:cNvPr id="35" name="Picture 34">
-              <a:extLst>
-                <a:ext uri="{FF2B5EF4-FFF2-40B4-BE49-F238E27FC236}">
-                  <a16:creationId xmlns:a16="http://schemas.microsoft.com/office/drawing/2014/main" id="{607F3EDD-203B-469C-B380-BAFF1AEEC0FE}"/>
-                </a:ext>
-              </a:extLst>
-            </p:cNvPr>
-            <p:cNvPicPr>
-              <a:picLocks noChangeAspect="1"/>
-            </p:cNvPicPr>
-            <p:nvPr/>
-          </p:nvPicPr>
-          <p:blipFill>
-            <a:blip r:embed="rId9">
-              <a:extLst>
-                <a:ext uri="{28A0092B-C50C-407E-A947-70E740481C1C}">
-                  <a14:useLocalDpi xmlns:a14="http://schemas.microsoft.com/office/drawing/2010/main" val="0"/>
-                </a:ext>
-              </a:extLst>
-            </a:blip>
-            <a:stretch>
-              <a:fillRect/>
-            </a:stretch>
-          </p:blipFill>
-          <p:spPr>
-            <a:xfrm>
-              <a:off x="6476176" y="1502242"/>
-              <a:ext cx="369332" cy="369332"/>
-            </a:xfrm>
-            <a:prstGeom prst="rect">
-              <a:avLst/>
-            </a:prstGeom>
-          </p:spPr>
-        </p:pic>
-        <p:sp>
-          <p:nvSpPr>
-            <p:cNvPr id="36" name="TextBox 35">
-              <a:extLst>
-                <a:ext uri="{FF2B5EF4-FFF2-40B4-BE49-F238E27FC236}">
-                  <a16:creationId xmlns:a16="http://schemas.microsoft.com/office/drawing/2014/main" id="{1CEE3A9C-4633-4C25-A2BA-8EC2B93E3ABD}"/>
-                </a:ext>
-              </a:extLst>
-            </p:cNvPr>
-            <p:cNvSpPr txBox="1"/>
-            <p:nvPr/>
-          </p:nvSpPr>
-          <p:spPr>
-            <a:xfrm>
-              <a:off x="6253762" y="1871574"/>
-              <a:ext cx="814160" cy="276999"/>
-            </a:xfrm>
-            <a:prstGeom prst="rect">
-              <a:avLst/>
-            </a:prstGeom>
-            <a:noFill/>
-          </p:spPr>
-          <p:txBody>
-            <a:bodyPr wrap="square" rtlCol="0">
-              <a:spAutoFit/>
-            </a:bodyPr>
-            <a:lstStyle/>
-            <a:p>
-              <a:pPr algn="ctr"/>
-              <a:r>
-                <a:rPr lang="en-US" sz="1200" noProof="1"/>
-                <a:t>SignPath</a:t>
-              </a:r>
-            </a:p>
-          </p:txBody>
-        </p:sp>
-      </p:grpSp>
-      <p:grpSp>
-        <p:nvGrpSpPr>
           <p:cNvPr id="39" name="Group 38">
             <a:extLst>
               <a:ext uri="{FF2B5EF4-FFF2-40B4-BE49-F238E27FC236}">
@@ -5484,7 +10028,7 @@
             <p:nvPr/>
           </p:nvPicPr>
           <p:blipFill>
-            <a:blip r:embed="rId10" cstate="print">
+            <a:blip r:embed="rId6" cstate="print">
               <a:extLst>
                 <a:ext uri="{28A0092B-C50C-407E-A947-70E740481C1C}">
                   <a14:useLocalDpi xmlns:a14="http://schemas.microsoft.com/office/drawing/2010/main" val="0"/>
@@ -5588,7 +10132,7 @@
             <p:nvPr/>
           </p:nvPicPr>
           <p:blipFill>
-            <a:blip r:embed="rId11"/>
+            <a:blip r:embed="rId7"/>
             <a:stretch>
               <a:fillRect/>
             </a:stretch>
@@ -6085,7 +10629,7 @@
             <p:nvPr/>
           </p:nvPicPr>
           <p:blipFill>
-            <a:blip r:embed="rId12"/>
+            <a:blip r:embed="rId8"/>
             <a:stretch>
               <a:fillRect/>
             </a:stretch>
@@ -6836,6 +11380,517 @@
           </a:p>
         </p:txBody>
       </p:sp>
+      <p:grpSp>
+        <p:nvGrpSpPr>
+          <p:cNvPr id="3" name="Group 2">
+            <a:extLst>
+              <a:ext uri="{FF2B5EF4-FFF2-40B4-BE49-F238E27FC236}">
+                <a16:creationId xmlns:a16="http://schemas.microsoft.com/office/drawing/2014/main" id="{E125BD0C-D138-5490-AC17-07E5F2739669}"/>
+              </a:ext>
+            </a:extLst>
+          </p:cNvPr>
+          <p:cNvGrpSpPr/>
+          <p:nvPr/>
+        </p:nvGrpSpPr>
+        <p:grpSpPr>
+          <a:xfrm>
+            <a:off x="5231246" y="1840214"/>
+            <a:ext cx="919966" cy="725332"/>
+            <a:chOff x="5231246" y="1840214"/>
+            <a:chExt cx="919966" cy="725332"/>
+          </a:xfrm>
+        </p:grpSpPr>
+        <p:pic>
+          <p:nvPicPr>
+            <p:cNvPr id="1026" name="Picture 2" descr="Data Protection On Demand - 30-Day Free Evaluation">
+              <a:extLst>
+                <a:ext uri="{FF2B5EF4-FFF2-40B4-BE49-F238E27FC236}">
+                  <a16:creationId xmlns:a16="http://schemas.microsoft.com/office/drawing/2014/main" id="{DED02400-9CDC-3523-E8C0-D1A7BEB4FE19}"/>
+                </a:ext>
+              </a:extLst>
+            </p:cNvPr>
+            <p:cNvPicPr>
+              <a:picLocks noChangeAspect="1" noChangeArrowheads="1"/>
+            </p:cNvPicPr>
+            <p:nvPr/>
+          </p:nvPicPr>
+          <p:blipFill>
+            <a:blip r:embed="rId9" cstate="print">
+              <a:extLst>
+                <a:ext uri="{28A0092B-C50C-407E-A947-70E740481C1C}">
+                  <a14:useLocalDpi xmlns:a14="http://schemas.microsoft.com/office/drawing/2010/main" val="0"/>
+                </a:ext>
+              </a:extLst>
+            </a:blip>
+            <a:srcRect/>
+            <a:stretch>
+              <a:fillRect/>
+            </a:stretch>
+          </p:blipFill>
+          <p:spPr bwMode="auto">
+            <a:xfrm>
+              <a:off x="5449020" y="1840214"/>
+              <a:ext cx="484420" cy="484418"/>
+            </a:xfrm>
+            <a:prstGeom prst="rect">
+              <a:avLst/>
+            </a:prstGeom>
+            <a:noFill/>
+            <a:extLst>
+              <a:ext uri="{909E8E84-426E-40DD-AFC4-6F175D3DCCD1}">
+                <a14:hiddenFill xmlns:a14="http://schemas.microsoft.com/office/drawing/2010/main">
+                  <a:solidFill>
+                    <a:srgbClr val="FFFFFF"/>
+                  </a:solidFill>
+                </a14:hiddenFill>
+              </a:ext>
+            </a:extLst>
+          </p:spPr>
+        </p:pic>
+        <p:sp>
+          <p:nvSpPr>
+            <p:cNvPr id="2" name="TextBox 1">
+              <a:extLst>
+                <a:ext uri="{FF2B5EF4-FFF2-40B4-BE49-F238E27FC236}">
+                  <a16:creationId xmlns:a16="http://schemas.microsoft.com/office/drawing/2014/main" id="{F09C4545-6C63-2C0A-95A3-5E7D081E8940}"/>
+                </a:ext>
+              </a:extLst>
+            </p:cNvPr>
+            <p:cNvSpPr txBox="1"/>
+            <p:nvPr/>
+          </p:nvSpPr>
+          <p:spPr>
+            <a:xfrm>
+              <a:off x="5231246" y="2288547"/>
+              <a:ext cx="919966" cy="276999"/>
+            </a:xfrm>
+            <a:prstGeom prst="rect">
+              <a:avLst/>
+            </a:prstGeom>
+            <a:noFill/>
+          </p:spPr>
+          <p:txBody>
+            <a:bodyPr wrap="square" rtlCol="0">
+              <a:spAutoFit/>
+            </a:bodyPr>
+            <a:lstStyle/>
+            <a:p>
+              <a:pPr algn="ctr"/>
+              <a:r>
+                <a:rPr lang="en-US" sz="1200" noProof="1"/>
+                <a:t>DPoD</a:t>
+              </a:r>
+            </a:p>
+          </p:txBody>
+        </p:sp>
+      </p:grpSp>
+      <p:grpSp>
+        <p:nvGrpSpPr>
+          <p:cNvPr id="19" name="Group 18">
+            <a:extLst>
+              <a:ext uri="{FF2B5EF4-FFF2-40B4-BE49-F238E27FC236}">
+                <a16:creationId xmlns:a16="http://schemas.microsoft.com/office/drawing/2014/main" id="{517706B5-574B-865D-47BD-600498D0F1AC}"/>
+              </a:ext>
+            </a:extLst>
+          </p:cNvPr>
+          <p:cNvGrpSpPr/>
+          <p:nvPr/>
+        </p:nvGrpSpPr>
+        <p:grpSpPr>
+          <a:xfrm>
+            <a:off x="3503847" y="1851295"/>
+            <a:ext cx="322294" cy="725641"/>
+            <a:chOff x="3503847" y="1851295"/>
+            <a:chExt cx="322294" cy="725641"/>
+          </a:xfrm>
+        </p:grpSpPr>
+        <p:sp>
+          <p:nvSpPr>
+            <p:cNvPr id="26" name="TextBox 25">
+              <a:extLst>
+                <a:ext uri="{FF2B5EF4-FFF2-40B4-BE49-F238E27FC236}">
+                  <a16:creationId xmlns:a16="http://schemas.microsoft.com/office/drawing/2014/main" id="{03F1A023-F3CC-45BA-96BB-8C94D2F3C049}"/>
+                </a:ext>
+              </a:extLst>
+            </p:cNvPr>
+            <p:cNvSpPr txBox="1"/>
+            <p:nvPr/>
+          </p:nvSpPr>
+          <p:spPr>
+            <a:xfrm>
+              <a:off x="3512548" y="2299937"/>
+              <a:ext cx="304892" cy="276999"/>
+            </a:xfrm>
+            <a:prstGeom prst="rect">
+              <a:avLst/>
+            </a:prstGeom>
+            <a:noFill/>
+          </p:spPr>
+          <p:txBody>
+            <a:bodyPr wrap="none" rtlCol="0">
+              <a:spAutoFit/>
+            </a:bodyPr>
+            <a:lstStyle/>
+            <a:p>
+              <a:pPr algn="ctr"/>
+              <a:r>
+                <a:rPr lang="en-US" sz="1200" dirty="0"/>
+                <a:t>CI</a:t>
+              </a:r>
+            </a:p>
+          </p:txBody>
+        </p:sp>
+        <p:pic>
+          <p:nvPicPr>
+            <p:cNvPr id="1028" name="Picture 4">
+              <a:extLst>
+                <a:ext uri="{FF2B5EF4-FFF2-40B4-BE49-F238E27FC236}">
+                  <a16:creationId xmlns:a16="http://schemas.microsoft.com/office/drawing/2014/main" id="{E19B891F-9B13-A425-B147-6AD857479314}"/>
+                </a:ext>
+              </a:extLst>
+            </p:cNvPr>
+            <p:cNvPicPr>
+              <a:picLocks noChangeAspect="1" noChangeArrowheads="1"/>
+            </p:cNvPicPr>
+            <p:nvPr/>
+          </p:nvPicPr>
+          <p:blipFill>
+            <a:blip r:embed="rId10" cstate="print">
+              <a:extLst>
+                <a:ext uri="{28A0092B-C50C-407E-A947-70E740481C1C}">
+                  <a14:useLocalDpi xmlns:a14="http://schemas.microsoft.com/office/drawing/2010/main" val="0"/>
+                </a:ext>
+              </a:extLst>
+            </a:blip>
+            <a:srcRect/>
+            <a:stretch>
+              <a:fillRect/>
+            </a:stretch>
+          </p:blipFill>
+          <p:spPr bwMode="auto">
+            <a:xfrm>
+              <a:off x="3503847" y="1851295"/>
+              <a:ext cx="322294" cy="444970"/>
+            </a:xfrm>
+            <a:prstGeom prst="rect">
+              <a:avLst/>
+            </a:prstGeom>
+            <a:noFill/>
+            <a:extLst>
+              <a:ext uri="{909E8E84-426E-40DD-AFC4-6F175D3DCCD1}">
+                <a14:hiddenFill xmlns:a14="http://schemas.microsoft.com/office/drawing/2010/main">
+                  <a:solidFill>
+                    <a:srgbClr val="FFFFFF"/>
+                  </a:solidFill>
+                </a14:hiddenFill>
+              </a:ext>
+            </a:extLst>
+          </p:spPr>
+        </p:pic>
+      </p:grpSp>
+      <p:pic>
+        <p:nvPicPr>
+          <p:cNvPr id="21" name="Graphic 20">
+            <a:extLst>
+              <a:ext uri="{FF2B5EF4-FFF2-40B4-BE49-F238E27FC236}">
+                <a16:creationId xmlns:a16="http://schemas.microsoft.com/office/drawing/2014/main" id="{EDB6BFE8-8786-CB93-3AB6-C0544991B3CB}"/>
+              </a:ext>
+            </a:extLst>
+          </p:cNvPr>
+          <p:cNvPicPr>
+            <a:picLocks noChangeAspect="1"/>
+          </p:cNvPicPr>
+          <p:nvPr/>
+        </p:nvPicPr>
+        <p:blipFill>
+          <a:blip r:embed="rId11" cstate="print">
+            <a:extLst>
+              <a:ext uri="{28A0092B-C50C-407E-A947-70E740481C1C}">
+                <a14:useLocalDpi xmlns:a14="http://schemas.microsoft.com/office/drawing/2010/main" val="0"/>
+              </a:ext>
+              <a:ext uri="{96DAC541-7B7A-43D3-8B79-37D633B846F1}">
+                <asvg:svgBlip xmlns:asvg="http://schemas.microsoft.com/office/drawing/2016/SVG/main" r:embed="rId12"/>
+              </a:ext>
+            </a:extLst>
+          </a:blip>
+          <a:stretch>
+            <a:fillRect/>
+          </a:stretch>
+        </p:blipFill>
+        <p:spPr>
+          <a:xfrm>
+            <a:off x="2060506" y="5900317"/>
+            <a:ext cx="2563109" cy="516756"/>
+          </a:xfrm>
+          <a:prstGeom prst="rect">
+            <a:avLst/>
+          </a:prstGeom>
+        </p:spPr>
+      </p:pic>
+      <p:grpSp>
+        <p:nvGrpSpPr>
+          <p:cNvPr id="55" name="Group 54">
+            <a:extLst>
+              <a:ext uri="{FF2B5EF4-FFF2-40B4-BE49-F238E27FC236}">
+                <a16:creationId xmlns:a16="http://schemas.microsoft.com/office/drawing/2014/main" id="{B48CCD5C-1120-1DFE-7C1C-7ACB5B3DDF23}"/>
+              </a:ext>
+            </a:extLst>
+          </p:cNvPr>
+          <p:cNvGrpSpPr/>
+          <p:nvPr/>
+        </p:nvGrpSpPr>
+        <p:grpSpPr>
+          <a:xfrm>
+            <a:off x="1715669" y="1894573"/>
+            <a:ext cx="814160" cy="670974"/>
+            <a:chOff x="1715669" y="1894573"/>
+            <a:chExt cx="814160" cy="670974"/>
+          </a:xfrm>
+        </p:grpSpPr>
+        <p:sp>
+          <p:nvSpPr>
+            <p:cNvPr id="36" name="TextBox 35">
+              <a:extLst>
+                <a:ext uri="{FF2B5EF4-FFF2-40B4-BE49-F238E27FC236}">
+                  <a16:creationId xmlns:a16="http://schemas.microsoft.com/office/drawing/2014/main" id="{1CEE3A9C-4633-4C25-A2BA-8EC2B93E3ABD}"/>
+                </a:ext>
+              </a:extLst>
+            </p:cNvPr>
+            <p:cNvSpPr txBox="1"/>
+            <p:nvPr/>
+          </p:nvSpPr>
+          <p:spPr>
+            <a:xfrm>
+              <a:off x="1715669" y="2288548"/>
+              <a:ext cx="814160" cy="276999"/>
+            </a:xfrm>
+            <a:prstGeom prst="rect">
+              <a:avLst/>
+            </a:prstGeom>
+            <a:noFill/>
+          </p:spPr>
+          <p:txBody>
+            <a:bodyPr wrap="square" rtlCol="0">
+              <a:spAutoFit/>
+            </a:bodyPr>
+            <a:lstStyle/>
+            <a:p>
+              <a:pPr algn="ctr"/>
+              <a:r>
+                <a:rPr lang="en-US" sz="1200" noProof="1"/>
+                <a:t>SignPath</a:t>
+              </a:r>
+            </a:p>
+          </p:txBody>
+        </p:sp>
+        <p:grpSp>
+          <p:nvGrpSpPr>
+            <p:cNvPr id="53" name="Group 52">
+              <a:extLst>
+                <a:ext uri="{FF2B5EF4-FFF2-40B4-BE49-F238E27FC236}">
+                  <a16:creationId xmlns:a16="http://schemas.microsoft.com/office/drawing/2014/main" id="{F1266A30-1C19-C259-9A67-BFC859F36E6B}"/>
+                </a:ext>
+              </a:extLst>
+            </p:cNvPr>
+            <p:cNvGrpSpPr/>
+            <p:nvPr/>
+          </p:nvGrpSpPr>
+          <p:grpSpPr>
+            <a:xfrm>
+              <a:off x="1900729" y="1894573"/>
+              <a:ext cx="444039" cy="386433"/>
+              <a:chOff x="1900729" y="1894573"/>
+              <a:chExt cx="444039" cy="386433"/>
+            </a:xfrm>
+          </p:grpSpPr>
+          <p:sp>
+            <p:nvSpPr>
+              <p:cNvPr id="52" name="Rectangle 51">
+                <a:extLst>
+                  <a:ext uri="{FF2B5EF4-FFF2-40B4-BE49-F238E27FC236}">
+                    <a16:creationId xmlns:a16="http://schemas.microsoft.com/office/drawing/2014/main" id="{3C00AFA4-5724-38ED-FE47-15D608AA28F0}"/>
+                  </a:ext>
+                </a:extLst>
+              </p:cNvPr>
+              <p:cNvSpPr/>
+              <p:nvPr/>
+            </p:nvSpPr>
+            <p:spPr>
+              <a:xfrm>
+                <a:off x="2011029" y="1935479"/>
+                <a:ext cx="229251" cy="299085"/>
+              </a:xfrm>
+              <a:prstGeom prst="rect">
+                <a:avLst/>
+              </a:prstGeom>
+              <a:solidFill>
+                <a:schemeClr val="bg1"/>
+              </a:solidFill>
+              <a:ln>
+                <a:noFill/>
+              </a:ln>
+            </p:spPr>
+            <p:style>
+              <a:lnRef idx="2">
+                <a:schemeClr val="accent1">
+                  <a:shade val="50000"/>
+                </a:schemeClr>
+              </a:lnRef>
+              <a:fillRef idx="1">
+                <a:schemeClr val="accent1"/>
+              </a:fillRef>
+              <a:effectRef idx="0">
+                <a:schemeClr val="accent1"/>
+              </a:effectRef>
+              <a:fontRef idx="minor">
+                <a:schemeClr val="lt1"/>
+              </a:fontRef>
+            </p:style>
+            <p:txBody>
+              <a:bodyPr rtlCol="0" anchor="ctr"/>
+              <a:lstStyle/>
+              <a:p>
+                <a:pPr algn="ctr"/>
+                <a:endParaRPr lang="en-US"/>
+              </a:p>
+            </p:txBody>
+          </p:sp>
+          <p:pic>
+            <p:nvPicPr>
+              <p:cNvPr id="50" name="Graphic 49">
+                <a:extLst>
+                  <a:ext uri="{FF2B5EF4-FFF2-40B4-BE49-F238E27FC236}">
+                    <a16:creationId xmlns:a16="http://schemas.microsoft.com/office/drawing/2014/main" id="{0E441D5E-0D87-C77E-18DC-1CCC46F64973}"/>
+                  </a:ext>
+                </a:extLst>
+              </p:cNvPr>
+              <p:cNvPicPr>
+                <a:picLocks noChangeAspect="1"/>
+              </p:cNvPicPr>
+              <p:nvPr/>
+            </p:nvPicPr>
+            <p:blipFill rotWithShape="1">
+              <a:blip r:embed="rId11" cstate="print">
+                <a:extLst>
+                  <a:ext uri="{28A0092B-C50C-407E-A947-70E740481C1C}">
+                    <a14:useLocalDpi xmlns:a14="http://schemas.microsoft.com/office/drawing/2010/main" val="0"/>
+                  </a:ext>
+                  <a:ext uri="{96DAC541-7B7A-43D3-8B79-37D633B846F1}">
+                    <asvg:svgBlip xmlns:asvg="http://schemas.microsoft.com/office/drawing/2016/SVG/main" r:embed="rId12"/>
+                  </a:ext>
+                </a:extLst>
+              </a:blip>
+              <a:srcRect r="76833"/>
+              <a:stretch/>
+            </p:blipFill>
+            <p:spPr>
+              <a:xfrm>
+                <a:off x="1900729" y="1894573"/>
+                <a:ext cx="444039" cy="386433"/>
+              </a:xfrm>
+              <a:prstGeom prst="rect">
+                <a:avLst/>
+              </a:prstGeom>
+            </p:spPr>
+          </p:pic>
+        </p:grpSp>
+      </p:grpSp>
+      <p:grpSp>
+        <p:nvGrpSpPr>
+          <p:cNvPr id="31" name="Group 30">
+            <a:extLst>
+              <a:ext uri="{FF2B5EF4-FFF2-40B4-BE49-F238E27FC236}">
+                <a16:creationId xmlns:a16="http://schemas.microsoft.com/office/drawing/2014/main" id="{0DB1C588-8ED2-40CA-9C9D-B71B38A9D415}"/>
+              </a:ext>
+            </a:extLst>
+          </p:cNvPr>
+          <p:cNvGrpSpPr/>
+          <p:nvPr/>
+        </p:nvGrpSpPr>
+        <p:grpSpPr>
+          <a:xfrm>
+            <a:off x="4128086" y="1902216"/>
+            <a:ext cx="919966" cy="666646"/>
+            <a:chOff x="1832333" y="1493134"/>
+            <a:chExt cx="919966" cy="666646"/>
+          </a:xfrm>
+        </p:grpSpPr>
+        <p:sp>
+          <p:nvSpPr>
+            <p:cNvPr id="32" name="TextBox 31">
+              <a:extLst>
+                <a:ext uri="{FF2B5EF4-FFF2-40B4-BE49-F238E27FC236}">
+                  <a16:creationId xmlns:a16="http://schemas.microsoft.com/office/drawing/2014/main" id="{D5B3E666-2B9E-4E72-AAE9-4F0445CFE720}"/>
+                </a:ext>
+              </a:extLst>
+            </p:cNvPr>
+            <p:cNvSpPr txBox="1"/>
+            <p:nvPr/>
+          </p:nvSpPr>
+          <p:spPr>
+            <a:xfrm>
+              <a:off x="1832333" y="1882781"/>
+              <a:ext cx="919966" cy="276999"/>
+            </a:xfrm>
+            <a:prstGeom prst="rect">
+              <a:avLst/>
+            </a:prstGeom>
+            <a:noFill/>
+          </p:spPr>
+          <p:txBody>
+            <a:bodyPr wrap="square" rtlCol="0">
+              <a:spAutoFit/>
+            </a:bodyPr>
+            <a:lstStyle/>
+            <a:p>
+              <a:pPr algn="ctr"/>
+              <a:r>
+                <a:rPr lang="en-US" sz="1200" noProof="1"/>
+                <a:t>AppVeyor</a:t>
+              </a:r>
+            </a:p>
+          </p:txBody>
+        </p:sp>
+        <p:pic>
+          <p:nvPicPr>
+            <p:cNvPr id="33" name="Graphic 32">
+              <a:extLst>
+                <a:ext uri="{FF2B5EF4-FFF2-40B4-BE49-F238E27FC236}">
+                  <a16:creationId xmlns:a16="http://schemas.microsoft.com/office/drawing/2014/main" id="{383FCE63-AF5B-4B89-895F-DE12C63DA956}"/>
+                </a:ext>
+              </a:extLst>
+            </p:cNvPr>
+            <p:cNvPicPr>
+              <a:picLocks noChangeAspect="1"/>
+            </p:cNvPicPr>
+            <p:nvPr/>
+          </p:nvPicPr>
+          <p:blipFill>
+            <a:blip r:embed="rId13" cstate="print">
+              <a:extLst>
+                <a:ext uri="{28A0092B-C50C-407E-A947-70E740481C1C}">
+                  <a14:useLocalDpi xmlns:a14="http://schemas.microsoft.com/office/drawing/2010/main" val="0"/>
+                </a:ext>
+                <a:ext uri="{96DAC541-7B7A-43D3-8B79-37D633B846F1}">
+                  <asvg:svgBlip xmlns:asvg="http://schemas.microsoft.com/office/drawing/2016/SVG/main" r:embed="rId14"/>
+                </a:ext>
+              </a:extLst>
+            </a:blip>
+            <a:stretch>
+              <a:fillRect/>
+            </a:stretch>
+          </p:blipFill>
+          <p:spPr>
+            <a:xfrm flipH="1">
+              <a:off x="2107650" y="1493134"/>
+              <a:ext cx="369332" cy="369332"/>
+            </a:xfrm>
+            <a:prstGeom prst="rect">
+              <a:avLst/>
+            </a:prstGeom>
+          </p:spPr>
+        </p:pic>
+      </p:grpSp>
     </p:spTree>
     <p:extLst>
       <p:ext uri="{BB962C8B-B14F-4D97-AF65-F5344CB8AC3E}">
@@ -22637,98 +27692,41 @@
             </a:p>
           </p:txBody>
         </p:sp>
-        <p:grpSp>
-          <p:nvGrpSpPr>
-            <p:cNvPr id="6" name="Group 5">
+        <p:sp>
+          <p:nvSpPr>
+            <p:cNvPr id="8" name="TextBox 7">
               <a:extLst>
                 <a:ext uri="{FF2B5EF4-FFF2-40B4-BE49-F238E27FC236}">
-                  <a16:creationId xmlns:a16="http://schemas.microsoft.com/office/drawing/2014/main" id="{2CE33EF5-E856-F37B-8C22-677FAB8C6C27}"/>
+                  <a16:creationId xmlns:a16="http://schemas.microsoft.com/office/drawing/2014/main" id="{A2304FD3-2D64-63C0-545E-057009CA05A9}"/>
                 </a:ext>
               </a:extLst>
             </p:cNvPr>
-            <p:cNvGrpSpPr/>
+            <p:cNvSpPr txBox="1"/>
             <p:nvPr/>
-          </p:nvGrpSpPr>
-          <p:grpSpPr>
+          </p:nvSpPr>
+          <p:spPr>
             <a:xfrm>
-              <a:off x="8000788" y="4736333"/>
-              <a:ext cx="1664043" cy="369332"/>
-              <a:chOff x="7017839" y="4722541"/>
-              <a:chExt cx="1664043" cy="369332"/>
+              <a:off x="8370121" y="4736333"/>
+              <a:ext cx="1294710" cy="369332"/>
             </a:xfrm>
-          </p:grpSpPr>
-          <p:pic>
-            <p:nvPicPr>
-              <p:cNvPr id="7" name="Picture 6">
-                <a:extLst>
-                  <a:ext uri="{FF2B5EF4-FFF2-40B4-BE49-F238E27FC236}">
-                    <a16:creationId xmlns:a16="http://schemas.microsoft.com/office/drawing/2014/main" id="{2FF30E4C-2899-20A6-FA5A-DC602B4A1E34}"/>
-                  </a:ext>
-                </a:extLst>
-              </p:cNvPr>
-              <p:cNvPicPr>
-                <a:picLocks noChangeAspect="1"/>
-              </p:cNvPicPr>
-              <p:nvPr/>
-            </p:nvPicPr>
-            <p:blipFill>
-              <a:blip r:embed="rId2">
-                <a:extLst>
-                  <a:ext uri="{28A0092B-C50C-407E-A947-70E740481C1C}">
-                    <a14:useLocalDpi xmlns:a14="http://schemas.microsoft.com/office/drawing/2010/main" val="0"/>
-                  </a:ext>
-                </a:extLst>
-              </a:blip>
-              <a:stretch>
-                <a:fillRect/>
-              </a:stretch>
-            </p:blipFill>
-            <p:spPr>
-              <a:xfrm>
-                <a:off x="7017839" y="4722541"/>
-                <a:ext cx="369332" cy="369332"/>
-              </a:xfrm>
-              <a:prstGeom prst="rect">
-                <a:avLst/>
-              </a:prstGeom>
-            </p:spPr>
-          </p:pic>
-          <p:sp>
-            <p:nvSpPr>
-              <p:cNvPr id="8" name="TextBox 7">
-                <a:extLst>
-                  <a:ext uri="{FF2B5EF4-FFF2-40B4-BE49-F238E27FC236}">
-                    <a16:creationId xmlns:a16="http://schemas.microsoft.com/office/drawing/2014/main" id="{A2304FD3-2D64-63C0-545E-057009CA05A9}"/>
-                  </a:ext>
-                </a:extLst>
-              </p:cNvPr>
-              <p:cNvSpPr txBox="1"/>
-              <p:nvPr/>
-            </p:nvSpPr>
-            <p:spPr>
-              <a:xfrm>
-                <a:off x="7387172" y="4722541"/>
-                <a:ext cx="1294710" cy="369332"/>
-              </a:xfrm>
-              <a:prstGeom prst="rect">
-                <a:avLst/>
-              </a:prstGeom>
-              <a:noFill/>
-            </p:spPr>
-            <p:txBody>
-              <a:bodyPr wrap="square" rtlCol="0">
-                <a:spAutoFit/>
-              </a:bodyPr>
-              <a:lstStyle/>
-              <a:p>
-                <a:r>
-                  <a:rPr lang="en-US" b="1" noProof="1"/>
-                  <a:t>SignPath</a:t>
-                </a:r>
-              </a:p>
-            </p:txBody>
-          </p:sp>
-        </p:grpSp>
+            <a:prstGeom prst="rect">
+              <a:avLst/>
+            </a:prstGeom>
+            <a:noFill/>
+          </p:spPr>
+          <p:txBody>
+            <a:bodyPr wrap="square" rtlCol="0">
+              <a:spAutoFit/>
+            </a:bodyPr>
+            <a:lstStyle/>
+            <a:p>
+              <a:r>
+                <a:rPr lang="en-US" b="1" noProof="1"/>
+                <a:t>SignPath</a:t>
+              </a:r>
+            </a:p>
+          </p:txBody>
+        </p:sp>
       </p:grpSp>
       <p:cxnSp>
         <p:nvCxnSpPr>
@@ -22880,6 +27878,117 @@
           </a:p>
         </p:txBody>
       </p:sp>
+      <p:grpSp>
+        <p:nvGrpSpPr>
+          <p:cNvPr id="4" name="Group 3">
+            <a:extLst>
+              <a:ext uri="{FF2B5EF4-FFF2-40B4-BE49-F238E27FC236}">
+                <a16:creationId xmlns:a16="http://schemas.microsoft.com/office/drawing/2014/main" id="{F8635572-73D4-EF13-AF3C-994335CD1DD4}"/>
+              </a:ext>
+            </a:extLst>
+          </p:cNvPr>
+          <p:cNvGrpSpPr/>
+          <p:nvPr/>
+        </p:nvGrpSpPr>
+        <p:grpSpPr>
+          <a:xfrm>
+            <a:off x="2529396" y="4842761"/>
+            <a:ext cx="444039" cy="386433"/>
+            <a:chOff x="1900729" y="1894573"/>
+            <a:chExt cx="444039" cy="386433"/>
+          </a:xfrm>
+        </p:grpSpPr>
+        <p:sp>
+          <p:nvSpPr>
+            <p:cNvPr id="9" name="Rectangle 8">
+              <a:extLst>
+                <a:ext uri="{FF2B5EF4-FFF2-40B4-BE49-F238E27FC236}">
+                  <a16:creationId xmlns:a16="http://schemas.microsoft.com/office/drawing/2014/main" id="{E87B1BD0-309A-41A8-D3E9-B9DDD8F6FCE9}"/>
+                </a:ext>
+              </a:extLst>
+            </p:cNvPr>
+            <p:cNvSpPr/>
+            <p:nvPr/>
+          </p:nvSpPr>
+          <p:spPr>
+            <a:xfrm>
+              <a:off x="2011029" y="1935479"/>
+              <a:ext cx="229251" cy="299085"/>
+            </a:xfrm>
+            <a:prstGeom prst="rect">
+              <a:avLst/>
+            </a:prstGeom>
+            <a:solidFill>
+              <a:schemeClr val="bg1"/>
+            </a:solidFill>
+            <a:ln>
+              <a:noFill/>
+            </a:ln>
+          </p:spPr>
+          <p:style>
+            <a:lnRef idx="2">
+              <a:schemeClr val="accent1">
+                <a:shade val="50000"/>
+              </a:schemeClr>
+            </a:lnRef>
+            <a:fillRef idx="1">
+              <a:schemeClr val="accent1"/>
+            </a:fillRef>
+            <a:effectRef idx="0">
+              <a:schemeClr val="accent1"/>
+            </a:effectRef>
+            <a:fontRef idx="minor">
+              <a:schemeClr val="lt1"/>
+            </a:fontRef>
+          </p:style>
+          <p:txBody>
+            <a:bodyPr rtlCol="0" anchor="ctr"/>
+            <a:lstStyle/>
+            <a:p>
+              <a:pPr algn="ctr"/>
+              <a:endParaRPr lang="en-US"/>
+            </a:p>
+          </p:txBody>
+        </p:sp>
+        <p:pic>
+          <p:nvPicPr>
+            <p:cNvPr id="10" name="Graphic 9">
+              <a:extLst>
+                <a:ext uri="{FF2B5EF4-FFF2-40B4-BE49-F238E27FC236}">
+                  <a16:creationId xmlns:a16="http://schemas.microsoft.com/office/drawing/2014/main" id="{8C48648C-0A7B-80EA-F3C6-AF8D11E61314}"/>
+                </a:ext>
+              </a:extLst>
+            </p:cNvPr>
+            <p:cNvPicPr>
+              <a:picLocks noChangeAspect="1"/>
+            </p:cNvPicPr>
+            <p:nvPr/>
+          </p:nvPicPr>
+          <p:blipFill rotWithShape="1">
+            <a:blip r:embed="rId2" cstate="print">
+              <a:extLst>
+                <a:ext uri="{28A0092B-C50C-407E-A947-70E740481C1C}">
+                  <a14:useLocalDpi xmlns:a14="http://schemas.microsoft.com/office/drawing/2010/main" val="0"/>
+                </a:ext>
+                <a:ext uri="{96DAC541-7B7A-43D3-8B79-37D633B846F1}">
+                  <asvg:svgBlip xmlns:asvg="http://schemas.microsoft.com/office/drawing/2016/SVG/main" r:embed="rId3"/>
+                </a:ext>
+              </a:extLst>
+            </a:blip>
+            <a:srcRect r="76833"/>
+            <a:stretch/>
+          </p:blipFill>
+          <p:spPr>
+            <a:xfrm>
+              <a:off x="1900729" y="1894573"/>
+              <a:ext cx="444039" cy="386433"/>
+            </a:xfrm>
+            <a:prstGeom prst="rect">
+              <a:avLst/>
+            </a:prstGeom>
+          </p:spPr>
+        </p:pic>
+      </p:grpSp>
     </p:spTree>
     <p:extLst>
       <p:ext uri="{BB962C8B-B14F-4D97-AF65-F5344CB8AC3E}">

--- a/src/diagrams.pptx
+++ b/src/diagrams.pptx
@@ -253,7 +253,7 @@
           <a:p>
             <a:fld id="{E5B2F287-A29C-4C70-831C-74BFCFEDEFEA}" type="datetimeFigureOut">
               <a:rPr lang="de-AT" smtClean="0"/>
-              <a:t>01.02.2023</a:t>
+              <a:t>06.02.2023</a:t>
             </a:fld>
             <a:endParaRPr lang="de-AT"/>
           </a:p>
@@ -423,7 +423,7 @@
           <a:p>
             <a:fld id="{E5B2F287-A29C-4C70-831C-74BFCFEDEFEA}" type="datetimeFigureOut">
               <a:rPr lang="de-AT" smtClean="0"/>
-              <a:t>01.02.2023</a:t>
+              <a:t>06.02.2023</a:t>
             </a:fld>
             <a:endParaRPr lang="de-AT"/>
           </a:p>
@@ -603,7 +603,7 @@
           <a:p>
             <a:fld id="{E5B2F287-A29C-4C70-831C-74BFCFEDEFEA}" type="datetimeFigureOut">
               <a:rPr lang="de-AT" smtClean="0"/>
-              <a:t>01.02.2023</a:t>
+              <a:t>06.02.2023</a:t>
             </a:fld>
             <a:endParaRPr lang="de-AT"/>
           </a:p>
@@ -773,7 +773,7 @@
           <a:p>
             <a:fld id="{E5B2F287-A29C-4C70-831C-74BFCFEDEFEA}" type="datetimeFigureOut">
               <a:rPr lang="de-AT" smtClean="0"/>
-              <a:t>01.02.2023</a:t>
+              <a:t>06.02.2023</a:t>
             </a:fld>
             <a:endParaRPr lang="de-AT"/>
           </a:p>
@@ -1019,7 +1019,7 @@
           <a:p>
             <a:fld id="{E5B2F287-A29C-4C70-831C-74BFCFEDEFEA}" type="datetimeFigureOut">
               <a:rPr lang="de-AT" smtClean="0"/>
-              <a:t>01.02.2023</a:t>
+              <a:t>06.02.2023</a:t>
             </a:fld>
             <a:endParaRPr lang="de-AT"/>
           </a:p>
@@ -1251,7 +1251,7 @@
           <a:p>
             <a:fld id="{E5B2F287-A29C-4C70-831C-74BFCFEDEFEA}" type="datetimeFigureOut">
               <a:rPr lang="de-AT" smtClean="0"/>
-              <a:t>01.02.2023</a:t>
+              <a:t>06.02.2023</a:t>
             </a:fld>
             <a:endParaRPr lang="de-AT"/>
           </a:p>
@@ -1618,7 +1618,7 @@
           <a:p>
             <a:fld id="{E5B2F287-A29C-4C70-831C-74BFCFEDEFEA}" type="datetimeFigureOut">
               <a:rPr lang="de-AT" smtClean="0"/>
-              <a:t>01.02.2023</a:t>
+              <a:t>06.02.2023</a:t>
             </a:fld>
             <a:endParaRPr lang="de-AT"/>
           </a:p>
@@ -1736,7 +1736,7 @@
           <a:p>
             <a:fld id="{E5B2F287-A29C-4C70-831C-74BFCFEDEFEA}" type="datetimeFigureOut">
               <a:rPr lang="de-AT" smtClean="0"/>
-              <a:t>01.02.2023</a:t>
+              <a:t>06.02.2023</a:t>
             </a:fld>
             <a:endParaRPr lang="de-AT"/>
           </a:p>
@@ -1831,7 +1831,7 @@
           <a:p>
             <a:fld id="{E5B2F287-A29C-4C70-831C-74BFCFEDEFEA}" type="datetimeFigureOut">
               <a:rPr lang="de-AT" smtClean="0"/>
-              <a:t>01.02.2023</a:t>
+              <a:t>06.02.2023</a:t>
             </a:fld>
             <a:endParaRPr lang="de-AT"/>
           </a:p>
@@ -2108,7 +2108,7 @@
           <a:p>
             <a:fld id="{E5B2F287-A29C-4C70-831C-74BFCFEDEFEA}" type="datetimeFigureOut">
               <a:rPr lang="de-AT" smtClean="0"/>
-              <a:t>01.02.2023</a:t>
+              <a:t>06.02.2023</a:t>
             </a:fld>
             <a:endParaRPr lang="de-AT"/>
           </a:p>
@@ -2361,7 +2361,7 @@
           <a:p>
             <a:fld id="{E5B2F287-A29C-4C70-831C-74BFCFEDEFEA}" type="datetimeFigureOut">
               <a:rPr lang="de-AT" smtClean="0"/>
-              <a:t>01.02.2023</a:t>
+              <a:t>06.02.2023</a:t>
             </a:fld>
             <a:endParaRPr lang="de-AT"/>
           </a:p>
@@ -2574,7 +2574,7 @@
           <a:p>
             <a:fld id="{E5B2F287-A29C-4C70-831C-74BFCFEDEFEA}" type="datetimeFigureOut">
               <a:rPr lang="de-AT" smtClean="0"/>
-              <a:t>01.02.2023</a:t>
+              <a:t>06.02.2023</a:t>
             </a:fld>
             <a:endParaRPr lang="de-AT"/>
           </a:p>
@@ -4723,174 +4723,6 @@
           </p:spPr>
         </p:pic>
       </p:grpSp>
-      <p:grpSp>
-        <p:nvGrpSpPr>
-          <p:cNvPr id="13" name="Group 12">
-            <a:extLst>
-              <a:ext uri="{FF2B5EF4-FFF2-40B4-BE49-F238E27FC236}">
-                <a16:creationId xmlns:a16="http://schemas.microsoft.com/office/drawing/2014/main" id="{895C399C-FD49-BE8D-609A-36259C2BF1C2}"/>
-              </a:ext>
-            </a:extLst>
-          </p:cNvPr>
-          <p:cNvGrpSpPr/>
-          <p:nvPr/>
-        </p:nvGrpSpPr>
-        <p:grpSpPr>
-          <a:xfrm>
-            <a:off x="4724233" y="310340"/>
-            <a:ext cx="814160" cy="701454"/>
-            <a:chOff x="1715669" y="1864093"/>
-            <a:chExt cx="814160" cy="701454"/>
-          </a:xfrm>
-        </p:grpSpPr>
-        <p:sp>
-          <p:nvSpPr>
-            <p:cNvPr id="14" name="TextBox 13">
-              <a:extLst>
-                <a:ext uri="{FF2B5EF4-FFF2-40B4-BE49-F238E27FC236}">
-                  <a16:creationId xmlns:a16="http://schemas.microsoft.com/office/drawing/2014/main" id="{70575694-3406-4B0A-F280-705FBE027C21}"/>
-                </a:ext>
-              </a:extLst>
-            </p:cNvPr>
-            <p:cNvSpPr txBox="1"/>
-            <p:nvPr/>
-          </p:nvSpPr>
-          <p:spPr>
-            <a:xfrm>
-              <a:off x="1715669" y="2288548"/>
-              <a:ext cx="814160" cy="276999"/>
-            </a:xfrm>
-            <a:prstGeom prst="rect">
-              <a:avLst/>
-            </a:prstGeom>
-            <a:noFill/>
-          </p:spPr>
-          <p:txBody>
-            <a:bodyPr wrap="square" rtlCol="0">
-              <a:spAutoFit/>
-            </a:bodyPr>
-            <a:lstStyle/>
-            <a:p>
-              <a:pPr algn="ctr"/>
-              <a:r>
-                <a:rPr lang="en-US" sz="1200" noProof="1"/>
-                <a:t>SignPath</a:t>
-              </a:r>
-            </a:p>
-          </p:txBody>
-        </p:sp>
-        <p:grpSp>
-          <p:nvGrpSpPr>
-            <p:cNvPr id="15" name="Group 14">
-              <a:extLst>
-                <a:ext uri="{FF2B5EF4-FFF2-40B4-BE49-F238E27FC236}">
-                  <a16:creationId xmlns:a16="http://schemas.microsoft.com/office/drawing/2014/main" id="{C79948DB-8473-B5D0-B686-F97B444B212E}"/>
-                </a:ext>
-              </a:extLst>
-            </p:cNvPr>
-            <p:cNvGrpSpPr/>
-            <p:nvPr/>
-          </p:nvGrpSpPr>
-          <p:grpSpPr>
-            <a:xfrm>
-              <a:off x="1900729" y="1864093"/>
-              <a:ext cx="444039" cy="386433"/>
-              <a:chOff x="1900729" y="1864093"/>
-              <a:chExt cx="444039" cy="386433"/>
-            </a:xfrm>
-          </p:grpSpPr>
-          <p:sp>
-            <p:nvSpPr>
-              <p:cNvPr id="16" name="Rectangle 15">
-                <a:extLst>
-                  <a:ext uri="{FF2B5EF4-FFF2-40B4-BE49-F238E27FC236}">
-                    <a16:creationId xmlns:a16="http://schemas.microsoft.com/office/drawing/2014/main" id="{51254947-522E-C654-2284-5DBB0CD733C2}"/>
-                  </a:ext>
-                </a:extLst>
-              </p:cNvPr>
-              <p:cNvSpPr/>
-              <p:nvPr/>
-            </p:nvSpPr>
-            <p:spPr>
-              <a:xfrm>
-                <a:off x="2011029" y="1889759"/>
-                <a:ext cx="229251" cy="299085"/>
-              </a:xfrm>
-              <a:prstGeom prst="rect">
-                <a:avLst/>
-              </a:prstGeom>
-              <a:solidFill>
-                <a:schemeClr val="bg1"/>
-              </a:solidFill>
-              <a:ln>
-                <a:noFill/>
-              </a:ln>
-            </p:spPr>
-            <p:style>
-              <a:lnRef idx="2">
-                <a:schemeClr val="accent1">
-                  <a:shade val="50000"/>
-                </a:schemeClr>
-              </a:lnRef>
-              <a:fillRef idx="1">
-                <a:schemeClr val="accent1"/>
-              </a:fillRef>
-              <a:effectRef idx="0">
-                <a:schemeClr val="accent1"/>
-              </a:effectRef>
-              <a:fontRef idx="minor">
-                <a:schemeClr val="lt1"/>
-              </a:fontRef>
-            </p:style>
-            <p:txBody>
-              <a:bodyPr rtlCol="0" anchor="ctr"/>
-              <a:lstStyle/>
-              <a:p>
-                <a:pPr algn="ctr"/>
-                <a:endParaRPr lang="en-US"/>
-              </a:p>
-            </p:txBody>
-          </p:sp>
-          <p:pic>
-            <p:nvPicPr>
-              <p:cNvPr id="17" name="Graphic 16">
-                <a:extLst>
-                  <a:ext uri="{FF2B5EF4-FFF2-40B4-BE49-F238E27FC236}">
-                    <a16:creationId xmlns:a16="http://schemas.microsoft.com/office/drawing/2014/main" id="{7235E4E7-ACAB-1F9C-4EDC-D455131DCD6E}"/>
-                  </a:ext>
-                </a:extLst>
-              </p:cNvPr>
-              <p:cNvPicPr>
-                <a:picLocks noChangeAspect="1"/>
-              </p:cNvPicPr>
-              <p:nvPr/>
-            </p:nvPicPr>
-            <p:blipFill rotWithShape="1">
-              <a:blip r:embed="rId4" cstate="print">
-                <a:extLst>
-                  <a:ext uri="{28A0092B-C50C-407E-A947-70E740481C1C}">
-                    <a14:useLocalDpi xmlns:a14="http://schemas.microsoft.com/office/drawing/2010/main" val="0"/>
-                  </a:ext>
-                  <a:ext uri="{96DAC541-7B7A-43D3-8B79-37D633B846F1}">
-                    <asvg:svgBlip xmlns:asvg="http://schemas.microsoft.com/office/drawing/2016/SVG/main" r:embed="rId5"/>
-                  </a:ext>
-                </a:extLst>
-              </a:blip>
-              <a:srcRect r="76833"/>
-              <a:stretch/>
-            </p:blipFill>
-            <p:spPr>
-              <a:xfrm>
-                <a:off x="1900729" y="1864093"/>
-                <a:ext cx="444039" cy="386433"/>
-              </a:xfrm>
-              <a:prstGeom prst="rect">
-                <a:avLst/>
-              </a:prstGeom>
-            </p:spPr>
-          </p:pic>
-        </p:grpSp>
-      </p:grpSp>
       <p:sp>
         <p:nvSpPr>
           <p:cNvPr id="18" name="TextBox 17">
@@ -5232,174 +5064,6 @@
           </p:spPr>
         </p:pic>
       </p:grpSp>
-      <p:grpSp>
-        <p:nvGrpSpPr>
-          <p:cNvPr id="33" name="Group 32">
-            <a:extLst>
-              <a:ext uri="{FF2B5EF4-FFF2-40B4-BE49-F238E27FC236}">
-                <a16:creationId xmlns:a16="http://schemas.microsoft.com/office/drawing/2014/main" id="{92936B42-9EBD-2D9D-8677-47336D86DE5A}"/>
-              </a:ext>
-            </a:extLst>
-          </p:cNvPr>
-          <p:cNvGrpSpPr/>
-          <p:nvPr/>
-        </p:nvGrpSpPr>
-        <p:grpSpPr>
-          <a:xfrm>
-            <a:off x="4724233" y="1788620"/>
-            <a:ext cx="814160" cy="701454"/>
-            <a:chOff x="1715669" y="1864093"/>
-            <a:chExt cx="814160" cy="701454"/>
-          </a:xfrm>
-        </p:grpSpPr>
-        <p:sp>
-          <p:nvSpPr>
-            <p:cNvPr id="34" name="TextBox 33">
-              <a:extLst>
-                <a:ext uri="{FF2B5EF4-FFF2-40B4-BE49-F238E27FC236}">
-                  <a16:creationId xmlns:a16="http://schemas.microsoft.com/office/drawing/2014/main" id="{133A9F66-2B68-F656-E246-138E67F285CD}"/>
-                </a:ext>
-              </a:extLst>
-            </p:cNvPr>
-            <p:cNvSpPr txBox="1"/>
-            <p:nvPr/>
-          </p:nvSpPr>
-          <p:spPr>
-            <a:xfrm>
-              <a:off x="1715669" y="2288548"/>
-              <a:ext cx="814160" cy="276999"/>
-            </a:xfrm>
-            <a:prstGeom prst="rect">
-              <a:avLst/>
-            </a:prstGeom>
-            <a:noFill/>
-          </p:spPr>
-          <p:txBody>
-            <a:bodyPr wrap="square" rtlCol="0">
-              <a:spAutoFit/>
-            </a:bodyPr>
-            <a:lstStyle/>
-            <a:p>
-              <a:pPr algn="ctr"/>
-              <a:r>
-                <a:rPr lang="en-US" sz="1200" noProof="1"/>
-                <a:t>SignPath</a:t>
-              </a:r>
-            </a:p>
-          </p:txBody>
-        </p:sp>
-        <p:grpSp>
-          <p:nvGrpSpPr>
-            <p:cNvPr id="35" name="Group 34">
-              <a:extLst>
-                <a:ext uri="{FF2B5EF4-FFF2-40B4-BE49-F238E27FC236}">
-                  <a16:creationId xmlns:a16="http://schemas.microsoft.com/office/drawing/2014/main" id="{B03C5CCA-48CE-17CF-CE04-BBA6F7E6A708}"/>
-                </a:ext>
-              </a:extLst>
-            </p:cNvPr>
-            <p:cNvGrpSpPr/>
-            <p:nvPr/>
-          </p:nvGrpSpPr>
-          <p:grpSpPr>
-            <a:xfrm>
-              <a:off x="1900729" y="1864093"/>
-              <a:ext cx="444039" cy="386433"/>
-              <a:chOff x="1900729" y="1864093"/>
-              <a:chExt cx="444039" cy="386433"/>
-            </a:xfrm>
-          </p:grpSpPr>
-          <p:sp>
-            <p:nvSpPr>
-              <p:cNvPr id="36" name="Rectangle 35">
-                <a:extLst>
-                  <a:ext uri="{FF2B5EF4-FFF2-40B4-BE49-F238E27FC236}">
-                    <a16:creationId xmlns:a16="http://schemas.microsoft.com/office/drawing/2014/main" id="{1E5BE768-27D4-5DA3-20F9-371757771D48}"/>
-                  </a:ext>
-                </a:extLst>
-              </p:cNvPr>
-              <p:cNvSpPr/>
-              <p:nvPr/>
-            </p:nvSpPr>
-            <p:spPr>
-              <a:xfrm>
-                <a:off x="2011029" y="1889759"/>
-                <a:ext cx="229251" cy="299085"/>
-              </a:xfrm>
-              <a:prstGeom prst="rect">
-                <a:avLst/>
-              </a:prstGeom>
-              <a:solidFill>
-                <a:schemeClr val="bg1"/>
-              </a:solidFill>
-              <a:ln>
-                <a:noFill/>
-              </a:ln>
-            </p:spPr>
-            <p:style>
-              <a:lnRef idx="2">
-                <a:schemeClr val="accent1">
-                  <a:shade val="50000"/>
-                </a:schemeClr>
-              </a:lnRef>
-              <a:fillRef idx="1">
-                <a:schemeClr val="accent1"/>
-              </a:fillRef>
-              <a:effectRef idx="0">
-                <a:schemeClr val="accent1"/>
-              </a:effectRef>
-              <a:fontRef idx="minor">
-                <a:schemeClr val="lt1"/>
-              </a:fontRef>
-            </p:style>
-            <p:txBody>
-              <a:bodyPr rtlCol="0" anchor="ctr"/>
-              <a:lstStyle/>
-              <a:p>
-                <a:pPr algn="ctr"/>
-                <a:endParaRPr lang="en-US"/>
-              </a:p>
-            </p:txBody>
-          </p:sp>
-          <p:pic>
-            <p:nvPicPr>
-              <p:cNvPr id="37" name="Graphic 36">
-                <a:extLst>
-                  <a:ext uri="{FF2B5EF4-FFF2-40B4-BE49-F238E27FC236}">
-                    <a16:creationId xmlns:a16="http://schemas.microsoft.com/office/drawing/2014/main" id="{DD684D77-09E6-224D-3157-0EF06D883FD1}"/>
-                  </a:ext>
-                </a:extLst>
-              </p:cNvPr>
-              <p:cNvPicPr>
-                <a:picLocks noChangeAspect="1"/>
-              </p:cNvPicPr>
-              <p:nvPr/>
-            </p:nvPicPr>
-            <p:blipFill rotWithShape="1">
-              <a:blip r:embed="rId4" cstate="print">
-                <a:extLst>
-                  <a:ext uri="{28A0092B-C50C-407E-A947-70E740481C1C}">
-                    <a14:useLocalDpi xmlns:a14="http://schemas.microsoft.com/office/drawing/2010/main" val="0"/>
-                  </a:ext>
-                  <a:ext uri="{96DAC541-7B7A-43D3-8B79-37D633B846F1}">
-                    <asvg:svgBlip xmlns:asvg="http://schemas.microsoft.com/office/drawing/2016/SVG/main" r:embed="rId5"/>
-                  </a:ext>
-                </a:extLst>
-              </a:blip>
-              <a:srcRect r="76833"/>
-              <a:stretch/>
-            </p:blipFill>
-            <p:spPr>
-              <a:xfrm>
-                <a:off x="1900729" y="1864093"/>
-                <a:ext cx="444039" cy="386433"/>
-              </a:xfrm>
-              <a:prstGeom prst="rect">
-                <a:avLst/>
-              </a:prstGeom>
-            </p:spPr>
-          </p:pic>
-        </p:grpSp>
-      </p:grpSp>
       <p:sp>
         <p:nvSpPr>
           <p:cNvPr id="38" name="TextBox 37">
@@ -5785,174 +5449,6 @@
           </p:spPr>
         </p:pic>
       </p:grpSp>
-      <p:grpSp>
-        <p:nvGrpSpPr>
-          <p:cNvPr id="52" name="Group 51">
-            <a:extLst>
-              <a:ext uri="{FF2B5EF4-FFF2-40B4-BE49-F238E27FC236}">
-                <a16:creationId xmlns:a16="http://schemas.microsoft.com/office/drawing/2014/main" id="{DD0A6DAA-C6A4-0DF4-84C3-3F9399E51DCE}"/>
-              </a:ext>
-            </a:extLst>
-          </p:cNvPr>
-          <p:cNvGrpSpPr/>
-          <p:nvPr/>
-        </p:nvGrpSpPr>
-        <p:grpSpPr>
-          <a:xfrm>
-            <a:off x="4724233" y="3266900"/>
-            <a:ext cx="814160" cy="701454"/>
-            <a:chOff x="1715669" y="1864093"/>
-            <a:chExt cx="814160" cy="701454"/>
-          </a:xfrm>
-        </p:grpSpPr>
-        <p:sp>
-          <p:nvSpPr>
-            <p:cNvPr id="53" name="TextBox 52">
-              <a:extLst>
-                <a:ext uri="{FF2B5EF4-FFF2-40B4-BE49-F238E27FC236}">
-                  <a16:creationId xmlns:a16="http://schemas.microsoft.com/office/drawing/2014/main" id="{15378FBB-0E73-D896-E332-48A502149E48}"/>
-                </a:ext>
-              </a:extLst>
-            </p:cNvPr>
-            <p:cNvSpPr txBox="1"/>
-            <p:nvPr/>
-          </p:nvSpPr>
-          <p:spPr>
-            <a:xfrm>
-              <a:off x="1715669" y="2288548"/>
-              <a:ext cx="814160" cy="276999"/>
-            </a:xfrm>
-            <a:prstGeom prst="rect">
-              <a:avLst/>
-            </a:prstGeom>
-            <a:noFill/>
-          </p:spPr>
-          <p:txBody>
-            <a:bodyPr wrap="square" rtlCol="0">
-              <a:spAutoFit/>
-            </a:bodyPr>
-            <a:lstStyle/>
-            <a:p>
-              <a:pPr algn="ctr"/>
-              <a:r>
-                <a:rPr lang="en-US" sz="1200" noProof="1"/>
-                <a:t>SignPath</a:t>
-              </a:r>
-            </a:p>
-          </p:txBody>
-        </p:sp>
-        <p:grpSp>
-          <p:nvGrpSpPr>
-            <p:cNvPr id="54" name="Group 53">
-              <a:extLst>
-                <a:ext uri="{FF2B5EF4-FFF2-40B4-BE49-F238E27FC236}">
-                  <a16:creationId xmlns:a16="http://schemas.microsoft.com/office/drawing/2014/main" id="{811B2CFD-AA03-13EE-E230-440E957D8C0C}"/>
-                </a:ext>
-              </a:extLst>
-            </p:cNvPr>
-            <p:cNvGrpSpPr/>
-            <p:nvPr/>
-          </p:nvGrpSpPr>
-          <p:grpSpPr>
-            <a:xfrm>
-              <a:off x="1900729" y="1864093"/>
-              <a:ext cx="444039" cy="386433"/>
-              <a:chOff x="1900729" y="1864093"/>
-              <a:chExt cx="444039" cy="386433"/>
-            </a:xfrm>
-          </p:grpSpPr>
-          <p:sp>
-            <p:nvSpPr>
-              <p:cNvPr id="55" name="Rectangle 54">
-                <a:extLst>
-                  <a:ext uri="{FF2B5EF4-FFF2-40B4-BE49-F238E27FC236}">
-                    <a16:creationId xmlns:a16="http://schemas.microsoft.com/office/drawing/2014/main" id="{23B2D41F-B446-C473-375A-61056F19BE0F}"/>
-                  </a:ext>
-                </a:extLst>
-              </p:cNvPr>
-              <p:cNvSpPr/>
-              <p:nvPr/>
-            </p:nvSpPr>
-            <p:spPr>
-              <a:xfrm>
-                <a:off x="2011029" y="1889759"/>
-                <a:ext cx="229251" cy="299085"/>
-              </a:xfrm>
-              <a:prstGeom prst="rect">
-                <a:avLst/>
-              </a:prstGeom>
-              <a:solidFill>
-                <a:schemeClr val="bg1"/>
-              </a:solidFill>
-              <a:ln>
-                <a:noFill/>
-              </a:ln>
-            </p:spPr>
-            <p:style>
-              <a:lnRef idx="2">
-                <a:schemeClr val="accent1">
-                  <a:shade val="50000"/>
-                </a:schemeClr>
-              </a:lnRef>
-              <a:fillRef idx="1">
-                <a:schemeClr val="accent1"/>
-              </a:fillRef>
-              <a:effectRef idx="0">
-                <a:schemeClr val="accent1"/>
-              </a:effectRef>
-              <a:fontRef idx="minor">
-                <a:schemeClr val="lt1"/>
-              </a:fontRef>
-            </p:style>
-            <p:txBody>
-              <a:bodyPr rtlCol="0" anchor="ctr"/>
-              <a:lstStyle/>
-              <a:p>
-                <a:pPr algn="ctr"/>
-                <a:endParaRPr lang="en-US"/>
-              </a:p>
-            </p:txBody>
-          </p:sp>
-          <p:pic>
-            <p:nvPicPr>
-              <p:cNvPr id="56" name="Graphic 55">
-                <a:extLst>
-                  <a:ext uri="{FF2B5EF4-FFF2-40B4-BE49-F238E27FC236}">
-                    <a16:creationId xmlns:a16="http://schemas.microsoft.com/office/drawing/2014/main" id="{DEC828B1-D04D-7C74-3C0D-80B5154C56B3}"/>
-                  </a:ext>
-                </a:extLst>
-              </p:cNvPr>
-              <p:cNvPicPr>
-                <a:picLocks noChangeAspect="1"/>
-              </p:cNvPicPr>
-              <p:nvPr/>
-            </p:nvPicPr>
-            <p:blipFill rotWithShape="1">
-              <a:blip r:embed="rId4" cstate="print">
-                <a:extLst>
-                  <a:ext uri="{28A0092B-C50C-407E-A947-70E740481C1C}">
-                    <a14:useLocalDpi xmlns:a14="http://schemas.microsoft.com/office/drawing/2010/main" val="0"/>
-                  </a:ext>
-                  <a:ext uri="{96DAC541-7B7A-43D3-8B79-37D633B846F1}">
-                    <asvg:svgBlip xmlns:asvg="http://schemas.microsoft.com/office/drawing/2016/SVG/main" r:embed="rId5"/>
-                  </a:ext>
-                </a:extLst>
-              </a:blip>
-              <a:srcRect r="76833"/>
-              <a:stretch/>
-            </p:blipFill>
-            <p:spPr>
-              <a:xfrm>
-                <a:off x="1900729" y="1864093"/>
-                <a:ext cx="444039" cy="386433"/>
-              </a:xfrm>
-              <a:prstGeom prst="rect">
-                <a:avLst/>
-              </a:prstGeom>
-            </p:spPr>
-          </p:pic>
-        </p:grpSp>
-      </p:grpSp>
       <p:sp>
         <p:nvSpPr>
           <p:cNvPr id="57" name="TextBox 56">
@@ -6183,7 +5679,7 @@
             <p:nvPr/>
           </p:nvPicPr>
           <p:blipFill>
-            <a:blip r:embed="rId6" cstate="print">
+            <a:blip r:embed="rId4" cstate="print">
               <a:extLst>
                 <a:ext uri="{28A0092B-C50C-407E-A947-70E740481C1C}">
                   <a14:useLocalDpi xmlns:a14="http://schemas.microsoft.com/office/drawing/2010/main" val="0"/>
@@ -6287,7 +5783,7 @@
             <p:nvPr/>
           </p:nvPicPr>
           <p:blipFill>
-            <a:blip r:embed="rId6" cstate="print">
+            <a:blip r:embed="rId4" cstate="print">
               <a:extLst>
                 <a:ext uri="{28A0092B-C50C-407E-A947-70E740481C1C}">
                   <a14:useLocalDpi xmlns:a14="http://schemas.microsoft.com/office/drawing/2010/main" val="0"/>
@@ -6546,174 +6042,6 @@
           </p:spPr>
         </p:pic>
       </p:grpSp>
-      <p:grpSp>
-        <p:nvGrpSpPr>
-          <p:cNvPr id="91" name="Group 90">
-            <a:extLst>
-              <a:ext uri="{FF2B5EF4-FFF2-40B4-BE49-F238E27FC236}">
-                <a16:creationId xmlns:a16="http://schemas.microsoft.com/office/drawing/2014/main" id="{E1618206-764F-14F3-6987-0B56C8C7CBBD}"/>
-              </a:ext>
-            </a:extLst>
-          </p:cNvPr>
-          <p:cNvGrpSpPr/>
-          <p:nvPr/>
-        </p:nvGrpSpPr>
-        <p:grpSpPr>
-          <a:xfrm>
-            <a:off x="4724233" y="4745403"/>
-            <a:ext cx="814160" cy="701454"/>
-            <a:chOff x="1715669" y="1864093"/>
-            <a:chExt cx="814160" cy="701454"/>
-          </a:xfrm>
-        </p:grpSpPr>
-        <p:sp>
-          <p:nvSpPr>
-            <p:cNvPr id="92" name="TextBox 91">
-              <a:extLst>
-                <a:ext uri="{FF2B5EF4-FFF2-40B4-BE49-F238E27FC236}">
-                  <a16:creationId xmlns:a16="http://schemas.microsoft.com/office/drawing/2014/main" id="{4C957D4D-8EE0-D225-7A9F-8F7A14E95D0D}"/>
-                </a:ext>
-              </a:extLst>
-            </p:cNvPr>
-            <p:cNvSpPr txBox="1"/>
-            <p:nvPr/>
-          </p:nvSpPr>
-          <p:spPr>
-            <a:xfrm>
-              <a:off x="1715669" y="2288548"/>
-              <a:ext cx="814160" cy="276999"/>
-            </a:xfrm>
-            <a:prstGeom prst="rect">
-              <a:avLst/>
-            </a:prstGeom>
-            <a:noFill/>
-          </p:spPr>
-          <p:txBody>
-            <a:bodyPr wrap="square" rtlCol="0">
-              <a:spAutoFit/>
-            </a:bodyPr>
-            <a:lstStyle/>
-            <a:p>
-              <a:pPr algn="ctr"/>
-              <a:r>
-                <a:rPr lang="en-US" sz="1200" noProof="1"/>
-                <a:t>SignPath</a:t>
-              </a:r>
-            </a:p>
-          </p:txBody>
-        </p:sp>
-        <p:grpSp>
-          <p:nvGrpSpPr>
-            <p:cNvPr id="93" name="Group 92">
-              <a:extLst>
-                <a:ext uri="{FF2B5EF4-FFF2-40B4-BE49-F238E27FC236}">
-                  <a16:creationId xmlns:a16="http://schemas.microsoft.com/office/drawing/2014/main" id="{7EBD6B1B-B96B-DDD8-3A09-34D4445FCC16}"/>
-                </a:ext>
-              </a:extLst>
-            </p:cNvPr>
-            <p:cNvGrpSpPr/>
-            <p:nvPr/>
-          </p:nvGrpSpPr>
-          <p:grpSpPr>
-            <a:xfrm>
-              <a:off x="1900729" y="1864093"/>
-              <a:ext cx="444039" cy="386433"/>
-              <a:chOff x="1900729" y="1864093"/>
-              <a:chExt cx="444039" cy="386433"/>
-            </a:xfrm>
-          </p:grpSpPr>
-          <p:sp>
-            <p:nvSpPr>
-              <p:cNvPr id="94" name="Rectangle 93">
-                <a:extLst>
-                  <a:ext uri="{FF2B5EF4-FFF2-40B4-BE49-F238E27FC236}">
-                    <a16:creationId xmlns:a16="http://schemas.microsoft.com/office/drawing/2014/main" id="{996681E5-C77B-131E-B915-115D930BD6A4}"/>
-                  </a:ext>
-                </a:extLst>
-              </p:cNvPr>
-              <p:cNvSpPr/>
-              <p:nvPr/>
-            </p:nvSpPr>
-            <p:spPr>
-              <a:xfrm>
-                <a:off x="2011029" y="1889759"/>
-                <a:ext cx="229251" cy="299085"/>
-              </a:xfrm>
-              <a:prstGeom prst="rect">
-                <a:avLst/>
-              </a:prstGeom>
-              <a:solidFill>
-                <a:schemeClr val="bg1"/>
-              </a:solidFill>
-              <a:ln>
-                <a:noFill/>
-              </a:ln>
-            </p:spPr>
-            <p:style>
-              <a:lnRef idx="2">
-                <a:schemeClr val="accent1">
-                  <a:shade val="50000"/>
-                </a:schemeClr>
-              </a:lnRef>
-              <a:fillRef idx="1">
-                <a:schemeClr val="accent1"/>
-              </a:fillRef>
-              <a:effectRef idx="0">
-                <a:schemeClr val="accent1"/>
-              </a:effectRef>
-              <a:fontRef idx="minor">
-                <a:schemeClr val="lt1"/>
-              </a:fontRef>
-            </p:style>
-            <p:txBody>
-              <a:bodyPr rtlCol="0" anchor="ctr"/>
-              <a:lstStyle/>
-              <a:p>
-                <a:pPr algn="ctr"/>
-                <a:endParaRPr lang="en-US"/>
-              </a:p>
-            </p:txBody>
-          </p:sp>
-          <p:pic>
-            <p:nvPicPr>
-              <p:cNvPr id="95" name="Graphic 94">
-                <a:extLst>
-                  <a:ext uri="{FF2B5EF4-FFF2-40B4-BE49-F238E27FC236}">
-                    <a16:creationId xmlns:a16="http://schemas.microsoft.com/office/drawing/2014/main" id="{A0C4FF98-5EBE-BD35-FCAD-A40ED2602C1E}"/>
-                  </a:ext>
-                </a:extLst>
-              </p:cNvPr>
-              <p:cNvPicPr>
-                <a:picLocks noChangeAspect="1"/>
-              </p:cNvPicPr>
-              <p:nvPr/>
-            </p:nvPicPr>
-            <p:blipFill rotWithShape="1">
-              <a:blip r:embed="rId4" cstate="print">
-                <a:extLst>
-                  <a:ext uri="{28A0092B-C50C-407E-A947-70E740481C1C}">
-                    <a14:useLocalDpi xmlns:a14="http://schemas.microsoft.com/office/drawing/2010/main" val="0"/>
-                  </a:ext>
-                  <a:ext uri="{96DAC541-7B7A-43D3-8B79-37D633B846F1}">
-                    <asvg:svgBlip xmlns:asvg="http://schemas.microsoft.com/office/drawing/2016/SVG/main" r:embed="rId5"/>
-                  </a:ext>
-                </a:extLst>
-              </a:blip>
-              <a:srcRect r="76833"/>
-              <a:stretch/>
-            </p:blipFill>
-            <p:spPr>
-              <a:xfrm>
-                <a:off x="1900729" y="1864093"/>
-                <a:ext cx="444039" cy="386433"/>
-              </a:xfrm>
-              <a:prstGeom prst="rect">
-                <a:avLst/>
-              </a:prstGeom>
-            </p:spPr>
-          </p:pic>
-        </p:grpSp>
-      </p:grpSp>
       <p:sp>
         <p:nvSpPr>
           <p:cNvPr id="96" name="TextBox 95">
@@ -6944,7 +6272,7 @@
             <p:nvPr/>
           </p:nvPicPr>
           <p:blipFill>
-            <a:blip r:embed="rId6" cstate="print">
+            <a:blip r:embed="rId4" cstate="print">
               <a:extLst>
                 <a:ext uri="{28A0092B-C50C-407E-A947-70E740481C1C}">
                   <a14:useLocalDpi xmlns:a14="http://schemas.microsoft.com/office/drawing/2010/main" val="0"/>
@@ -7160,174 +6488,6 @@
             </a:extLst>
           </p:spPr>
         </p:pic>
-      </p:grpSp>
-      <p:grpSp>
-        <p:nvGrpSpPr>
-          <p:cNvPr id="109" name="Group 108">
-            <a:extLst>
-              <a:ext uri="{FF2B5EF4-FFF2-40B4-BE49-F238E27FC236}">
-                <a16:creationId xmlns:a16="http://schemas.microsoft.com/office/drawing/2014/main" id="{6EF0BBE2-07CE-4D01-7140-BFB8C1C8C678}"/>
-              </a:ext>
-            </a:extLst>
-          </p:cNvPr>
-          <p:cNvGrpSpPr/>
-          <p:nvPr/>
-        </p:nvGrpSpPr>
-        <p:grpSpPr>
-          <a:xfrm>
-            <a:off x="4724233" y="6223460"/>
-            <a:ext cx="814160" cy="701454"/>
-            <a:chOff x="1715669" y="1864093"/>
-            <a:chExt cx="814160" cy="701454"/>
-          </a:xfrm>
-        </p:grpSpPr>
-        <p:sp>
-          <p:nvSpPr>
-            <p:cNvPr id="110" name="TextBox 109">
-              <a:extLst>
-                <a:ext uri="{FF2B5EF4-FFF2-40B4-BE49-F238E27FC236}">
-                  <a16:creationId xmlns:a16="http://schemas.microsoft.com/office/drawing/2014/main" id="{D3481A90-E659-ED55-6E1F-FD93F3411118}"/>
-                </a:ext>
-              </a:extLst>
-            </p:cNvPr>
-            <p:cNvSpPr txBox="1"/>
-            <p:nvPr/>
-          </p:nvSpPr>
-          <p:spPr>
-            <a:xfrm>
-              <a:off x="1715669" y="2288548"/>
-              <a:ext cx="814160" cy="276999"/>
-            </a:xfrm>
-            <a:prstGeom prst="rect">
-              <a:avLst/>
-            </a:prstGeom>
-            <a:noFill/>
-          </p:spPr>
-          <p:txBody>
-            <a:bodyPr wrap="square" rtlCol="0">
-              <a:spAutoFit/>
-            </a:bodyPr>
-            <a:lstStyle/>
-            <a:p>
-              <a:pPr algn="ctr"/>
-              <a:r>
-                <a:rPr lang="en-US" sz="1200" noProof="1"/>
-                <a:t>SignPath</a:t>
-              </a:r>
-            </a:p>
-          </p:txBody>
-        </p:sp>
-        <p:grpSp>
-          <p:nvGrpSpPr>
-            <p:cNvPr id="111" name="Group 110">
-              <a:extLst>
-                <a:ext uri="{FF2B5EF4-FFF2-40B4-BE49-F238E27FC236}">
-                  <a16:creationId xmlns:a16="http://schemas.microsoft.com/office/drawing/2014/main" id="{A137764B-592F-7FC4-E2A4-2C1FF62F43BA}"/>
-                </a:ext>
-              </a:extLst>
-            </p:cNvPr>
-            <p:cNvGrpSpPr/>
-            <p:nvPr/>
-          </p:nvGrpSpPr>
-          <p:grpSpPr>
-            <a:xfrm>
-              <a:off x="1900729" y="1864093"/>
-              <a:ext cx="444039" cy="386433"/>
-              <a:chOff x="1900729" y="1864093"/>
-              <a:chExt cx="444039" cy="386433"/>
-            </a:xfrm>
-          </p:grpSpPr>
-          <p:sp>
-            <p:nvSpPr>
-              <p:cNvPr id="112" name="Rectangle 111">
-                <a:extLst>
-                  <a:ext uri="{FF2B5EF4-FFF2-40B4-BE49-F238E27FC236}">
-                    <a16:creationId xmlns:a16="http://schemas.microsoft.com/office/drawing/2014/main" id="{7A0E2790-3762-DE52-F0AD-F26C218C88AB}"/>
-                  </a:ext>
-                </a:extLst>
-              </p:cNvPr>
-              <p:cNvSpPr/>
-              <p:nvPr/>
-            </p:nvSpPr>
-            <p:spPr>
-              <a:xfrm>
-                <a:off x="2011029" y="1889759"/>
-                <a:ext cx="229251" cy="299085"/>
-              </a:xfrm>
-              <a:prstGeom prst="rect">
-                <a:avLst/>
-              </a:prstGeom>
-              <a:solidFill>
-                <a:schemeClr val="bg1"/>
-              </a:solidFill>
-              <a:ln>
-                <a:noFill/>
-              </a:ln>
-            </p:spPr>
-            <p:style>
-              <a:lnRef idx="2">
-                <a:schemeClr val="accent1">
-                  <a:shade val="50000"/>
-                </a:schemeClr>
-              </a:lnRef>
-              <a:fillRef idx="1">
-                <a:schemeClr val="accent1"/>
-              </a:fillRef>
-              <a:effectRef idx="0">
-                <a:schemeClr val="accent1"/>
-              </a:effectRef>
-              <a:fontRef idx="minor">
-                <a:schemeClr val="lt1"/>
-              </a:fontRef>
-            </p:style>
-            <p:txBody>
-              <a:bodyPr rtlCol="0" anchor="ctr"/>
-              <a:lstStyle/>
-              <a:p>
-                <a:pPr algn="ctr"/>
-                <a:endParaRPr lang="en-US"/>
-              </a:p>
-            </p:txBody>
-          </p:sp>
-          <p:pic>
-            <p:nvPicPr>
-              <p:cNvPr id="113" name="Graphic 112">
-                <a:extLst>
-                  <a:ext uri="{FF2B5EF4-FFF2-40B4-BE49-F238E27FC236}">
-                    <a16:creationId xmlns:a16="http://schemas.microsoft.com/office/drawing/2014/main" id="{458D9599-B3D4-28B5-7706-60A71A0B35C8}"/>
-                  </a:ext>
-                </a:extLst>
-              </p:cNvPr>
-              <p:cNvPicPr>
-                <a:picLocks noChangeAspect="1"/>
-              </p:cNvPicPr>
-              <p:nvPr/>
-            </p:nvPicPr>
-            <p:blipFill rotWithShape="1">
-              <a:blip r:embed="rId4" cstate="print">
-                <a:extLst>
-                  <a:ext uri="{28A0092B-C50C-407E-A947-70E740481C1C}">
-                    <a14:useLocalDpi xmlns:a14="http://schemas.microsoft.com/office/drawing/2010/main" val="0"/>
-                  </a:ext>
-                  <a:ext uri="{96DAC541-7B7A-43D3-8B79-37D633B846F1}">
-                    <asvg:svgBlip xmlns:asvg="http://schemas.microsoft.com/office/drawing/2016/SVG/main" r:embed="rId5"/>
-                  </a:ext>
-                </a:extLst>
-              </a:blip>
-              <a:srcRect r="76833"/>
-              <a:stretch/>
-            </p:blipFill>
-            <p:spPr>
-              <a:xfrm>
-                <a:off x="1900729" y="1864093"/>
-                <a:ext cx="444039" cy="386433"/>
-              </a:xfrm>
-              <a:prstGeom prst="rect">
-                <a:avLst/>
-              </a:prstGeom>
-            </p:spPr>
-          </p:pic>
-        </p:grpSp>
       </p:grpSp>
       <p:sp>
         <p:nvSpPr>
@@ -9238,6 +8398,582 @@
           </a:p>
         </p:txBody>
       </p:sp>
+      <p:grpSp>
+        <p:nvGrpSpPr>
+          <p:cNvPr id="9" name="Group 8">
+            <a:extLst>
+              <a:ext uri="{FF2B5EF4-FFF2-40B4-BE49-F238E27FC236}">
+                <a16:creationId xmlns:a16="http://schemas.microsoft.com/office/drawing/2014/main" id="{460334D9-5C1F-E1CF-F7FD-B7866B805EDF}"/>
+              </a:ext>
+            </a:extLst>
+          </p:cNvPr>
+          <p:cNvGrpSpPr/>
+          <p:nvPr/>
+        </p:nvGrpSpPr>
+        <p:grpSpPr>
+          <a:xfrm>
+            <a:off x="4724277" y="307942"/>
+            <a:ext cx="814160" cy="704410"/>
+            <a:chOff x="1723880" y="1894572"/>
+            <a:chExt cx="814160" cy="704410"/>
+          </a:xfrm>
+        </p:grpSpPr>
+        <p:sp>
+          <p:nvSpPr>
+            <p:cNvPr id="20" name="TextBox 19">
+              <a:extLst>
+                <a:ext uri="{FF2B5EF4-FFF2-40B4-BE49-F238E27FC236}">
+                  <a16:creationId xmlns:a16="http://schemas.microsoft.com/office/drawing/2014/main" id="{FB58977B-5F73-6EEE-6EB2-B80FA3B85256}"/>
+                </a:ext>
+              </a:extLst>
+            </p:cNvPr>
+            <p:cNvSpPr txBox="1"/>
+            <p:nvPr/>
+          </p:nvSpPr>
+          <p:spPr>
+            <a:xfrm>
+              <a:off x="1723880" y="2321983"/>
+              <a:ext cx="814160" cy="276999"/>
+            </a:xfrm>
+            <a:prstGeom prst="rect">
+              <a:avLst/>
+            </a:prstGeom>
+            <a:noFill/>
+          </p:spPr>
+          <p:txBody>
+            <a:bodyPr wrap="square" rtlCol="0">
+              <a:spAutoFit/>
+            </a:bodyPr>
+            <a:lstStyle/>
+            <a:p>
+              <a:pPr algn="ctr"/>
+              <a:r>
+                <a:rPr lang="en-US" sz="1200" noProof="1"/>
+                <a:t>SignPath</a:t>
+              </a:r>
+            </a:p>
+          </p:txBody>
+        </p:sp>
+        <p:pic>
+          <p:nvPicPr>
+            <p:cNvPr id="22" name="Graphic 21">
+              <a:extLst>
+                <a:ext uri="{FF2B5EF4-FFF2-40B4-BE49-F238E27FC236}">
+                  <a16:creationId xmlns:a16="http://schemas.microsoft.com/office/drawing/2014/main" id="{74483B96-942E-1424-A14B-F80473E324CC}"/>
+                </a:ext>
+              </a:extLst>
+            </p:cNvPr>
+            <p:cNvPicPr>
+              <a:picLocks noChangeAspect="1"/>
+            </p:cNvPicPr>
+            <p:nvPr/>
+          </p:nvPicPr>
+          <p:blipFill>
+            <a:blip r:embed="rId5" cstate="print">
+              <a:extLst>
+                <a:ext uri="{28A0092B-C50C-407E-A947-70E740481C1C}">
+                  <a14:useLocalDpi xmlns:a14="http://schemas.microsoft.com/office/drawing/2010/main" val="0"/>
+                </a:ext>
+                <a:ext uri="{96DAC541-7B7A-43D3-8B79-37D633B846F1}">
+                  <asvg:svgBlip xmlns:asvg="http://schemas.microsoft.com/office/drawing/2016/SVG/main" r:embed="rId6"/>
+                </a:ext>
+              </a:extLst>
+            </a:blip>
+            <a:stretch>
+              <a:fillRect/>
+            </a:stretch>
+          </p:blipFill>
+          <p:spPr>
+            <a:xfrm>
+              <a:off x="1910906" y="1894572"/>
+              <a:ext cx="428244" cy="376975"/>
+            </a:xfrm>
+            <a:prstGeom prst="rect">
+              <a:avLst/>
+            </a:prstGeom>
+          </p:spPr>
+        </p:pic>
+      </p:grpSp>
+      <p:grpSp>
+        <p:nvGrpSpPr>
+          <p:cNvPr id="27" name="Group 26">
+            <a:extLst>
+              <a:ext uri="{FF2B5EF4-FFF2-40B4-BE49-F238E27FC236}">
+                <a16:creationId xmlns:a16="http://schemas.microsoft.com/office/drawing/2014/main" id="{AE0DD344-A3F9-0231-02CC-AB70AEDB1F45}"/>
+              </a:ext>
+            </a:extLst>
+          </p:cNvPr>
+          <p:cNvGrpSpPr/>
+          <p:nvPr/>
+        </p:nvGrpSpPr>
+        <p:grpSpPr>
+          <a:xfrm>
+            <a:off x="4724233" y="307942"/>
+            <a:ext cx="814160" cy="704410"/>
+            <a:chOff x="1723880" y="1894572"/>
+            <a:chExt cx="814160" cy="704410"/>
+          </a:xfrm>
+        </p:grpSpPr>
+        <p:sp>
+          <p:nvSpPr>
+            <p:cNvPr id="28" name="TextBox 27">
+              <a:extLst>
+                <a:ext uri="{FF2B5EF4-FFF2-40B4-BE49-F238E27FC236}">
+                  <a16:creationId xmlns:a16="http://schemas.microsoft.com/office/drawing/2014/main" id="{4D0D36F1-3F70-3048-320F-3613591FED02}"/>
+                </a:ext>
+              </a:extLst>
+            </p:cNvPr>
+            <p:cNvSpPr txBox="1"/>
+            <p:nvPr/>
+          </p:nvSpPr>
+          <p:spPr>
+            <a:xfrm>
+              <a:off x="1723880" y="2321983"/>
+              <a:ext cx="814160" cy="276999"/>
+            </a:xfrm>
+            <a:prstGeom prst="rect">
+              <a:avLst/>
+            </a:prstGeom>
+            <a:noFill/>
+          </p:spPr>
+          <p:txBody>
+            <a:bodyPr wrap="square" rtlCol="0">
+              <a:spAutoFit/>
+            </a:bodyPr>
+            <a:lstStyle/>
+            <a:p>
+              <a:pPr algn="ctr"/>
+              <a:r>
+                <a:rPr lang="en-US" sz="1200" noProof="1"/>
+                <a:t>SignPath</a:t>
+              </a:r>
+            </a:p>
+          </p:txBody>
+        </p:sp>
+        <p:pic>
+          <p:nvPicPr>
+            <p:cNvPr id="29" name="Graphic 28">
+              <a:extLst>
+                <a:ext uri="{FF2B5EF4-FFF2-40B4-BE49-F238E27FC236}">
+                  <a16:creationId xmlns:a16="http://schemas.microsoft.com/office/drawing/2014/main" id="{82162EE7-C006-5C41-CF5D-556FF8CC227D}"/>
+                </a:ext>
+              </a:extLst>
+            </p:cNvPr>
+            <p:cNvPicPr>
+              <a:picLocks noChangeAspect="1"/>
+            </p:cNvPicPr>
+            <p:nvPr/>
+          </p:nvPicPr>
+          <p:blipFill>
+            <a:blip r:embed="rId5" cstate="print">
+              <a:extLst>
+                <a:ext uri="{28A0092B-C50C-407E-A947-70E740481C1C}">
+                  <a14:useLocalDpi xmlns:a14="http://schemas.microsoft.com/office/drawing/2010/main" val="0"/>
+                </a:ext>
+                <a:ext uri="{96DAC541-7B7A-43D3-8B79-37D633B846F1}">
+                  <asvg:svgBlip xmlns:asvg="http://schemas.microsoft.com/office/drawing/2016/SVG/main" r:embed="rId6"/>
+                </a:ext>
+              </a:extLst>
+            </a:blip>
+            <a:stretch>
+              <a:fillRect/>
+            </a:stretch>
+          </p:blipFill>
+          <p:spPr>
+            <a:xfrm>
+              <a:off x="1910906" y="1894572"/>
+              <a:ext cx="428244" cy="376975"/>
+            </a:xfrm>
+            <a:prstGeom prst="rect">
+              <a:avLst/>
+            </a:prstGeom>
+          </p:spPr>
+        </p:pic>
+      </p:grpSp>
+      <p:grpSp>
+        <p:nvGrpSpPr>
+          <p:cNvPr id="45" name="Group 44">
+            <a:extLst>
+              <a:ext uri="{FF2B5EF4-FFF2-40B4-BE49-F238E27FC236}">
+                <a16:creationId xmlns:a16="http://schemas.microsoft.com/office/drawing/2014/main" id="{AE6D414F-F316-5CE9-C250-74661111213D}"/>
+              </a:ext>
+            </a:extLst>
+          </p:cNvPr>
+          <p:cNvGrpSpPr/>
+          <p:nvPr/>
+        </p:nvGrpSpPr>
+        <p:grpSpPr>
+          <a:xfrm>
+            <a:off x="4727130" y="3266832"/>
+            <a:ext cx="814160" cy="704410"/>
+            <a:chOff x="1723880" y="1894572"/>
+            <a:chExt cx="814160" cy="704410"/>
+          </a:xfrm>
+        </p:grpSpPr>
+        <p:sp>
+          <p:nvSpPr>
+            <p:cNvPr id="46" name="TextBox 45">
+              <a:extLst>
+                <a:ext uri="{FF2B5EF4-FFF2-40B4-BE49-F238E27FC236}">
+                  <a16:creationId xmlns:a16="http://schemas.microsoft.com/office/drawing/2014/main" id="{381ADED7-56C0-50CA-BD0F-0E3DA8BAD1C3}"/>
+                </a:ext>
+              </a:extLst>
+            </p:cNvPr>
+            <p:cNvSpPr txBox="1"/>
+            <p:nvPr/>
+          </p:nvSpPr>
+          <p:spPr>
+            <a:xfrm>
+              <a:off x="1723880" y="2321983"/>
+              <a:ext cx="814160" cy="276999"/>
+            </a:xfrm>
+            <a:prstGeom prst="rect">
+              <a:avLst/>
+            </a:prstGeom>
+            <a:noFill/>
+          </p:spPr>
+          <p:txBody>
+            <a:bodyPr wrap="square" rtlCol="0">
+              <a:spAutoFit/>
+            </a:bodyPr>
+            <a:lstStyle/>
+            <a:p>
+              <a:pPr algn="ctr"/>
+              <a:r>
+                <a:rPr lang="en-US" sz="1200" noProof="1"/>
+                <a:t>SignPath</a:t>
+              </a:r>
+            </a:p>
+          </p:txBody>
+        </p:sp>
+        <p:pic>
+          <p:nvPicPr>
+            <p:cNvPr id="47" name="Graphic 46">
+              <a:extLst>
+                <a:ext uri="{FF2B5EF4-FFF2-40B4-BE49-F238E27FC236}">
+                  <a16:creationId xmlns:a16="http://schemas.microsoft.com/office/drawing/2014/main" id="{47E189BA-876B-CAB8-07CF-D22E5D502724}"/>
+                </a:ext>
+              </a:extLst>
+            </p:cNvPr>
+            <p:cNvPicPr>
+              <a:picLocks noChangeAspect="1"/>
+            </p:cNvPicPr>
+            <p:nvPr/>
+          </p:nvPicPr>
+          <p:blipFill>
+            <a:blip r:embed="rId5" cstate="print">
+              <a:extLst>
+                <a:ext uri="{28A0092B-C50C-407E-A947-70E740481C1C}">
+                  <a14:useLocalDpi xmlns:a14="http://schemas.microsoft.com/office/drawing/2010/main" val="0"/>
+                </a:ext>
+                <a:ext uri="{96DAC541-7B7A-43D3-8B79-37D633B846F1}">
+                  <asvg:svgBlip xmlns:asvg="http://schemas.microsoft.com/office/drawing/2016/SVG/main" r:embed="rId6"/>
+                </a:ext>
+              </a:extLst>
+            </a:blip>
+            <a:stretch>
+              <a:fillRect/>
+            </a:stretch>
+          </p:blipFill>
+          <p:spPr>
+            <a:xfrm>
+              <a:off x="1910906" y="1894572"/>
+              <a:ext cx="428244" cy="376975"/>
+            </a:xfrm>
+            <a:prstGeom prst="rect">
+              <a:avLst/>
+            </a:prstGeom>
+          </p:spPr>
+        </p:pic>
+      </p:grpSp>
+      <p:grpSp>
+        <p:nvGrpSpPr>
+          <p:cNvPr id="68" name="Group 67">
+            <a:extLst>
+              <a:ext uri="{FF2B5EF4-FFF2-40B4-BE49-F238E27FC236}">
+                <a16:creationId xmlns:a16="http://schemas.microsoft.com/office/drawing/2014/main" id="{F7A04603-1DF5-3FE5-67D5-2804FDD72816}"/>
+              </a:ext>
+            </a:extLst>
+          </p:cNvPr>
+          <p:cNvGrpSpPr/>
+          <p:nvPr/>
+        </p:nvGrpSpPr>
+        <p:grpSpPr>
+          <a:xfrm>
+            <a:off x="4727130" y="4742446"/>
+            <a:ext cx="814160" cy="704410"/>
+            <a:chOff x="1723880" y="1894572"/>
+            <a:chExt cx="814160" cy="704410"/>
+          </a:xfrm>
+        </p:grpSpPr>
+        <p:sp>
+          <p:nvSpPr>
+            <p:cNvPr id="69" name="TextBox 68">
+              <a:extLst>
+                <a:ext uri="{FF2B5EF4-FFF2-40B4-BE49-F238E27FC236}">
+                  <a16:creationId xmlns:a16="http://schemas.microsoft.com/office/drawing/2014/main" id="{90A7142A-83AC-8A3F-84C5-4016743413DD}"/>
+                </a:ext>
+              </a:extLst>
+            </p:cNvPr>
+            <p:cNvSpPr txBox="1"/>
+            <p:nvPr/>
+          </p:nvSpPr>
+          <p:spPr>
+            <a:xfrm>
+              <a:off x="1723880" y="2321983"/>
+              <a:ext cx="814160" cy="276999"/>
+            </a:xfrm>
+            <a:prstGeom prst="rect">
+              <a:avLst/>
+            </a:prstGeom>
+            <a:noFill/>
+          </p:spPr>
+          <p:txBody>
+            <a:bodyPr wrap="square" rtlCol="0">
+              <a:spAutoFit/>
+            </a:bodyPr>
+            <a:lstStyle/>
+            <a:p>
+              <a:pPr algn="ctr"/>
+              <a:r>
+                <a:rPr lang="en-US" sz="1200" noProof="1"/>
+                <a:t>SignPath</a:t>
+              </a:r>
+            </a:p>
+          </p:txBody>
+        </p:sp>
+        <p:pic>
+          <p:nvPicPr>
+            <p:cNvPr id="70" name="Graphic 69">
+              <a:extLst>
+                <a:ext uri="{FF2B5EF4-FFF2-40B4-BE49-F238E27FC236}">
+                  <a16:creationId xmlns:a16="http://schemas.microsoft.com/office/drawing/2014/main" id="{3EBFE86A-BA65-D295-47CE-2BDBEDCC07B4}"/>
+                </a:ext>
+              </a:extLst>
+            </p:cNvPr>
+            <p:cNvPicPr>
+              <a:picLocks noChangeAspect="1"/>
+            </p:cNvPicPr>
+            <p:nvPr/>
+          </p:nvPicPr>
+          <p:blipFill>
+            <a:blip r:embed="rId5" cstate="print">
+              <a:extLst>
+                <a:ext uri="{28A0092B-C50C-407E-A947-70E740481C1C}">
+                  <a14:useLocalDpi xmlns:a14="http://schemas.microsoft.com/office/drawing/2010/main" val="0"/>
+                </a:ext>
+                <a:ext uri="{96DAC541-7B7A-43D3-8B79-37D633B846F1}">
+                  <asvg:svgBlip xmlns:asvg="http://schemas.microsoft.com/office/drawing/2016/SVG/main" r:embed="rId6"/>
+                </a:ext>
+              </a:extLst>
+            </a:blip>
+            <a:stretch>
+              <a:fillRect/>
+            </a:stretch>
+          </p:blipFill>
+          <p:spPr>
+            <a:xfrm>
+              <a:off x="1910906" y="1894572"/>
+              <a:ext cx="428244" cy="376975"/>
+            </a:xfrm>
+            <a:prstGeom prst="rect">
+              <a:avLst/>
+            </a:prstGeom>
+          </p:spPr>
+        </p:pic>
+      </p:grpSp>
+      <p:grpSp>
+        <p:nvGrpSpPr>
+          <p:cNvPr id="71" name="Group 70">
+            <a:extLst>
+              <a:ext uri="{FF2B5EF4-FFF2-40B4-BE49-F238E27FC236}">
+                <a16:creationId xmlns:a16="http://schemas.microsoft.com/office/drawing/2014/main" id="{BEF7DF53-6FD4-DF37-3711-8544A16681AF}"/>
+              </a:ext>
+            </a:extLst>
+          </p:cNvPr>
+          <p:cNvGrpSpPr/>
+          <p:nvPr/>
+        </p:nvGrpSpPr>
+        <p:grpSpPr>
+          <a:xfrm>
+            <a:off x="4727130" y="6220641"/>
+            <a:ext cx="814160" cy="704410"/>
+            <a:chOff x="1723880" y="1894572"/>
+            <a:chExt cx="814160" cy="704410"/>
+          </a:xfrm>
+        </p:grpSpPr>
+        <p:sp>
+          <p:nvSpPr>
+            <p:cNvPr id="72" name="TextBox 71">
+              <a:extLst>
+                <a:ext uri="{FF2B5EF4-FFF2-40B4-BE49-F238E27FC236}">
+                  <a16:creationId xmlns:a16="http://schemas.microsoft.com/office/drawing/2014/main" id="{6C10E367-8B78-540F-2F42-BA2F8438A002}"/>
+                </a:ext>
+              </a:extLst>
+            </p:cNvPr>
+            <p:cNvSpPr txBox="1"/>
+            <p:nvPr/>
+          </p:nvSpPr>
+          <p:spPr>
+            <a:xfrm>
+              <a:off x="1723880" y="2321983"/>
+              <a:ext cx="814160" cy="276999"/>
+            </a:xfrm>
+            <a:prstGeom prst="rect">
+              <a:avLst/>
+            </a:prstGeom>
+            <a:noFill/>
+          </p:spPr>
+          <p:txBody>
+            <a:bodyPr wrap="square" rtlCol="0">
+              <a:spAutoFit/>
+            </a:bodyPr>
+            <a:lstStyle/>
+            <a:p>
+              <a:pPr algn="ctr"/>
+              <a:r>
+                <a:rPr lang="en-US" sz="1200" noProof="1"/>
+                <a:t>SignPath</a:t>
+              </a:r>
+            </a:p>
+          </p:txBody>
+        </p:sp>
+        <p:pic>
+          <p:nvPicPr>
+            <p:cNvPr id="73" name="Graphic 72">
+              <a:extLst>
+                <a:ext uri="{FF2B5EF4-FFF2-40B4-BE49-F238E27FC236}">
+                  <a16:creationId xmlns:a16="http://schemas.microsoft.com/office/drawing/2014/main" id="{C486BE7B-B2DD-C919-C0AA-05E86E96C7EE}"/>
+                </a:ext>
+              </a:extLst>
+            </p:cNvPr>
+            <p:cNvPicPr>
+              <a:picLocks noChangeAspect="1"/>
+            </p:cNvPicPr>
+            <p:nvPr/>
+          </p:nvPicPr>
+          <p:blipFill>
+            <a:blip r:embed="rId5" cstate="print">
+              <a:extLst>
+                <a:ext uri="{28A0092B-C50C-407E-A947-70E740481C1C}">
+                  <a14:useLocalDpi xmlns:a14="http://schemas.microsoft.com/office/drawing/2010/main" val="0"/>
+                </a:ext>
+                <a:ext uri="{96DAC541-7B7A-43D3-8B79-37D633B846F1}">
+                  <asvg:svgBlip xmlns:asvg="http://schemas.microsoft.com/office/drawing/2016/SVG/main" r:embed="rId6"/>
+                </a:ext>
+              </a:extLst>
+            </a:blip>
+            <a:stretch>
+              <a:fillRect/>
+            </a:stretch>
+          </p:blipFill>
+          <p:spPr>
+            <a:xfrm>
+              <a:off x="1910906" y="1894572"/>
+              <a:ext cx="428244" cy="376975"/>
+            </a:xfrm>
+            <a:prstGeom prst="rect">
+              <a:avLst/>
+            </a:prstGeom>
+          </p:spPr>
+        </p:pic>
+      </p:grpSp>
+      <p:grpSp>
+        <p:nvGrpSpPr>
+          <p:cNvPr id="74" name="Group 73">
+            <a:extLst>
+              <a:ext uri="{FF2B5EF4-FFF2-40B4-BE49-F238E27FC236}">
+                <a16:creationId xmlns:a16="http://schemas.microsoft.com/office/drawing/2014/main" id="{D08E7209-0D66-B350-B1CE-AEA5C8A8CFD1}"/>
+              </a:ext>
+            </a:extLst>
+          </p:cNvPr>
+          <p:cNvGrpSpPr/>
+          <p:nvPr/>
+        </p:nvGrpSpPr>
+        <p:grpSpPr>
+          <a:xfrm>
+            <a:off x="4724233" y="1781144"/>
+            <a:ext cx="814160" cy="704410"/>
+            <a:chOff x="1723880" y="1894572"/>
+            <a:chExt cx="814160" cy="704410"/>
+          </a:xfrm>
+        </p:grpSpPr>
+        <p:sp>
+          <p:nvSpPr>
+            <p:cNvPr id="75" name="TextBox 74">
+              <a:extLst>
+                <a:ext uri="{FF2B5EF4-FFF2-40B4-BE49-F238E27FC236}">
+                  <a16:creationId xmlns:a16="http://schemas.microsoft.com/office/drawing/2014/main" id="{12EBB4A2-92D1-4D9A-161D-B1E3D0A37C67}"/>
+                </a:ext>
+              </a:extLst>
+            </p:cNvPr>
+            <p:cNvSpPr txBox="1"/>
+            <p:nvPr/>
+          </p:nvSpPr>
+          <p:spPr>
+            <a:xfrm>
+              <a:off x="1723880" y="2321983"/>
+              <a:ext cx="814160" cy="276999"/>
+            </a:xfrm>
+            <a:prstGeom prst="rect">
+              <a:avLst/>
+            </a:prstGeom>
+            <a:noFill/>
+          </p:spPr>
+          <p:txBody>
+            <a:bodyPr wrap="square" rtlCol="0">
+              <a:spAutoFit/>
+            </a:bodyPr>
+            <a:lstStyle/>
+            <a:p>
+              <a:pPr algn="ctr"/>
+              <a:r>
+                <a:rPr lang="en-US" sz="1200" noProof="1"/>
+                <a:t>SignPath</a:t>
+              </a:r>
+            </a:p>
+          </p:txBody>
+        </p:sp>
+        <p:pic>
+          <p:nvPicPr>
+            <p:cNvPr id="76" name="Graphic 75">
+              <a:extLst>
+                <a:ext uri="{FF2B5EF4-FFF2-40B4-BE49-F238E27FC236}">
+                  <a16:creationId xmlns:a16="http://schemas.microsoft.com/office/drawing/2014/main" id="{7CB826E0-BCE1-2E28-8D39-240A0BA37DD6}"/>
+                </a:ext>
+              </a:extLst>
+            </p:cNvPr>
+            <p:cNvPicPr>
+              <a:picLocks noChangeAspect="1"/>
+            </p:cNvPicPr>
+            <p:nvPr/>
+          </p:nvPicPr>
+          <p:blipFill>
+            <a:blip r:embed="rId5" cstate="print">
+              <a:extLst>
+                <a:ext uri="{28A0092B-C50C-407E-A947-70E740481C1C}">
+                  <a14:useLocalDpi xmlns:a14="http://schemas.microsoft.com/office/drawing/2010/main" val="0"/>
+                </a:ext>
+                <a:ext uri="{96DAC541-7B7A-43D3-8B79-37D633B846F1}">
+                  <asvg:svgBlip xmlns:asvg="http://schemas.microsoft.com/office/drawing/2016/SVG/main" r:embed="rId6"/>
+                </a:ext>
+              </a:extLst>
+            </a:blip>
+            <a:stretch>
+              <a:fillRect/>
+            </a:stretch>
+          </p:blipFill>
+          <p:spPr>
+            <a:xfrm>
+              <a:off x="1910906" y="1894572"/>
+              <a:ext cx="428244" cy="376975"/>
+            </a:xfrm>
+            <a:prstGeom prst="rect">
+              <a:avLst/>
+            </a:prstGeom>
+          </p:spPr>
+        </p:pic>
+      </p:grpSp>
     </p:spTree>
     <p:extLst>
       <p:ext uri="{BB962C8B-B14F-4D97-AF65-F5344CB8AC3E}">
@@ -11588,213 +11324,6 @@
           </p:spPr>
         </p:pic>
       </p:grpSp>
-      <p:pic>
-        <p:nvPicPr>
-          <p:cNvPr id="21" name="Graphic 20">
-            <a:extLst>
-              <a:ext uri="{FF2B5EF4-FFF2-40B4-BE49-F238E27FC236}">
-                <a16:creationId xmlns:a16="http://schemas.microsoft.com/office/drawing/2014/main" id="{EDB6BFE8-8786-CB93-3AB6-C0544991B3CB}"/>
-              </a:ext>
-            </a:extLst>
-          </p:cNvPr>
-          <p:cNvPicPr>
-            <a:picLocks noChangeAspect="1"/>
-          </p:cNvPicPr>
-          <p:nvPr/>
-        </p:nvPicPr>
-        <p:blipFill>
-          <a:blip r:embed="rId11" cstate="print">
-            <a:extLst>
-              <a:ext uri="{28A0092B-C50C-407E-A947-70E740481C1C}">
-                <a14:useLocalDpi xmlns:a14="http://schemas.microsoft.com/office/drawing/2010/main" val="0"/>
-              </a:ext>
-              <a:ext uri="{96DAC541-7B7A-43D3-8B79-37D633B846F1}">
-                <asvg:svgBlip xmlns:asvg="http://schemas.microsoft.com/office/drawing/2016/SVG/main" r:embed="rId12"/>
-              </a:ext>
-            </a:extLst>
-          </a:blip>
-          <a:stretch>
-            <a:fillRect/>
-          </a:stretch>
-        </p:blipFill>
-        <p:spPr>
-          <a:xfrm>
-            <a:off x="2060506" y="5900317"/>
-            <a:ext cx="2563109" cy="516756"/>
-          </a:xfrm>
-          <a:prstGeom prst="rect">
-            <a:avLst/>
-          </a:prstGeom>
-        </p:spPr>
-      </p:pic>
-      <p:grpSp>
-        <p:nvGrpSpPr>
-          <p:cNvPr id="55" name="Group 54">
-            <a:extLst>
-              <a:ext uri="{FF2B5EF4-FFF2-40B4-BE49-F238E27FC236}">
-                <a16:creationId xmlns:a16="http://schemas.microsoft.com/office/drawing/2014/main" id="{B48CCD5C-1120-1DFE-7C1C-7ACB5B3DDF23}"/>
-              </a:ext>
-            </a:extLst>
-          </p:cNvPr>
-          <p:cNvGrpSpPr/>
-          <p:nvPr/>
-        </p:nvGrpSpPr>
-        <p:grpSpPr>
-          <a:xfrm>
-            <a:off x="1715669" y="1894573"/>
-            <a:ext cx="814160" cy="670974"/>
-            <a:chOff x="1715669" y="1894573"/>
-            <a:chExt cx="814160" cy="670974"/>
-          </a:xfrm>
-        </p:grpSpPr>
-        <p:sp>
-          <p:nvSpPr>
-            <p:cNvPr id="36" name="TextBox 35">
-              <a:extLst>
-                <a:ext uri="{FF2B5EF4-FFF2-40B4-BE49-F238E27FC236}">
-                  <a16:creationId xmlns:a16="http://schemas.microsoft.com/office/drawing/2014/main" id="{1CEE3A9C-4633-4C25-A2BA-8EC2B93E3ABD}"/>
-                </a:ext>
-              </a:extLst>
-            </p:cNvPr>
-            <p:cNvSpPr txBox="1"/>
-            <p:nvPr/>
-          </p:nvSpPr>
-          <p:spPr>
-            <a:xfrm>
-              <a:off x="1715669" y="2288548"/>
-              <a:ext cx="814160" cy="276999"/>
-            </a:xfrm>
-            <a:prstGeom prst="rect">
-              <a:avLst/>
-            </a:prstGeom>
-            <a:noFill/>
-          </p:spPr>
-          <p:txBody>
-            <a:bodyPr wrap="square" rtlCol="0">
-              <a:spAutoFit/>
-            </a:bodyPr>
-            <a:lstStyle/>
-            <a:p>
-              <a:pPr algn="ctr"/>
-              <a:r>
-                <a:rPr lang="en-US" sz="1200" noProof="1"/>
-                <a:t>SignPath</a:t>
-              </a:r>
-            </a:p>
-          </p:txBody>
-        </p:sp>
-        <p:grpSp>
-          <p:nvGrpSpPr>
-            <p:cNvPr id="53" name="Group 52">
-              <a:extLst>
-                <a:ext uri="{FF2B5EF4-FFF2-40B4-BE49-F238E27FC236}">
-                  <a16:creationId xmlns:a16="http://schemas.microsoft.com/office/drawing/2014/main" id="{F1266A30-1C19-C259-9A67-BFC859F36E6B}"/>
-                </a:ext>
-              </a:extLst>
-            </p:cNvPr>
-            <p:cNvGrpSpPr/>
-            <p:nvPr/>
-          </p:nvGrpSpPr>
-          <p:grpSpPr>
-            <a:xfrm>
-              <a:off x="1900729" y="1894573"/>
-              <a:ext cx="444039" cy="386433"/>
-              <a:chOff x="1900729" y="1894573"/>
-              <a:chExt cx="444039" cy="386433"/>
-            </a:xfrm>
-          </p:grpSpPr>
-          <p:sp>
-            <p:nvSpPr>
-              <p:cNvPr id="52" name="Rectangle 51">
-                <a:extLst>
-                  <a:ext uri="{FF2B5EF4-FFF2-40B4-BE49-F238E27FC236}">
-                    <a16:creationId xmlns:a16="http://schemas.microsoft.com/office/drawing/2014/main" id="{3C00AFA4-5724-38ED-FE47-15D608AA28F0}"/>
-                  </a:ext>
-                </a:extLst>
-              </p:cNvPr>
-              <p:cNvSpPr/>
-              <p:nvPr/>
-            </p:nvSpPr>
-            <p:spPr>
-              <a:xfrm>
-                <a:off x="2011029" y="1935479"/>
-                <a:ext cx="229251" cy="299085"/>
-              </a:xfrm>
-              <a:prstGeom prst="rect">
-                <a:avLst/>
-              </a:prstGeom>
-              <a:solidFill>
-                <a:schemeClr val="bg1"/>
-              </a:solidFill>
-              <a:ln>
-                <a:noFill/>
-              </a:ln>
-            </p:spPr>
-            <p:style>
-              <a:lnRef idx="2">
-                <a:schemeClr val="accent1">
-                  <a:shade val="50000"/>
-                </a:schemeClr>
-              </a:lnRef>
-              <a:fillRef idx="1">
-                <a:schemeClr val="accent1"/>
-              </a:fillRef>
-              <a:effectRef idx="0">
-                <a:schemeClr val="accent1"/>
-              </a:effectRef>
-              <a:fontRef idx="minor">
-                <a:schemeClr val="lt1"/>
-              </a:fontRef>
-            </p:style>
-            <p:txBody>
-              <a:bodyPr rtlCol="0" anchor="ctr"/>
-              <a:lstStyle/>
-              <a:p>
-                <a:pPr algn="ctr"/>
-                <a:endParaRPr lang="en-US"/>
-              </a:p>
-            </p:txBody>
-          </p:sp>
-          <p:pic>
-            <p:nvPicPr>
-              <p:cNvPr id="50" name="Graphic 49">
-                <a:extLst>
-                  <a:ext uri="{FF2B5EF4-FFF2-40B4-BE49-F238E27FC236}">
-                    <a16:creationId xmlns:a16="http://schemas.microsoft.com/office/drawing/2014/main" id="{0E441D5E-0D87-C77E-18DC-1CCC46F64973}"/>
-                  </a:ext>
-                </a:extLst>
-              </p:cNvPr>
-              <p:cNvPicPr>
-                <a:picLocks noChangeAspect="1"/>
-              </p:cNvPicPr>
-              <p:nvPr/>
-            </p:nvPicPr>
-            <p:blipFill rotWithShape="1">
-              <a:blip r:embed="rId11" cstate="print">
-                <a:extLst>
-                  <a:ext uri="{28A0092B-C50C-407E-A947-70E740481C1C}">
-                    <a14:useLocalDpi xmlns:a14="http://schemas.microsoft.com/office/drawing/2010/main" val="0"/>
-                  </a:ext>
-                  <a:ext uri="{96DAC541-7B7A-43D3-8B79-37D633B846F1}">
-                    <asvg:svgBlip xmlns:asvg="http://schemas.microsoft.com/office/drawing/2016/SVG/main" r:embed="rId12"/>
-                  </a:ext>
-                </a:extLst>
-              </a:blip>
-              <a:srcRect r="76833"/>
-              <a:stretch/>
-            </p:blipFill>
-            <p:spPr>
-              <a:xfrm>
-                <a:off x="1900729" y="1894573"/>
-                <a:ext cx="444039" cy="386433"/>
-              </a:xfrm>
-              <a:prstGeom prst="rect">
-                <a:avLst/>
-              </a:prstGeom>
-            </p:spPr>
-          </p:pic>
-        </p:grpSp>
-      </p:grpSp>
       <p:grpSp>
         <p:nvGrpSpPr>
           <p:cNvPr id="31" name="Group 30">
@@ -11866,13 +11395,13 @@
             <p:nvPr/>
           </p:nvPicPr>
           <p:blipFill>
-            <a:blip r:embed="rId13" cstate="print">
+            <a:blip r:embed="rId11" cstate="print">
               <a:extLst>
                 <a:ext uri="{28A0092B-C50C-407E-A947-70E740481C1C}">
                   <a14:useLocalDpi xmlns:a14="http://schemas.microsoft.com/office/drawing/2010/main" val="0"/>
                 </a:ext>
                 <a:ext uri="{96DAC541-7B7A-43D3-8B79-37D633B846F1}">
-                  <asvg:svgBlip xmlns:asvg="http://schemas.microsoft.com/office/drawing/2016/SVG/main" r:embed="rId14"/>
+                  <asvg:svgBlip xmlns:asvg="http://schemas.microsoft.com/office/drawing/2016/SVG/main" r:embed="rId12"/>
                 </a:ext>
               </a:extLst>
             </a:blip>
@@ -11891,6 +11420,141 @@
           </p:spPr>
         </p:pic>
       </p:grpSp>
+      <p:grpSp>
+        <p:nvGrpSpPr>
+          <p:cNvPr id="27" name="Group 26">
+            <a:extLst>
+              <a:ext uri="{FF2B5EF4-FFF2-40B4-BE49-F238E27FC236}">
+                <a16:creationId xmlns:a16="http://schemas.microsoft.com/office/drawing/2014/main" id="{5429FE8F-5D05-9DD4-EFA7-9446995818E0}"/>
+              </a:ext>
+            </a:extLst>
+          </p:cNvPr>
+          <p:cNvGrpSpPr/>
+          <p:nvPr/>
+        </p:nvGrpSpPr>
+        <p:grpSpPr>
+          <a:xfrm>
+            <a:off x="1715669" y="1894572"/>
+            <a:ext cx="814160" cy="670975"/>
+            <a:chOff x="1715669" y="1894572"/>
+            <a:chExt cx="814160" cy="670975"/>
+          </a:xfrm>
+        </p:grpSpPr>
+        <p:sp>
+          <p:nvSpPr>
+            <p:cNvPr id="36" name="TextBox 35">
+              <a:extLst>
+                <a:ext uri="{FF2B5EF4-FFF2-40B4-BE49-F238E27FC236}">
+                  <a16:creationId xmlns:a16="http://schemas.microsoft.com/office/drawing/2014/main" id="{1CEE3A9C-4633-4C25-A2BA-8EC2B93E3ABD}"/>
+                </a:ext>
+              </a:extLst>
+            </p:cNvPr>
+            <p:cNvSpPr txBox="1"/>
+            <p:nvPr/>
+          </p:nvSpPr>
+          <p:spPr>
+            <a:xfrm>
+              <a:off x="1715669" y="2288548"/>
+              <a:ext cx="814160" cy="276999"/>
+            </a:xfrm>
+            <a:prstGeom prst="rect">
+              <a:avLst/>
+            </a:prstGeom>
+            <a:noFill/>
+          </p:spPr>
+          <p:txBody>
+            <a:bodyPr wrap="square" rtlCol="0">
+              <a:spAutoFit/>
+            </a:bodyPr>
+            <a:lstStyle/>
+            <a:p>
+              <a:pPr algn="ctr"/>
+              <a:r>
+                <a:rPr lang="en-US" sz="1200" noProof="1"/>
+                <a:t>SignPath</a:t>
+              </a:r>
+            </a:p>
+          </p:txBody>
+        </p:sp>
+        <p:pic>
+          <p:nvPicPr>
+            <p:cNvPr id="25" name="Graphic 24">
+              <a:extLst>
+                <a:ext uri="{FF2B5EF4-FFF2-40B4-BE49-F238E27FC236}">
+                  <a16:creationId xmlns:a16="http://schemas.microsoft.com/office/drawing/2014/main" id="{A8F32632-48E3-8402-43EA-B0631E3B65CC}"/>
+                </a:ext>
+              </a:extLst>
+            </p:cNvPr>
+            <p:cNvPicPr>
+              <a:picLocks noChangeAspect="1"/>
+            </p:cNvPicPr>
+            <p:nvPr/>
+          </p:nvPicPr>
+          <p:blipFill>
+            <a:blip r:embed="rId13" cstate="print">
+              <a:extLst>
+                <a:ext uri="{28A0092B-C50C-407E-A947-70E740481C1C}">
+                  <a14:useLocalDpi xmlns:a14="http://schemas.microsoft.com/office/drawing/2010/main" val="0"/>
+                </a:ext>
+                <a:ext uri="{96DAC541-7B7A-43D3-8B79-37D633B846F1}">
+                  <asvg:svgBlip xmlns:asvg="http://schemas.microsoft.com/office/drawing/2016/SVG/main" r:embed="rId14"/>
+                </a:ext>
+              </a:extLst>
+            </a:blip>
+            <a:stretch>
+              <a:fillRect/>
+            </a:stretch>
+          </p:blipFill>
+          <p:spPr>
+            <a:xfrm>
+              <a:off x="1910906" y="1894572"/>
+              <a:ext cx="428244" cy="376975"/>
+            </a:xfrm>
+            <a:prstGeom prst="rect">
+              <a:avLst/>
+            </a:prstGeom>
+          </p:spPr>
+        </p:pic>
+      </p:grpSp>
+      <p:pic>
+        <p:nvPicPr>
+          <p:cNvPr id="35" name="Graphic 34">
+            <a:extLst>
+              <a:ext uri="{FF2B5EF4-FFF2-40B4-BE49-F238E27FC236}">
+                <a16:creationId xmlns:a16="http://schemas.microsoft.com/office/drawing/2014/main" id="{263B9B54-E0D8-D2EA-CD7C-7902DE7E5798}"/>
+              </a:ext>
+            </a:extLst>
+          </p:cNvPr>
+          <p:cNvPicPr>
+            <a:picLocks noChangeAspect="1"/>
+          </p:cNvPicPr>
+          <p:nvPr/>
+        </p:nvPicPr>
+        <p:blipFill>
+          <a:blip r:embed="rId15">
+            <a:extLst>
+              <a:ext uri="{28A0092B-C50C-407E-A947-70E740481C1C}">
+                <a14:useLocalDpi xmlns:a14="http://schemas.microsoft.com/office/drawing/2010/main" val="0"/>
+              </a:ext>
+              <a:ext uri="{96DAC541-7B7A-43D3-8B79-37D633B846F1}">
+                <asvg:svgBlip xmlns:asvg="http://schemas.microsoft.com/office/drawing/2016/SVG/main" r:embed="rId16"/>
+              </a:ext>
+            </a:extLst>
+          </a:blip>
+          <a:stretch>
+            <a:fillRect/>
+          </a:stretch>
+        </p:blipFill>
+        <p:spPr>
+          <a:xfrm>
+            <a:off x="1291360" y="5595635"/>
+            <a:ext cx="4171601" cy="841049"/>
+          </a:xfrm>
+          <a:prstGeom prst="rect">
+            <a:avLst/>
+          </a:prstGeom>
+        </p:spPr>
+      </p:pic>
     </p:spTree>
     <p:extLst>
       <p:ext uri="{BB962C8B-B14F-4D97-AF65-F5344CB8AC3E}">
@@ -27878,117 +27542,45 @@
           </a:p>
         </p:txBody>
       </p:sp>
-      <p:grpSp>
-        <p:nvGrpSpPr>
-          <p:cNvPr id="4" name="Group 3">
+      <p:pic>
+        <p:nvPicPr>
+          <p:cNvPr id="6" name="Graphic 5">
             <a:extLst>
               <a:ext uri="{FF2B5EF4-FFF2-40B4-BE49-F238E27FC236}">
-                <a16:creationId xmlns:a16="http://schemas.microsoft.com/office/drawing/2014/main" id="{F8635572-73D4-EF13-AF3C-994335CD1DD4}"/>
+                <a16:creationId xmlns:a16="http://schemas.microsoft.com/office/drawing/2014/main" id="{00F533BE-DA3F-3E0D-5542-7C13F047D27E}"/>
               </a:ext>
             </a:extLst>
           </p:cNvPr>
-          <p:cNvGrpSpPr/>
-          <p:nvPr/>
-        </p:nvGrpSpPr>
-        <p:grpSpPr>
+          <p:cNvPicPr>
+            <a:picLocks noChangeAspect="1"/>
+          </p:cNvPicPr>
+          <p:nvPr/>
+        </p:nvPicPr>
+        <p:blipFill>
+          <a:blip r:embed="rId2" cstate="print">
+            <a:extLst>
+              <a:ext uri="{28A0092B-C50C-407E-A947-70E740481C1C}">
+                <a14:useLocalDpi xmlns:a14="http://schemas.microsoft.com/office/drawing/2010/main" val="0"/>
+              </a:ext>
+              <a:ext uri="{96DAC541-7B7A-43D3-8B79-37D633B846F1}">
+                <asvg:svgBlip xmlns:asvg="http://schemas.microsoft.com/office/drawing/2016/SVG/main" r:embed="rId3"/>
+              </a:ext>
+            </a:extLst>
+          </a:blip>
+          <a:stretch>
+            <a:fillRect/>
+          </a:stretch>
+        </p:blipFill>
+        <p:spPr>
           <a:xfrm>
-            <a:off x="2529396" y="4842761"/>
-            <a:ext cx="444039" cy="386433"/>
-            <a:chOff x="1900729" y="1894573"/>
-            <a:chExt cx="444039" cy="386433"/>
-          </a:xfrm>
-        </p:grpSpPr>
-        <p:sp>
-          <p:nvSpPr>
-            <p:cNvPr id="9" name="Rectangle 8">
-              <a:extLst>
-                <a:ext uri="{FF2B5EF4-FFF2-40B4-BE49-F238E27FC236}">
-                  <a16:creationId xmlns:a16="http://schemas.microsoft.com/office/drawing/2014/main" id="{E87B1BD0-309A-41A8-D3E9-B9DDD8F6FCE9}"/>
-                </a:ext>
-              </a:extLst>
-            </p:cNvPr>
-            <p:cNvSpPr/>
-            <p:nvPr/>
-          </p:nvSpPr>
-          <p:spPr>
-            <a:xfrm>
-              <a:off x="2011029" y="1935479"/>
-              <a:ext cx="229251" cy="299085"/>
-            </a:xfrm>
-            <a:prstGeom prst="rect">
-              <a:avLst/>
-            </a:prstGeom>
-            <a:solidFill>
-              <a:schemeClr val="bg1"/>
-            </a:solidFill>
-            <a:ln>
-              <a:noFill/>
-            </a:ln>
-          </p:spPr>
-          <p:style>
-            <a:lnRef idx="2">
-              <a:schemeClr val="accent1">
-                <a:shade val="50000"/>
-              </a:schemeClr>
-            </a:lnRef>
-            <a:fillRef idx="1">
-              <a:schemeClr val="accent1"/>
-            </a:fillRef>
-            <a:effectRef idx="0">
-              <a:schemeClr val="accent1"/>
-            </a:effectRef>
-            <a:fontRef idx="minor">
-              <a:schemeClr val="lt1"/>
-            </a:fontRef>
-          </p:style>
-          <p:txBody>
-            <a:bodyPr rtlCol="0" anchor="ctr"/>
-            <a:lstStyle/>
-            <a:p>
-              <a:pPr algn="ctr"/>
-              <a:endParaRPr lang="en-US"/>
-            </a:p>
-          </p:txBody>
-        </p:sp>
-        <p:pic>
-          <p:nvPicPr>
-            <p:cNvPr id="10" name="Graphic 9">
-              <a:extLst>
-                <a:ext uri="{FF2B5EF4-FFF2-40B4-BE49-F238E27FC236}">
-                  <a16:creationId xmlns:a16="http://schemas.microsoft.com/office/drawing/2014/main" id="{8C48648C-0A7B-80EA-F3C6-AF8D11E61314}"/>
-                </a:ext>
-              </a:extLst>
-            </p:cNvPr>
-            <p:cNvPicPr>
-              <a:picLocks noChangeAspect="1"/>
-            </p:cNvPicPr>
-            <p:nvPr/>
-          </p:nvPicPr>
-          <p:blipFill rotWithShape="1">
-            <a:blip r:embed="rId2" cstate="print">
-              <a:extLst>
-                <a:ext uri="{28A0092B-C50C-407E-A947-70E740481C1C}">
-                  <a14:useLocalDpi xmlns:a14="http://schemas.microsoft.com/office/drawing/2010/main" val="0"/>
-                </a:ext>
-                <a:ext uri="{96DAC541-7B7A-43D3-8B79-37D633B846F1}">
-                  <asvg:svgBlip xmlns:asvg="http://schemas.microsoft.com/office/drawing/2016/SVG/main" r:embed="rId3"/>
-                </a:ext>
-              </a:extLst>
-            </a:blip>
-            <a:srcRect r="76833"/>
-            <a:stretch/>
-          </p:blipFill>
-          <p:spPr>
-            <a:xfrm>
-              <a:off x="1900729" y="1894573"/>
-              <a:ext cx="444039" cy="386433"/>
-            </a:xfrm>
-            <a:prstGeom prst="rect">
-              <a:avLst/>
-            </a:prstGeom>
-          </p:spPr>
-        </p:pic>
-      </p:grpSp>
+            <a:off x="2545191" y="4843565"/>
+            <a:ext cx="428244" cy="376975"/>
+          </a:xfrm>
+          <a:prstGeom prst="rect">
+            <a:avLst/>
+          </a:prstGeom>
+        </p:spPr>
+      </p:pic>
     </p:spTree>
     <p:extLst>
       <p:ext uri="{BB962C8B-B14F-4D97-AF65-F5344CB8AC3E}">

--- a/src/diagrams.pptx
+++ b/src/diagrams.pptx
@@ -253,7 +253,7 @@
           <a:p>
             <a:fld id="{E5B2F287-A29C-4C70-831C-74BFCFEDEFEA}" type="datetimeFigureOut">
               <a:rPr lang="de-AT" smtClean="0"/>
-              <a:t>06.02.2023</a:t>
+              <a:t>03.03.2023</a:t>
             </a:fld>
             <a:endParaRPr lang="de-AT"/>
           </a:p>
@@ -423,7 +423,7 @@
           <a:p>
             <a:fld id="{E5B2F287-A29C-4C70-831C-74BFCFEDEFEA}" type="datetimeFigureOut">
               <a:rPr lang="de-AT" smtClean="0"/>
-              <a:t>06.02.2023</a:t>
+              <a:t>03.03.2023</a:t>
             </a:fld>
             <a:endParaRPr lang="de-AT"/>
           </a:p>
@@ -603,7 +603,7 @@
           <a:p>
             <a:fld id="{E5B2F287-A29C-4C70-831C-74BFCFEDEFEA}" type="datetimeFigureOut">
               <a:rPr lang="de-AT" smtClean="0"/>
-              <a:t>06.02.2023</a:t>
+              <a:t>03.03.2023</a:t>
             </a:fld>
             <a:endParaRPr lang="de-AT"/>
           </a:p>
@@ -773,7 +773,7 @@
           <a:p>
             <a:fld id="{E5B2F287-A29C-4C70-831C-74BFCFEDEFEA}" type="datetimeFigureOut">
               <a:rPr lang="de-AT" smtClean="0"/>
-              <a:t>06.02.2023</a:t>
+              <a:t>03.03.2023</a:t>
             </a:fld>
             <a:endParaRPr lang="de-AT"/>
           </a:p>
@@ -1019,7 +1019,7 @@
           <a:p>
             <a:fld id="{E5B2F287-A29C-4C70-831C-74BFCFEDEFEA}" type="datetimeFigureOut">
               <a:rPr lang="de-AT" smtClean="0"/>
-              <a:t>06.02.2023</a:t>
+              <a:t>03.03.2023</a:t>
             </a:fld>
             <a:endParaRPr lang="de-AT"/>
           </a:p>
@@ -1251,7 +1251,7 @@
           <a:p>
             <a:fld id="{E5B2F287-A29C-4C70-831C-74BFCFEDEFEA}" type="datetimeFigureOut">
               <a:rPr lang="de-AT" smtClean="0"/>
-              <a:t>06.02.2023</a:t>
+              <a:t>03.03.2023</a:t>
             </a:fld>
             <a:endParaRPr lang="de-AT"/>
           </a:p>
@@ -1618,7 +1618,7 @@
           <a:p>
             <a:fld id="{E5B2F287-A29C-4C70-831C-74BFCFEDEFEA}" type="datetimeFigureOut">
               <a:rPr lang="de-AT" smtClean="0"/>
-              <a:t>06.02.2023</a:t>
+              <a:t>03.03.2023</a:t>
             </a:fld>
             <a:endParaRPr lang="de-AT"/>
           </a:p>
@@ -1736,7 +1736,7 @@
           <a:p>
             <a:fld id="{E5B2F287-A29C-4C70-831C-74BFCFEDEFEA}" type="datetimeFigureOut">
               <a:rPr lang="de-AT" smtClean="0"/>
-              <a:t>06.02.2023</a:t>
+              <a:t>03.03.2023</a:t>
             </a:fld>
             <a:endParaRPr lang="de-AT"/>
           </a:p>
@@ -1831,7 +1831,7 @@
           <a:p>
             <a:fld id="{E5B2F287-A29C-4C70-831C-74BFCFEDEFEA}" type="datetimeFigureOut">
               <a:rPr lang="de-AT" smtClean="0"/>
-              <a:t>06.02.2023</a:t>
+              <a:t>03.03.2023</a:t>
             </a:fld>
             <a:endParaRPr lang="de-AT"/>
           </a:p>
@@ -2108,7 +2108,7 @@
           <a:p>
             <a:fld id="{E5B2F287-A29C-4C70-831C-74BFCFEDEFEA}" type="datetimeFigureOut">
               <a:rPr lang="de-AT" smtClean="0"/>
-              <a:t>06.02.2023</a:t>
+              <a:t>03.03.2023</a:t>
             </a:fld>
             <a:endParaRPr lang="de-AT"/>
           </a:p>
@@ -2361,7 +2361,7 @@
           <a:p>
             <a:fld id="{E5B2F287-A29C-4C70-831C-74BFCFEDEFEA}" type="datetimeFigureOut">
               <a:rPr lang="de-AT" smtClean="0"/>
-              <a:t>06.02.2023</a:t>
+              <a:t>03.03.2023</a:t>
             </a:fld>
             <a:endParaRPr lang="de-AT"/>
           </a:p>
@@ -2574,7 +2574,7 @@
           <a:p>
             <a:fld id="{E5B2F287-A29C-4C70-831C-74BFCFEDEFEA}" type="datetimeFigureOut">
               <a:rPr lang="de-AT" smtClean="0"/>
-              <a:t>06.02.2023</a:t>
+              <a:t>03.03.2023</a:t>
             </a:fld>
             <a:endParaRPr lang="de-AT"/>
           </a:p>
@@ -28515,7 +28515,7 @@
             <a:pPr algn="ctr"/>
             <a:r>
               <a:rPr lang="en-US" sz="1400" b="1" noProof="1"/>
-              <a:t>(1)</a:t>
+              <a:t>①</a:t>
             </a:r>
             <a:r>
               <a:rPr lang="en-US" sz="1400" noProof="1"/>
@@ -28538,7 +28538,7 @@
         </p:nvSpPr>
         <p:spPr>
           <a:xfrm>
-            <a:off x="7729875" y="2402748"/>
+            <a:off x="7729875" y="2712643"/>
             <a:ext cx="3212892" cy="369332"/>
           </a:xfrm>
           <a:prstGeom prst="rect">
@@ -28554,7 +28554,7 @@
           <a:p>
             <a:r>
               <a:rPr lang="en-US" noProof="1"/>
-              <a:t>CI User</a:t>
+              <a:t>CI User token</a:t>
             </a:r>
           </a:p>
         </p:txBody>
@@ -28573,7 +28573,7 @@
         </p:nvSpPr>
         <p:spPr>
           <a:xfrm>
-            <a:off x="2476981" y="2402748"/>
+            <a:off x="2476981" y="2712643"/>
             <a:ext cx="2574704" cy="369332"/>
           </a:xfrm>
           <a:prstGeom prst="rect">
@@ -28617,7 +28617,7 @@
         </p:nvCxnSpPr>
         <p:spPr>
           <a:xfrm flipH="1">
-            <a:off x="5286322" y="2587414"/>
+            <a:off x="5286322" y="2897309"/>
             <a:ext cx="2160000" cy="0"/>
           </a:xfrm>
           <a:prstGeom prst="straightConnector1">
@@ -28659,7 +28659,7 @@
         </p:nvSpPr>
         <p:spPr>
           <a:xfrm>
-            <a:off x="3246036" y="3002690"/>
+            <a:off x="3246036" y="3312585"/>
             <a:ext cx="1937885" cy="523220"/>
           </a:xfrm>
           <a:prstGeom prst="rect">
@@ -28676,7 +28676,7 @@
             <a:pPr marL="534988" indent="-534988"/>
             <a:r>
               <a:rPr lang="en-US" sz="1400" b="1" noProof="1"/>
-              <a:t>(3)	</a:t>
+              <a:t>③	</a:t>
             </a:r>
             <a:r>
               <a:rPr lang="en-US" sz="1400" noProof="1"/>
@@ -28699,7 +28699,7 @@
         </p:nvSpPr>
         <p:spPr>
           <a:xfrm>
-            <a:off x="2958109" y="3631291"/>
+            <a:off x="2958109" y="3941186"/>
             <a:ext cx="1825192" cy="369332"/>
           </a:xfrm>
           <a:prstGeom prst="rect">
@@ -28739,7 +28739,7 @@
         </p:nvCxnSpPr>
         <p:spPr>
           <a:xfrm>
-            <a:off x="3708782" y="3002690"/>
+            <a:off x="3708782" y="3312585"/>
             <a:ext cx="0" cy="628344"/>
           </a:xfrm>
           <a:prstGeom prst="straightConnector1">
@@ -28781,7 +28781,7 @@
         </p:nvSpPr>
         <p:spPr>
           <a:xfrm>
-            <a:off x="5286322" y="2234344"/>
+            <a:off x="5286322" y="2544239"/>
             <a:ext cx="2160000" cy="307777"/>
           </a:xfrm>
           <a:prstGeom prst="rect">
@@ -28798,11 +28798,7 @@
             <a:pPr algn="ctr"/>
             <a:r>
               <a:rPr lang="en-US" sz="1400" b="1" noProof="1"/>
-              <a:t>(2)</a:t>
-            </a:r>
-            <a:r>
-              <a:rPr lang="en-US" sz="1400" noProof="1"/>
-              <a:t> </a:t>
+              <a:t>② </a:t>
             </a:r>
             <a:r>
               <a:rPr lang="en-US" sz="1200" b="1" noProof="1">
@@ -28845,12 +28841,12 @@
         <p:spPr>
           <a:xfrm>
             <a:off x="2368972" y="1798526"/>
-            <a:ext cx="2709202" cy="1098783"/>
+            <a:ext cx="2709202" cy="1408678"/>
           </a:xfrm>
           <a:prstGeom prst="rect">
             <a:avLst/>
           </a:prstGeom>
-          <a:ln>
+          <a:ln w="19050">
             <a:solidFill>
               <a:srgbClr val="02B1E6"/>
             </a:solidFill>
@@ -28895,12 +28891,12 @@
         <p:spPr>
           <a:xfrm>
             <a:off x="7703386" y="1798526"/>
-            <a:ext cx="3212892" cy="1098783"/>
+            <a:ext cx="3212892" cy="1408678"/>
           </a:xfrm>
           <a:prstGeom prst="rect">
             <a:avLst/>
           </a:prstGeom>
-          <a:ln>
+          <a:ln w="19050">
             <a:solidFill>
               <a:srgbClr val="02B1E6"/>
             </a:solidFill>
@@ -28959,7 +28955,7 @@
         </p:blipFill>
         <p:spPr bwMode="auto">
           <a:xfrm>
-            <a:off x="2560269" y="3637490"/>
+            <a:off x="2560269" y="3947385"/>
             <a:ext cx="363133" cy="363133"/>
           </a:xfrm>
           <a:prstGeom prst="rect">
@@ -28991,7 +28987,7 @@
         </p:nvSpPr>
         <p:spPr>
           <a:xfrm>
-            <a:off x="2970884" y="4000746"/>
+            <a:off x="2970884" y="4310641"/>
             <a:ext cx="2178254" cy="230832"/>
           </a:xfrm>
           <a:prstGeom prst="rect">

--- a/src/diagrams.pptx
+++ b/src/diagrams.pptx
@@ -16,6 +16,7 @@
     <p:sldId id="260" r:id="rId10"/>
     <p:sldId id="268" r:id="rId11"/>
     <p:sldId id="264" r:id="rId12"/>
+    <p:sldId id="269" r:id="rId13"/>
   </p:sldIdLst>
   <p:sldSz cx="12192000" cy="6858000"/>
   <p:notesSz cx="6858000" cy="9144000"/>
@@ -253,7 +254,7 @@
           <a:p>
             <a:fld id="{E5B2F287-A29C-4C70-831C-74BFCFEDEFEA}" type="datetimeFigureOut">
               <a:rPr lang="de-AT" smtClean="0"/>
-              <a:t>03.03.2023</a:t>
+              <a:t>15.03.2023</a:t>
             </a:fld>
             <a:endParaRPr lang="de-AT"/>
           </a:p>
@@ -423,7 +424,7 @@
           <a:p>
             <a:fld id="{E5B2F287-A29C-4C70-831C-74BFCFEDEFEA}" type="datetimeFigureOut">
               <a:rPr lang="de-AT" smtClean="0"/>
-              <a:t>03.03.2023</a:t>
+              <a:t>15.03.2023</a:t>
             </a:fld>
             <a:endParaRPr lang="de-AT"/>
           </a:p>
@@ -603,7 +604,7 @@
           <a:p>
             <a:fld id="{E5B2F287-A29C-4C70-831C-74BFCFEDEFEA}" type="datetimeFigureOut">
               <a:rPr lang="de-AT" smtClean="0"/>
-              <a:t>03.03.2023</a:t>
+              <a:t>15.03.2023</a:t>
             </a:fld>
             <a:endParaRPr lang="de-AT"/>
           </a:p>
@@ -773,7 +774,7 @@
           <a:p>
             <a:fld id="{E5B2F287-A29C-4C70-831C-74BFCFEDEFEA}" type="datetimeFigureOut">
               <a:rPr lang="de-AT" smtClean="0"/>
-              <a:t>03.03.2023</a:t>
+              <a:t>15.03.2023</a:t>
             </a:fld>
             <a:endParaRPr lang="de-AT"/>
           </a:p>
@@ -1019,7 +1020,7 @@
           <a:p>
             <a:fld id="{E5B2F287-A29C-4C70-831C-74BFCFEDEFEA}" type="datetimeFigureOut">
               <a:rPr lang="de-AT" smtClean="0"/>
-              <a:t>03.03.2023</a:t>
+              <a:t>15.03.2023</a:t>
             </a:fld>
             <a:endParaRPr lang="de-AT"/>
           </a:p>
@@ -1251,7 +1252,7 @@
           <a:p>
             <a:fld id="{E5B2F287-A29C-4C70-831C-74BFCFEDEFEA}" type="datetimeFigureOut">
               <a:rPr lang="de-AT" smtClean="0"/>
-              <a:t>03.03.2023</a:t>
+              <a:t>15.03.2023</a:t>
             </a:fld>
             <a:endParaRPr lang="de-AT"/>
           </a:p>
@@ -1618,7 +1619,7 @@
           <a:p>
             <a:fld id="{E5B2F287-A29C-4C70-831C-74BFCFEDEFEA}" type="datetimeFigureOut">
               <a:rPr lang="de-AT" smtClean="0"/>
-              <a:t>03.03.2023</a:t>
+              <a:t>15.03.2023</a:t>
             </a:fld>
             <a:endParaRPr lang="de-AT"/>
           </a:p>
@@ -1736,7 +1737,7 @@
           <a:p>
             <a:fld id="{E5B2F287-A29C-4C70-831C-74BFCFEDEFEA}" type="datetimeFigureOut">
               <a:rPr lang="de-AT" smtClean="0"/>
-              <a:t>03.03.2023</a:t>
+              <a:t>15.03.2023</a:t>
             </a:fld>
             <a:endParaRPr lang="de-AT"/>
           </a:p>
@@ -1831,7 +1832,7 @@
           <a:p>
             <a:fld id="{E5B2F287-A29C-4C70-831C-74BFCFEDEFEA}" type="datetimeFigureOut">
               <a:rPr lang="de-AT" smtClean="0"/>
-              <a:t>03.03.2023</a:t>
+              <a:t>15.03.2023</a:t>
             </a:fld>
             <a:endParaRPr lang="de-AT"/>
           </a:p>
@@ -2108,7 +2109,7 @@
           <a:p>
             <a:fld id="{E5B2F287-A29C-4C70-831C-74BFCFEDEFEA}" type="datetimeFigureOut">
               <a:rPr lang="de-AT" smtClean="0"/>
-              <a:t>03.03.2023</a:t>
+              <a:t>15.03.2023</a:t>
             </a:fld>
             <a:endParaRPr lang="de-AT"/>
           </a:p>
@@ -2361,7 +2362,7 @@
           <a:p>
             <a:fld id="{E5B2F287-A29C-4C70-831C-74BFCFEDEFEA}" type="datetimeFigureOut">
               <a:rPr lang="de-AT" smtClean="0"/>
-              <a:t>03.03.2023</a:t>
+              <a:t>15.03.2023</a:t>
             </a:fld>
             <a:endParaRPr lang="de-AT"/>
           </a:p>
@@ -2574,7 +2575,7 @@
           <a:p>
             <a:fld id="{E5B2F287-A29C-4C70-831C-74BFCFEDEFEA}" type="datetimeFigureOut">
               <a:rPr lang="de-AT" smtClean="0"/>
-              <a:t>03.03.2023</a:t>
+              <a:t>15.03.2023</a:t>
             </a:fld>
             <a:endParaRPr lang="de-AT"/>
           </a:p>
@@ -11559,6 +11560,106 @@
     <p:extLst>
       <p:ext uri="{BB962C8B-B14F-4D97-AF65-F5344CB8AC3E}">
         <p14:creationId xmlns:p14="http://schemas.microsoft.com/office/powerpoint/2010/main" val="1263397556"/>
+      </p:ext>
+    </p:extLst>
+  </p:cSld>
+  <p:clrMapOvr>
+    <a:masterClrMapping/>
+  </p:clrMapOvr>
+</p:sld>
+</file>
+
+<file path=ppt/slides/slide12.xml><?xml version="1.0" encoding="utf-8"?>
+<p:sld xmlns:a="http://schemas.openxmlformats.org/drawingml/2006/main" xmlns:r="http://schemas.openxmlformats.org/officeDocument/2006/relationships" xmlns:p="http://schemas.openxmlformats.org/presentationml/2006/main">
+  <p:cSld>
+    <p:spTree>
+      <p:nvGrpSpPr>
+        <p:cNvPr id="1" name=""/>
+        <p:cNvGrpSpPr/>
+        <p:nvPr/>
+      </p:nvGrpSpPr>
+      <p:grpSpPr>
+        <a:xfrm>
+          <a:off x="0" y="0"/>
+          <a:ext cx="0" cy="0"/>
+          <a:chOff x="0" y="0"/>
+          <a:chExt cx="0" cy="0"/>
+        </a:xfrm>
+      </p:grpSpPr>
+      <p:pic>
+        <p:nvPicPr>
+          <p:cNvPr id="5" name="Picture 4">
+            <a:extLst>
+              <a:ext uri="{FF2B5EF4-FFF2-40B4-BE49-F238E27FC236}">
+                <a16:creationId xmlns:a16="http://schemas.microsoft.com/office/drawing/2014/main" id="{72BA0714-62FB-43DB-A40F-A49B485D0583}"/>
+              </a:ext>
+            </a:extLst>
+          </p:cNvPr>
+          <p:cNvPicPr>
+            <a:picLocks noChangeAspect="1"/>
+          </p:cNvPicPr>
+          <p:nvPr/>
+        </p:nvPicPr>
+        <p:blipFill rotWithShape="1">
+          <a:blip r:embed="rId2" cstate="print">
+            <a:extLst>
+              <a:ext uri="{28A0092B-C50C-407E-A947-70E740481C1C}">
+                <a14:useLocalDpi xmlns:a14="http://schemas.microsoft.com/office/drawing/2010/main" val="0"/>
+              </a:ext>
+            </a:extLst>
+          </a:blip>
+          <a:srcRect l="4972" r="48174"/>
+          <a:stretch/>
+        </p:blipFill>
+        <p:spPr>
+          <a:xfrm>
+            <a:off x="3064816" y="2428230"/>
+            <a:ext cx="3031184" cy="1175281"/>
+          </a:xfrm>
+          <a:prstGeom prst="rect">
+            <a:avLst/>
+          </a:prstGeom>
+        </p:spPr>
+      </p:pic>
+      <p:pic>
+        <p:nvPicPr>
+          <p:cNvPr id="7" name="Picture 6">
+            <a:extLst>
+              <a:ext uri="{FF2B5EF4-FFF2-40B4-BE49-F238E27FC236}">
+                <a16:creationId xmlns:a16="http://schemas.microsoft.com/office/drawing/2014/main" id="{E9B4EA5C-5447-4DE8-A3F6-407F36D1AB72}"/>
+              </a:ext>
+            </a:extLst>
+          </p:cNvPr>
+          <p:cNvPicPr>
+            <a:picLocks noChangeAspect="1"/>
+          </p:cNvPicPr>
+          <p:nvPr/>
+        </p:nvPicPr>
+        <p:blipFill rotWithShape="1">
+          <a:blip r:embed="rId3" cstate="print">
+            <a:extLst>
+              <a:ext uri="{28A0092B-C50C-407E-A947-70E740481C1C}">
+                <a14:useLocalDpi xmlns:a14="http://schemas.microsoft.com/office/drawing/2010/main" val="0"/>
+              </a:ext>
+            </a:extLst>
+          </a:blip>
+          <a:srcRect l="49288" r="4023"/>
+          <a:stretch/>
+        </p:blipFill>
+        <p:spPr>
+          <a:xfrm>
+            <a:off x="3064817" y="3603511"/>
+            <a:ext cx="3031183" cy="1179434"/>
+          </a:xfrm>
+          <a:prstGeom prst="rect">
+            <a:avLst/>
+          </a:prstGeom>
+        </p:spPr>
+      </p:pic>
+    </p:spTree>
+    <p:extLst>
+      <p:ext uri="{BB962C8B-B14F-4D97-AF65-F5344CB8AC3E}">
+        <p14:creationId xmlns:p14="http://schemas.microsoft.com/office/powerpoint/2010/main" val="2655058859"/>
       </p:ext>
     </p:extLst>
   </p:cSld>
